--- a/2BPR.pptx
+++ b/2BPR.pptx
@@ -5,7 +5,7 @@
     <p:sldMasterId id="2147483648" r:id="rId1"/>
   </p:sldMasterIdLst>
   <p:notesMasterIdLst>
-    <p:notesMasterId r:id="rId28"/>
+    <p:notesMasterId r:id="rId29"/>
   </p:notesMasterIdLst>
   <p:sldIdLst>
     <p:sldId id="258" r:id="rId2"/>
@@ -30,10 +30,11 @@
     <p:sldId id="286" r:id="rId21"/>
     <p:sldId id="287" r:id="rId22"/>
     <p:sldId id="291" r:id="rId23"/>
-    <p:sldId id="292" r:id="rId24"/>
-    <p:sldId id="261" r:id="rId25"/>
-    <p:sldId id="271" r:id="rId26"/>
-    <p:sldId id="265" r:id="rId27"/>
+    <p:sldId id="293" r:id="rId24"/>
+    <p:sldId id="295" r:id="rId25"/>
+    <p:sldId id="261" r:id="rId26"/>
+    <p:sldId id="271" r:id="rId27"/>
+    <p:sldId id="265" r:id="rId28"/>
   </p:sldIdLst>
   <p:sldSz cx="12192000" cy="6858000"/>
   <p:notesSz cx="6858000" cy="9144000"/>
@@ -142,7 +143,7 @@
 
 <file path=ppt/commentAuthors.xml><?xml version="1.0" encoding="utf-8"?>
 <p:cmAuthorLst xmlns:a="http://schemas.openxmlformats.org/drawingml/2006/main" xmlns:r="http://schemas.openxmlformats.org/officeDocument/2006/relationships" xmlns:p="http://schemas.openxmlformats.org/presentationml/2006/main">
-  <p:cmAuthor id="1" name="Lukas Justen" initials="LJ" lastIdx="19" clrIdx="0">
+  <p:cmAuthor id="1" name="Lukas Justen" initials="LJ" lastIdx="20" clrIdx="0">
     <p:extLst>
       <p:ext uri="{19B8F6BF-5375-455C-9EA6-DF929625EA0E}">
         <p15:presenceInfo xmlns:p15="http://schemas.microsoft.com/office/powerpoint/2012/main" userId="Lukas Justen" providerId="None"/>
@@ -518,7 +519,7 @@
           <a:p>
             <a:fld id="{552EA148-05D6-4D6A-B92E-EDBC39E41ABD}" type="datetimeFigureOut">
               <a:rPr lang="en-US" smtClean="0"/>
-              <a:t>12/31/2017</a:t>
+              <a:t>1/1/2018</a:t>
             </a:fld>
             <a:endParaRPr lang="en-US"/>
           </a:p>
@@ -3694,6 +3695,420 @@
 </p:notes>
 </file>
 
+<file path=ppt/notesSlides/notesSlide20.xml><?xml version="1.0" encoding="utf-8"?>
+<p:notes xmlns:a="http://schemas.openxmlformats.org/drawingml/2006/main" xmlns:r="http://schemas.openxmlformats.org/officeDocument/2006/relationships" xmlns:p="http://schemas.openxmlformats.org/presentationml/2006/main">
+  <p:cSld>
+    <p:spTree>
+      <p:nvGrpSpPr>
+        <p:cNvPr id="1" name=""/>
+        <p:cNvGrpSpPr/>
+        <p:nvPr/>
+      </p:nvGrpSpPr>
+      <p:grpSpPr>
+        <a:xfrm>
+          <a:off x="0" y="0"/>
+          <a:ext cx="0" cy="0"/>
+          <a:chOff x="0" y="0"/>
+          <a:chExt cx="0" cy="0"/>
+        </a:xfrm>
+      </p:grpSpPr>
+      <p:sp>
+        <p:nvSpPr>
+          <p:cNvPr id="2" name="Folienbildplatzhalter 1"/>
+          <p:cNvSpPr>
+            <a:spLocks noGrp="1" noRot="1" noChangeAspect="1"/>
+          </p:cNvSpPr>
+          <p:nvPr>
+            <p:ph type="sldImg"/>
+          </p:nvPr>
+        </p:nvSpPr>
+        <p:spPr/>
+      </p:sp>
+      <p:sp>
+        <p:nvSpPr>
+          <p:cNvPr id="3" name="Notizenplatzhalter 2"/>
+          <p:cNvSpPr>
+            <a:spLocks noGrp="1"/>
+          </p:cNvSpPr>
+          <p:nvPr>
+            <p:ph type="body" idx="1"/>
+          </p:nvPr>
+        </p:nvSpPr>
+        <p:spPr/>
+        <p:txBody>
+          <a:bodyPr/>
+          <a:lstStyle/>
+          <a:p>
+            <a:r>
+              <a:rPr lang="de-DE" b="1" u="sng" dirty="0"/>
+              <a:t>Policy Compliance:</a:t>
+            </a:r>
+          </a:p>
+          <a:p>
+            <a:r>
+              <a:rPr lang="de-DE" dirty="0">
+                <a:solidFill>
+                  <a:srgbClr val="FFC000"/>
+                </a:solidFill>
+              </a:rPr>
+              <a:t>    </a:t>
+            </a:r>
+            <a:r>
+              <a:rPr lang="en-US" dirty="0" err="1">
+                <a:solidFill>
+                  <a:srgbClr val="FFC000"/>
+                </a:solidFill>
+              </a:rPr>
+              <a:t>Angreifer</a:t>
+            </a:r>
+            <a:r>
+              <a:rPr lang="en-US" dirty="0">
+                <a:solidFill>
+                  <a:srgbClr val="FFC000"/>
+                </a:solidFill>
+              </a:rPr>
+              <a:t> </a:t>
+            </a:r>
+            <a:r>
+              <a:rPr lang="en-US" dirty="0" err="1">
+                <a:solidFill>
+                  <a:srgbClr val="FFC000"/>
+                </a:solidFill>
+              </a:rPr>
+              <a:t>versucht</a:t>
+            </a:r>
+            <a:r>
+              <a:rPr lang="en-US" dirty="0">
+                <a:solidFill>
+                  <a:srgbClr val="FFC000"/>
+                </a:solidFill>
+              </a:rPr>
+              <a:t> </a:t>
+            </a:r>
+            <a:r>
+              <a:rPr lang="en-US" dirty="0" err="1">
+                <a:solidFill>
+                  <a:srgbClr val="FFC000"/>
+                </a:solidFill>
+              </a:rPr>
+              <a:t>Passwort</a:t>
+            </a:r>
+            <a:r>
+              <a:rPr lang="en-US" dirty="0">
+                <a:solidFill>
+                  <a:srgbClr val="FFC000"/>
+                </a:solidFill>
+              </a:rPr>
+              <a:t> das </a:t>
+            </a:r>
+            <a:r>
+              <a:rPr lang="en-US" dirty="0" err="1">
+                <a:solidFill>
+                  <a:srgbClr val="FFC000"/>
+                </a:solidFill>
+              </a:rPr>
+              <a:t>nicht</a:t>
+            </a:r>
+            <a:r>
+              <a:rPr lang="en-US" dirty="0">
+                <a:solidFill>
+                  <a:srgbClr val="FFC000"/>
+                </a:solidFill>
+              </a:rPr>
+              <a:t> Policy </a:t>
+            </a:r>
+            <a:r>
+              <a:rPr lang="en-US" dirty="0" err="1">
+                <a:solidFill>
+                  <a:srgbClr val="FFC000"/>
+                </a:solidFill>
+              </a:rPr>
+              <a:t>konform</a:t>
+            </a:r>
+            <a:r>
+              <a:rPr lang="en-US" dirty="0">
+                <a:solidFill>
+                  <a:srgbClr val="FFC000"/>
+                </a:solidFill>
+              </a:rPr>
+              <a:t> </a:t>
+            </a:r>
+            <a:r>
+              <a:rPr lang="en-US" dirty="0" err="1">
+                <a:solidFill>
+                  <a:srgbClr val="FFC000"/>
+                </a:solidFill>
+              </a:rPr>
+              <a:t>ist</a:t>
+            </a:r>
+            <a:r>
+              <a:rPr lang="en-US" dirty="0">
+                <a:solidFill>
+                  <a:srgbClr val="FFC000"/>
+                </a:solidFill>
+              </a:rPr>
+              <a:t> </a:t>
+            </a:r>
+            <a:r>
+              <a:rPr lang="en-US" dirty="0" err="1">
+                <a:solidFill>
+                  <a:srgbClr val="FFC000"/>
+                </a:solidFill>
+              </a:rPr>
+              <a:t>zu</a:t>
+            </a:r>
+            <a:r>
+              <a:rPr lang="en-US" dirty="0">
+                <a:solidFill>
+                  <a:srgbClr val="FFC000"/>
+                </a:solidFill>
+              </a:rPr>
+              <a:t> </a:t>
+            </a:r>
+            <a:r>
+              <a:rPr lang="en-US" dirty="0" err="1">
+                <a:solidFill>
+                  <a:srgbClr val="FFC000"/>
+                </a:solidFill>
+              </a:rPr>
+              <a:t>registrieren</a:t>
+            </a:r>
+            <a:endParaRPr lang="en-US" dirty="0">
+              <a:solidFill>
+                <a:srgbClr val="FFC000"/>
+              </a:solidFill>
+            </a:endParaRPr>
+          </a:p>
+          <a:p>
+            <a:endParaRPr lang="de-DE" dirty="0"/>
+          </a:p>
+          <a:p>
+            <a:r>
+              <a:rPr lang="de-DE" dirty="0"/>
+              <a:t>Man kann das ganze auch formal notieren, steht aber auch im Paper</a:t>
+            </a:r>
+          </a:p>
+        </p:txBody>
+      </p:sp>
+      <p:sp>
+        <p:nvSpPr>
+          <p:cNvPr id="4" name="Foliennummernplatzhalter 3"/>
+          <p:cNvSpPr>
+            <a:spLocks noGrp="1"/>
+          </p:cNvSpPr>
+          <p:nvPr>
+            <p:ph type="sldNum" sz="quarter" idx="10"/>
+          </p:nvPr>
+        </p:nvSpPr>
+        <p:spPr/>
+        <p:txBody>
+          <a:bodyPr/>
+          <a:lstStyle/>
+          <a:p>
+            <a:fld id="{19F2E689-7ADB-4F62-9F21-572B82886E3D}" type="slidenum">
+              <a:rPr lang="en-US" smtClean="0"/>
+              <a:t>23</a:t>
+            </a:fld>
+            <a:endParaRPr lang="en-US"/>
+          </a:p>
+        </p:txBody>
+      </p:sp>
+    </p:spTree>
+    <p:extLst>
+      <p:ext uri="{BB962C8B-B14F-4D97-AF65-F5344CB8AC3E}">
+        <p14:creationId xmlns:p14="http://schemas.microsoft.com/office/powerpoint/2010/main" val="3754549347"/>
+      </p:ext>
+    </p:extLst>
+  </p:cSld>
+  <p:clrMapOvr>
+    <a:masterClrMapping/>
+  </p:clrMapOvr>
+</p:notes>
+</file>
+
+<file path=ppt/notesSlides/notesSlide21.xml><?xml version="1.0" encoding="utf-8"?>
+<p:notes xmlns:a="http://schemas.openxmlformats.org/drawingml/2006/main" xmlns:r="http://schemas.openxmlformats.org/officeDocument/2006/relationships" xmlns:p="http://schemas.openxmlformats.org/presentationml/2006/main">
+  <p:cSld>
+    <p:spTree>
+      <p:nvGrpSpPr>
+        <p:cNvPr id="1" name=""/>
+        <p:cNvGrpSpPr/>
+        <p:nvPr/>
+      </p:nvGrpSpPr>
+      <p:grpSpPr>
+        <a:xfrm>
+          <a:off x="0" y="0"/>
+          <a:ext cx="0" cy="0"/>
+          <a:chOff x="0" y="0"/>
+          <a:chExt cx="0" cy="0"/>
+        </a:xfrm>
+      </p:grpSpPr>
+      <p:sp>
+        <p:nvSpPr>
+          <p:cNvPr id="2" name="Folienbildplatzhalter 1"/>
+          <p:cNvSpPr>
+            <a:spLocks noGrp="1" noRot="1" noChangeAspect="1"/>
+          </p:cNvSpPr>
+          <p:nvPr>
+            <p:ph type="sldImg"/>
+          </p:nvPr>
+        </p:nvSpPr>
+        <p:spPr/>
+      </p:sp>
+      <p:sp>
+        <p:nvSpPr>
+          <p:cNvPr id="3" name="Notizenplatzhalter 2"/>
+          <p:cNvSpPr>
+            <a:spLocks noGrp="1"/>
+          </p:cNvSpPr>
+          <p:nvPr>
+            <p:ph type="body" idx="1"/>
+          </p:nvPr>
+        </p:nvSpPr>
+        <p:spPr/>
+        <p:txBody>
+          <a:bodyPr/>
+          <a:lstStyle/>
+          <a:p>
+            <a:r>
+              <a:rPr lang="de-DE" b="1" u="sng" dirty="0"/>
+              <a:t>Password Blindness:</a:t>
+            </a:r>
+          </a:p>
+          <a:p>
+            <a:r>
+              <a:rPr lang="en-US" dirty="0"/>
+              <a:t>    Gilt </a:t>
+            </a:r>
+            <a:r>
+              <a:rPr lang="en-US" dirty="0" err="1"/>
+              <a:t>für</a:t>
+            </a:r>
+            <a:r>
+              <a:rPr lang="en-US" dirty="0"/>
+              <a:t> </a:t>
+            </a:r>
+            <a:r>
+              <a:rPr lang="en-US" dirty="0" err="1"/>
+              <a:t>alle</a:t>
+            </a:r>
+            <a:r>
+              <a:rPr lang="en-US" dirty="0"/>
+              <a:t> Policies und </a:t>
+            </a:r>
+            <a:r>
+              <a:rPr lang="en-US" dirty="0" err="1"/>
+              <a:t>alle</a:t>
+            </a:r>
+            <a:r>
+              <a:rPr lang="en-US" dirty="0"/>
+              <a:t> </a:t>
+            </a:r>
+            <a:r>
+              <a:rPr lang="en-US" dirty="0" err="1"/>
+              <a:t>Passwörter</a:t>
+            </a:r>
+            <a:endParaRPr lang="en-US" dirty="0"/>
+          </a:p>
+          <a:p>
+            <a:endParaRPr lang="de-DE" dirty="0"/>
+          </a:p>
+          <a:p>
+            <a:r>
+              <a:rPr lang="de-DE" b="1" u="sng" dirty="0" err="1"/>
+              <a:t>Two</a:t>
+            </a:r>
+            <a:r>
+              <a:rPr lang="de-DE" b="1" u="sng" dirty="0"/>
+              <a:t> Server Blind Password Registration</a:t>
+            </a:r>
+          </a:p>
+          <a:p>
+            <a:r>
+              <a:rPr lang="de-DE" dirty="0"/>
+              <a:t>Die Server akzeptieren das Passwort zur Mutual Password Policy eventuell, wenn …</a:t>
+            </a:r>
+          </a:p>
+          <a:p>
+            <a:r>
+              <a:rPr lang="de-DE" dirty="0"/>
+              <a:t>    1. das Passwort Policy konform ist</a:t>
+            </a:r>
+          </a:p>
+          <a:p>
+            <a:r>
+              <a:rPr lang="de-DE" dirty="0"/>
+              <a:t>    2. s</a:t>
+            </a:r>
+            <a:r>
+              <a:rPr lang="de-DE" baseline="-25000" dirty="0"/>
+              <a:t>1</a:t>
+            </a:r>
+            <a:r>
+              <a:rPr lang="de-DE" baseline="0" dirty="0"/>
+              <a:t> + s</a:t>
+            </a:r>
+            <a:r>
+              <a:rPr lang="de-DE" baseline="-25000" dirty="0"/>
+              <a:t>2</a:t>
+            </a:r>
+            <a:r>
+              <a:rPr lang="de-DE" baseline="0" dirty="0"/>
+              <a:t> = </a:t>
+            </a:r>
+            <a:r>
+              <a:rPr lang="el-GR" baseline="0" dirty="0">
+                <a:latin typeface="Calibri" panose="020F0502020204030204" pitchFamily="34" charset="0"/>
+                <a:cs typeface="Calibri" panose="020F0502020204030204" pitchFamily="34" charset="0"/>
+              </a:rPr>
+              <a:t>π</a:t>
+            </a:r>
+            <a:endParaRPr lang="en-US" i="1" dirty="0">
+              <a:latin typeface="Cambria Math" panose="02040503050406030204" pitchFamily="18" charset="0"/>
+              <a:ea typeface="Cambria Math" panose="02040503050406030204" pitchFamily="18" charset="0"/>
+            </a:endParaRPr>
+          </a:p>
+          <a:p>
+            <a:endParaRPr lang="de-DE" dirty="0"/>
+          </a:p>
+        </p:txBody>
+      </p:sp>
+      <p:sp>
+        <p:nvSpPr>
+          <p:cNvPr id="4" name="Foliennummernplatzhalter 3"/>
+          <p:cNvSpPr>
+            <a:spLocks noGrp="1"/>
+          </p:cNvSpPr>
+          <p:nvPr>
+            <p:ph type="sldNum" sz="quarter" idx="10"/>
+          </p:nvPr>
+        </p:nvSpPr>
+        <p:spPr/>
+        <p:txBody>
+          <a:bodyPr/>
+          <a:lstStyle/>
+          <a:p>
+            <a:fld id="{19F2E689-7ADB-4F62-9F21-572B82886E3D}" type="slidenum">
+              <a:rPr lang="en-US" smtClean="0"/>
+              <a:t>24</a:t>
+            </a:fld>
+            <a:endParaRPr lang="en-US"/>
+          </a:p>
+        </p:txBody>
+      </p:sp>
+    </p:spTree>
+    <p:extLst>
+      <p:ext uri="{BB962C8B-B14F-4D97-AF65-F5344CB8AC3E}">
+        <p14:creationId xmlns:p14="http://schemas.microsoft.com/office/powerpoint/2010/main" val="4077686030"/>
+      </p:ext>
+    </p:extLst>
+  </p:cSld>
+  <p:clrMapOvr>
+    <a:masterClrMapping/>
+  </p:clrMapOvr>
+</p:notes>
+</file>
+
 <file path=ppt/notesSlides/notesSlide3.xml><?xml version="1.0" encoding="utf-8"?>
 <p:notes xmlns:a="http://schemas.openxmlformats.org/drawingml/2006/main" xmlns:r="http://schemas.openxmlformats.org/officeDocument/2006/relationships" xmlns:p="http://schemas.openxmlformats.org/presentationml/2006/main">
   <p:cSld>
@@ -6176,7 +6591,7 @@
           <a:p>
             <a:fld id="{040B55A3-D050-4512-A2B7-3FAE9AAB8B27}" type="datetime1">
               <a:rPr lang="de-DE" smtClean="0"/>
-              <a:t>31.12.2017</a:t>
+              <a:t>01.01.2018</a:t>
             </a:fld>
             <a:endParaRPr lang="en-US" dirty="0"/>
           </a:p>
@@ -6647,7 +7062,7 @@
           <a:p>
             <a:fld id="{28D50BB7-E2B5-4873-9F23-4433FF9FF057}" type="datetime1">
               <a:rPr lang="de-DE" smtClean="0"/>
-              <a:t>31.12.2017</a:t>
+              <a:t>01.01.2018</a:t>
             </a:fld>
             <a:endParaRPr lang="en-US" dirty="0"/>
           </a:p>
@@ -6972,7 +7387,7 @@
           <a:p>
             <a:fld id="{BDAEB85F-B10B-445E-B56D-626F3D600529}" type="datetime1">
               <a:rPr lang="de-DE" smtClean="0"/>
-              <a:t>31.12.2017</a:t>
+              <a:t>01.01.2018</a:t>
             </a:fld>
             <a:endParaRPr lang="en-US"/>
           </a:p>
@@ -7422,7 +7837,7 @@
           <a:p>
             <a:fld id="{5538D691-F215-41DA-944D-CC2EEF668359}" type="datetime1">
               <a:rPr lang="de-DE" smtClean="0"/>
-              <a:t>31.12.2017</a:t>
+              <a:t>01.01.2018</a:t>
             </a:fld>
             <a:endParaRPr lang="en-US"/>
           </a:p>
@@ -7604,7 +8019,7 @@
           <a:p>
             <a:fld id="{D3387745-CC3C-41E7-B983-4C6D7C62A2B9}" type="datetime1">
               <a:rPr lang="de-DE" smtClean="0"/>
-              <a:t>31.12.2017</a:t>
+              <a:t>01.01.2018</a:t>
             </a:fld>
             <a:endParaRPr lang="en-US"/>
           </a:p>
@@ -7773,7 +8188,7 @@
           <a:p>
             <a:fld id="{2E51F313-B50C-4CC5-AB69-010D209F5784}" type="datetime1">
               <a:rPr lang="de-DE" smtClean="0"/>
-              <a:t>31.12.2017</a:t>
+              <a:t>01.01.2018</a:t>
             </a:fld>
             <a:endParaRPr lang="en-US"/>
           </a:p>
@@ -8255,7 +8670,7 @@
             <a:fld id="{014A7E50-CDC5-4B03-A3F1-913F3732ECE4}" type="datetime1">
               <a:rPr lang="de-DE" smtClean="0"/>
               <a:pPr/>
-              <a:t>31.12.2017</a:t>
+              <a:t>01.01.2018</a:t>
             </a:fld>
             <a:endParaRPr lang="en-US" dirty="0"/>
           </a:p>
@@ -9174,7 +9589,7 @@
           <a:p>
             <a:fld id="{040B55A3-D050-4512-A2B7-3FAE9AAB8B27}" type="datetime1">
               <a:rPr lang="de-DE" smtClean="0"/>
-              <a:t>31.12.2017</a:t>
+              <a:t>01.01.2018</a:t>
             </a:fld>
             <a:endParaRPr lang="en-US" dirty="0"/>
           </a:p>
@@ -10061,7 +10476,7 @@
           <a:p>
             <a:fld id="{28D50BB7-E2B5-4873-9F23-4433FF9FF057}" type="datetime1">
               <a:rPr lang="de-DE" smtClean="0"/>
-              <a:t>31.12.2017</a:t>
+              <a:t>01.01.2018</a:t>
             </a:fld>
             <a:endParaRPr lang="en-US" dirty="0"/>
           </a:p>
@@ -11036,7 +11451,7 @@
           <a:p>
             <a:fld id="{28D50BB7-E2B5-4873-9F23-4433FF9FF057}" type="datetime1">
               <a:rPr lang="de-DE" smtClean="0"/>
-              <a:t>31.12.2017</a:t>
+              <a:t>01.01.2018</a:t>
             </a:fld>
             <a:endParaRPr lang="en-US" dirty="0"/>
           </a:p>
@@ -12352,7 +12767,7 @@
           <a:p>
             <a:fld id="{28D50BB7-E2B5-4873-9F23-4433FF9FF057}" type="datetime1">
               <a:rPr lang="de-DE" smtClean="0"/>
-              <a:t>31.12.2017</a:t>
+              <a:t>01.01.2018</a:t>
             </a:fld>
             <a:endParaRPr lang="en-US" dirty="0"/>
           </a:p>
@@ -12966,7 +13381,7 @@
           <a:p>
             <a:fld id="{28D50BB7-E2B5-4873-9F23-4433FF9FF057}" type="datetime1">
               <a:rPr lang="de-DE" smtClean="0"/>
-              <a:t>31.12.2017</a:t>
+              <a:t>01.01.2018</a:t>
             </a:fld>
             <a:endParaRPr lang="en-US" dirty="0"/>
           </a:p>
@@ -14047,7 +14462,7 @@
           <a:p>
             <a:fld id="{28D50BB7-E2B5-4873-9F23-4433FF9FF057}" type="datetime1">
               <a:rPr lang="de-DE" smtClean="0"/>
-              <a:t>31.12.2017</a:t>
+              <a:t>01.01.2018</a:t>
             </a:fld>
             <a:endParaRPr lang="en-US" dirty="0"/>
           </a:p>
@@ -14562,7 +14977,7 @@
           <a:p>
             <a:fld id="{28D50BB7-E2B5-4873-9F23-4433FF9FF057}" type="datetime1">
               <a:rPr lang="de-DE" smtClean="0"/>
-              <a:t>31.12.2017</a:t>
+              <a:t>01.01.2018</a:t>
             </a:fld>
             <a:endParaRPr lang="en-US" dirty="0"/>
           </a:p>
@@ -15292,7 +15707,7 @@
           <a:p>
             <a:fld id="{28D50BB7-E2B5-4873-9F23-4433FF9FF057}" type="datetime1">
               <a:rPr lang="de-DE" smtClean="0"/>
-              <a:t>31.12.2017</a:t>
+              <a:t>01.01.2018</a:t>
             </a:fld>
             <a:endParaRPr lang="en-US" dirty="0"/>
           </a:p>
@@ -15745,7 +16160,7 @@
           <a:p>
             <a:fld id="{28D50BB7-E2B5-4873-9F23-4433FF9FF057}" type="datetime1">
               <a:rPr lang="de-DE" smtClean="0"/>
-              <a:t>31.12.2017</a:t>
+              <a:t>01.01.2018</a:t>
             </a:fld>
             <a:endParaRPr lang="en-US" dirty="0"/>
           </a:p>
@@ -16099,10 +16514,10 @@
         </p:nvGrpSpPr>
         <p:grpSpPr>
           <a:xfrm>
-            <a:off x="1236083" y="3262314"/>
-            <a:ext cx="6520733" cy="2642799"/>
-            <a:chOff x="3343557" y="3262314"/>
-            <a:chExt cx="6520733" cy="2642799"/>
+            <a:off x="1236083" y="3276828"/>
+            <a:ext cx="6520733" cy="2628285"/>
+            <a:chOff x="3343557" y="3276828"/>
+            <a:chExt cx="6520733" cy="2628285"/>
           </a:xfrm>
         </p:grpSpPr>
         <p:sp>
@@ -16178,7 +16593,7 @@
           </p:nvSpPr>
           <p:spPr>
             <a:xfrm>
-              <a:off x="5592800" y="3262314"/>
+              <a:off x="5592800" y="3276828"/>
               <a:ext cx="1006400" cy="498772"/>
             </a:xfrm>
             <a:prstGeom prst="rect">
@@ -18410,7 +18825,7 @@
           <a:p>
             <a:fld id="{28D50BB7-E2B5-4873-9F23-4433FF9FF057}" type="datetime1">
               <a:rPr lang="de-DE" smtClean="0"/>
-              <a:t>31.12.2017</a:t>
+              <a:t>01.01.2018</a:t>
             </a:fld>
             <a:endParaRPr lang="en-US" dirty="0"/>
           </a:p>
@@ -18633,7 +19048,7 @@
           <a:p>
             <a:fld id="{28D50BB7-E2B5-4873-9F23-4433FF9FF057}" type="datetime1">
               <a:rPr lang="de-DE" smtClean="0"/>
-              <a:t>31.12.2017</a:t>
+              <a:t>01.01.2018</a:t>
             </a:fld>
             <a:endParaRPr lang="en-US" dirty="0"/>
           </a:p>
@@ -18750,10 +19165,10 @@
         </p:nvGrpSpPr>
         <p:grpSpPr>
           <a:xfrm>
-            <a:off x="3343557" y="3262314"/>
-            <a:ext cx="6520733" cy="2642799"/>
-            <a:chOff x="3343557" y="3262314"/>
-            <a:chExt cx="6520733" cy="2642799"/>
+            <a:off x="3343557" y="3276828"/>
+            <a:ext cx="6520733" cy="2628285"/>
+            <a:chOff x="3343557" y="3276828"/>
+            <a:chExt cx="6520733" cy="2628285"/>
           </a:xfrm>
         </p:grpSpPr>
         <p:sp>
@@ -18829,7 +19244,7 @@
           </p:nvSpPr>
           <p:spPr>
             <a:xfrm>
-              <a:off x="5592800" y="3262314"/>
+              <a:off x="5592800" y="3276828"/>
               <a:ext cx="1006400" cy="498772"/>
             </a:xfrm>
             <a:prstGeom prst="rect">
@@ -20196,7 +20611,7 @@
           <a:p>
             <a:fld id="{28D50BB7-E2B5-4873-9F23-4433FF9FF057}" type="datetime1">
               <a:rPr lang="de-DE" smtClean="0"/>
-              <a:t>31.12.2017</a:t>
+              <a:t>01.01.2018</a:t>
             </a:fld>
             <a:endParaRPr lang="en-US" dirty="0"/>
           </a:p>
@@ -21690,7 +22105,7 @@
           <a:p>
             <a:fld id="{28D50BB7-E2B5-4873-9F23-4433FF9FF057}" type="datetime1">
               <a:rPr lang="de-DE" smtClean="0"/>
-              <a:t>31.12.2017</a:t>
+              <a:t>01.01.2018</a:t>
             </a:fld>
             <a:endParaRPr lang="en-US" dirty="0"/>
           </a:p>
@@ -22165,7 +22580,7 @@
           <a:p>
             <a:fld id="{28D50BB7-E2B5-4873-9F23-4433FF9FF057}" type="datetime1">
               <a:rPr lang="de-DE" smtClean="0"/>
-              <a:t>31.12.2017</a:t>
+              <a:t>01.01.2018</a:t>
             </a:fld>
             <a:endParaRPr lang="en-US" dirty="0"/>
           </a:p>
@@ -22958,7 +23373,7 @@
           <a:p>
             <a:fld id="{28D50BB7-E2B5-4873-9F23-4433FF9FF057}" type="datetime1">
               <a:rPr lang="de-DE" smtClean="0"/>
-              <a:t>31.12.2017</a:t>
+              <a:t>01.01.2018</a:t>
             </a:fld>
             <a:endParaRPr lang="en-US" dirty="0"/>
           </a:p>
@@ -23912,10 +24327,10 @@
       </p:grpSpPr>
       <p:sp>
         <p:nvSpPr>
-          <p:cNvPr id="2" name="Inhaltsplatzhalter 1">
+          <p:cNvPr id="2" name="Textplatzhalter 1">
             <a:extLst>
               <a:ext uri="{FF2B5EF4-FFF2-40B4-BE49-F238E27FC236}">
-                <a16:creationId xmlns:a16="http://schemas.microsoft.com/office/drawing/2014/main" id="{1BE7EBC9-2586-4BB6-AA16-75077DDB6640}"/>
+                <a16:creationId xmlns:a16="http://schemas.microsoft.com/office/drawing/2014/main" id="{A0DD9022-0DDB-4339-A191-042CA6FEA14F}"/>
               </a:ext>
             </a:extLst>
           </p:cNvPr>
@@ -23923,557 +24338,100 @@
             <a:spLocks noGrp="1"/>
           </p:cNvSpPr>
           <p:nvPr>
-            <p:ph idx="1"/>
+            <p:ph type="body" idx="1"/>
           </p:nvPr>
         </p:nvSpPr>
         <p:spPr>
           <a:xfrm>
-            <a:off x="1097280" y="1678317"/>
-            <a:ext cx="10515600" cy="4351338"/>
+            <a:off x="1097280" y="1937862"/>
+            <a:ext cx="5157787" cy="823912"/>
+          </a:xfrm>
+        </p:spPr>
+        <p:txBody>
+          <a:bodyPr/>
+          <a:lstStyle/>
+          <a:p>
+            <a:r>
+              <a:rPr lang="de-DE" b="0" cap="all" spc="200" dirty="0">
+                <a:solidFill>
+                  <a:schemeClr val="tx2"/>
+                </a:solidFill>
+                <a:latin typeface="+mj-lt"/>
+              </a:rPr>
+              <a:t>1. Policy Compliance</a:t>
+            </a:r>
+          </a:p>
+        </p:txBody>
+      </p:sp>
+      <p:sp>
+        <p:nvSpPr>
+          <p:cNvPr id="3" name="Inhaltsplatzhalter 2">
+            <a:extLst>
+              <a:ext uri="{FF2B5EF4-FFF2-40B4-BE49-F238E27FC236}">
+                <a16:creationId xmlns:a16="http://schemas.microsoft.com/office/drawing/2014/main" id="{15E02B5D-814B-49CB-8EBA-1DD8DA1969B7}"/>
+              </a:ext>
+            </a:extLst>
+          </p:cNvPr>
+          <p:cNvSpPr>
+            <a:spLocks noGrp="1"/>
+          </p:cNvSpPr>
+          <p:nvPr>
+            <p:ph sz="half" idx="2"/>
+          </p:nvPr>
+        </p:nvSpPr>
+        <p:spPr>
+          <a:xfrm>
+            <a:off x="1097279" y="2761774"/>
+            <a:ext cx="10218045" cy="2724626"/>
           </a:xfrm>
         </p:spPr>
         <p:txBody>
           <a:bodyPr>
-            <a:normAutofit fontScale="92500" lnSpcReduction="20000"/>
+            <a:normAutofit/>
           </a:bodyPr>
           <a:lstStyle/>
           <a:p>
-            <a:r>
-              <a:rPr lang="de-DE" dirty="0" err="1"/>
-              <a:t>Two</a:t>
-            </a:r>
-            <a:r>
-              <a:rPr lang="de-DE" dirty="0"/>
-              <a:t> Server Blind Password Registration</a:t>
-            </a:r>
-          </a:p>
-          <a:p>
-            <a:pPr marL="457200" lvl="1" indent="0">
+            <a:pPr marL="0" indent="0" algn="just">
               <a:buNone/>
             </a:pPr>
             <a:r>
               <a:rPr lang="de-DE" dirty="0"/>
-              <a:t>Die Server akzeptieren das Passwort zu Policy f = f</a:t>
-            </a:r>
-            <a:r>
-              <a:rPr lang="de-DE" baseline="-25000" dirty="0"/>
-              <a:t>0</a:t>
-            </a:r>
-            <a:r>
-              <a:rPr lang="de-DE" dirty="0"/>
-              <a:t> </a:t>
-            </a:r>
-            <a:r>
-              <a:rPr lang="de-DE" dirty="0">
-                <a:latin typeface="Calibri" panose="020F0502020204030204" pitchFamily="34" charset="0"/>
-                <a:cs typeface="Calibri" panose="020F0502020204030204" pitchFamily="34" charset="0"/>
-              </a:rPr>
-              <a:t>∩ f</a:t>
-            </a:r>
-            <a:r>
-              <a:rPr lang="de-DE" baseline="-25000" dirty="0">
-                <a:latin typeface="Calibri" panose="020F0502020204030204" pitchFamily="34" charset="0"/>
-                <a:cs typeface="Calibri" panose="020F0502020204030204" pitchFamily="34" charset="0"/>
-              </a:rPr>
-              <a:t>1</a:t>
-            </a:r>
-            <a:r>
-              <a:rPr lang="de-DE" dirty="0">
-                <a:latin typeface="Calibri" panose="020F0502020204030204" pitchFamily="34" charset="0"/>
-                <a:cs typeface="Calibri" panose="020F0502020204030204" pitchFamily="34" charset="0"/>
-              </a:rPr>
-              <a:t> </a:t>
-            </a:r>
-            <a:r>
-              <a:rPr lang="de-DE" dirty="0"/>
-              <a:t>eventuell, wenn gilt</a:t>
-            </a:r>
-          </a:p>
-          <a:p>
-            <a:pPr marL="457200" lvl="1" indent="0">
+              <a:t>Die beiden ehrlichen Server akzeptieren ihren Passwortshare, wenn dieser Policy konform ist, ansonsten lehnen sie den Share ab.</a:t>
+            </a:r>
+          </a:p>
+          <a:p>
+            <a:pPr marL="0" indent="0" algn="just">
               <a:buNone/>
             </a:pPr>
-            <a:r>
-              <a:rPr lang="en-US" i="1" dirty="0">
-                <a:latin typeface="Cambria Math" panose="02040503050406030204" pitchFamily="18" charset="0"/>
-                <a:ea typeface="Cambria Math" panose="02040503050406030204" pitchFamily="18" charset="0"/>
-              </a:rPr>
-              <a:t>(pw, s</a:t>
-            </a:r>
-            <a:r>
-              <a:rPr lang="en-US" i="1" baseline="-25000" dirty="0">
-                <a:latin typeface="Cambria Math" panose="02040503050406030204" pitchFamily="18" charset="0"/>
-                <a:ea typeface="Cambria Math" panose="02040503050406030204" pitchFamily="18" charset="0"/>
-              </a:rPr>
-              <a:t>0</a:t>
-            </a:r>
-            <a:r>
-              <a:rPr lang="en-US" i="1" dirty="0">
-                <a:latin typeface="Cambria Math" panose="02040503050406030204" pitchFamily="18" charset="0"/>
-                <a:ea typeface="Cambria Math" panose="02040503050406030204" pitchFamily="18" charset="0"/>
-              </a:rPr>
-              <a:t>, s</a:t>
-            </a:r>
-            <a:r>
-              <a:rPr lang="en-US" i="1" baseline="-25000" dirty="0">
-                <a:latin typeface="Cambria Math" panose="02040503050406030204" pitchFamily="18" charset="0"/>
-                <a:ea typeface="Cambria Math" panose="02040503050406030204" pitchFamily="18" charset="0"/>
-              </a:rPr>
-              <a:t>1</a:t>
-            </a:r>
-            <a:r>
-              <a:rPr lang="en-US" i="1" dirty="0">
-                <a:latin typeface="Cambria Math" panose="02040503050406030204" pitchFamily="18" charset="0"/>
-                <a:ea typeface="Cambria Math" panose="02040503050406030204" pitchFamily="18" charset="0"/>
-              </a:rPr>
-              <a:t>) : </a:t>
-            </a:r>
-            <a:r>
-              <a:rPr lang="en-US" i="1" dirty="0" err="1">
-                <a:latin typeface="Cambria Math" panose="02040503050406030204" pitchFamily="18" charset="0"/>
-                <a:ea typeface="Cambria Math" panose="02040503050406030204" pitchFamily="18" charset="0"/>
-              </a:rPr>
-              <a:t>PWDtoINT</a:t>
-            </a:r>
-            <a:r>
-              <a:rPr lang="en-US" i="1" dirty="0">
-                <a:latin typeface="Cambria Math" panose="02040503050406030204" pitchFamily="18" charset="0"/>
-                <a:ea typeface="Cambria Math" panose="02040503050406030204" pitchFamily="18" charset="0"/>
-              </a:rPr>
-              <a:t>(pw) = s</a:t>
-            </a:r>
-            <a:r>
-              <a:rPr lang="en-US" i="1" baseline="-25000" dirty="0">
-                <a:latin typeface="Cambria Math" panose="02040503050406030204" pitchFamily="18" charset="0"/>
-                <a:ea typeface="Cambria Math" panose="02040503050406030204" pitchFamily="18" charset="0"/>
-              </a:rPr>
-              <a:t>0</a:t>
-            </a:r>
-            <a:r>
-              <a:rPr lang="en-US" i="1" dirty="0">
-                <a:latin typeface="Cambria Math" panose="02040503050406030204" pitchFamily="18" charset="0"/>
-                <a:ea typeface="Cambria Math" panose="02040503050406030204" pitchFamily="18" charset="0"/>
-              </a:rPr>
-              <a:t> + s</a:t>
-            </a:r>
-            <a:r>
-              <a:rPr lang="en-US" i="1" baseline="-25000" dirty="0">
-                <a:latin typeface="Cambria Math" panose="02040503050406030204" pitchFamily="18" charset="0"/>
-                <a:ea typeface="Cambria Math" panose="02040503050406030204" pitchFamily="18" charset="0"/>
-              </a:rPr>
-              <a:t>1</a:t>
-            </a:r>
-            <a:r>
-              <a:rPr lang="en-US" i="1" dirty="0">
-                <a:latin typeface="Cambria Math" panose="02040503050406030204" pitchFamily="18" charset="0"/>
-                <a:ea typeface="Cambria Math" panose="02040503050406030204" pitchFamily="18" charset="0"/>
-              </a:rPr>
-              <a:t> ∧ f(pw) = true</a:t>
-            </a:r>
-          </a:p>
-          <a:p>
-            <a:pPr marL="457200" lvl="1" indent="0">
-              <a:buNone/>
+            <a:endParaRPr lang="de-DE" dirty="0"/>
+          </a:p>
+          <a:p>
+            <a:pPr marL="363538" indent="-363538" algn="just">
+              <a:buFont typeface="Calibri" panose="020F0502020204030204" pitchFamily="34" charset="0"/>
+              <a:buChar char="→"/>
             </a:pPr>
-            <a:endParaRPr lang="en-US" sz="2800" dirty="0"/>
-          </a:p>
-          <a:p>
-            <a:r>
-              <a:rPr lang="en-US" dirty="0"/>
-              <a:t>Policy Compliance</a:t>
-            </a:r>
-          </a:p>
-          <a:p>
-            <a:pPr marL="457200" lvl="1" indent="0">
-              <a:buNone/>
-            </a:pPr>
-            <a:r>
-              <a:rPr lang="en-US" dirty="0" err="1"/>
-              <a:t>Jeder</a:t>
-            </a:r>
-            <a:r>
-              <a:rPr lang="en-US" dirty="0"/>
-              <a:t> Server muss </a:t>
-            </a:r>
-            <a:r>
-              <a:rPr lang="en-US" dirty="0" err="1"/>
-              <a:t>seinen</a:t>
-            </a:r>
-            <a:r>
-              <a:rPr lang="en-US" dirty="0"/>
-              <a:t> Share </a:t>
-            </a:r>
-            <a:r>
-              <a:rPr lang="en-US" dirty="0" err="1"/>
-              <a:t>akzeptieren</a:t>
-            </a:r>
-            <a:r>
-              <a:rPr lang="en-US" dirty="0"/>
-              <a:t> und </a:t>
-            </a:r>
-            <a:r>
-              <a:rPr lang="en-US" dirty="0" err="1"/>
-              <a:t>nur</a:t>
-            </a:r>
-            <a:r>
-              <a:rPr lang="en-US" dirty="0"/>
-              <a:t> </a:t>
-            </a:r>
-            <a:r>
-              <a:rPr lang="en-US" dirty="0" err="1"/>
-              <a:t>dann</a:t>
-            </a:r>
-            <a:r>
-              <a:rPr lang="en-US" dirty="0"/>
-              <a:t> muss</a:t>
-            </a:r>
-          </a:p>
-          <a:p>
-            <a:pPr marL="457200" lvl="1" indent="0">
-              <a:buNone/>
-            </a:pPr>
-            <a:r>
-              <a:rPr lang="en-US" dirty="0"/>
-              <a:t>der </a:t>
-            </a:r>
-            <a:r>
-              <a:rPr lang="en-US" dirty="0" err="1"/>
-              <a:t>Zusammenschluss</a:t>
-            </a:r>
-            <a:r>
-              <a:rPr lang="en-US" dirty="0"/>
-              <a:t> der Shares </a:t>
-            </a:r>
-            <a:r>
-              <a:rPr lang="en-US" dirty="0" err="1"/>
-              <a:t>zum</a:t>
-            </a:r>
-            <a:r>
-              <a:rPr lang="en-US" dirty="0"/>
-              <a:t> </a:t>
-            </a:r>
-            <a:r>
-              <a:rPr lang="en-US" dirty="0" err="1"/>
-              <a:t>Passwort</a:t>
-            </a:r>
-            <a:r>
-              <a:rPr lang="en-US" dirty="0"/>
-              <a:t> Policy </a:t>
-            </a:r>
-            <a:r>
-              <a:rPr lang="en-US" dirty="0" err="1"/>
-              <a:t>konform</a:t>
-            </a:r>
-            <a:r>
-              <a:rPr lang="en-US" dirty="0"/>
-              <a:t> sein</a:t>
-            </a:r>
-            <a:endParaRPr lang="en-US" dirty="0">
-              <a:solidFill>
-                <a:srgbClr val="FF0000"/>
-              </a:solidFill>
-            </a:endParaRPr>
-          </a:p>
-          <a:p>
-            <a:pPr marL="457200" lvl="1" indent="0">
-              <a:buNone/>
-            </a:pPr>
-            <a:r>
-              <a:rPr lang="en-US" dirty="0" err="1">
-                <a:solidFill>
-                  <a:srgbClr val="FFC000"/>
-                </a:solidFill>
-              </a:rPr>
-              <a:t>Angreifer</a:t>
-            </a:r>
-            <a:r>
-              <a:rPr lang="en-US" dirty="0">
-                <a:solidFill>
-                  <a:srgbClr val="FFC000"/>
-                </a:solidFill>
-              </a:rPr>
-              <a:t> </a:t>
-            </a:r>
-            <a:r>
-              <a:rPr lang="en-US" dirty="0" err="1">
-                <a:solidFill>
-                  <a:srgbClr val="FFC000"/>
-                </a:solidFill>
-              </a:rPr>
-              <a:t>versucht</a:t>
-            </a:r>
-            <a:r>
-              <a:rPr lang="en-US" dirty="0">
-                <a:solidFill>
-                  <a:srgbClr val="FFC000"/>
-                </a:solidFill>
-              </a:rPr>
-              <a:t> </a:t>
-            </a:r>
-            <a:r>
-              <a:rPr lang="en-US" dirty="0" err="1">
-                <a:solidFill>
-                  <a:srgbClr val="FFC000"/>
-                </a:solidFill>
-              </a:rPr>
-              <a:t>Passwort</a:t>
-            </a:r>
-            <a:r>
-              <a:rPr lang="en-US" dirty="0">
-                <a:solidFill>
-                  <a:srgbClr val="FFC000"/>
-                </a:solidFill>
-              </a:rPr>
-              <a:t> das </a:t>
-            </a:r>
-            <a:r>
-              <a:rPr lang="en-US" dirty="0" err="1">
-                <a:solidFill>
-                  <a:srgbClr val="FFC000"/>
-                </a:solidFill>
-              </a:rPr>
-              <a:t>nicht</a:t>
-            </a:r>
-            <a:r>
-              <a:rPr lang="en-US" dirty="0">
-                <a:solidFill>
-                  <a:srgbClr val="FFC000"/>
-                </a:solidFill>
-              </a:rPr>
-              <a:t> Policy conform </a:t>
-            </a:r>
-            <a:r>
-              <a:rPr lang="en-US" dirty="0" err="1">
-                <a:solidFill>
-                  <a:srgbClr val="FFC000"/>
-                </a:solidFill>
-              </a:rPr>
-              <a:t>ist</a:t>
-            </a:r>
-            <a:r>
-              <a:rPr lang="en-US" dirty="0">
-                <a:solidFill>
-                  <a:srgbClr val="FFC000"/>
-                </a:solidFill>
-              </a:rPr>
-              <a:t> </a:t>
-            </a:r>
-            <a:r>
-              <a:rPr lang="en-US" dirty="0" err="1">
-                <a:solidFill>
-                  <a:srgbClr val="FFC000"/>
-                </a:solidFill>
-              </a:rPr>
-              <a:t>zu</a:t>
-            </a:r>
-            <a:r>
-              <a:rPr lang="en-US" dirty="0">
-                <a:solidFill>
-                  <a:srgbClr val="FFC000"/>
-                </a:solidFill>
-              </a:rPr>
-              <a:t> </a:t>
-            </a:r>
-            <a:r>
-              <a:rPr lang="en-US" dirty="0" err="1">
-                <a:solidFill>
-                  <a:srgbClr val="FFC000"/>
-                </a:solidFill>
-              </a:rPr>
-              <a:t>registrieren</a:t>
-            </a:r>
-            <a:endParaRPr lang="en-US" dirty="0">
-              <a:solidFill>
-                <a:srgbClr val="FFC000"/>
-              </a:solidFill>
-            </a:endParaRPr>
-          </a:p>
-          <a:p>
-            <a:endParaRPr lang="en-US" dirty="0"/>
-          </a:p>
-          <a:p>
-            <a:r>
-              <a:rPr lang="en-US" dirty="0"/>
-              <a:t>Password Blindness </a:t>
-            </a:r>
-            <a:r>
-              <a:rPr lang="en-US" dirty="0" err="1"/>
-              <a:t>für</a:t>
-            </a:r>
-            <a:r>
-              <a:rPr lang="en-US" dirty="0"/>
-              <a:t> </a:t>
-            </a:r>
-            <a:r>
-              <a:rPr lang="en-US" dirty="0" err="1"/>
-              <a:t>alle</a:t>
-            </a:r>
-            <a:r>
-              <a:rPr lang="en-US" dirty="0"/>
-              <a:t> Policies und </a:t>
-            </a:r>
-            <a:r>
-              <a:rPr lang="en-US" dirty="0" err="1"/>
-              <a:t>Paswörter</a:t>
-            </a:r>
-            <a:endParaRPr lang="en-US" dirty="0"/>
-          </a:p>
-          <a:p>
-            <a:pPr marL="457200" lvl="1" indent="0">
-              <a:buNone/>
-            </a:pPr>
-            <a:r>
-              <a:rPr lang="en-US" dirty="0" err="1"/>
-              <a:t>Böser</a:t>
-            </a:r>
-            <a:r>
-              <a:rPr lang="en-US" dirty="0"/>
-              <a:t> Server </a:t>
-            </a:r>
-            <a:r>
-              <a:rPr lang="en-US" dirty="0" err="1"/>
-              <a:t>soll</a:t>
-            </a:r>
-            <a:r>
-              <a:rPr lang="en-US" dirty="0"/>
-              <a:t> </a:t>
-            </a:r>
-            <a:r>
-              <a:rPr lang="en-US" dirty="0" err="1"/>
-              <a:t>nur</a:t>
-            </a:r>
-            <a:r>
-              <a:rPr lang="en-US" dirty="0"/>
-              <a:t> </a:t>
-            </a:r>
-            <a:r>
-              <a:rPr lang="en-US" dirty="0" err="1"/>
-              <a:t>erfahren</a:t>
-            </a:r>
-            <a:r>
-              <a:rPr lang="en-US" dirty="0"/>
-              <a:t>, </a:t>
-            </a:r>
-            <a:r>
-              <a:rPr lang="en-US" dirty="0" err="1"/>
-              <a:t>ob</a:t>
-            </a:r>
-            <a:r>
-              <a:rPr lang="en-US" dirty="0"/>
-              <a:t> das </a:t>
-            </a:r>
-            <a:r>
-              <a:rPr lang="en-US" dirty="0" err="1"/>
-              <a:t>Passwort</a:t>
-            </a:r>
-            <a:r>
-              <a:rPr lang="en-US" dirty="0"/>
-              <a:t> Policy conform </a:t>
-            </a:r>
-            <a:r>
-              <a:rPr lang="en-US" dirty="0" err="1"/>
-              <a:t>ist</a:t>
-            </a:r>
-            <a:endParaRPr lang="en-US" dirty="0"/>
-          </a:p>
-          <a:p>
-            <a:pPr marL="457200" lvl="1" indent="0">
-              <a:buNone/>
-            </a:pPr>
-            <a:r>
-              <a:rPr lang="en-US" dirty="0">
+            <a:r>
+              <a:rPr lang="de-DE" dirty="0">
                 <a:sym typeface="Wingdings" panose="05000000000000000000" pitchFamily="2" charset="2"/>
               </a:rPr>
-              <a:t> Offline </a:t>
-            </a:r>
-            <a:r>
-              <a:rPr lang="en-US" dirty="0" err="1">
-                <a:sym typeface="Wingdings" panose="05000000000000000000" pitchFamily="2" charset="2"/>
-              </a:rPr>
-              <a:t>Wörterbuch</a:t>
-            </a:r>
-            <a:r>
-              <a:rPr lang="en-US" dirty="0">
-                <a:sym typeface="Wingdings" panose="05000000000000000000" pitchFamily="2" charset="2"/>
-              </a:rPr>
-              <a:t> </a:t>
-            </a:r>
-            <a:r>
-              <a:rPr lang="en-US" dirty="0" err="1">
-                <a:sym typeface="Wingdings" panose="05000000000000000000" pitchFamily="2" charset="2"/>
-              </a:rPr>
-              <a:t>Attacken</a:t>
-            </a:r>
-            <a:r>
-              <a:rPr lang="en-US" dirty="0">
-                <a:sym typeface="Wingdings" panose="05000000000000000000" pitchFamily="2" charset="2"/>
-              </a:rPr>
-              <a:t> </a:t>
-            </a:r>
-            <a:r>
-              <a:rPr lang="en-US" dirty="0" err="1">
-                <a:sym typeface="Wingdings" panose="05000000000000000000" pitchFamily="2" charset="2"/>
-              </a:rPr>
-              <a:t>zwecklos</a:t>
-            </a:r>
-            <a:r>
-              <a:rPr lang="en-US" dirty="0">
-                <a:sym typeface="Wingdings" panose="05000000000000000000" pitchFamily="2" charset="2"/>
-              </a:rPr>
-              <a:t> </a:t>
-            </a:r>
-            <a:r>
-              <a:rPr lang="en-US" dirty="0" err="1">
-                <a:sym typeface="Wingdings" panose="05000000000000000000" pitchFamily="2" charset="2"/>
-              </a:rPr>
-              <a:t>solange</a:t>
-            </a:r>
-            <a:r>
-              <a:rPr lang="en-US" dirty="0">
-                <a:sym typeface="Wingdings" panose="05000000000000000000" pitchFamily="2" charset="2"/>
-              </a:rPr>
-              <a:t> </a:t>
-            </a:r>
-            <a:r>
-              <a:rPr lang="en-US" dirty="0" err="1">
-                <a:sym typeface="Wingdings" panose="05000000000000000000" pitchFamily="2" charset="2"/>
-              </a:rPr>
-              <a:t>ein</a:t>
-            </a:r>
-            <a:r>
-              <a:rPr lang="en-US" dirty="0">
-                <a:sym typeface="Wingdings" panose="05000000000000000000" pitchFamily="2" charset="2"/>
-              </a:rPr>
-              <a:t> Server </a:t>
-            </a:r>
-            <a:r>
-              <a:rPr lang="en-US" dirty="0" err="1">
-                <a:sym typeface="Wingdings" panose="05000000000000000000" pitchFamily="2" charset="2"/>
-              </a:rPr>
-              <a:t>ehrlich</a:t>
-            </a:r>
-            <a:r>
-              <a:rPr lang="en-US" dirty="0">
-                <a:sym typeface="Wingdings" panose="05000000000000000000" pitchFamily="2" charset="2"/>
-              </a:rPr>
-              <a:t> </a:t>
-            </a:r>
-            <a:r>
-              <a:rPr lang="en-US" dirty="0" err="1">
-                <a:sym typeface="Wingdings" panose="05000000000000000000" pitchFamily="2" charset="2"/>
-              </a:rPr>
-              <a:t>bleibt</a:t>
-            </a:r>
+              <a:t>Wenn beide den Share akzeptieren ist das Passwort konform zur Mutual </a:t>
+            </a:r>
+            <a:r>
+              <a:rPr lang="de-DE" dirty="0"/>
+              <a:t>Password Policy.</a:t>
+            </a:r>
+          </a:p>
+          <a:p>
             <a:endParaRPr lang="de-DE" dirty="0"/>
           </a:p>
         </p:txBody>
       </p:sp>
       <p:sp>
         <p:nvSpPr>
-          <p:cNvPr id="3" name="Datumsplatzhalter 2">
+          <p:cNvPr id="6" name="Datumsplatzhalter 5">
             <a:extLst>
               <a:ext uri="{FF2B5EF4-FFF2-40B4-BE49-F238E27FC236}">
-                <a16:creationId xmlns:a16="http://schemas.microsoft.com/office/drawing/2014/main" id="{BED7CDA4-D938-4DE8-BDDA-2C52055C5599}"/>
+                <a16:creationId xmlns:a16="http://schemas.microsoft.com/office/drawing/2014/main" id="{09CD5576-C3C8-4ECE-9FCC-7256D63755EF}"/>
               </a:ext>
             </a:extLst>
           </p:cNvPr>
@@ -24489,20 +24447,20 @@
           <a:bodyPr/>
           <a:lstStyle/>
           <a:p>
-            <a:fld id="{28D50BB7-E2B5-4873-9F23-4433FF9FF057}" type="datetime1">
+            <a:fld id="{5538D691-F215-41DA-944D-CC2EEF668359}" type="datetime1">
               <a:rPr lang="de-DE" smtClean="0"/>
-              <a:t>31.12.2017</a:t>
+              <a:t>01.01.2018</a:t>
             </a:fld>
-            <a:endParaRPr lang="en-US" dirty="0"/>
+            <a:endParaRPr lang="en-US"/>
           </a:p>
         </p:txBody>
       </p:sp>
       <p:sp>
         <p:nvSpPr>
-          <p:cNvPr id="4" name="Fußzeilenplatzhalter 3">
+          <p:cNvPr id="7" name="Fußzeilenplatzhalter 6">
             <a:extLst>
               <a:ext uri="{FF2B5EF4-FFF2-40B4-BE49-F238E27FC236}">
-                <a16:creationId xmlns:a16="http://schemas.microsoft.com/office/drawing/2014/main" id="{CC716E9F-B224-4232-9FAA-037E96771E8F}"/>
+                <a16:creationId xmlns:a16="http://schemas.microsoft.com/office/drawing/2014/main" id="{0B1FE4A0-504A-4AB5-848C-CD5BDBB30FC0}"/>
               </a:ext>
             </a:extLst>
           </p:cNvPr>
@@ -24528,10 +24486,10 @@
       </p:sp>
       <p:sp>
         <p:nvSpPr>
-          <p:cNvPr id="5" name="Foliennummernplatzhalter 4">
+          <p:cNvPr id="8" name="Foliennummernplatzhalter 7">
             <a:extLst>
               <a:ext uri="{FF2B5EF4-FFF2-40B4-BE49-F238E27FC236}">
-                <a16:creationId xmlns:a16="http://schemas.microsoft.com/office/drawing/2014/main" id="{47AB421C-F2FF-4B2B-A9B8-98AD45235E4B}"/>
+                <a16:creationId xmlns:a16="http://schemas.microsoft.com/office/drawing/2014/main" id="{AB63FE7D-FFB7-4295-976F-CD7F1BCB8C57}"/>
               </a:ext>
             </a:extLst>
           </p:cNvPr>
@@ -24539,7 +24497,7 @@
             <a:spLocks noGrp="1"/>
           </p:cNvSpPr>
           <p:nvPr>
-            <p:ph type="sldNum" sz="quarter" idx="4"/>
+            <p:ph type="sldNum" sz="quarter" idx="12"/>
           </p:nvPr>
         </p:nvSpPr>
         <p:spPr/>
@@ -24552,16 +24510,16 @@
               <a:pPr/>
               <a:t>23</a:t>
             </a:fld>
-            <a:endParaRPr lang="en-US" dirty="0"/>
+            <a:endParaRPr lang="en-US"/>
           </a:p>
         </p:txBody>
       </p:sp>
       <p:sp>
         <p:nvSpPr>
-          <p:cNvPr id="6" name="Titel 5">
+          <p:cNvPr id="9" name="Titel 8">
             <a:extLst>
               <a:ext uri="{FF2B5EF4-FFF2-40B4-BE49-F238E27FC236}">
-                <a16:creationId xmlns:a16="http://schemas.microsoft.com/office/drawing/2014/main" id="{B68D0104-2820-4E98-8360-921738402586}"/>
+                <a16:creationId xmlns:a16="http://schemas.microsoft.com/office/drawing/2014/main" id="{1316344D-A24D-4E13-B747-4CD46FA0CDA8}"/>
               </a:ext>
             </a:extLst>
           </p:cNvPr>
@@ -24579,7 +24537,7 @@
           <a:p>
             <a:r>
               <a:rPr lang="de-DE" dirty="0"/>
-              <a:t>2BPR</a:t>
+              <a:t>2BPR – Sicherheitsmodell</a:t>
             </a:r>
           </a:p>
         </p:txBody>
@@ -24587,7 +24545,7 @@
     </p:spTree>
     <p:extLst>
       <p:ext uri="{BB962C8B-B14F-4D97-AF65-F5344CB8AC3E}">
-        <p14:creationId xmlns:p14="http://schemas.microsoft.com/office/powerpoint/2010/main" val="3455896200"/>
+        <p14:creationId xmlns:p14="http://schemas.microsoft.com/office/powerpoint/2010/main" val="467152080"/>
       </p:ext>
     </p:extLst>
   </p:cSld>
@@ -24616,10 +24574,10 @@
       </p:grpSpPr>
       <p:sp>
         <p:nvSpPr>
-          <p:cNvPr id="2" name="Inhaltsplatzhalter 1">
+          <p:cNvPr id="2" name="Textplatzhalter 1">
             <a:extLst>
               <a:ext uri="{FF2B5EF4-FFF2-40B4-BE49-F238E27FC236}">
-                <a16:creationId xmlns:a16="http://schemas.microsoft.com/office/drawing/2014/main" id="{B28132D3-63DF-44BA-8996-8B8DD443B206}"/>
+                <a16:creationId xmlns:a16="http://schemas.microsoft.com/office/drawing/2014/main" id="{A0DD9022-0DDB-4339-A191-042CA6FEA14F}"/>
               </a:ext>
             </a:extLst>
           </p:cNvPr>
@@ -24627,13 +24585,51 @@
             <a:spLocks noGrp="1"/>
           </p:cNvSpPr>
           <p:nvPr>
-            <p:ph idx="1"/>
+            <p:ph type="body" idx="1"/>
           </p:nvPr>
         </p:nvSpPr>
         <p:spPr>
           <a:xfrm>
-            <a:off x="1097280" y="1678317"/>
-            <a:ext cx="10515600" cy="4351338"/>
+            <a:off x="1097280" y="1937862"/>
+            <a:ext cx="5157787" cy="823912"/>
+          </a:xfrm>
+        </p:spPr>
+        <p:txBody>
+          <a:bodyPr/>
+          <a:lstStyle/>
+          <a:p>
+            <a:r>
+              <a:rPr lang="de-DE" b="0" cap="all" spc="200" dirty="0">
+                <a:solidFill>
+                  <a:schemeClr val="tx2"/>
+                </a:solidFill>
+                <a:latin typeface="+mj-lt"/>
+              </a:rPr>
+              <a:t>2. Password Blindness</a:t>
+            </a:r>
+          </a:p>
+        </p:txBody>
+      </p:sp>
+      <p:sp>
+        <p:nvSpPr>
+          <p:cNvPr id="3" name="Inhaltsplatzhalter 2">
+            <a:extLst>
+              <a:ext uri="{FF2B5EF4-FFF2-40B4-BE49-F238E27FC236}">
+                <a16:creationId xmlns:a16="http://schemas.microsoft.com/office/drawing/2014/main" id="{15E02B5D-814B-49CB-8EBA-1DD8DA1969B7}"/>
+              </a:ext>
+            </a:extLst>
+          </p:cNvPr>
+          <p:cNvSpPr>
+            <a:spLocks noGrp="1"/>
+          </p:cNvSpPr>
+          <p:nvPr>
+            <p:ph sz="half" idx="2"/>
+          </p:nvPr>
+        </p:nvSpPr>
+        <p:spPr>
+          <a:xfrm>
+            <a:off x="1097279" y="2761774"/>
+            <a:ext cx="10218045" cy="2724626"/>
           </a:xfrm>
         </p:spPr>
         <p:txBody>
@@ -24642,199 +24638,53 @@
           </a:bodyPr>
           <a:lstStyle/>
           <a:p>
-            <a:pPr>
-              <a:lnSpc>
-                <a:spcPct val="150000"/>
-              </a:lnSpc>
+            <a:pPr marL="0" indent="0" algn="just">
+              <a:buNone/>
             </a:pPr>
             <a:r>
-              <a:rPr lang="de-DE" sz="1200" dirty="0">
-                <a:hlinkClick r:id="rId2"/>
-              </a:rPr>
-              <a:t>http://wfarm2.dataknet.com/static/resources/icons/set112/8cbf6bf1.png</a:t>
-            </a:r>
-            <a:r>
-              <a:rPr lang="de-DE" sz="1200" dirty="0"/>
-              <a:t>					23.11.2017 14:38</a:t>
-            </a:r>
-          </a:p>
-          <a:p>
-            <a:pPr>
-              <a:lnSpc>
-                <a:spcPct val="150000"/>
-              </a:lnSpc>
+              <a:rPr lang="de-DE" dirty="0"/>
+              <a:t>Ein korrumpierter Server soll nur erfahren, ob das Passwort Policy konform ist. Weitere Infos über das Passwort bleiben geheim.</a:t>
+            </a:r>
+          </a:p>
+          <a:p>
+            <a:pPr marL="0" indent="0" algn="just">
+              <a:buNone/>
             </a:pPr>
-            <a:r>
-              <a:rPr lang="de-DE" sz="1200" dirty="0">
-                <a:hlinkClick r:id="rId3"/>
-              </a:rPr>
-              <a:t>https://www.iconexperience.com</a:t>
-            </a:r>
-            <a:r>
-              <a:rPr lang="de-DE" sz="1200" dirty="0"/>
-              <a:t>								24.11.2017 11:01</a:t>
-            </a:r>
-          </a:p>
-          <a:p>
-            <a:pPr>
-              <a:lnSpc>
-                <a:spcPct val="150000"/>
-              </a:lnSpc>
+            <a:endParaRPr lang="de-DE" dirty="0"/>
+          </a:p>
+          <a:p>
+            <a:pPr marL="363538" indent="-363538" algn="just">
+              <a:buFont typeface="Calibri" panose="020F0502020204030204" pitchFamily="34" charset="0"/>
+              <a:buChar char="→"/>
             </a:pPr>
             <a:r>
-              <a:rPr lang="de-DE" sz="1200" dirty="0">
-                <a:hlinkClick r:id="rId4"/>
-              </a:rPr>
-              <a:t>https://upload.wikimedia.org/wikipedia/commons/thumb/4/45/New_Logo_Gmail.svg/1200px-New_Logo_Gmail.svg.png</a:t>
-            </a:r>
-            <a:r>
-              <a:rPr lang="de-DE" sz="1200" dirty="0"/>
-              <a:t>		23.12.2017 13:57</a:t>
-            </a:r>
-          </a:p>
-          <a:p>
-            <a:pPr>
-              <a:lnSpc>
-                <a:spcPct val="150000"/>
-              </a:lnSpc>
+              <a:rPr lang="de-DE" dirty="0">
+                <a:sym typeface="Wingdings" panose="05000000000000000000" pitchFamily="2" charset="2"/>
+              </a:rPr>
+              <a:t>Offline Wörterbuch Attacken sind dadurch zwecklos solange ein Server ehrlich bleibt.</a:t>
+            </a:r>
+            <a:endParaRPr lang="de-DE" dirty="0"/>
+          </a:p>
+          <a:p>
+            <a:pPr marL="0" indent="0" algn="just">
+              <a:buNone/>
             </a:pPr>
-            <a:r>
-              <a:rPr lang="de-DE" sz="1200" dirty="0">
-                <a:hlinkClick r:id="rId5"/>
-              </a:rPr>
-              <a:t>https://fthmb.tqn.com/jRaoLvoOhFQWEWmMmyiZRcL_NHg=/768x0/filters:no_upscale()/Outlook-icon-57f005363df78c690f62c7af.png</a:t>
-            </a:r>
-            <a:r>
-              <a:rPr lang="de-DE" sz="1200" dirty="0"/>
-              <a:t>	 23.12.2017 13:57</a:t>
-            </a:r>
-          </a:p>
-          <a:p>
-            <a:pPr>
-              <a:lnSpc>
-                <a:spcPct val="150000"/>
-              </a:lnSpc>
-            </a:pPr>
-            <a:r>
-              <a:rPr lang="de-DE" sz="1200" dirty="0">
-                <a:hlinkClick r:id="rId6"/>
-              </a:rPr>
-              <a:t>https://lh3.googleusercontent.com/UrY7BAZ-XfXGpfkeWg0zCCeo-7ras4DCoRalC_WXXWTK9q5b0Iw7B0YQMsVxZaNB7DM=w300</a:t>
-            </a:r>
-            <a:r>
-              <a:rPr lang="de-DE" sz="1200" dirty="0"/>
-              <a:t>		 23.12.2017 13:57</a:t>
-            </a:r>
-          </a:p>
-          <a:p>
-            <a:pPr>
-              <a:lnSpc>
-                <a:spcPct val="150000"/>
-              </a:lnSpc>
-            </a:pPr>
-            <a:r>
-              <a:rPr lang="de-DE" sz="1200" dirty="0">
-                <a:hlinkClick r:id="rId7"/>
-              </a:rPr>
-              <a:t>https://lh3.googleusercontent.com/dSDutSmwU9LMJDCs9PaJI1JjXQthi8IDNRHPviI1NzocGTwuWC-PTAF6QiagTcGF0A=w300</a:t>
-            </a:r>
-            <a:r>
-              <a:rPr lang="de-DE" sz="1200" dirty="0"/>
-              <a:t>		23.12.2017 13:57</a:t>
-            </a:r>
-          </a:p>
-          <a:p>
-            <a:pPr>
-              <a:lnSpc>
-                <a:spcPct val="150000"/>
-              </a:lnSpc>
-            </a:pPr>
-            <a:r>
-              <a:rPr lang="de-DE" sz="1200" dirty="0">
-                <a:hlinkClick r:id="rId8"/>
-              </a:rPr>
-              <a:t>https://upload.wikimedia.org/wikipedia/commons/thumb/1/18/GitLab_Logo.svg/1200px-GitLab_Logo.svg.png</a:t>
-            </a:r>
-            <a:r>
-              <a:rPr lang="de-DE" sz="1200" dirty="0"/>
-              <a:t>			 23.12.2017 13:57</a:t>
-            </a:r>
-          </a:p>
-          <a:p>
-            <a:pPr>
-              <a:lnSpc>
-                <a:spcPct val="150000"/>
-              </a:lnSpc>
-            </a:pPr>
-            <a:r>
-              <a:rPr lang="de-DE" sz="1200" dirty="0">
-                <a:hlinkClick r:id="rId9"/>
-              </a:rPr>
-              <a:t>https://assets-cdn.github.com/images/modules/open_graph/github-mark.png</a:t>
-            </a:r>
-            <a:r>
-              <a:rPr lang="de-DE" sz="1200" dirty="0"/>
-              <a:t>					 23.12.2017 13:57</a:t>
-            </a:r>
-          </a:p>
-          <a:p>
-            <a:pPr>
-              <a:lnSpc>
-                <a:spcPct val="150000"/>
-              </a:lnSpc>
-            </a:pPr>
-            <a:r>
-              <a:rPr lang="de-DE" sz="1200" dirty="0">
-                <a:hlinkClick r:id="rId10"/>
-              </a:rPr>
-              <a:t>https://lh3.googleusercontent.com/z7oKSvTI-2ynS5bHggIctR9GVkS8sGKqpDlfCvgxLo0du7Az00u6XpJ0LLyvzBusW-Jd=w300</a:t>
-            </a:r>
-            <a:r>
-              <a:rPr lang="de-DE" sz="1200" dirty="0"/>
-              <a:t>		23.12.2017 13:57</a:t>
-            </a:r>
-          </a:p>
-          <a:p>
-            <a:pPr>
-              <a:lnSpc>
-                <a:spcPct val="150000"/>
-              </a:lnSpc>
-            </a:pPr>
-            <a:r>
-              <a:rPr lang="de-DE" sz="1200" dirty="0">
-                <a:hlinkClick r:id="rId11"/>
-              </a:rPr>
-              <a:t>https://lh3.googleusercontent.com/Dq-mZ5mmdE6aFPeD61DNlVTwYSI75UwHBYDq_BxBZOMSzCBnQ5OCC4-LjfP42tDlyw=w300</a:t>
-            </a:r>
-            <a:r>
-              <a:rPr lang="de-DE" sz="1200" dirty="0"/>
-              <a:t>		23.12.2017 13:57	</a:t>
-            </a:r>
-          </a:p>
-          <a:p>
-            <a:pPr>
-              <a:lnSpc>
-                <a:spcPct val="150000"/>
-              </a:lnSpc>
-            </a:pPr>
-            <a:endParaRPr lang="de-DE" sz="1200" dirty="0"/>
-          </a:p>
-          <a:p>
-            <a:pPr>
-              <a:lnSpc>
-                <a:spcPct val="150000"/>
-              </a:lnSpc>
-            </a:pPr>
-            <a:endParaRPr lang="de-DE" sz="1100" dirty="0"/>
+            <a:endParaRPr lang="de-DE" dirty="0"/>
+          </a:p>
+          <a:p>
+            <a:endParaRPr lang="de-DE" dirty="0"/>
+          </a:p>
+          <a:p>
+            <a:endParaRPr lang="de-DE" dirty="0"/>
           </a:p>
         </p:txBody>
       </p:sp>
       <p:sp>
         <p:nvSpPr>
-          <p:cNvPr id="3" name="Datumsplatzhalter 2">
+          <p:cNvPr id="6" name="Datumsplatzhalter 5">
             <a:extLst>
               <a:ext uri="{FF2B5EF4-FFF2-40B4-BE49-F238E27FC236}">
-                <a16:creationId xmlns:a16="http://schemas.microsoft.com/office/drawing/2014/main" id="{E00271D8-1087-4412-95F9-CCE985E1507C}"/>
+                <a16:creationId xmlns:a16="http://schemas.microsoft.com/office/drawing/2014/main" id="{09CD5576-C3C8-4ECE-9FCC-7256D63755EF}"/>
               </a:ext>
             </a:extLst>
           </p:cNvPr>
@@ -24850,20 +24700,20 @@
           <a:bodyPr/>
           <a:lstStyle/>
           <a:p>
-            <a:fld id="{28D50BB7-E2B5-4873-9F23-4433FF9FF057}" type="datetime1">
+            <a:fld id="{5538D691-F215-41DA-944D-CC2EEF668359}" type="datetime1">
               <a:rPr lang="de-DE" smtClean="0"/>
-              <a:t>31.12.2017</a:t>
+              <a:t>01.01.2018</a:t>
             </a:fld>
-            <a:endParaRPr lang="en-US" dirty="0"/>
+            <a:endParaRPr lang="en-US"/>
           </a:p>
         </p:txBody>
       </p:sp>
       <p:sp>
         <p:nvSpPr>
-          <p:cNvPr id="4" name="Fußzeilenplatzhalter 3">
+          <p:cNvPr id="7" name="Fußzeilenplatzhalter 6">
             <a:extLst>
               <a:ext uri="{FF2B5EF4-FFF2-40B4-BE49-F238E27FC236}">
-                <a16:creationId xmlns:a16="http://schemas.microsoft.com/office/drawing/2014/main" id="{394F4119-43D1-4069-8695-025E4948FE2F}"/>
+                <a16:creationId xmlns:a16="http://schemas.microsoft.com/office/drawing/2014/main" id="{0B1FE4A0-504A-4AB5-848C-CD5BDBB30FC0}"/>
               </a:ext>
             </a:extLst>
           </p:cNvPr>
@@ -24889,10 +24739,10 @@
       </p:sp>
       <p:sp>
         <p:nvSpPr>
-          <p:cNvPr id="5" name="Foliennummernplatzhalter 4">
+          <p:cNvPr id="8" name="Foliennummernplatzhalter 7">
             <a:extLst>
               <a:ext uri="{FF2B5EF4-FFF2-40B4-BE49-F238E27FC236}">
-                <a16:creationId xmlns:a16="http://schemas.microsoft.com/office/drawing/2014/main" id="{602974BD-1262-4F31-9724-122AE7CEB5D6}"/>
+                <a16:creationId xmlns:a16="http://schemas.microsoft.com/office/drawing/2014/main" id="{AB63FE7D-FFB7-4295-976F-CD7F1BCB8C57}"/>
               </a:ext>
             </a:extLst>
           </p:cNvPr>
@@ -24900,7 +24750,7 @@
             <a:spLocks noGrp="1"/>
           </p:cNvSpPr>
           <p:nvPr>
-            <p:ph type="sldNum" sz="quarter" idx="4"/>
+            <p:ph type="sldNum" sz="quarter" idx="12"/>
           </p:nvPr>
         </p:nvSpPr>
         <p:spPr/>
@@ -24913,16 +24763,16 @@
               <a:pPr/>
               <a:t>24</a:t>
             </a:fld>
-            <a:endParaRPr lang="en-US" dirty="0"/>
+            <a:endParaRPr lang="en-US"/>
           </a:p>
         </p:txBody>
       </p:sp>
       <p:sp>
         <p:nvSpPr>
-          <p:cNvPr id="6" name="Titel 5">
+          <p:cNvPr id="9" name="Titel 8">
             <a:extLst>
               <a:ext uri="{FF2B5EF4-FFF2-40B4-BE49-F238E27FC236}">
-                <a16:creationId xmlns:a16="http://schemas.microsoft.com/office/drawing/2014/main" id="{2FFDF973-2E30-48D5-8311-D5D66A8F8808}"/>
+                <a16:creationId xmlns:a16="http://schemas.microsoft.com/office/drawing/2014/main" id="{1316344D-A24D-4E13-B747-4CD46FA0CDA8}"/>
               </a:ext>
             </a:extLst>
           </p:cNvPr>
@@ -24933,19 +24783,14 @@
             <p:ph type="title"/>
           </p:nvPr>
         </p:nvSpPr>
-        <p:spPr>
-          <a:xfrm>
-            <a:off x="1097280" y="-160595"/>
-            <a:ext cx="8961120" cy="1450757"/>
-          </a:xfrm>
-        </p:spPr>
+        <p:spPr/>
         <p:txBody>
           <a:bodyPr/>
           <a:lstStyle/>
           <a:p>
             <a:r>
               <a:rPr lang="de-DE" dirty="0"/>
-              <a:t>Bildquellen</a:t>
+              <a:t>2BPR – Sicherheitsmodell</a:t>
             </a:r>
           </a:p>
         </p:txBody>
@@ -24953,7 +24798,7 @@
     </p:spTree>
     <p:extLst>
       <p:ext uri="{BB962C8B-B14F-4D97-AF65-F5344CB8AC3E}">
-        <p14:creationId xmlns:p14="http://schemas.microsoft.com/office/powerpoint/2010/main" val="4151368094"/>
+        <p14:creationId xmlns:p14="http://schemas.microsoft.com/office/powerpoint/2010/main" val="2628044933"/>
       </p:ext>
     </p:extLst>
   </p:cSld>
@@ -24999,7 +24844,7 @@
         <p:spPr>
           <a:xfrm>
             <a:off x="1097280" y="1678317"/>
-            <a:ext cx="10515600" cy="4742100"/>
+            <a:ext cx="10515600" cy="4351338"/>
           </a:xfrm>
         </p:spPr>
         <p:txBody>
@@ -25017,11 +24862,11 @@
               <a:rPr lang="de-DE" sz="1200" dirty="0">
                 <a:hlinkClick r:id="rId2"/>
               </a:rPr>
-              <a:t>http://www.horizont.net/news/media/2/Web-hat-es-nic-gescha-Unddu-zu-ein-erfolgreic-Por--16438.jpeg</a:t>
+              <a:t>http://wfarm2.dataknet.com/static/resources/icons/set112/8cbf6bf1.png</a:t>
             </a:r>
             <a:r>
               <a:rPr lang="de-DE" sz="1200" dirty="0"/>
-              <a:t>  			23.12.2017 14:15</a:t>
+              <a:t>					23.11.2017 14:38</a:t>
             </a:r>
           </a:p>
           <a:p>
@@ -25034,11 +24879,11 @@
               <a:rPr lang="de-DE" sz="1200" dirty="0">
                 <a:hlinkClick r:id="rId3"/>
               </a:rPr>
-              <a:t>https://logos-download.com/wp-content/uploads/2016/10/GMX_logo_blue.png</a:t>
+              <a:t>https://www.iconexperience.com</a:t>
             </a:r>
             <a:r>
               <a:rPr lang="de-DE" sz="1200" dirty="0"/>
-              <a:t>  					23.12.2017 14:16</a:t>
+              <a:t>								24.11.2017 11:01</a:t>
             </a:r>
           </a:p>
           <a:p>
@@ -25051,11 +24896,11 @@
               <a:rPr lang="de-DE" sz="1200" dirty="0">
                 <a:hlinkClick r:id="rId4"/>
               </a:rPr>
-              <a:t>https://tradingeducationblogs.com/wp-content/uploads/2017/03/snapchat-logo.png</a:t>
+              <a:t>https://upload.wikimedia.org/wikipedia/commons/thumb/4/45/New_Logo_Gmail.svg/1200px-New_Logo_Gmail.svg.png</a:t>
             </a:r>
             <a:r>
               <a:rPr lang="de-DE" sz="1200" dirty="0"/>
-              <a:t> 				23.12.2017 16:15</a:t>
+              <a:t>		23.12.2017 13:57</a:t>
             </a:r>
           </a:p>
           <a:p>
@@ -25068,11 +24913,11 @@
               <a:rPr lang="de-DE" sz="1200" dirty="0">
                 <a:hlinkClick r:id="rId5"/>
               </a:rPr>
-              <a:t>https://d1x0mwiac2rqwt.cloudfront.net/bab0a0c4b1c3135a24bd0518417b66e3/as/logo_todoist_schema.png</a:t>
+              <a:t>https://fthmb.tqn.com/jRaoLvoOhFQWEWmMmyiZRcL_NHg=/768x0/filters:no_upscale()/Outlook-icon-57f005363df78c690f62c7af.png</a:t>
             </a:r>
             <a:r>
               <a:rPr lang="de-DE" sz="1200" dirty="0"/>
-              <a:t>			23.12.2017 13:57</a:t>
+              <a:t>	 23.12.2017 13:57</a:t>
             </a:r>
           </a:p>
           <a:p>
@@ -25085,11 +24930,11 @@
               <a:rPr lang="de-DE" sz="1200" dirty="0">
                 <a:hlinkClick r:id="rId6"/>
               </a:rPr>
-              <a:t>https://upload.wikimedia.org/wikipedia/de/thumb/9/9f/Twitter_bird_logo_2012.svg/1200px-Twitter_bird_logo_2012.svg.png</a:t>
+              <a:t>https://lh3.googleusercontent.com/UrY7BAZ-XfXGpfkeWg0zCCeo-7ras4DCoRalC_WXXWTK9q5b0Iw7B0YQMsVxZaNB7DM=w300</a:t>
             </a:r>
             <a:r>
               <a:rPr lang="de-DE" sz="1200" dirty="0"/>
-              <a:t>		23.12.2017 13:57</a:t>
+              <a:t>		 23.12.2017 13:57</a:t>
             </a:r>
           </a:p>
           <a:p>
@@ -25102,11 +24947,11 @@
               <a:rPr lang="de-DE" sz="1200" dirty="0">
                 <a:hlinkClick r:id="rId7"/>
               </a:rPr>
-              <a:t>https://www.facebook.com/images/fb_icon_325x325.png</a:t>
+              <a:t>https://lh3.googleusercontent.com/dSDutSmwU9LMJDCs9PaJI1JjXQthi8IDNRHPviI1NzocGTwuWC-PTAF6QiagTcGF0A=w300</a:t>
             </a:r>
             <a:r>
               <a:rPr lang="de-DE" sz="1200" dirty="0"/>
-              <a:t> 						23.12.2017 13:57</a:t>
+              <a:t>		23.12.2017 13:57</a:t>
             </a:r>
           </a:p>
           <a:p>
@@ -25119,11 +24964,11 @@
               <a:rPr lang="de-DE" sz="1200" dirty="0">
                 <a:hlinkClick r:id="rId8"/>
               </a:rPr>
-              <a:t>https://pixabay.com/p-1581266/?no_redirect</a:t>
+              <a:t>https://upload.wikimedia.org/wikipedia/commons/thumb/1/18/GitLab_Logo.svg/1200px-GitLab_Logo.svg.png</a:t>
             </a:r>
             <a:r>
               <a:rPr lang="de-DE" sz="1200" dirty="0"/>
-              <a:t>							23.12.2017 14:08</a:t>
+              <a:t>			 23.12.2017 13:57</a:t>
             </a:r>
           </a:p>
           <a:p>
@@ -25136,11 +24981,11 @@
               <a:rPr lang="de-DE" sz="1200" dirty="0">
                 <a:hlinkClick r:id="rId9"/>
               </a:rPr>
-              <a:t>https://upload.wikimedia.org/wikipedia/commons/thumb/8/83/Sparkasse.svg/2000px-Sparkasse.svg.png</a:t>
+              <a:t>https://assets-cdn.github.com/images/modules/open_graph/github-mark.png</a:t>
             </a:r>
             <a:r>
               <a:rPr lang="de-DE" sz="1200" dirty="0"/>
-              <a:t>  			23.12.2017 14:08</a:t>
+              <a:t>					 23.12.2017 13:57</a:t>
             </a:r>
           </a:p>
           <a:p>
@@ -25153,11 +24998,11 @@
               <a:rPr lang="de-DE" sz="1200" dirty="0">
                 <a:hlinkClick r:id="rId10"/>
               </a:rPr>
-              <a:t>https://upload.wikimedia.org/wikipedia/commons/thumb/a/ab/Volksbank_Logo.svg/1000px-Volksbank_Logo.svg.png</a:t>
+              <a:t>https://lh3.googleusercontent.com/z7oKSvTI-2ynS5bHggIctR9GVkS8sGKqpDlfCvgxLo0du7Az00u6XpJ0LLyvzBusW-Jd=w300</a:t>
             </a:r>
             <a:r>
               <a:rPr lang="de-DE" sz="1200" dirty="0"/>
-              <a:t> 		23.12.2017 14:08 </a:t>
+              <a:t>		23.12.2017 13:57</a:t>
             </a:r>
           </a:p>
           <a:p>
@@ -25170,11 +25015,11 @@
               <a:rPr lang="de-DE" sz="1200" dirty="0">
                 <a:hlinkClick r:id="rId11"/>
               </a:rPr>
-              <a:t>http://millionmedia.com/wp-content/uploads/2014/11/deezer-logo-circle.png</a:t>
+              <a:t>https://lh3.googleusercontent.com/Dq-mZ5mmdE6aFPeD61DNlVTwYSI75UwHBYDq_BxBZOMSzCBnQ5OCC4-LjfP42tDlyw=w300</a:t>
             </a:r>
             <a:r>
               <a:rPr lang="de-DE" sz="1200" dirty="0"/>
-              <a:t> 					23.12.2017 14:11</a:t>
+              <a:t>		23.12.2017 13:57	</a:t>
             </a:r>
           </a:p>
           <a:p>
@@ -25183,21 +25028,14 @@
                 <a:spcPct val="150000"/>
               </a:lnSpc>
             </a:pPr>
-            <a:r>
-              <a:rPr lang="de-DE" sz="1200" dirty="0">
-                <a:hlinkClick r:id="rId12"/>
-              </a:rPr>
-              <a:t>http://logodatabases.com/wp-content/uploads/2012/03/deutsche-bank.jpg</a:t>
-            </a:r>
-            <a:r>
-              <a:rPr lang="de-DE" sz="1200" dirty="0"/>
-              <a:t> 					23.12.2017 14:11</a:t>
-            </a:r>
-          </a:p>
-          <a:p>
-            <a:endParaRPr lang="de-DE" sz="1100" dirty="0"/>
-          </a:p>
-          <a:p>
+            <a:endParaRPr lang="de-DE" sz="1200" dirty="0"/>
+          </a:p>
+          <a:p>
+            <a:pPr>
+              <a:lnSpc>
+                <a:spcPct val="150000"/>
+              </a:lnSpc>
+            </a:pPr>
             <a:endParaRPr lang="de-DE" sz="1100" dirty="0"/>
           </a:p>
         </p:txBody>
@@ -25225,7 +25063,7 @@
           <a:p>
             <a:fld id="{28D50BB7-E2B5-4873-9F23-4433FF9FF057}" type="datetime1">
               <a:rPr lang="de-DE" smtClean="0"/>
-              <a:t>31.12.2017</a:t>
+              <a:t>01.01.2018</a:t>
             </a:fld>
             <a:endParaRPr lang="en-US" dirty="0"/>
           </a:p>
@@ -25326,6 +25164,379 @@
     </p:spTree>
     <p:extLst>
       <p:ext uri="{BB962C8B-B14F-4D97-AF65-F5344CB8AC3E}">
+        <p14:creationId xmlns:p14="http://schemas.microsoft.com/office/powerpoint/2010/main" val="4151368094"/>
+      </p:ext>
+    </p:extLst>
+  </p:cSld>
+  <p:clrMapOvr>
+    <a:masterClrMapping/>
+  </p:clrMapOvr>
+</p:sld>
+</file>
+
+<file path=ppt/slides/slide26.xml><?xml version="1.0" encoding="utf-8"?>
+<p:sld xmlns:a="http://schemas.openxmlformats.org/drawingml/2006/main" xmlns:r="http://schemas.openxmlformats.org/officeDocument/2006/relationships" xmlns:p="http://schemas.openxmlformats.org/presentationml/2006/main">
+  <p:cSld>
+    <p:spTree>
+      <p:nvGrpSpPr>
+        <p:cNvPr id="1" name=""/>
+        <p:cNvGrpSpPr/>
+        <p:nvPr/>
+      </p:nvGrpSpPr>
+      <p:grpSpPr>
+        <a:xfrm>
+          <a:off x="0" y="0"/>
+          <a:ext cx="0" cy="0"/>
+          <a:chOff x="0" y="0"/>
+          <a:chExt cx="0" cy="0"/>
+        </a:xfrm>
+      </p:grpSpPr>
+      <p:sp>
+        <p:nvSpPr>
+          <p:cNvPr id="2" name="Inhaltsplatzhalter 1">
+            <a:extLst>
+              <a:ext uri="{FF2B5EF4-FFF2-40B4-BE49-F238E27FC236}">
+                <a16:creationId xmlns:a16="http://schemas.microsoft.com/office/drawing/2014/main" id="{B28132D3-63DF-44BA-8996-8B8DD443B206}"/>
+              </a:ext>
+            </a:extLst>
+          </p:cNvPr>
+          <p:cNvSpPr>
+            <a:spLocks noGrp="1"/>
+          </p:cNvSpPr>
+          <p:nvPr>
+            <p:ph idx="1"/>
+          </p:nvPr>
+        </p:nvSpPr>
+        <p:spPr>
+          <a:xfrm>
+            <a:off x="1097280" y="1678317"/>
+            <a:ext cx="10515600" cy="4742100"/>
+          </a:xfrm>
+        </p:spPr>
+        <p:txBody>
+          <a:bodyPr>
+            <a:normAutofit/>
+          </a:bodyPr>
+          <a:lstStyle/>
+          <a:p>
+            <a:pPr>
+              <a:lnSpc>
+                <a:spcPct val="150000"/>
+              </a:lnSpc>
+            </a:pPr>
+            <a:r>
+              <a:rPr lang="de-DE" sz="1200" dirty="0">
+                <a:hlinkClick r:id="rId2"/>
+              </a:rPr>
+              <a:t>http://www.horizont.net/news/media/2/Web-hat-es-nic-gescha-Unddu-zu-ein-erfolgreic-Por--16438.jpeg</a:t>
+            </a:r>
+            <a:r>
+              <a:rPr lang="de-DE" sz="1200" dirty="0"/>
+              <a:t>  			23.12.2017 14:15</a:t>
+            </a:r>
+          </a:p>
+          <a:p>
+            <a:pPr>
+              <a:lnSpc>
+                <a:spcPct val="150000"/>
+              </a:lnSpc>
+            </a:pPr>
+            <a:r>
+              <a:rPr lang="de-DE" sz="1200" dirty="0">
+                <a:hlinkClick r:id="rId3"/>
+              </a:rPr>
+              <a:t>https://logos-download.com/wp-content/uploads/2016/10/GMX_logo_blue.png</a:t>
+            </a:r>
+            <a:r>
+              <a:rPr lang="de-DE" sz="1200" dirty="0"/>
+              <a:t>  					23.12.2017 14:16</a:t>
+            </a:r>
+          </a:p>
+          <a:p>
+            <a:pPr>
+              <a:lnSpc>
+                <a:spcPct val="150000"/>
+              </a:lnSpc>
+            </a:pPr>
+            <a:r>
+              <a:rPr lang="de-DE" sz="1200" dirty="0">
+                <a:hlinkClick r:id="rId4"/>
+              </a:rPr>
+              <a:t>https://tradingeducationblogs.com/wp-content/uploads/2017/03/snapchat-logo.png</a:t>
+            </a:r>
+            <a:r>
+              <a:rPr lang="de-DE" sz="1200" dirty="0"/>
+              <a:t> 				23.12.2017 16:15</a:t>
+            </a:r>
+          </a:p>
+          <a:p>
+            <a:pPr>
+              <a:lnSpc>
+                <a:spcPct val="150000"/>
+              </a:lnSpc>
+            </a:pPr>
+            <a:r>
+              <a:rPr lang="de-DE" sz="1200" dirty="0">
+                <a:hlinkClick r:id="rId5"/>
+              </a:rPr>
+              <a:t>https://d1x0mwiac2rqwt.cloudfront.net/bab0a0c4b1c3135a24bd0518417b66e3/as/logo_todoist_schema.png</a:t>
+            </a:r>
+            <a:r>
+              <a:rPr lang="de-DE" sz="1200" dirty="0"/>
+              <a:t>			23.12.2017 13:57</a:t>
+            </a:r>
+          </a:p>
+          <a:p>
+            <a:pPr>
+              <a:lnSpc>
+                <a:spcPct val="150000"/>
+              </a:lnSpc>
+            </a:pPr>
+            <a:r>
+              <a:rPr lang="de-DE" sz="1200" dirty="0">
+                <a:hlinkClick r:id="rId6"/>
+              </a:rPr>
+              <a:t>https://upload.wikimedia.org/wikipedia/de/thumb/9/9f/Twitter_bird_logo_2012.svg/1200px-Twitter_bird_logo_2012.svg.png</a:t>
+            </a:r>
+            <a:r>
+              <a:rPr lang="de-DE" sz="1200" dirty="0"/>
+              <a:t>		23.12.2017 13:57</a:t>
+            </a:r>
+          </a:p>
+          <a:p>
+            <a:pPr>
+              <a:lnSpc>
+                <a:spcPct val="150000"/>
+              </a:lnSpc>
+            </a:pPr>
+            <a:r>
+              <a:rPr lang="de-DE" sz="1200" dirty="0">
+                <a:hlinkClick r:id="rId7"/>
+              </a:rPr>
+              <a:t>https://www.facebook.com/images/fb_icon_325x325.png</a:t>
+            </a:r>
+            <a:r>
+              <a:rPr lang="de-DE" sz="1200" dirty="0"/>
+              <a:t> 						23.12.2017 13:57</a:t>
+            </a:r>
+          </a:p>
+          <a:p>
+            <a:pPr>
+              <a:lnSpc>
+                <a:spcPct val="150000"/>
+              </a:lnSpc>
+            </a:pPr>
+            <a:r>
+              <a:rPr lang="de-DE" sz="1200" dirty="0">
+                <a:hlinkClick r:id="rId8"/>
+              </a:rPr>
+              <a:t>https://pixabay.com/p-1581266/?no_redirect</a:t>
+            </a:r>
+            <a:r>
+              <a:rPr lang="de-DE" sz="1200" dirty="0"/>
+              <a:t>							23.12.2017 14:08</a:t>
+            </a:r>
+          </a:p>
+          <a:p>
+            <a:pPr>
+              <a:lnSpc>
+                <a:spcPct val="150000"/>
+              </a:lnSpc>
+            </a:pPr>
+            <a:r>
+              <a:rPr lang="de-DE" sz="1200" dirty="0">
+                <a:hlinkClick r:id="rId9"/>
+              </a:rPr>
+              <a:t>https://upload.wikimedia.org/wikipedia/commons/thumb/8/83/Sparkasse.svg/2000px-Sparkasse.svg.png</a:t>
+            </a:r>
+            <a:r>
+              <a:rPr lang="de-DE" sz="1200" dirty="0"/>
+              <a:t>  			23.12.2017 14:08</a:t>
+            </a:r>
+          </a:p>
+          <a:p>
+            <a:pPr>
+              <a:lnSpc>
+                <a:spcPct val="150000"/>
+              </a:lnSpc>
+            </a:pPr>
+            <a:r>
+              <a:rPr lang="de-DE" sz="1200" dirty="0">
+                <a:hlinkClick r:id="rId10"/>
+              </a:rPr>
+              <a:t>https://upload.wikimedia.org/wikipedia/commons/thumb/a/ab/Volksbank_Logo.svg/1000px-Volksbank_Logo.svg.png</a:t>
+            </a:r>
+            <a:r>
+              <a:rPr lang="de-DE" sz="1200" dirty="0"/>
+              <a:t> 		23.12.2017 14:08 </a:t>
+            </a:r>
+          </a:p>
+          <a:p>
+            <a:pPr>
+              <a:lnSpc>
+                <a:spcPct val="150000"/>
+              </a:lnSpc>
+            </a:pPr>
+            <a:r>
+              <a:rPr lang="de-DE" sz="1200" dirty="0">
+                <a:hlinkClick r:id="rId11"/>
+              </a:rPr>
+              <a:t>http://millionmedia.com/wp-content/uploads/2014/11/deezer-logo-circle.png</a:t>
+            </a:r>
+            <a:r>
+              <a:rPr lang="de-DE" sz="1200" dirty="0"/>
+              <a:t> 					23.12.2017 14:11</a:t>
+            </a:r>
+          </a:p>
+          <a:p>
+            <a:pPr>
+              <a:lnSpc>
+                <a:spcPct val="150000"/>
+              </a:lnSpc>
+            </a:pPr>
+            <a:r>
+              <a:rPr lang="de-DE" sz="1200" dirty="0">
+                <a:hlinkClick r:id="rId12"/>
+              </a:rPr>
+              <a:t>http://logodatabases.com/wp-content/uploads/2012/03/deutsche-bank.jpg</a:t>
+            </a:r>
+            <a:r>
+              <a:rPr lang="de-DE" sz="1200" dirty="0"/>
+              <a:t> 					23.12.2017 14:11</a:t>
+            </a:r>
+          </a:p>
+          <a:p>
+            <a:endParaRPr lang="de-DE" sz="1100" dirty="0"/>
+          </a:p>
+          <a:p>
+            <a:endParaRPr lang="de-DE" sz="1100" dirty="0"/>
+          </a:p>
+        </p:txBody>
+      </p:sp>
+      <p:sp>
+        <p:nvSpPr>
+          <p:cNvPr id="3" name="Datumsplatzhalter 2">
+            <a:extLst>
+              <a:ext uri="{FF2B5EF4-FFF2-40B4-BE49-F238E27FC236}">
+                <a16:creationId xmlns:a16="http://schemas.microsoft.com/office/drawing/2014/main" id="{E00271D8-1087-4412-95F9-CCE985E1507C}"/>
+              </a:ext>
+            </a:extLst>
+          </p:cNvPr>
+          <p:cNvSpPr>
+            <a:spLocks noGrp="1"/>
+          </p:cNvSpPr>
+          <p:nvPr>
+            <p:ph type="dt" sz="half" idx="10"/>
+          </p:nvPr>
+        </p:nvSpPr>
+        <p:spPr/>
+        <p:txBody>
+          <a:bodyPr/>
+          <a:lstStyle/>
+          <a:p>
+            <a:fld id="{28D50BB7-E2B5-4873-9F23-4433FF9FF057}" type="datetime1">
+              <a:rPr lang="de-DE" smtClean="0"/>
+              <a:t>01.01.2018</a:t>
+            </a:fld>
+            <a:endParaRPr lang="en-US" dirty="0"/>
+          </a:p>
+        </p:txBody>
+      </p:sp>
+      <p:sp>
+        <p:nvSpPr>
+          <p:cNvPr id="4" name="Fußzeilenplatzhalter 3">
+            <a:extLst>
+              <a:ext uri="{FF2B5EF4-FFF2-40B4-BE49-F238E27FC236}">
+                <a16:creationId xmlns:a16="http://schemas.microsoft.com/office/drawing/2014/main" id="{394F4119-43D1-4069-8695-025E4948FE2F}"/>
+              </a:ext>
+            </a:extLst>
+          </p:cNvPr>
+          <p:cNvSpPr>
+            <a:spLocks noGrp="1"/>
+          </p:cNvSpPr>
+          <p:nvPr>
+            <p:ph type="ftr" sz="quarter" idx="11"/>
+          </p:nvPr>
+        </p:nvSpPr>
+        <p:spPr/>
+        <p:txBody>
+          <a:bodyPr/>
+          <a:lstStyle/>
+          <a:p>
+            <a:r>
+              <a:rPr lang="en-US"/>
+              <a:t>Johannes Strauß &amp; Lukas Justen</a:t>
+            </a:r>
+            <a:endParaRPr lang="en-US" dirty="0"/>
+          </a:p>
+        </p:txBody>
+      </p:sp>
+      <p:sp>
+        <p:nvSpPr>
+          <p:cNvPr id="5" name="Foliennummernplatzhalter 4">
+            <a:extLst>
+              <a:ext uri="{FF2B5EF4-FFF2-40B4-BE49-F238E27FC236}">
+                <a16:creationId xmlns:a16="http://schemas.microsoft.com/office/drawing/2014/main" id="{602974BD-1262-4F31-9724-122AE7CEB5D6}"/>
+              </a:ext>
+            </a:extLst>
+          </p:cNvPr>
+          <p:cNvSpPr>
+            <a:spLocks noGrp="1"/>
+          </p:cNvSpPr>
+          <p:nvPr>
+            <p:ph type="sldNum" sz="quarter" idx="4"/>
+          </p:nvPr>
+        </p:nvSpPr>
+        <p:spPr/>
+        <p:txBody>
+          <a:bodyPr/>
+          <a:lstStyle/>
+          <a:p>
+            <a:fld id="{95B0EFA8-D4E6-438F-A5A4-BE862A6AB6EC}" type="slidenum">
+              <a:rPr lang="en-US" smtClean="0"/>
+              <a:pPr/>
+              <a:t>26</a:t>
+            </a:fld>
+            <a:endParaRPr lang="en-US" dirty="0"/>
+          </a:p>
+        </p:txBody>
+      </p:sp>
+      <p:sp>
+        <p:nvSpPr>
+          <p:cNvPr id="6" name="Titel 5">
+            <a:extLst>
+              <a:ext uri="{FF2B5EF4-FFF2-40B4-BE49-F238E27FC236}">
+                <a16:creationId xmlns:a16="http://schemas.microsoft.com/office/drawing/2014/main" id="{2FFDF973-2E30-48D5-8311-D5D66A8F8808}"/>
+              </a:ext>
+            </a:extLst>
+          </p:cNvPr>
+          <p:cNvSpPr>
+            <a:spLocks noGrp="1"/>
+          </p:cNvSpPr>
+          <p:nvPr>
+            <p:ph type="title"/>
+          </p:nvPr>
+        </p:nvSpPr>
+        <p:spPr>
+          <a:xfrm>
+            <a:off x="1097280" y="-160595"/>
+            <a:ext cx="8961120" cy="1450757"/>
+          </a:xfrm>
+        </p:spPr>
+        <p:txBody>
+          <a:bodyPr/>
+          <a:lstStyle/>
+          <a:p>
+            <a:r>
+              <a:rPr lang="de-DE" dirty="0"/>
+              <a:t>Bildquellen</a:t>
+            </a:r>
+          </a:p>
+        </p:txBody>
+      </p:sp>
+    </p:spTree>
+    <p:extLst>
+      <p:ext uri="{BB962C8B-B14F-4D97-AF65-F5344CB8AC3E}">
         <p14:creationId xmlns:p14="http://schemas.microsoft.com/office/powerpoint/2010/main" val="286736332"/>
       </p:ext>
     </p:extLst>
@@ -25336,7 +25547,7 @@
 </p:sld>
 </file>
 
-<file path=ppt/slides/slide26.xml><?xml version="1.0" encoding="utf-8"?>
+<file path=ppt/slides/slide27.xml><?xml version="1.0" encoding="utf-8"?>
 <p:sld xmlns:a="http://schemas.openxmlformats.org/drawingml/2006/main" xmlns:r="http://schemas.openxmlformats.org/officeDocument/2006/relationships" xmlns:p="http://schemas.openxmlformats.org/presentationml/2006/main">
   <p:cSld>
     <p:spTree>
@@ -25540,7 +25751,7 @@
           <a:p>
             <a:fld id="{28D50BB7-E2B5-4873-9F23-4433FF9FF057}" type="datetime1">
               <a:rPr lang="de-DE" smtClean="0"/>
-              <a:t>31.12.2017</a:t>
+              <a:t>01.01.2018</a:t>
             </a:fld>
             <a:endParaRPr lang="en-US" dirty="0"/>
           </a:p>
@@ -25599,7 +25810,7 @@
             <a:fld id="{95B0EFA8-D4E6-438F-A5A4-BE862A6AB6EC}" type="slidenum">
               <a:rPr lang="en-US" smtClean="0"/>
               <a:pPr/>
-              <a:t>26</a:t>
+              <a:t>27</a:t>
             </a:fld>
             <a:endParaRPr lang="en-US" dirty="0"/>
           </a:p>
@@ -25686,7 +25897,7 @@
           <a:p>
             <a:fld id="{28D50BB7-E2B5-4873-9F23-4433FF9FF057}" type="datetime1">
               <a:rPr lang="de-DE" smtClean="0"/>
-              <a:t>31.12.2017</a:t>
+              <a:t>01.01.2018</a:t>
             </a:fld>
             <a:endParaRPr lang="en-US" dirty="0"/>
           </a:p>
@@ -27109,7 +27320,7 @@
           <a:p>
             <a:fld id="{28D50BB7-E2B5-4873-9F23-4433FF9FF057}" type="datetime1">
               <a:rPr lang="de-DE" smtClean="0"/>
-              <a:t>31.12.2017</a:t>
+              <a:t>01.01.2018</a:t>
             </a:fld>
             <a:endParaRPr lang="en-US" dirty="0"/>
           </a:p>
@@ -27881,7 +28092,7 @@
           <a:p>
             <a:fld id="{28D50BB7-E2B5-4873-9F23-4433FF9FF057}" type="datetime1">
               <a:rPr lang="de-DE" smtClean="0"/>
-              <a:t>31.12.2017</a:t>
+              <a:t>01.01.2018</a:t>
             </a:fld>
             <a:endParaRPr lang="en-US" dirty="0"/>
           </a:p>
@@ -28544,7 +28755,7 @@
           <a:p>
             <a:fld id="{28D50BB7-E2B5-4873-9F23-4433FF9FF057}" type="datetime1">
               <a:rPr lang="de-DE" smtClean="0"/>
-              <a:t>31.12.2017</a:t>
+              <a:t>01.01.2018</a:t>
             </a:fld>
             <a:endParaRPr lang="en-US" dirty="0"/>
           </a:p>
@@ -29544,7 +29755,7 @@
           <a:p>
             <a:fld id="{5538D691-F215-41DA-944D-CC2EEF668359}" type="datetime1">
               <a:rPr lang="de-DE" smtClean="0"/>
-              <a:t>31.12.2017</a:t>
+              <a:t>01.01.2018</a:t>
             </a:fld>
             <a:endParaRPr lang="en-US"/>
           </a:p>
@@ -29790,7 +30001,7 @@
           <a:p>
             <a:fld id="{28D50BB7-E2B5-4873-9F23-4433FF9FF057}" type="datetime1">
               <a:rPr lang="de-DE" smtClean="0"/>
-              <a:t>31.12.2017</a:t>
+              <a:t>01.01.2018</a:t>
             </a:fld>
             <a:endParaRPr lang="en-US" dirty="0"/>
           </a:p>
@@ -30964,7 +31175,7 @@
           <a:p>
             <a:fld id="{28D50BB7-E2B5-4873-9F23-4433FF9FF057}" type="datetime1">
               <a:rPr lang="de-DE" smtClean="0"/>
-              <a:t>31.12.2017</a:t>
+              <a:t>01.01.2018</a:t>
             </a:fld>
             <a:endParaRPr lang="en-US" dirty="0"/>
           </a:p>

--- a/2BPR.pptx
+++ b/2BPR.pptx
@@ -5,7 +5,7 @@
     <p:sldMasterId id="2147483648" r:id="rId1"/>
   </p:sldMasterIdLst>
   <p:notesMasterIdLst>
-    <p:notesMasterId r:id="rId38"/>
+    <p:notesMasterId r:id="rId45"/>
   </p:notesMasterIdLst>
   <p:sldIdLst>
     <p:sldId id="258" r:id="rId2"/>
@@ -38,12 +38,19 @@
     <p:sldId id="299" r:id="rId29"/>
     <p:sldId id="302" r:id="rId30"/>
     <p:sldId id="300" r:id="rId31"/>
-    <p:sldId id="303" r:id="rId32"/>
-    <p:sldId id="301" r:id="rId33"/>
-    <p:sldId id="304" r:id="rId34"/>
-    <p:sldId id="261" r:id="rId35"/>
-    <p:sldId id="271" r:id="rId36"/>
-    <p:sldId id="265" r:id="rId37"/>
+    <p:sldId id="305" r:id="rId32"/>
+    <p:sldId id="303" r:id="rId33"/>
+    <p:sldId id="301" r:id="rId34"/>
+    <p:sldId id="304" r:id="rId35"/>
+    <p:sldId id="307" r:id="rId36"/>
+    <p:sldId id="311" r:id="rId37"/>
+    <p:sldId id="306" r:id="rId38"/>
+    <p:sldId id="308" r:id="rId39"/>
+    <p:sldId id="309" r:id="rId40"/>
+    <p:sldId id="310" r:id="rId41"/>
+    <p:sldId id="261" r:id="rId42"/>
+    <p:sldId id="271" r:id="rId43"/>
+    <p:sldId id="265" r:id="rId44"/>
   </p:sldIdLst>
   <p:sldSz cx="12192000" cy="6858000"/>
   <p:notesSz cx="6858000" cy="9144000"/>
@@ -598,7 +605,7 @@
           <a:p>
             <a:fld id="{552EA148-05D6-4D6A-B92E-EDBC39E41ABD}" type="datetimeFigureOut">
               <a:rPr lang="en-US" smtClean="0"/>
-              <a:t>1/1/2018</a:t>
+              <a:t>1/3/2018</a:t>
             </a:fld>
             <a:endParaRPr lang="en-US"/>
           </a:p>
@@ -4780,7 +4787,7 @@
                 <a:tabLst/>
                 <a:defRPr/>
               </a:pPr>
-              <a:t>31</a:t>
+              <a:t>32</a:t>
             </a:fld>
             <a:endParaRPr kumimoji="0" lang="en-US" sz="1200" b="0" i="0" u="none" strike="noStrike" kern="1200" cap="none" spc="0" normalizeH="0" baseline="0" noProof="0">
               <a:ln>
@@ -4936,7 +4943,7 @@
                 <a:tabLst/>
                 <a:defRPr/>
               </a:pPr>
-              <a:t>33</a:t>
+              <a:t>34</a:t>
             </a:fld>
             <a:endParaRPr kumimoji="0" lang="en-US" sz="1200" b="0" i="0" u="none" strike="noStrike" kern="1200" cap="none" spc="0" normalizeH="0" baseline="0" noProof="0">
               <a:ln>
@@ -4959,6 +4966,294 @@
     <p:extLst>
       <p:ext uri="{BB962C8B-B14F-4D97-AF65-F5344CB8AC3E}">
         <p14:creationId xmlns:p14="http://schemas.microsoft.com/office/powerpoint/2010/main" val="3833273523"/>
+      </p:ext>
+    </p:extLst>
+  </p:cSld>
+  <p:clrMapOvr>
+    <a:masterClrMapping/>
+  </p:clrMapOvr>
+</p:notes>
+</file>
+
+<file path=ppt/notesSlides/notesSlide27.xml><?xml version="1.0" encoding="utf-8"?>
+<p:notes xmlns:a="http://schemas.openxmlformats.org/drawingml/2006/main" xmlns:r="http://schemas.openxmlformats.org/officeDocument/2006/relationships" xmlns:p="http://schemas.openxmlformats.org/presentationml/2006/main">
+  <p:cSld>
+    <p:spTree>
+      <p:nvGrpSpPr>
+        <p:cNvPr id="1" name=""/>
+        <p:cNvGrpSpPr/>
+        <p:nvPr/>
+      </p:nvGrpSpPr>
+      <p:grpSpPr>
+        <a:xfrm>
+          <a:off x="0" y="0"/>
+          <a:ext cx="0" cy="0"/>
+          <a:chOff x="0" y="0"/>
+          <a:chExt cx="0" cy="0"/>
+        </a:xfrm>
+      </p:grpSpPr>
+      <p:sp>
+        <p:nvSpPr>
+          <p:cNvPr id="2" name="Folienbildplatzhalter 1"/>
+          <p:cNvSpPr>
+            <a:spLocks noGrp="1" noRot="1" noChangeAspect="1"/>
+          </p:cNvSpPr>
+          <p:nvPr>
+            <p:ph type="sldImg"/>
+          </p:nvPr>
+        </p:nvSpPr>
+        <p:spPr/>
+      </p:sp>
+      <p:sp>
+        <p:nvSpPr>
+          <p:cNvPr id="3" name="Notizenplatzhalter 2"/>
+          <p:cNvSpPr>
+            <a:spLocks noGrp="1"/>
+          </p:cNvSpPr>
+          <p:nvPr>
+            <p:ph type="body" idx="1"/>
+          </p:nvPr>
+        </p:nvSpPr>
+        <p:spPr/>
+        <p:txBody>
+          <a:bodyPr/>
+          <a:lstStyle/>
+          <a:p>
+            <a:r>
+              <a:rPr lang="de-DE" b="1" u="sng" dirty="0"/>
+              <a:t>Motivation:</a:t>
+            </a:r>
+          </a:p>
+          <a:p>
+            <a:r>
+              <a:rPr lang="de-DE" dirty="0"/>
+              <a:t>    Was will uns das Paper im Rahmen von 2PAKE und 2PASS sagen?</a:t>
+            </a:r>
+          </a:p>
+          <a:p>
+            <a:r>
+              <a:rPr lang="de-DE" dirty="0"/>
+              <a:t>    Was ist das Ziel des Papers?</a:t>
+            </a:r>
+          </a:p>
+          <a:p>
+            <a:r>
+              <a:rPr lang="de-DE" dirty="0"/>
+              <a:t>    Welche Rahmenbedingungen gibt es?</a:t>
+            </a:r>
+          </a:p>
+          <a:p>
+            <a:r>
+              <a:rPr lang="de-DE" b="1" u="sng" dirty="0" err="1"/>
+              <a:t>Begiffe</a:t>
+            </a:r>
+            <a:r>
+              <a:rPr lang="de-DE" b="1" u="sng" dirty="0"/>
+              <a:t>:</a:t>
+            </a:r>
+          </a:p>
+          <a:p>
+            <a:r>
+              <a:rPr lang="de-DE" dirty="0"/>
+              <a:t>    Grundlagen für 2BPR</a:t>
+            </a:r>
+          </a:p>
+          <a:p>
+            <a:r>
+              <a:rPr lang="de-DE" dirty="0"/>
+              <a:t>    Was sind </a:t>
+            </a:r>
+            <a:r>
+              <a:rPr lang="de-DE" dirty="0" err="1"/>
+              <a:t>Commitments</a:t>
+            </a:r>
+            <a:r>
+              <a:rPr lang="de-DE" dirty="0"/>
+              <a:t>?</a:t>
+            </a:r>
+          </a:p>
+          <a:p>
+            <a:r>
+              <a:rPr lang="de-DE" dirty="0"/>
+              <a:t>    Was ist ein Beispiel für deren Gebrauch?</a:t>
+            </a:r>
+          </a:p>
+          <a:p>
+            <a:endParaRPr lang="de-DE" dirty="0"/>
+          </a:p>
+        </p:txBody>
+      </p:sp>
+      <p:sp>
+        <p:nvSpPr>
+          <p:cNvPr id="4" name="Foliennummernplatzhalter 3"/>
+          <p:cNvSpPr>
+            <a:spLocks noGrp="1"/>
+          </p:cNvSpPr>
+          <p:nvPr>
+            <p:ph type="sldNum" sz="quarter" idx="10"/>
+          </p:nvPr>
+        </p:nvSpPr>
+        <p:spPr/>
+        <p:txBody>
+          <a:bodyPr/>
+          <a:lstStyle/>
+          <a:p>
+            <a:fld id="{19F2E689-7ADB-4F62-9F21-572B82886E3D}" type="slidenum">
+              <a:rPr lang="en-US" smtClean="0"/>
+              <a:t>35</a:t>
+            </a:fld>
+            <a:endParaRPr lang="en-US"/>
+          </a:p>
+        </p:txBody>
+      </p:sp>
+    </p:spTree>
+    <p:extLst>
+      <p:ext uri="{BB962C8B-B14F-4D97-AF65-F5344CB8AC3E}">
+        <p14:creationId xmlns:p14="http://schemas.microsoft.com/office/powerpoint/2010/main" val="1522528875"/>
+      </p:ext>
+    </p:extLst>
+  </p:cSld>
+  <p:clrMapOvr>
+    <a:masterClrMapping/>
+  </p:clrMapOvr>
+</p:notes>
+</file>
+
+<file path=ppt/notesSlides/notesSlide28.xml><?xml version="1.0" encoding="utf-8"?>
+<p:notes xmlns:a="http://schemas.openxmlformats.org/drawingml/2006/main" xmlns:r="http://schemas.openxmlformats.org/officeDocument/2006/relationships" xmlns:p="http://schemas.openxmlformats.org/presentationml/2006/main">
+  <p:cSld>
+    <p:spTree>
+      <p:nvGrpSpPr>
+        <p:cNvPr id="1" name=""/>
+        <p:cNvGrpSpPr/>
+        <p:nvPr/>
+      </p:nvGrpSpPr>
+      <p:grpSpPr>
+        <a:xfrm>
+          <a:off x="0" y="0"/>
+          <a:ext cx="0" cy="0"/>
+          <a:chOff x="0" y="0"/>
+          <a:chExt cx="0" cy="0"/>
+        </a:xfrm>
+      </p:grpSpPr>
+      <p:sp>
+        <p:nvSpPr>
+          <p:cNvPr id="2" name="Folienbildplatzhalter 1"/>
+          <p:cNvSpPr>
+            <a:spLocks noGrp="1" noRot="1" noChangeAspect="1"/>
+          </p:cNvSpPr>
+          <p:nvPr>
+            <p:ph type="sldImg"/>
+          </p:nvPr>
+        </p:nvSpPr>
+        <p:spPr/>
+      </p:sp>
+      <p:sp>
+        <p:nvSpPr>
+          <p:cNvPr id="3" name="Notizenplatzhalter 2"/>
+          <p:cNvSpPr>
+            <a:spLocks noGrp="1"/>
+          </p:cNvSpPr>
+          <p:nvPr>
+            <p:ph type="body" idx="1"/>
+          </p:nvPr>
+        </p:nvSpPr>
+        <p:spPr/>
+        <p:txBody>
+          <a:bodyPr/>
+          <a:lstStyle/>
+          <a:p>
+            <a:r>
+              <a:rPr lang="de-DE" b="1" u="sng" dirty="0"/>
+              <a:t>Motivation:</a:t>
+            </a:r>
+          </a:p>
+          <a:p>
+            <a:r>
+              <a:rPr lang="de-DE" dirty="0"/>
+              <a:t>    Was will uns das Paper im Rahmen von 2PAKE und 2PASS sagen?</a:t>
+            </a:r>
+          </a:p>
+          <a:p>
+            <a:r>
+              <a:rPr lang="de-DE" dirty="0"/>
+              <a:t>    Was ist das Ziel des Papers?</a:t>
+            </a:r>
+          </a:p>
+          <a:p>
+            <a:r>
+              <a:rPr lang="de-DE" dirty="0"/>
+              <a:t>    Welche Rahmenbedingungen gibt es?</a:t>
+            </a:r>
+          </a:p>
+          <a:p>
+            <a:r>
+              <a:rPr lang="de-DE" b="1" u="sng" dirty="0" err="1"/>
+              <a:t>Begiffe</a:t>
+            </a:r>
+            <a:r>
+              <a:rPr lang="de-DE" b="1" u="sng" dirty="0"/>
+              <a:t>:</a:t>
+            </a:r>
+          </a:p>
+          <a:p>
+            <a:r>
+              <a:rPr lang="de-DE" dirty="0"/>
+              <a:t>    Grundlagen für 2BPR</a:t>
+            </a:r>
+          </a:p>
+          <a:p>
+            <a:r>
+              <a:rPr lang="de-DE" dirty="0"/>
+              <a:t>    Was sind </a:t>
+            </a:r>
+            <a:r>
+              <a:rPr lang="de-DE" dirty="0" err="1"/>
+              <a:t>Commitments</a:t>
+            </a:r>
+            <a:r>
+              <a:rPr lang="de-DE" dirty="0"/>
+              <a:t>?</a:t>
+            </a:r>
+          </a:p>
+          <a:p>
+            <a:r>
+              <a:rPr lang="de-DE" dirty="0"/>
+              <a:t>    Was ist ein Beispiel für deren Gebrauch?</a:t>
+            </a:r>
+          </a:p>
+          <a:p>
+            <a:endParaRPr lang="de-DE" dirty="0"/>
+          </a:p>
+        </p:txBody>
+      </p:sp>
+      <p:sp>
+        <p:nvSpPr>
+          <p:cNvPr id="4" name="Foliennummernplatzhalter 3"/>
+          <p:cNvSpPr>
+            <a:spLocks noGrp="1"/>
+          </p:cNvSpPr>
+          <p:nvPr>
+            <p:ph type="sldNum" sz="quarter" idx="10"/>
+          </p:nvPr>
+        </p:nvSpPr>
+        <p:spPr/>
+        <p:txBody>
+          <a:bodyPr/>
+          <a:lstStyle/>
+          <a:p>
+            <a:fld id="{19F2E689-7ADB-4F62-9F21-572B82886E3D}" type="slidenum">
+              <a:rPr lang="en-US" smtClean="0"/>
+              <a:t>37</a:t>
+            </a:fld>
+            <a:endParaRPr lang="en-US"/>
+          </a:p>
+        </p:txBody>
+      </p:sp>
+    </p:spTree>
+    <p:extLst>
+      <p:ext uri="{BB962C8B-B14F-4D97-AF65-F5344CB8AC3E}">
+        <p14:creationId xmlns:p14="http://schemas.microsoft.com/office/powerpoint/2010/main" val="1154590251"/>
       </p:ext>
     </p:extLst>
   </p:cSld>
@@ -7450,7 +7745,7 @@
           <a:p>
             <a:fld id="{040B55A3-D050-4512-A2B7-3FAE9AAB8B27}" type="datetime1">
               <a:rPr lang="de-DE" smtClean="0"/>
-              <a:t>01.01.2018</a:t>
+              <a:t>03.01.2018</a:t>
             </a:fld>
             <a:endParaRPr lang="en-US" dirty="0"/>
           </a:p>
@@ -7921,7 +8216,7 @@
           <a:p>
             <a:fld id="{28D50BB7-E2B5-4873-9F23-4433FF9FF057}" type="datetime1">
               <a:rPr lang="de-DE" smtClean="0"/>
-              <a:t>01.01.2018</a:t>
+              <a:t>03.01.2018</a:t>
             </a:fld>
             <a:endParaRPr lang="en-US" dirty="0"/>
           </a:p>
@@ -8246,7 +8541,7 @@
           <a:p>
             <a:fld id="{BDAEB85F-B10B-445E-B56D-626F3D600529}" type="datetime1">
               <a:rPr lang="de-DE" smtClean="0"/>
-              <a:t>01.01.2018</a:t>
+              <a:t>03.01.2018</a:t>
             </a:fld>
             <a:endParaRPr lang="en-US"/>
           </a:p>
@@ -8696,7 +8991,7 @@
           <a:p>
             <a:fld id="{5538D691-F215-41DA-944D-CC2EEF668359}" type="datetime1">
               <a:rPr lang="de-DE" smtClean="0"/>
-              <a:t>01.01.2018</a:t>
+              <a:t>03.01.2018</a:t>
             </a:fld>
             <a:endParaRPr lang="en-US"/>
           </a:p>
@@ -8878,7 +9173,7 @@
           <a:p>
             <a:fld id="{D3387745-CC3C-41E7-B983-4C6D7C62A2B9}" type="datetime1">
               <a:rPr lang="de-DE" smtClean="0"/>
-              <a:t>01.01.2018</a:t>
+              <a:t>03.01.2018</a:t>
             </a:fld>
             <a:endParaRPr lang="en-US"/>
           </a:p>
@@ -9047,7 +9342,7 @@
           <a:p>
             <a:fld id="{2E51F313-B50C-4CC5-AB69-010D209F5784}" type="datetime1">
               <a:rPr lang="de-DE" smtClean="0"/>
-              <a:t>01.01.2018</a:t>
+              <a:t>03.01.2018</a:t>
             </a:fld>
             <a:endParaRPr lang="en-US"/>
           </a:p>
@@ -9529,7 +9824,7 @@
             <a:fld id="{014A7E50-CDC5-4B03-A3F1-913F3732ECE4}" type="datetime1">
               <a:rPr lang="de-DE" smtClean="0"/>
               <a:pPr/>
-              <a:t>01.01.2018</a:t>
+              <a:t>03.01.2018</a:t>
             </a:fld>
             <a:endParaRPr lang="en-US" dirty="0"/>
           </a:p>
@@ -10448,7 +10743,7 @@
           <a:p>
             <a:fld id="{040B55A3-D050-4512-A2B7-3FAE9AAB8B27}" type="datetime1">
               <a:rPr lang="de-DE" smtClean="0"/>
-              <a:t>01.01.2018</a:t>
+              <a:t>03.01.2018</a:t>
             </a:fld>
             <a:endParaRPr lang="en-US" dirty="0"/>
           </a:p>
@@ -11231,7 +11526,7 @@
         </p:spPr>
         <p:txBody>
           <a:bodyPr>
-            <a:normAutofit/>
+            <a:normAutofit lnSpcReduction="10000"/>
           </a:bodyPr>
           <a:lstStyle/>
           <a:p>
@@ -11295,6 +11590,54 @@
               </a:rPr>
               <a:t>Protokoll</a:t>
             </a:r>
+          </a:p>
+          <a:p>
+            <a:pPr>
+              <a:lnSpc>
+                <a:spcPct val="150000"/>
+              </a:lnSpc>
+            </a:pPr>
+            <a:r>
+              <a:rPr lang="de-DE" dirty="0">
+                <a:solidFill>
+                  <a:schemeClr val="bg1">
+                    <a:lumMod val="75000"/>
+                  </a:schemeClr>
+                </a:solidFill>
+              </a:rPr>
+              <a:t>Sicherheitsanalyse</a:t>
+            </a:r>
+          </a:p>
+          <a:p>
+            <a:pPr>
+              <a:lnSpc>
+                <a:spcPct val="150000"/>
+              </a:lnSpc>
+            </a:pPr>
+            <a:r>
+              <a:rPr lang="de-DE" dirty="0">
+                <a:solidFill>
+                  <a:schemeClr val="bg1">
+                    <a:lumMod val="75000"/>
+                  </a:schemeClr>
+                </a:solidFill>
+              </a:rPr>
+              <a:t>Fazit</a:t>
+            </a:r>
+          </a:p>
+          <a:p>
+            <a:pPr>
+              <a:lnSpc>
+                <a:spcPct val="150000"/>
+              </a:lnSpc>
+            </a:pPr>
+            <a:endParaRPr lang="de-DE" dirty="0">
+              <a:solidFill>
+                <a:schemeClr val="bg1">
+                  <a:lumMod val="75000"/>
+                </a:schemeClr>
+              </a:solidFill>
+            </a:endParaRPr>
           </a:p>
           <a:p>
             <a:pPr>
@@ -11335,7 +11678,7 @@
           <a:p>
             <a:fld id="{28D50BB7-E2B5-4873-9F23-4433FF9FF057}" type="datetime1">
               <a:rPr lang="de-DE" smtClean="0"/>
-              <a:t>01.01.2018</a:t>
+              <a:t>03.01.2018</a:t>
             </a:fld>
             <a:endParaRPr lang="en-US" dirty="0"/>
           </a:p>
@@ -12310,7 +12653,7 @@
           <a:p>
             <a:fld id="{28D50BB7-E2B5-4873-9F23-4433FF9FF057}" type="datetime1">
               <a:rPr lang="de-DE" smtClean="0"/>
-              <a:t>01.01.2018</a:t>
+              <a:t>03.01.2018</a:t>
             </a:fld>
             <a:endParaRPr lang="en-US" dirty="0"/>
           </a:p>
@@ -13626,7 +13969,7 @@
           <a:p>
             <a:fld id="{28D50BB7-E2B5-4873-9F23-4433FF9FF057}" type="datetime1">
               <a:rPr lang="de-DE" smtClean="0"/>
-              <a:t>01.01.2018</a:t>
+              <a:t>03.01.2018</a:t>
             </a:fld>
             <a:endParaRPr lang="en-US" dirty="0"/>
           </a:p>
@@ -14135,7 +14478,7 @@
         </p:spPr>
         <p:txBody>
           <a:bodyPr>
-            <a:normAutofit/>
+            <a:normAutofit lnSpcReduction="10000"/>
           </a:bodyPr>
           <a:lstStyle/>
           <a:p>
@@ -14199,6 +14542,47 @@
               </a:rPr>
               <a:t>Protokoll</a:t>
             </a:r>
+          </a:p>
+          <a:p>
+            <a:pPr>
+              <a:lnSpc>
+                <a:spcPct val="150000"/>
+              </a:lnSpc>
+            </a:pPr>
+            <a:r>
+              <a:rPr lang="de-DE" dirty="0">
+                <a:solidFill>
+                  <a:schemeClr val="bg1">
+                    <a:lumMod val="75000"/>
+                  </a:schemeClr>
+                </a:solidFill>
+              </a:rPr>
+              <a:t>Sicherheitsanalyse</a:t>
+            </a:r>
+          </a:p>
+          <a:p>
+            <a:pPr>
+              <a:lnSpc>
+                <a:spcPct val="150000"/>
+              </a:lnSpc>
+            </a:pPr>
+            <a:r>
+              <a:rPr lang="de-DE" dirty="0">
+                <a:solidFill>
+                  <a:schemeClr val="bg1">
+                    <a:lumMod val="75000"/>
+                  </a:schemeClr>
+                </a:solidFill>
+              </a:rPr>
+              <a:t>Fazit</a:t>
+            </a:r>
+          </a:p>
+          <a:p>
+            <a:pPr>
+              <a:lnSpc>
+                <a:spcPct val="150000"/>
+              </a:lnSpc>
+            </a:pPr>
             <a:endParaRPr lang="de-DE" dirty="0"/>
           </a:p>
           <a:p>
@@ -14240,7 +14624,7 @@
           <a:p>
             <a:fld id="{28D50BB7-E2B5-4873-9F23-4433FF9FF057}" type="datetime1">
               <a:rPr lang="de-DE" smtClean="0"/>
-              <a:t>01.01.2018</a:t>
+              <a:t>03.01.2018</a:t>
             </a:fld>
             <a:endParaRPr lang="en-US" dirty="0"/>
           </a:p>
@@ -15321,7 +15705,7 @@
           <a:p>
             <a:fld id="{28D50BB7-E2B5-4873-9F23-4433FF9FF057}" type="datetime1">
               <a:rPr lang="de-DE" smtClean="0"/>
-              <a:t>01.01.2018</a:t>
+              <a:t>03.01.2018</a:t>
             </a:fld>
             <a:endParaRPr lang="en-US" dirty="0"/>
           </a:p>
@@ -15836,7 +16220,7 @@
           <a:p>
             <a:fld id="{28D50BB7-E2B5-4873-9F23-4433FF9FF057}" type="datetime1">
               <a:rPr lang="de-DE" smtClean="0"/>
-              <a:t>01.01.2018</a:t>
+              <a:t>03.01.2018</a:t>
             </a:fld>
             <a:endParaRPr lang="en-US" dirty="0"/>
           </a:p>
@@ -16566,7 +16950,7 @@
           <a:p>
             <a:fld id="{28D50BB7-E2B5-4873-9F23-4433FF9FF057}" type="datetime1">
               <a:rPr lang="de-DE" smtClean="0"/>
-              <a:t>01.01.2018</a:t>
+              <a:t>03.01.2018</a:t>
             </a:fld>
             <a:endParaRPr lang="en-US" dirty="0"/>
           </a:p>
@@ -17019,7 +17403,7 @@
           <a:p>
             <a:fld id="{28D50BB7-E2B5-4873-9F23-4433FF9FF057}" type="datetime1">
               <a:rPr lang="de-DE" smtClean="0"/>
-              <a:t>01.01.2018</a:t>
+              <a:t>03.01.2018</a:t>
             </a:fld>
             <a:endParaRPr lang="en-US" dirty="0"/>
           </a:p>
@@ -19764,7 +20148,7 @@
           <a:p>
             <a:fld id="{28D50BB7-E2B5-4873-9F23-4433FF9FF057}" type="datetime1">
               <a:rPr lang="de-DE" smtClean="0"/>
-              <a:t>01.01.2018</a:t>
+              <a:t>03.01.2018</a:t>
             </a:fld>
             <a:endParaRPr lang="en-US" dirty="0"/>
           </a:p>
@@ -19987,7 +20371,7 @@
           <a:p>
             <a:fld id="{28D50BB7-E2B5-4873-9F23-4433FF9FF057}" type="datetime1">
               <a:rPr lang="de-DE" smtClean="0"/>
-              <a:t>01.01.2018</a:t>
+              <a:t>03.01.2018</a:t>
             </a:fld>
             <a:endParaRPr lang="en-US" dirty="0"/>
           </a:p>
@@ -21470,7 +21854,7 @@
         </p:spPr>
         <p:txBody>
           <a:bodyPr>
-            <a:normAutofit/>
+            <a:normAutofit lnSpcReduction="10000"/>
           </a:bodyPr>
           <a:lstStyle/>
           <a:p>
@@ -21515,6 +21899,28 @@
             <a:r>
               <a:rPr lang="de-DE" dirty="0"/>
               <a:t>Protokoll</a:t>
+            </a:r>
+          </a:p>
+          <a:p>
+            <a:pPr>
+              <a:lnSpc>
+                <a:spcPct val="150000"/>
+              </a:lnSpc>
+            </a:pPr>
+            <a:r>
+              <a:rPr lang="de-DE" dirty="0"/>
+              <a:t>Sicherheitsanalyse</a:t>
+            </a:r>
+          </a:p>
+          <a:p>
+            <a:pPr>
+              <a:lnSpc>
+                <a:spcPct val="150000"/>
+              </a:lnSpc>
+            </a:pPr>
+            <a:r>
+              <a:rPr lang="de-DE" dirty="0"/>
+              <a:t>Fazit</a:t>
             </a:r>
           </a:p>
           <a:p>
@@ -21550,7 +21956,7 @@
           <a:p>
             <a:fld id="{28D50BB7-E2B5-4873-9F23-4433FF9FF057}" type="datetime1">
               <a:rPr lang="de-DE" smtClean="0"/>
-              <a:t>01.01.2018</a:t>
+              <a:t>03.01.2018</a:t>
             </a:fld>
             <a:endParaRPr lang="en-US" dirty="0"/>
           </a:p>
@@ -22619,6 +23025,84 @@
                                   </p:childTnLst>
                                 </p:cTn>
                               </p:par>
+                              <p:par>
+                                <p:cTn id="14" presetID="9" presetClass="emph" presetSubtype="0" nodeType="withEffect">
+                                  <p:stCondLst>
+                                    <p:cond delay="0"/>
+                                  </p:stCondLst>
+                                  <p:childTnLst>
+                                    <p:set>
+                                      <p:cBhvr>
+                                        <p:cTn id="15" dur="indefinite"/>
+                                        <p:tgtEl>
+                                          <p:spTgt spid="2">
+                                            <p:txEl>
+                                              <p:pRg st="4" end="4"/>
+                                            </p:txEl>
+                                          </p:spTgt>
+                                        </p:tgtEl>
+                                        <p:attrNameLst>
+                                          <p:attrName>style.opacity</p:attrName>
+                                        </p:attrNameLst>
+                                      </p:cBhvr>
+                                      <p:to>
+                                        <p:strVal val="0.25"/>
+                                      </p:to>
+                                    </p:set>
+                                    <p:animEffect filter="image" prLst="opacity: 0.25">
+                                      <p:cBhvr rctx="IE">
+                                        <p:cTn id="16" dur="indefinite"/>
+                                        <p:tgtEl>
+                                          <p:spTgt spid="2">
+                                            <p:txEl>
+                                              <p:pRg st="4" end="4"/>
+                                            </p:txEl>
+                                          </p:spTgt>
+                                        </p:tgtEl>
+                                      </p:cBhvr>
+                                    </p:animEffect>
+                                  </p:childTnLst>
+                                </p:cTn>
+                              </p:par>
+                              <p:par>
+                                <p:cTn id="17" presetID="9" presetClass="emph" presetSubtype="0" nodeType="withEffect">
+                                  <p:stCondLst>
+                                    <p:cond delay="0"/>
+                                  </p:stCondLst>
+                                  <p:childTnLst>
+                                    <p:set>
+                                      <p:cBhvr>
+                                        <p:cTn id="18" dur="indefinite"/>
+                                        <p:tgtEl>
+                                          <p:spTgt spid="2">
+                                            <p:txEl>
+                                              <p:pRg st="5" end="5"/>
+                                            </p:txEl>
+                                          </p:spTgt>
+                                        </p:tgtEl>
+                                        <p:attrNameLst>
+                                          <p:attrName>style.opacity</p:attrName>
+                                        </p:attrNameLst>
+                                      </p:cBhvr>
+                                      <p:to>
+                                        <p:strVal val="0.25"/>
+                                      </p:to>
+                                    </p:set>
+                                    <p:animEffect filter="image" prLst="opacity: 0.25">
+                                      <p:cBhvr rctx="IE">
+                                        <p:cTn id="19" dur="indefinite"/>
+                                        <p:tgtEl>
+                                          <p:spTgt spid="2">
+                                            <p:txEl>
+                                              <p:pRg st="5" end="5"/>
+                                            </p:txEl>
+                                          </p:spTgt>
+                                        </p:tgtEl>
+                                      </p:cBhvr>
+                                    </p:animEffect>
+                                  </p:childTnLst>
+                                </p:cTn>
+                              </p:par>
                             </p:childTnLst>
                           </p:cTn>
                         </p:par>
@@ -23044,7 +23528,7 @@
           <a:p>
             <a:fld id="{28D50BB7-E2B5-4873-9F23-4433FF9FF057}" type="datetime1">
               <a:rPr lang="de-DE" smtClean="0"/>
-              <a:t>01.01.2018</a:t>
+              <a:t>03.01.2018</a:t>
             </a:fld>
             <a:endParaRPr lang="en-US" dirty="0"/>
           </a:p>
@@ -23519,7 +24003,7 @@
           <a:p>
             <a:fld id="{28D50BB7-E2B5-4873-9F23-4433FF9FF057}" type="datetime1">
               <a:rPr lang="de-DE" smtClean="0"/>
-              <a:t>01.01.2018</a:t>
+              <a:t>03.01.2018</a:t>
             </a:fld>
             <a:endParaRPr lang="en-US" dirty="0"/>
           </a:p>
@@ -24208,7 +24692,7 @@
         </p:spPr>
         <p:txBody>
           <a:bodyPr>
-            <a:normAutofit/>
+            <a:normAutofit lnSpcReduction="10000"/>
           </a:bodyPr>
           <a:lstStyle/>
           <a:p>
@@ -24272,6 +24756,48 @@
               <a:rPr lang="de-DE" dirty="0"/>
               <a:t>Protokoll</a:t>
             </a:r>
+          </a:p>
+          <a:p>
+            <a:pPr>
+              <a:lnSpc>
+                <a:spcPct val="150000"/>
+              </a:lnSpc>
+            </a:pPr>
+            <a:r>
+              <a:rPr lang="de-DE" dirty="0">
+                <a:solidFill>
+                  <a:schemeClr val="bg1">
+                    <a:lumMod val="75000"/>
+                  </a:schemeClr>
+                </a:solidFill>
+              </a:rPr>
+              <a:t>Sicherheitsanalyse</a:t>
+            </a:r>
+          </a:p>
+          <a:p>
+            <a:pPr>
+              <a:lnSpc>
+                <a:spcPct val="150000"/>
+              </a:lnSpc>
+            </a:pPr>
+            <a:r>
+              <a:rPr lang="de-DE" dirty="0">
+                <a:solidFill>
+                  <a:schemeClr val="bg1">
+                    <a:lumMod val="75000"/>
+                  </a:schemeClr>
+                </a:solidFill>
+              </a:rPr>
+              <a:t>Fazit</a:t>
+            </a:r>
+          </a:p>
+          <a:p>
+            <a:pPr>
+              <a:lnSpc>
+                <a:spcPct val="150000"/>
+              </a:lnSpc>
+            </a:pPr>
+            <a:endParaRPr lang="de-DE" dirty="0"/>
           </a:p>
           <a:p>
             <a:pPr>
@@ -24312,7 +24838,7 @@
           <a:p>
             <a:fld id="{28D50BB7-E2B5-4873-9F23-4433FF9FF057}" type="datetime1">
               <a:rPr lang="de-DE" smtClean="0"/>
-              <a:t>01.01.2018</a:t>
+              <a:t>03.01.2018</a:t>
             </a:fld>
             <a:endParaRPr lang="en-US" dirty="0"/>
           </a:p>
@@ -25388,7 +25914,7 @@
           <a:p>
             <a:fld id="{5538D691-F215-41DA-944D-CC2EEF668359}" type="datetime1">
               <a:rPr lang="de-DE" smtClean="0"/>
-              <a:t>01.01.2018</a:t>
+              <a:t>03.01.2018</a:t>
             </a:fld>
             <a:endParaRPr lang="en-US"/>
           </a:p>
@@ -25584,7 +26110,7 @@
                 <a:tabLst/>
                 <a:defRPr/>
               </a:pPr>
-              <a:t>01.01.2018</a:t>
+              <a:t>03.01.2018</a:t>
             </a:fld>
             <a:endParaRPr kumimoji="0" lang="en-US" sz="1600" b="0" i="0" u="none" strike="noStrike" kern="1200" cap="none" spc="0" normalizeH="0" baseline="0" noProof="0" dirty="0">
               <a:ln>
@@ -27286,7 +27812,7 @@
           <a:p>
             <a:fld id="{5538D691-F215-41DA-944D-CC2EEF668359}" type="datetime1">
               <a:rPr lang="de-DE" smtClean="0"/>
-              <a:t>01.01.2018</a:t>
+              <a:t>03.01.2018</a:t>
             </a:fld>
             <a:endParaRPr lang="en-US"/>
           </a:p>
@@ -27482,7 +28008,7 @@
                 <a:tabLst/>
                 <a:defRPr/>
               </a:pPr>
-              <a:t>01.01.2018</a:t>
+              <a:t>03.01.2018</a:t>
             </a:fld>
             <a:endParaRPr kumimoji="0" lang="en-US" sz="1600" b="0" i="0" u="none" strike="noStrike" kern="1200" cap="none" spc="0" normalizeH="0" baseline="0" noProof="0" dirty="0">
               <a:ln>
@@ -29183,7 +29709,7 @@
           <a:p>
             <a:fld id="{28D50BB7-E2B5-4873-9F23-4433FF9FF057}" type="datetime1">
               <a:rPr lang="de-DE" smtClean="0"/>
-              <a:t>01.01.2018</a:t>
+              <a:t>03.01.2018</a:t>
             </a:fld>
             <a:endParaRPr lang="en-US" dirty="0"/>
           </a:p>
@@ -29327,7 +29853,16 @@
           <a:bodyPr/>
           <a:lstStyle/>
           <a:p>
-            <a:endParaRPr lang="de-DE"/>
+            <a:r>
+              <a:rPr lang="de-DE" dirty="0"/>
+              <a:t>Erklärung zur Vorbereitung</a:t>
+            </a:r>
+          </a:p>
+          <a:p>
+            <a:r>
+              <a:rPr lang="de-DE" dirty="0"/>
+              <a:t>Mit Anschließender graphischer Darstellung</a:t>
+            </a:r>
           </a:p>
         </p:txBody>
       </p:sp>
@@ -29354,7 +29889,7 @@
           <a:p>
             <a:fld id="{28D50BB7-E2B5-4873-9F23-4433FF9FF057}" type="datetime1">
               <a:rPr lang="de-DE" smtClean="0"/>
-              <a:t>01.01.2018</a:t>
+              <a:t>03.01.2018</a:t>
             </a:fld>
             <a:endParaRPr lang="en-US" dirty="0"/>
           </a:p>
@@ -29550,7 +30085,7 @@
                 <a:tabLst/>
                 <a:defRPr/>
               </a:pPr>
-              <a:t>01.01.2018</a:t>
+              <a:t>03.01.2018</a:t>
             </a:fld>
             <a:endParaRPr kumimoji="0" lang="en-US" sz="1600" b="0" i="0" u="none" strike="noStrike" kern="1200" cap="none" spc="0" normalizeH="0" baseline="0" noProof="0" dirty="0">
               <a:ln>
@@ -31054,7 +31589,7 @@
           <a:p>
             <a:fld id="{28D50BB7-E2B5-4873-9F23-4433FF9FF057}" type="datetime1">
               <a:rPr lang="de-DE" smtClean="0"/>
-              <a:t>01.01.2018</a:t>
+              <a:t>03.01.2018</a:t>
             </a:fld>
             <a:endParaRPr lang="en-US" dirty="0"/>
           </a:p>
@@ -32434,7 +32969,19 @@
           <a:bodyPr/>
           <a:lstStyle/>
           <a:p>
-            <a:endParaRPr lang="de-DE"/>
+            <a:r>
+              <a:rPr lang="de-DE" dirty="0"/>
+              <a:t>Erklärung zur Passwort Registrierung</a:t>
+            </a:r>
+          </a:p>
+          <a:p>
+            <a:r>
+              <a:rPr lang="de-DE" dirty="0"/>
+              <a:t>Mit Anschließender graphischer Darstellung</a:t>
+            </a:r>
+          </a:p>
+          <a:p>
+            <a:endParaRPr lang="de-DE" dirty="0"/>
           </a:p>
         </p:txBody>
       </p:sp>
@@ -32461,7 +33008,7 @@
           <a:p>
             <a:fld id="{28D50BB7-E2B5-4873-9F23-4433FF9FF057}" type="datetime1">
               <a:rPr lang="de-DE" smtClean="0"/>
-              <a:t>01.01.2018</a:t>
+              <a:t>03.01.2018</a:t>
             </a:fld>
             <a:endParaRPr lang="en-US" dirty="0"/>
           </a:p>
@@ -32568,6 +33115,225 @@
 </file>
 
 <file path=ppt/slides/slide31.xml><?xml version="1.0" encoding="utf-8"?>
+<p:sld xmlns:a="http://schemas.openxmlformats.org/drawingml/2006/main" xmlns:r="http://schemas.openxmlformats.org/officeDocument/2006/relationships" xmlns:p="http://schemas.openxmlformats.org/presentationml/2006/main">
+  <p:cSld>
+    <p:spTree>
+      <p:nvGrpSpPr>
+        <p:cNvPr id="1" name=""/>
+        <p:cNvGrpSpPr/>
+        <p:nvPr/>
+      </p:nvGrpSpPr>
+      <p:grpSpPr>
+        <a:xfrm>
+          <a:off x="0" y="0"/>
+          <a:ext cx="0" cy="0"/>
+          <a:chOff x="0" y="0"/>
+          <a:chExt cx="0" cy="0"/>
+        </a:xfrm>
+      </p:grpSpPr>
+      <p:sp>
+        <p:nvSpPr>
+          <p:cNvPr id="2" name="Inhaltsplatzhalter 1">
+            <a:extLst>
+              <a:ext uri="{FF2B5EF4-FFF2-40B4-BE49-F238E27FC236}">
+                <a16:creationId xmlns:a16="http://schemas.microsoft.com/office/drawing/2014/main" id="{425F1DA2-4AB3-45F3-84FF-FD8C20540AFB}"/>
+              </a:ext>
+            </a:extLst>
+          </p:cNvPr>
+          <p:cNvSpPr>
+            <a:spLocks noGrp="1"/>
+          </p:cNvSpPr>
+          <p:nvPr>
+            <p:ph idx="1"/>
+          </p:nvPr>
+        </p:nvSpPr>
+        <p:spPr/>
+        <p:txBody>
+          <a:bodyPr/>
+          <a:lstStyle/>
+          <a:p>
+            <a:r>
+              <a:rPr lang="de-DE" dirty="0"/>
+              <a:t>Erklärung zu </a:t>
+            </a:r>
+          </a:p>
+          <a:p>
+            <a:pPr lvl="1"/>
+            <a:r>
+              <a:rPr lang="de-DE" dirty="0"/>
+              <a:t>Proof </a:t>
+            </a:r>
+            <a:r>
+              <a:rPr lang="de-DE" dirty="0" err="1"/>
+              <a:t>of</a:t>
+            </a:r>
+            <a:r>
+              <a:rPr lang="de-DE" dirty="0"/>
+              <a:t> Membership</a:t>
+            </a:r>
+          </a:p>
+          <a:p>
+            <a:pPr lvl="1"/>
+            <a:r>
+              <a:rPr lang="de-DE" dirty="0"/>
+              <a:t>Proof </a:t>
+            </a:r>
+            <a:r>
+              <a:rPr lang="de-DE" dirty="0" err="1"/>
+              <a:t>of</a:t>
+            </a:r>
+            <a:r>
+              <a:rPr lang="de-DE" dirty="0"/>
+              <a:t> Shuffle</a:t>
+            </a:r>
+          </a:p>
+          <a:p>
+            <a:pPr lvl="1"/>
+            <a:r>
+              <a:rPr lang="de-DE" dirty="0"/>
+              <a:t>Proof </a:t>
+            </a:r>
+            <a:r>
+              <a:rPr lang="de-DE" dirty="0" err="1"/>
+              <a:t>of</a:t>
+            </a:r>
+            <a:r>
+              <a:rPr lang="de-DE" dirty="0"/>
+              <a:t> Correctness</a:t>
+            </a:r>
+          </a:p>
+        </p:txBody>
+      </p:sp>
+      <p:sp>
+        <p:nvSpPr>
+          <p:cNvPr id="3" name="Datumsplatzhalter 2">
+            <a:extLst>
+              <a:ext uri="{FF2B5EF4-FFF2-40B4-BE49-F238E27FC236}">
+                <a16:creationId xmlns:a16="http://schemas.microsoft.com/office/drawing/2014/main" id="{63D4005C-F39F-4210-9D48-592737AEEFF7}"/>
+              </a:ext>
+            </a:extLst>
+          </p:cNvPr>
+          <p:cNvSpPr>
+            <a:spLocks noGrp="1"/>
+          </p:cNvSpPr>
+          <p:nvPr>
+            <p:ph type="dt" sz="half" idx="10"/>
+          </p:nvPr>
+        </p:nvSpPr>
+        <p:spPr/>
+        <p:txBody>
+          <a:bodyPr/>
+          <a:lstStyle/>
+          <a:p>
+            <a:fld id="{28D50BB7-E2B5-4873-9F23-4433FF9FF057}" type="datetime1">
+              <a:rPr lang="de-DE" smtClean="0"/>
+              <a:t>03.01.2018</a:t>
+            </a:fld>
+            <a:endParaRPr lang="en-US" dirty="0"/>
+          </a:p>
+        </p:txBody>
+      </p:sp>
+      <p:sp>
+        <p:nvSpPr>
+          <p:cNvPr id="4" name="Fußzeilenplatzhalter 3">
+            <a:extLst>
+              <a:ext uri="{FF2B5EF4-FFF2-40B4-BE49-F238E27FC236}">
+                <a16:creationId xmlns:a16="http://schemas.microsoft.com/office/drawing/2014/main" id="{F9ED6CB0-3C26-4DB7-8697-D66E09A7D921}"/>
+              </a:ext>
+            </a:extLst>
+          </p:cNvPr>
+          <p:cNvSpPr>
+            <a:spLocks noGrp="1"/>
+          </p:cNvSpPr>
+          <p:nvPr>
+            <p:ph type="ftr" sz="quarter" idx="11"/>
+          </p:nvPr>
+        </p:nvSpPr>
+        <p:spPr/>
+        <p:txBody>
+          <a:bodyPr/>
+          <a:lstStyle/>
+          <a:p>
+            <a:r>
+              <a:rPr lang="en-US"/>
+              <a:t>Johannes Strauß &amp; Lukas Justen</a:t>
+            </a:r>
+            <a:endParaRPr lang="en-US" dirty="0"/>
+          </a:p>
+        </p:txBody>
+      </p:sp>
+      <p:sp>
+        <p:nvSpPr>
+          <p:cNvPr id="5" name="Foliennummernplatzhalter 4">
+            <a:extLst>
+              <a:ext uri="{FF2B5EF4-FFF2-40B4-BE49-F238E27FC236}">
+                <a16:creationId xmlns:a16="http://schemas.microsoft.com/office/drawing/2014/main" id="{CF16766C-BFCB-47AB-8FC8-2C45657C15D9}"/>
+              </a:ext>
+            </a:extLst>
+          </p:cNvPr>
+          <p:cNvSpPr>
+            <a:spLocks noGrp="1"/>
+          </p:cNvSpPr>
+          <p:nvPr>
+            <p:ph type="sldNum" sz="quarter" idx="4"/>
+          </p:nvPr>
+        </p:nvSpPr>
+        <p:spPr/>
+        <p:txBody>
+          <a:bodyPr/>
+          <a:lstStyle/>
+          <a:p>
+            <a:fld id="{95B0EFA8-D4E6-438F-A5A4-BE862A6AB6EC}" type="slidenum">
+              <a:rPr lang="en-US" smtClean="0"/>
+              <a:pPr/>
+              <a:t>31</a:t>
+            </a:fld>
+            <a:endParaRPr lang="en-US" dirty="0"/>
+          </a:p>
+        </p:txBody>
+      </p:sp>
+      <p:sp>
+        <p:nvSpPr>
+          <p:cNvPr id="6" name="Titel 5">
+            <a:extLst>
+              <a:ext uri="{FF2B5EF4-FFF2-40B4-BE49-F238E27FC236}">
+                <a16:creationId xmlns:a16="http://schemas.microsoft.com/office/drawing/2014/main" id="{183F0DF8-6470-479D-8B85-A9A9FDCED9AE}"/>
+              </a:ext>
+            </a:extLst>
+          </p:cNvPr>
+          <p:cNvSpPr>
+            <a:spLocks noGrp="1"/>
+          </p:cNvSpPr>
+          <p:nvPr>
+            <p:ph type="title"/>
+          </p:nvPr>
+        </p:nvSpPr>
+        <p:spPr/>
+        <p:txBody>
+          <a:bodyPr/>
+          <a:lstStyle/>
+          <a:p>
+            <a:r>
+              <a:rPr lang="de-DE" dirty="0"/>
+              <a:t>2BPR – Passwort Registrierung</a:t>
+            </a:r>
+          </a:p>
+        </p:txBody>
+      </p:sp>
+    </p:spTree>
+    <p:extLst>
+      <p:ext uri="{BB962C8B-B14F-4D97-AF65-F5344CB8AC3E}">
+        <p14:creationId xmlns:p14="http://schemas.microsoft.com/office/powerpoint/2010/main" val="3937738059"/>
+      </p:ext>
+    </p:extLst>
+  </p:cSld>
+  <p:clrMapOvr>
+    <a:masterClrMapping/>
+  </p:clrMapOvr>
+</p:sld>
+</file>
+
+<file path=ppt/slides/slide32.xml><?xml version="1.0" encoding="utf-8"?>
 <p:sld xmlns:a="http://schemas.openxmlformats.org/drawingml/2006/main" xmlns:r="http://schemas.openxmlformats.org/officeDocument/2006/relationships" xmlns:p="http://schemas.openxmlformats.org/presentationml/2006/main">
   <p:cSld>
     <p:spTree>
@@ -32657,7 +33423,7 @@
                 <a:tabLst/>
                 <a:defRPr/>
               </a:pPr>
-              <a:t>01.01.2018</a:t>
+              <a:t>03.01.2018</a:t>
             </a:fld>
             <a:endParaRPr kumimoji="0" lang="en-US" sz="1600" b="0" i="0" u="none" strike="noStrike" kern="1200" cap="none" spc="0" normalizeH="0" baseline="0" noProof="0" dirty="0">
               <a:ln>
@@ -32829,7 +33595,7 @@
                 <a:tabLst/>
                 <a:defRPr/>
               </a:pPr>
-              <a:t>31</a:t>
+              <a:t>32</a:t>
             </a:fld>
             <a:endParaRPr kumimoji="0" lang="en-US" sz="2000" b="1" i="0" u="none" strike="noStrike" kern="1200" cap="none" spc="0" normalizeH="0" baseline="0" noProof="0" dirty="0">
               <a:ln>
@@ -34121,7 +34887,7 @@
 </p:sld>
 </file>
 
-<file path=ppt/slides/slide32.xml><?xml version="1.0" encoding="utf-8"?>
+<file path=ppt/slides/slide33.xml><?xml version="1.0" encoding="utf-8"?>
 <p:sld xmlns:a="http://schemas.openxmlformats.org/drawingml/2006/main" xmlns:r="http://schemas.openxmlformats.org/officeDocument/2006/relationships" xmlns:p="http://schemas.openxmlformats.org/presentationml/2006/main">
   <p:cSld>
     <p:spTree>
@@ -34159,7 +34925,24 @@
           <a:bodyPr/>
           <a:lstStyle/>
           <a:p>
-            <a:endParaRPr lang="de-DE"/>
+            <a:r>
+              <a:rPr lang="de-DE" dirty="0"/>
+              <a:t>Erklärung zur Share </a:t>
+            </a:r>
+            <a:r>
+              <a:rPr lang="de-DE" dirty="0" err="1"/>
+              <a:t>Verfikation</a:t>
+            </a:r>
+            <a:endParaRPr lang="de-DE" dirty="0"/>
+          </a:p>
+          <a:p>
+            <a:r>
+              <a:rPr lang="de-DE" dirty="0"/>
+              <a:t>Mit Anschließender graphischer Darstellung</a:t>
+            </a:r>
+          </a:p>
+          <a:p>
+            <a:endParaRPr lang="de-DE" dirty="0"/>
           </a:p>
         </p:txBody>
       </p:sp>
@@ -34186,7 +34969,7 @@
           <a:p>
             <a:fld id="{28D50BB7-E2B5-4873-9F23-4433FF9FF057}" type="datetime1">
               <a:rPr lang="de-DE" smtClean="0"/>
-              <a:t>01.01.2018</a:t>
+              <a:t>03.01.2018</a:t>
             </a:fld>
             <a:endParaRPr lang="en-US" dirty="0"/>
           </a:p>
@@ -34245,7 +35028,7 @@
             <a:fld id="{95B0EFA8-D4E6-438F-A5A4-BE862A6AB6EC}" type="slidenum">
               <a:rPr lang="en-US" smtClean="0"/>
               <a:pPr/>
-              <a:t>32</a:t>
+              <a:t>33</a:t>
             </a:fld>
             <a:endParaRPr lang="en-US" dirty="0"/>
           </a:p>
@@ -34292,7 +35075,7 @@
 </p:sld>
 </file>
 
-<file path=ppt/slides/slide33.xml><?xml version="1.0" encoding="utf-8"?>
+<file path=ppt/slides/slide34.xml><?xml version="1.0" encoding="utf-8"?>
 <p:sld xmlns:a="http://schemas.openxmlformats.org/drawingml/2006/main" xmlns:r="http://schemas.openxmlformats.org/officeDocument/2006/relationships" xmlns:p="http://schemas.openxmlformats.org/presentationml/2006/main">
   <p:cSld>
     <p:spTree>
@@ -34382,7 +35165,7 @@
                 <a:tabLst/>
                 <a:defRPr/>
               </a:pPr>
-              <a:t>01.01.2018</a:t>
+              <a:t>03.01.2018</a:t>
             </a:fld>
             <a:endParaRPr kumimoji="0" lang="en-US" sz="1600" b="0" i="0" u="none" strike="noStrike" kern="1200" cap="none" spc="0" normalizeH="0" baseline="0" noProof="0" dirty="0">
               <a:ln>
@@ -34554,7 +35337,7 @@
                 <a:tabLst/>
                 <a:defRPr/>
               </a:pPr>
-              <a:t>33</a:t>
+              <a:t>34</a:t>
             </a:fld>
             <a:endParaRPr kumimoji="0" lang="en-US" sz="2000" b="1" i="0" u="none" strike="noStrike" kern="1200" cap="none" spc="0" normalizeH="0" baseline="0" noProof="0" dirty="0">
               <a:ln>
@@ -35846,372 +36629,6 @@
 </p:sld>
 </file>
 
-<file path=ppt/slides/slide34.xml><?xml version="1.0" encoding="utf-8"?>
-<p:sld xmlns:a="http://schemas.openxmlformats.org/drawingml/2006/main" xmlns:r="http://schemas.openxmlformats.org/officeDocument/2006/relationships" xmlns:p="http://schemas.openxmlformats.org/presentationml/2006/main">
-  <p:cSld>
-    <p:spTree>
-      <p:nvGrpSpPr>
-        <p:cNvPr id="1" name=""/>
-        <p:cNvGrpSpPr/>
-        <p:nvPr/>
-      </p:nvGrpSpPr>
-      <p:grpSpPr>
-        <a:xfrm>
-          <a:off x="0" y="0"/>
-          <a:ext cx="0" cy="0"/>
-          <a:chOff x="0" y="0"/>
-          <a:chExt cx="0" cy="0"/>
-        </a:xfrm>
-      </p:grpSpPr>
-      <p:sp>
-        <p:nvSpPr>
-          <p:cNvPr id="2" name="Inhaltsplatzhalter 1">
-            <a:extLst>
-              <a:ext uri="{FF2B5EF4-FFF2-40B4-BE49-F238E27FC236}">
-                <a16:creationId xmlns:a16="http://schemas.microsoft.com/office/drawing/2014/main" id="{B28132D3-63DF-44BA-8996-8B8DD443B206}"/>
-              </a:ext>
-            </a:extLst>
-          </p:cNvPr>
-          <p:cNvSpPr>
-            <a:spLocks noGrp="1"/>
-          </p:cNvSpPr>
-          <p:nvPr>
-            <p:ph idx="1"/>
-          </p:nvPr>
-        </p:nvSpPr>
-        <p:spPr>
-          <a:xfrm>
-            <a:off x="1097280" y="1678317"/>
-            <a:ext cx="10515600" cy="4351338"/>
-          </a:xfrm>
-        </p:spPr>
-        <p:txBody>
-          <a:bodyPr>
-            <a:normAutofit/>
-          </a:bodyPr>
-          <a:lstStyle/>
-          <a:p>
-            <a:pPr>
-              <a:lnSpc>
-                <a:spcPct val="150000"/>
-              </a:lnSpc>
-            </a:pPr>
-            <a:r>
-              <a:rPr lang="de-DE" sz="1200" dirty="0">
-                <a:hlinkClick r:id="rId2"/>
-              </a:rPr>
-              <a:t>http://wfarm2.dataknet.com/static/resources/icons/set112/8cbf6bf1.png</a:t>
-            </a:r>
-            <a:r>
-              <a:rPr lang="de-DE" sz="1200" dirty="0"/>
-              <a:t>					23.11.2017 14:38</a:t>
-            </a:r>
-          </a:p>
-          <a:p>
-            <a:pPr>
-              <a:lnSpc>
-                <a:spcPct val="150000"/>
-              </a:lnSpc>
-            </a:pPr>
-            <a:r>
-              <a:rPr lang="de-DE" sz="1200" dirty="0">
-                <a:hlinkClick r:id="rId3"/>
-              </a:rPr>
-              <a:t>https://www.iconexperience.com</a:t>
-            </a:r>
-            <a:r>
-              <a:rPr lang="de-DE" sz="1200" dirty="0"/>
-              <a:t>								24.11.2017 11:01</a:t>
-            </a:r>
-          </a:p>
-          <a:p>
-            <a:pPr>
-              <a:lnSpc>
-                <a:spcPct val="150000"/>
-              </a:lnSpc>
-            </a:pPr>
-            <a:r>
-              <a:rPr lang="de-DE" sz="1200" dirty="0">
-                <a:hlinkClick r:id="rId4"/>
-              </a:rPr>
-              <a:t>https://upload.wikimedia.org/wikipedia/commons/thumb/4/45/New_Logo_Gmail.svg/1200px-New_Logo_Gmail.svg.png</a:t>
-            </a:r>
-            <a:r>
-              <a:rPr lang="de-DE" sz="1200" dirty="0"/>
-              <a:t>		23.12.2017 13:57</a:t>
-            </a:r>
-          </a:p>
-          <a:p>
-            <a:pPr>
-              <a:lnSpc>
-                <a:spcPct val="150000"/>
-              </a:lnSpc>
-            </a:pPr>
-            <a:r>
-              <a:rPr lang="de-DE" sz="1200" dirty="0">
-                <a:hlinkClick r:id="rId5"/>
-              </a:rPr>
-              <a:t>https://fthmb.tqn.com/jRaoLvoOhFQWEWmMmyiZRcL_NHg=/768x0/filters:no_upscale()/Outlook-icon-57f005363df78c690f62c7af.png</a:t>
-            </a:r>
-            <a:r>
-              <a:rPr lang="de-DE" sz="1200" dirty="0"/>
-              <a:t>	 23.12.2017 13:57</a:t>
-            </a:r>
-          </a:p>
-          <a:p>
-            <a:pPr>
-              <a:lnSpc>
-                <a:spcPct val="150000"/>
-              </a:lnSpc>
-            </a:pPr>
-            <a:r>
-              <a:rPr lang="de-DE" sz="1200" dirty="0">
-                <a:hlinkClick r:id="rId6"/>
-              </a:rPr>
-              <a:t>https://lh3.googleusercontent.com/UrY7BAZ-XfXGpfkeWg0zCCeo-7ras4DCoRalC_WXXWTK9q5b0Iw7B0YQMsVxZaNB7DM=w300</a:t>
-            </a:r>
-            <a:r>
-              <a:rPr lang="de-DE" sz="1200" dirty="0"/>
-              <a:t>		 23.12.2017 13:57</a:t>
-            </a:r>
-          </a:p>
-          <a:p>
-            <a:pPr>
-              <a:lnSpc>
-                <a:spcPct val="150000"/>
-              </a:lnSpc>
-            </a:pPr>
-            <a:r>
-              <a:rPr lang="de-DE" sz="1200" dirty="0">
-                <a:hlinkClick r:id="rId7"/>
-              </a:rPr>
-              <a:t>https://lh3.googleusercontent.com/dSDutSmwU9LMJDCs9PaJI1JjXQthi8IDNRHPviI1NzocGTwuWC-PTAF6QiagTcGF0A=w300</a:t>
-            </a:r>
-            <a:r>
-              <a:rPr lang="de-DE" sz="1200" dirty="0"/>
-              <a:t>		23.12.2017 13:57</a:t>
-            </a:r>
-          </a:p>
-          <a:p>
-            <a:pPr>
-              <a:lnSpc>
-                <a:spcPct val="150000"/>
-              </a:lnSpc>
-            </a:pPr>
-            <a:r>
-              <a:rPr lang="de-DE" sz="1200" dirty="0">
-                <a:hlinkClick r:id="rId8"/>
-              </a:rPr>
-              <a:t>https://upload.wikimedia.org/wikipedia/commons/thumb/1/18/GitLab_Logo.svg/1200px-GitLab_Logo.svg.png</a:t>
-            </a:r>
-            <a:r>
-              <a:rPr lang="de-DE" sz="1200" dirty="0"/>
-              <a:t>			 23.12.2017 13:57</a:t>
-            </a:r>
-          </a:p>
-          <a:p>
-            <a:pPr>
-              <a:lnSpc>
-                <a:spcPct val="150000"/>
-              </a:lnSpc>
-            </a:pPr>
-            <a:r>
-              <a:rPr lang="de-DE" sz="1200" dirty="0">
-                <a:hlinkClick r:id="rId9"/>
-              </a:rPr>
-              <a:t>https://assets-cdn.github.com/images/modules/open_graph/github-mark.png</a:t>
-            </a:r>
-            <a:r>
-              <a:rPr lang="de-DE" sz="1200" dirty="0"/>
-              <a:t>					 23.12.2017 13:57</a:t>
-            </a:r>
-          </a:p>
-          <a:p>
-            <a:pPr>
-              <a:lnSpc>
-                <a:spcPct val="150000"/>
-              </a:lnSpc>
-            </a:pPr>
-            <a:r>
-              <a:rPr lang="de-DE" sz="1200" dirty="0">
-                <a:hlinkClick r:id="rId10"/>
-              </a:rPr>
-              <a:t>https://lh3.googleusercontent.com/z7oKSvTI-2ynS5bHggIctR9GVkS8sGKqpDlfCvgxLo0du7Az00u6XpJ0LLyvzBusW-Jd=w300</a:t>
-            </a:r>
-            <a:r>
-              <a:rPr lang="de-DE" sz="1200" dirty="0"/>
-              <a:t>		23.12.2017 13:57</a:t>
-            </a:r>
-          </a:p>
-          <a:p>
-            <a:pPr>
-              <a:lnSpc>
-                <a:spcPct val="150000"/>
-              </a:lnSpc>
-            </a:pPr>
-            <a:r>
-              <a:rPr lang="de-DE" sz="1200" dirty="0">
-                <a:hlinkClick r:id="rId11"/>
-              </a:rPr>
-              <a:t>https://lh3.googleusercontent.com/Dq-mZ5mmdE6aFPeD61DNlVTwYSI75UwHBYDq_BxBZOMSzCBnQ5OCC4-LjfP42tDlyw=w300</a:t>
-            </a:r>
-            <a:r>
-              <a:rPr lang="de-DE" sz="1200" dirty="0"/>
-              <a:t>		23.12.2017 13:57	</a:t>
-            </a:r>
-          </a:p>
-          <a:p>
-            <a:pPr>
-              <a:lnSpc>
-                <a:spcPct val="150000"/>
-              </a:lnSpc>
-            </a:pPr>
-            <a:endParaRPr lang="de-DE" sz="1200" dirty="0"/>
-          </a:p>
-          <a:p>
-            <a:pPr>
-              <a:lnSpc>
-                <a:spcPct val="150000"/>
-              </a:lnSpc>
-            </a:pPr>
-            <a:endParaRPr lang="de-DE" sz="1100" dirty="0"/>
-          </a:p>
-        </p:txBody>
-      </p:sp>
-      <p:sp>
-        <p:nvSpPr>
-          <p:cNvPr id="3" name="Datumsplatzhalter 2">
-            <a:extLst>
-              <a:ext uri="{FF2B5EF4-FFF2-40B4-BE49-F238E27FC236}">
-                <a16:creationId xmlns:a16="http://schemas.microsoft.com/office/drawing/2014/main" id="{E00271D8-1087-4412-95F9-CCE985E1507C}"/>
-              </a:ext>
-            </a:extLst>
-          </p:cNvPr>
-          <p:cNvSpPr>
-            <a:spLocks noGrp="1"/>
-          </p:cNvSpPr>
-          <p:nvPr>
-            <p:ph type="dt" sz="half" idx="10"/>
-          </p:nvPr>
-        </p:nvSpPr>
-        <p:spPr/>
-        <p:txBody>
-          <a:bodyPr/>
-          <a:lstStyle/>
-          <a:p>
-            <a:fld id="{28D50BB7-E2B5-4873-9F23-4433FF9FF057}" type="datetime1">
-              <a:rPr lang="de-DE" smtClean="0"/>
-              <a:t>01.01.2018</a:t>
-            </a:fld>
-            <a:endParaRPr lang="en-US" dirty="0"/>
-          </a:p>
-        </p:txBody>
-      </p:sp>
-      <p:sp>
-        <p:nvSpPr>
-          <p:cNvPr id="4" name="Fußzeilenplatzhalter 3">
-            <a:extLst>
-              <a:ext uri="{FF2B5EF4-FFF2-40B4-BE49-F238E27FC236}">
-                <a16:creationId xmlns:a16="http://schemas.microsoft.com/office/drawing/2014/main" id="{394F4119-43D1-4069-8695-025E4948FE2F}"/>
-              </a:ext>
-            </a:extLst>
-          </p:cNvPr>
-          <p:cNvSpPr>
-            <a:spLocks noGrp="1"/>
-          </p:cNvSpPr>
-          <p:nvPr>
-            <p:ph type="ftr" sz="quarter" idx="11"/>
-          </p:nvPr>
-        </p:nvSpPr>
-        <p:spPr/>
-        <p:txBody>
-          <a:bodyPr/>
-          <a:lstStyle/>
-          <a:p>
-            <a:r>
-              <a:rPr lang="en-US"/>
-              <a:t>Johannes Strauß &amp; Lukas Justen</a:t>
-            </a:r>
-            <a:endParaRPr lang="en-US" dirty="0"/>
-          </a:p>
-        </p:txBody>
-      </p:sp>
-      <p:sp>
-        <p:nvSpPr>
-          <p:cNvPr id="5" name="Foliennummernplatzhalter 4">
-            <a:extLst>
-              <a:ext uri="{FF2B5EF4-FFF2-40B4-BE49-F238E27FC236}">
-                <a16:creationId xmlns:a16="http://schemas.microsoft.com/office/drawing/2014/main" id="{602974BD-1262-4F31-9724-122AE7CEB5D6}"/>
-              </a:ext>
-            </a:extLst>
-          </p:cNvPr>
-          <p:cNvSpPr>
-            <a:spLocks noGrp="1"/>
-          </p:cNvSpPr>
-          <p:nvPr>
-            <p:ph type="sldNum" sz="quarter" idx="4"/>
-          </p:nvPr>
-        </p:nvSpPr>
-        <p:spPr/>
-        <p:txBody>
-          <a:bodyPr/>
-          <a:lstStyle/>
-          <a:p>
-            <a:fld id="{95B0EFA8-D4E6-438F-A5A4-BE862A6AB6EC}" type="slidenum">
-              <a:rPr lang="en-US" smtClean="0"/>
-              <a:pPr/>
-              <a:t>34</a:t>
-            </a:fld>
-            <a:endParaRPr lang="en-US" dirty="0"/>
-          </a:p>
-        </p:txBody>
-      </p:sp>
-      <p:sp>
-        <p:nvSpPr>
-          <p:cNvPr id="6" name="Titel 5">
-            <a:extLst>
-              <a:ext uri="{FF2B5EF4-FFF2-40B4-BE49-F238E27FC236}">
-                <a16:creationId xmlns:a16="http://schemas.microsoft.com/office/drawing/2014/main" id="{2FFDF973-2E30-48D5-8311-D5D66A8F8808}"/>
-              </a:ext>
-            </a:extLst>
-          </p:cNvPr>
-          <p:cNvSpPr>
-            <a:spLocks noGrp="1"/>
-          </p:cNvSpPr>
-          <p:nvPr>
-            <p:ph type="title"/>
-          </p:nvPr>
-        </p:nvSpPr>
-        <p:spPr>
-          <a:xfrm>
-            <a:off x="1097280" y="-160595"/>
-            <a:ext cx="8961120" cy="1450757"/>
-          </a:xfrm>
-        </p:spPr>
-        <p:txBody>
-          <a:bodyPr/>
-          <a:lstStyle/>
-          <a:p>
-            <a:r>
-              <a:rPr lang="de-DE" dirty="0"/>
-              <a:t>Bildquellen</a:t>
-            </a:r>
-          </a:p>
-        </p:txBody>
-      </p:sp>
-    </p:spTree>
-    <p:extLst>
-      <p:ext uri="{BB962C8B-B14F-4D97-AF65-F5344CB8AC3E}">
-        <p14:creationId xmlns:p14="http://schemas.microsoft.com/office/powerpoint/2010/main" val="4151368094"/>
-      </p:ext>
-    </p:extLst>
-  </p:cSld>
-  <p:clrMapOvr>
-    <a:masterClrMapping/>
-  </p:clrMapOvr>
-</p:sld>
-</file>
-
 <file path=ppt/slides/slide35.xml><?xml version="1.0" encoding="utf-8"?>
 <p:sld xmlns:a="http://schemas.openxmlformats.org/drawingml/2006/main" xmlns:r="http://schemas.openxmlformats.org/officeDocument/2006/relationships" xmlns:p="http://schemas.openxmlformats.org/presentationml/2006/main">
   <p:cSld>
@@ -36234,7 +36651,7 @@
           <p:cNvPr id="2" name="Inhaltsplatzhalter 1">
             <a:extLst>
               <a:ext uri="{FF2B5EF4-FFF2-40B4-BE49-F238E27FC236}">
-                <a16:creationId xmlns:a16="http://schemas.microsoft.com/office/drawing/2014/main" id="{B28132D3-63DF-44BA-8996-8B8DD443B206}"/>
+                <a16:creationId xmlns:a16="http://schemas.microsoft.com/office/drawing/2014/main" id="{4DF0330C-7CC3-487E-BD09-DF7EEE1C53D6}"/>
               </a:ext>
             </a:extLst>
           </p:cNvPr>
@@ -36247,13 +36664,13 @@
         </p:nvSpPr>
         <p:spPr>
           <a:xfrm>
-            <a:off x="1097280" y="1678317"/>
-            <a:ext cx="10515600" cy="4742100"/>
+            <a:off x="1160122" y="1678317"/>
+            <a:ext cx="10515600" cy="4351338"/>
           </a:xfrm>
         </p:spPr>
         <p:txBody>
           <a:bodyPr>
-            <a:normAutofit/>
+            <a:normAutofit lnSpcReduction="10000"/>
           </a:bodyPr>
           <a:lstStyle/>
           <a:p>
@@ -36263,14 +36680,14 @@
               </a:lnSpc>
             </a:pPr>
             <a:r>
-              <a:rPr lang="de-DE" sz="1200" dirty="0">
-                <a:hlinkClick r:id="rId2"/>
+              <a:rPr lang="de-DE" dirty="0">
+                <a:solidFill>
+                  <a:schemeClr val="bg1">
+                    <a:lumMod val="75000"/>
+                  </a:schemeClr>
+                </a:solidFill>
               </a:rPr>
-              <a:t>http://www.horizont.net/news/media/2/Web-hat-es-nic-gescha-Unddu-zu-ein-erfolgreic-Por--16438.jpeg</a:t>
-            </a:r>
-            <a:r>
-              <a:rPr lang="de-DE" sz="1200" dirty="0"/>
-              <a:t>  			23.12.2017 14:15</a:t>
+              <a:t>Hintergrund</a:t>
             </a:r>
           </a:p>
           <a:p>
@@ -36280,14 +36697,14 @@
               </a:lnSpc>
             </a:pPr>
             <a:r>
-              <a:rPr lang="de-DE" sz="1200" dirty="0">
-                <a:hlinkClick r:id="rId3"/>
+              <a:rPr lang="de-DE" dirty="0">
+                <a:solidFill>
+                  <a:schemeClr val="bg1">
+                    <a:lumMod val="75000"/>
+                  </a:schemeClr>
+                </a:solidFill>
               </a:rPr>
-              <a:t>https://logos-download.com/wp-content/uploads/2016/10/GMX_logo_blue.png</a:t>
-            </a:r>
-            <a:r>
-              <a:rPr lang="de-DE" sz="1200" dirty="0"/>
-              <a:t>  					23.12.2017 14:16</a:t>
+              <a:t>Motivation</a:t>
             </a:r>
           </a:p>
           <a:p>
@@ -36297,14 +36714,14 @@
               </a:lnSpc>
             </a:pPr>
             <a:r>
-              <a:rPr lang="de-DE" sz="1200" dirty="0">
-                <a:hlinkClick r:id="rId4"/>
+              <a:rPr lang="de-DE" dirty="0">
+                <a:solidFill>
+                  <a:schemeClr val="bg1">
+                    <a:lumMod val="75000"/>
+                  </a:schemeClr>
+                </a:solidFill>
               </a:rPr>
-              <a:t>https://tradingeducationblogs.com/wp-content/uploads/2017/03/snapchat-logo.png</a:t>
-            </a:r>
-            <a:r>
-              <a:rPr lang="de-DE" sz="1200" dirty="0"/>
-              <a:t> 				23.12.2017 16:15</a:t>
+              <a:t>Begriffe</a:t>
             </a:r>
           </a:p>
           <a:p>
@@ -36314,14 +36731,14 @@
               </a:lnSpc>
             </a:pPr>
             <a:r>
-              <a:rPr lang="de-DE" sz="1200" dirty="0">
-                <a:hlinkClick r:id="rId5"/>
+              <a:rPr lang="de-DE" dirty="0">
+                <a:solidFill>
+                  <a:schemeClr val="bg1">
+                    <a:lumMod val="75000"/>
+                  </a:schemeClr>
+                </a:solidFill>
               </a:rPr>
-              <a:t>https://d1x0mwiac2rqwt.cloudfront.net/bab0a0c4b1c3135a24bd0518417b66e3/as/logo_todoist_schema.png</a:t>
-            </a:r>
-            <a:r>
-              <a:rPr lang="de-DE" sz="1200" dirty="0"/>
-              <a:t>			23.12.2017 13:57</a:t>
+              <a:t>Protokoll</a:t>
             </a:r>
           </a:p>
           <a:p>
@@ -36331,14 +36748,8 @@
               </a:lnSpc>
             </a:pPr>
             <a:r>
-              <a:rPr lang="de-DE" sz="1200" dirty="0">
-                <a:hlinkClick r:id="rId6"/>
-              </a:rPr>
-              <a:t>https://upload.wikimedia.org/wikipedia/de/thumb/9/9f/Twitter_bird_logo_2012.svg/1200px-Twitter_bird_logo_2012.svg.png</a:t>
-            </a:r>
-            <a:r>
-              <a:rPr lang="de-DE" sz="1200" dirty="0"/>
-              <a:t>		23.12.2017 13:57</a:t>
+              <a:rPr lang="de-DE" dirty="0"/>
+              <a:t>Sicherheitsanalyse</a:t>
             </a:r>
           </a:p>
           <a:p>
@@ -36348,14 +36759,14 @@
               </a:lnSpc>
             </a:pPr>
             <a:r>
-              <a:rPr lang="de-DE" sz="1200" dirty="0">
-                <a:hlinkClick r:id="rId7"/>
+              <a:rPr lang="de-DE" dirty="0">
+                <a:solidFill>
+                  <a:schemeClr val="bg1">
+                    <a:lumMod val="75000"/>
+                  </a:schemeClr>
+                </a:solidFill>
               </a:rPr>
-              <a:t>https://www.facebook.com/images/fb_icon_325x325.png</a:t>
-            </a:r>
-            <a:r>
-              <a:rPr lang="de-DE" sz="1200" dirty="0"/>
-              <a:t> 						23.12.2017 13:57</a:t>
+              <a:t>Fazit</a:t>
             </a:r>
           </a:p>
           <a:p>
@@ -36364,16 +36775,7 @@
                 <a:spcPct val="150000"/>
               </a:lnSpc>
             </a:pPr>
-            <a:r>
-              <a:rPr lang="de-DE" sz="1200" dirty="0">
-                <a:hlinkClick r:id="rId8"/>
-              </a:rPr>
-              <a:t>https://pixabay.com/p-1581266/?no_redirect</a:t>
-            </a:r>
-            <a:r>
-              <a:rPr lang="de-DE" sz="1200" dirty="0"/>
-              <a:t>							23.12.2017 14:08</a:t>
-            </a:r>
+            <a:endParaRPr lang="de-DE" dirty="0"/>
           </a:p>
           <a:p>
             <a:pPr>
@@ -36381,73 +36783,13 @@
                 <a:spcPct val="150000"/>
               </a:lnSpc>
             </a:pPr>
-            <a:r>
-              <a:rPr lang="de-DE" sz="1200" dirty="0">
-                <a:hlinkClick r:id="rId9"/>
-              </a:rPr>
-              <a:t>https://upload.wikimedia.org/wikipedia/commons/thumb/8/83/Sparkasse.svg/2000px-Sparkasse.svg.png</a:t>
-            </a:r>
-            <a:r>
-              <a:rPr lang="de-DE" sz="1200" dirty="0"/>
-              <a:t>  			23.12.2017 14:08</a:t>
-            </a:r>
-          </a:p>
-          <a:p>
-            <a:pPr>
-              <a:lnSpc>
-                <a:spcPct val="150000"/>
-              </a:lnSpc>
-            </a:pPr>
-            <a:r>
-              <a:rPr lang="de-DE" sz="1200" dirty="0">
-                <a:hlinkClick r:id="rId10"/>
-              </a:rPr>
-              <a:t>https://upload.wikimedia.org/wikipedia/commons/thumb/a/ab/Volksbank_Logo.svg/1000px-Volksbank_Logo.svg.png</a:t>
-            </a:r>
-            <a:r>
-              <a:rPr lang="de-DE" sz="1200" dirty="0"/>
-              <a:t> 		23.12.2017 14:08 </a:t>
-            </a:r>
-          </a:p>
-          <a:p>
-            <a:pPr>
-              <a:lnSpc>
-                <a:spcPct val="150000"/>
-              </a:lnSpc>
-            </a:pPr>
-            <a:r>
-              <a:rPr lang="de-DE" sz="1200" dirty="0">
-                <a:hlinkClick r:id="rId11"/>
-              </a:rPr>
-              <a:t>http://millionmedia.com/wp-content/uploads/2014/11/deezer-logo-circle.png</a:t>
-            </a:r>
-            <a:r>
-              <a:rPr lang="de-DE" sz="1200" dirty="0"/>
-              <a:t> 					23.12.2017 14:11</a:t>
-            </a:r>
-          </a:p>
-          <a:p>
-            <a:pPr>
-              <a:lnSpc>
-                <a:spcPct val="150000"/>
-              </a:lnSpc>
-            </a:pPr>
-            <a:r>
-              <a:rPr lang="de-DE" sz="1200" dirty="0">
-                <a:hlinkClick r:id="rId12"/>
-              </a:rPr>
-              <a:t>http://logodatabases.com/wp-content/uploads/2012/03/deutsche-bank.jpg</a:t>
-            </a:r>
-            <a:r>
-              <a:rPr lang="de-DE" sz="1200" dirty="0"/>
-              <a:t> 					23.12.2017 14:11</a:t>
-            </a:r>
-          </a:p>
-          <a:p>
-            <a:endParaRPr lang="de-DE" sz="1100" dirty="0"/>
-          </a:p>
-          <a:p>
-            <a:endParaRPr lang="de-DE" sz="1100" dirty="0"/>
+            <a:endParaRPr lang="de-DE" dirty="0">
+              <a:solidFill>
+                <a:schemeClr val="bg1">
+                  <a:lumMod val="75000"/>
+                </a:schemeClr>
+              </a:solidFill>
+            </a:endParaRPr>
           </a:p>
         </p:txBody>
       </p:sp>
@@ -36456,7 +36798,7 @@
           <p:cNvPr id="3" name="Datumsplatzhalter 2">
             <a:extLst>
               <a:ext uri="{FF2B5EF4-FFF2-40B4-BE49-F238E27FC236}">
-                <a16:creationId xmlns:a16="http://schemas.microsoft.com/office/drawing/2014/main" id="{E00271D8-1087-4412-95F9-CCE985E1507C}"/>
+                <a16:creationId xmlns:a16="http://schemas.microsoft.com/office/drawing/2014/main" id="{6BB56B34-12ED-4356-B12E-F9C0BA426CC7}"/>
               </a:ext>
             </a:extLst>
           </p:cNvPr>
@@ -36474,7 +36816,7 @@
           <a:p>
             <a:fld id="{28D50BB7-E2B5-4873-9F23-4433FF9FF057}" type="datetime1">
               <a:rPr lang="de-DE" smtClean="0"/>
-              <a:t>01.01.2018</a:t>
+              <a:t>03.01.2018</a:t>
             </a:fld>
             <a:endParaRPr lang="en-US" dirty="0"/>
           </a:p>
@@ -36485,7 +36827,7 @@
           <p:cNvPr id="4" name="Fußzeilenplatzhalter 3">
             <a:extLst>
               <a:ext uri="{FF2B5EF4-FFF2-40B4-BE49-F238E27FC236}">
-                <a16:creationId xmlns:a16="http://schemas.microsoft.com/office/drawing/2014/main" id="{394F4119-43D1-4069-8695-025E4948FE2F}"/>
+                <a16:creationId xmlns:a16="http://schemas.microsoft.com/office/drawing/2014/main" id="{C26891DF-BC6B-4255-B042-C2EEE5CDEB40}"/>
               </a:ext>
             </a:extLst>
           </p:cNvPr>
@@ -36514,7 +36856,7 @@
           <p:cNvPr id="5" name="Foliennummernplatzhalter 4">
             <a:extLst>
               <a:ext uri="{FF2B5EF4-FFF2-40B4-BE49-F238E27FC236}">
-                <a16:creationId xmlns:a16="http://schemas.microsoft.com/office/drawing/2014/main" id="{602974BD-1262-4F31-9724-122AE7CEB5D6}"/>
+                <a16:creationId xmlns:a16="http://schemas.microsoft.com/office/drawing/2014/main" id="{32C0C543-AAB2-4DB7-95C6-5C7895B821B2}"/>
               </a:ext>
             </a:extLst>
           </p:cNvPr>
@@ -36544,7 +36886,7 @@
           <p:cNvPr id="6" name="Titel 5">
             <a:extLst>
               <a:ext uri="{FF2B5EF4-FFF2-40B4-BE49-F238E27FC236}">
-                <a16:creationId xmlns:a16="http://schemas.microsoft.com/office/drawing/2014/main" id="{2FFDF973-2E30-48D5-8311-D5D66A8F8808}"/>
+                <a16:creationId xmlns:a16="http://schemas.microsoft.com/office/drawing/2014/main" id="{81BC0A14-67FD-48B9-8C0D-170778BDE3A6}"/>
               </a:ext>
             </a:extLst>
           </p:cNvPr>
@@ -36555,27 +36897,851 @@
             <p:ph type="title"/>
           </p:nvPr>
         </p:nvSpPr>
-        <p:spPr>
-          <a:xfrm>
-            <a:off x="1097280" y="-160595"/>
-            <a:ext cx="8961120" cy="1450757"/>
-          </a:xfrm>
-        </p:spPr>
+        <p:spPr/>
         <p:txBody>
           <a:bodyPr/>
           <a:lstStyle/>
           <a:p>
             <a:r>
               <a:rPr lang="de-DE" dirty="0"/>
-              <a:t>Bildquellen</a:t>
+              <a:t>Gliederung</a:t>
             </a:r>
           </a:p>
         </p:txBody>
       </p:sp>
+      <p:grpSp>
+        <p:nvGrpSpPr>
+          <p:cNvPr id="7" name="Gruppieren 6">
+            <a:extLst>
+              <a:ext uri="{FF2B5EF4-FFF2-40B4-BE49-F238E27FC236}">
+                <a16:creationId xmlns:a16="http://schemas.microsoft.com/office/drawing/2014/main" id="{E18AE7A5-62DB-4EDC-B4F2-95A2E57755C3}"/>
+              </a:ext>
+            </a:extLst>
+          </p:cNvPr>
+          <p:cNvGrpSpPr/>
+          <p:nvPr/>
+        </p:nvGrpSpPr>
+        <p:grpSpPr>
+          <a:xfrm>
+            <a:off x="5577840" y="2606672"/>
+            <a:ext cx="5058031" cy="2882348"/>
+            <a:chOff x="6151025" y="2416172"/>
+            <a:chExt cx="5058031" cy="2882348"/>
+          </a:xfrm>
+        </p:grpSpPr>
+        <p:grpSp>
+          <p:nvGrpSpPr>
+            <p:cNvPr id="8" name="Gruppieren 7">
+              <a:extLst>
+                <a:ext uri="{FF2B5EF4-FFF2-40B4-BE49-F238E27FC236}">
+                  <a16:creationId xmlns:a16="http://schemas.microsoft.com/office/drawing/2014/main" id="{B1D29B83-717E-4C8C-B96C-690A9EBA5AD2}"/>
+                </a:ext>
+              </a:extLst>
+            </p:cNvPr>
+            <p:cNvGrpSpPr/>
+            <p:nvPr/>
+          </p:nvGrpSpPr>
+          <p:grpSpPr>
+            <a:xfrm rot="1338305">
+              <a:off x="6151025" y="2416172"/>
+              <a:ext cx="5058031" cy="2062034"/>
+              <a:chOff x="5958071" y="1872504"/>
+              <a:chExt cx="5058031" cy="2062034"/>
+            </a:xfrm>
+          </p:grpSpPr>
+          <p:pic>
+            <p:nvPicPr>
+              <p:cNvPr id="14" name="Picture 26" descr="https://www.iconexperience.com/_img/g_collection_png/standard/256x256/passport.png">
+                <a:extLst>
+                  <a:ext uri="{FF2B5EF4-FFF2-40B4-BE49-F238E27FC236}">
+                    <a16:creationId xmlns:a16="http://schemas.microsoft.com/office/drawing/2014/main" id="{DC39462B-3F69-4151-A937-FB7ACAD5DC26}"/>
+                  </a:ext>
+                </a:extLst>
+              </p:cNvPr>
+              <p:cNvPicPr>
+                <a:picLocks noChangeAspect="1" noChangeArrowheads="1"/>
+              </p:cNvPicPr>
+              <p:nvPr/>
+            </p:nvPicPr>
+            <p:blipFill>
+              <a:blip r:embed="rId3">
+                <a:extLst>
+                  <a:ext uri="{28A0092B-C50C-407E-A947-70E740481C1C}">
+                    <a14:useLocalDpi xmlns:a14="http://schemas.microsoft.com/office/drawing/2010/main" val="0"/>
+                  </a:ext>
+                </a:extLst>
+              </a:blip>
+              <a:srcRect/>
+              <a:stretch>
+                <a:fillRect/>
+              </a:stretch>
+            </p:blipFill>
+            <p:spPr bwMode="auto">
+              <a:xfrm rot="860784">
+                <a:off x="8160736" y="1949230"/>
+                <a:ext cx="797744" cy="914040"/>
+              </a:xfrm>
+              <a:prstGeom prst="rect">
+                <a:avLst/>
+              </a:prstGeom>
+              <a:noFill/>
+              <a:extLst>
+                <a:ext uri="{909E8E84-426E-40DD-AFC4-6F175D3DCCD1}">
+                  <a14:hiddenFill xmlns:a14="http://schemas.microsoft.com/office/drawing/2010/main">
+                    <a:solidFill>
+                      <a:srgbClr val="FFFFFF"/>
+                    </a:solidFill>
+                  </a14:hiddenFill>
+                </a:ext>
+              </a:extLst>
+            </p:spPr>
+          </p:pic>
+          <p:pic>
+            <p:nvPicPr>
+              <p:cNvPr id="15" name="Picture 18" descr="https://www.iconexperience.com/_img/g_collection_png/standard/512x512/server_network.png">
+                <a:extLst>
+                  <a:ext uri="{FF2B5EF4-FFF2-40B4-BE49-F238E27FC236}">
+                    <a16:creationId xmlns:a16="http://schemas.microsoft.com/office/drawing/2014/main" id="{742C1D66-CC09-4C34-9AE9-F0B9DEDF3B56}"/>
+                  </a:ext>
+                </a:extLst>
+              </p:cNvPr>
+              <p:cNvPicPr>
+                <a:picLocks noChangeAspect="1" noChangeArrowheads="1"/>
+              </p:cNvPicPr>
+              <p:nvPr/>
+            </p:nvPicPr>
+            <p:blipFill>
+              <a:blip r:embed="rId4">
+                <a:extLst>
+                  <a:ext uri="{28A0092B-C50C-407E-A947-70E740481C1C}">
+                    <a14:useLocalDpi xmlns:a14="http://schemas.microsoft.com/office/drawing/2010/main" val="0"/>
+                  </a:ext>
+                </a:extLst>
+              </a:blip>
+              <a:srcRect/>
+              <a:stretch>
+                <a:fillRect/>
+              </a:stretch>
+            </p:blipFill>
+            <p:spPr bwMode="auto">
+              <a:xfrm>
+                <a:off x="6131735" y="2052964"/>
+                <a:ext cx="1642175" cy="1881574"/>
+              </a:xfrm>
+              <a:prstGeom prst="rect">
+                <a:avLst/>
+              </a:prstGeom>
+              <a:noFill/>
+              <a:extLst>
+                <a:ext uri="{909E8E84-426E-40DD-AFC4-6F175D3DCCD1}">
+                  <a14:hiddenFill xmlns:a14="http://schemas.microsoft.com/office/drawing/2010/main">
+                    <a:solidFill>
+                      <a:srgbClr val="FFFFFF"/>
+                    </a:solidFill>
+                  </a14:hiddenFill>
+                </a:ext>
+              </a:extLst>
+            </p:spPr>
+          </p:pic>
+          <p:pic>
+            <p:nvPicPr>
+              <p:cNvPr id="16" name="Picture 22" descr="https://www.iconexperience.com/_img/g_collection_png/standard/256x256/key2.png">
+                <a:extLst>
+                  <a:ext uri="{FF2B5EF4-FFF2-40B4-BE49-F238E27FC236}">
+                    <a16:creationId xmlns:a16="http://schemas.microsoft.com/office/drawing/2014/main" id="{CC2ECFCE-D773-4A7C-B41F-CE6A560486F7}"/>
+                  </a:ext>
+                </a:extLst>
+              </p:cNvPr>
+              <p:cNvPicPr>
+                <a:picLocks noChangeAspect="1" noChangeArrowheads="1"/>
+              </p:cNvPicPr>
+              <p:nvPr/>
+            </p:nvPicPr>
+            <p:blipFill>
+              <a:blip r:embed="rId5">
+                <a:extLst>
+                  <a:ext uri="{BEBA8EAE-BF5A-486C-A8C5-ECC9F3942E4B}">
+                    <a14:imgProps xmlns:a14="http://schemas.microsoft.com/office/drawing/2010/main">
+                      <a14:imgLayer r:embed="rId6">
+                        <a14:imgEffect>
+                          <a14:backgroundRemoval t="2734" b="89844" l="9766" r="97266">
+                            <a14:foregroundMark x1="90234" y1="25781" x2="91016" y2="34766"/>
+                            <a14:foregroundMark x1="92578" y1="27734" x2="96484" y2="37109"/>
+                            <a14:foregroundMark x1="97266" y1="32031" x2="89453" y2="39844"/>
+                            <a14:foregroundMark x1="79297" y1="12500" x2="55078" y2="16797"/>
+                            <a14:foregroundMark x1="58594" y1="14453" x2="71875" y2="10938"/>
+                            <a14:foregroundMark x1="56250" y1="12891" x2="73438" y2="2734"/>
+                          </a14:backgroundRemoval>
+                        </a14:imgEffect>
+                      </a14:imgLayer>
+                    </a14:imgProps>
+                  </a:ext>
+                  <a:ext uri="{28A0092B-C50C-407E-A947-70E740481C1C}">
+                    <a14:useLocalDpi xmlns:a14="http://schemas.microsoft.com/office/drawing/2010/main" val="0"/>
+                  </a:ext>
+                </a:extLst>
+              </a:blip>
+              <a:srcRect/>
+              <a:stretch>
+                <a:fillRect/>
+              </a:stretch>
+            </p:blipFill>
+            <p:spPr bwMode="auto">
+              <a:xfrm flipH="1">
+                <a:off x="5958071" y="2400330"/>
+                <a:ext cx="786626" cy="980632"/>
+              </a:xfrm>
+              <a:prstGeom prst="rect">
+                <a:avLst/>
+              </a:prstGeom>
+              <a:noFill/>
+              <a:extLst>
+                <a:ext uri="{909E8E84-426E-40DD-AFC4-6F175D3DCCD1}">
+                  <a14:hiddenFill xmlns:a14="http://schemas.microsoft.com/office/drawing/2010/main">
+                    <a:solidFill>
+                      <a:srgbClr val="FFFFFF"/>
+                    </a:solidFill>
+                  </a14:hiddenFill>
+                </a:ext>
+              </a:extLst>
+            </p:spPr>
+          </p:pic>
+          <p:pic>
+            <p:nvPicPr>
+              <p:cNvPr id="17" name="Picture 18" descr="https://www.iconexperience.com/_img/g_collection_png/standard/512x512/server_network.png">
+                <a:extLst>
+                  <a:ext uri="{FF2B5EF4-FFF2-40B4-BE49-F238E27FC236}">
+                    <a16:creationId xmlns:a16="http://schemas.microsoft.com/office/drawing/2014/main" id="{43709152-1EF8-432B-8EFC-B5EC48DD6FBB}"/>
+                  </a:ext>
+                </a:extLst>
+              </p:cNvPr>
+              <p:cNvPicPr>
+                <a:picLocks noChangeAspect="1" noChangeArrowheads="1"/>
+              </p:cNvPicPr>
+              <p:nvPr/>
+            </p:nvPicPr>
+            <p:blipFill>
+              <a:blip r:embed="rId4">
+                <a:extLst>
+                  <a:ext uri="{28A0092B-C50C-407E-A947-70E740481C1C}">
+                    <a14:useLocalDpi xmlns:a14="http://schemas.microsoft.com/office/drawing/2010/main" val="0"/>
+                  </a:ext>
+                </a:extLst>
+              </a:blip>
+              <a:srcRect/>
+              <a:stretch>
+                <a:fillRect/>
+              </a:stretch>
+            </p:blipFill>
+            <p:spPr bwMode="auto">
+              <a:xfrm>
+                <a:off x="9373927" y="2035965"/>
+                <a:ext cx="1642175" cy="1881575"/>
+              </a:xfrm>
+              <a:prstGeom prst="rect">
+                <a:avLst/>
+              </a:prstGeom>
+              <a:noFill/>
+              <a:extLst>
+                <a:ext uri="{909E8E84-426E-40DD-AFC4-6F175D3DCCD1}">
+                  <a14:hiddenFill xmlns:a14="http://schemas.microsoft.com/office/drawing/2010/main">
+                    <a:solidFill>
+                      <a:srgbClr val="FFFFFF"/>
+                    </a:solidFill>
+                  </a14:hiddenFill>
+                </a:ext>
+              </a:extLst>
+            </p:spPr>
+          </p:pic>
+          <p:pic>
+            <p:nvPicPr>
+              <p:cNvPr id="18" name="Picture 24" descr="https://www.iconexperience.com/_img/g_collection_png/standard/256x256/key.png">
+                <a:extLst>
+                  <a:ext uri="{FF2B5EF4-FFF2-40B4-BE49-F238E27FC236}">
+                    <a16:creationId xmlns:a16="http://schemas.microsoft.com/office/drawing/2014/main" id="{3362C256-9F8D-41F5-B21B-1ED4702FF446}"/>
+                  </a:ext>
+                </a:extLst>
+              </p:cNvPr>
+              <p:cNvPicPr>
+                <a:picLocks noChangeAspect="1" noChangeArrowheads="1"/>
+              </p:cNvPicPr>
+              <p:nvPr/>
+            </p:nvPicPr>
+            <p:blipFill>
+              <a:blip r:embed="rId7">
+                <a:extLst>
+                  <a:ext uri="{BEBA8EAE-BF5A-486C-A8C5-ECC9F3942E4B}">
+                    <a14:imgProps xmlns:a14="http://schemas.microsoft.com/office/drawing/2010/main">
+                      <a14:imgLayer r:embed="rId8">
+                        <a14:imgEffect>
+                          <a14:backgroundRemoval t="2344" b="99609" l="391" r="98438">
+                            <a14:foregroundMark x1="59375" y1="9766" x2="84766" y2="5859"/>
+                            <a14:foregroundMark x1="87500" y1="8984" x2="87500" y2="14063"/>
+                            <a14:foregroundMark x1="86719" y1="33203" x2="88281" y2="33984"/>
+                            <a14:foregroundMark x1="89453" y1="14844" x2="92050" y2="16900"/>
+                            <a14:foregroundMark x1="81250" y1="8203" x2="60938" y2="2344"/>
+                            <a14:foregroundMark x1="10938" y1="76953" x2="17969" y2="87891"/>
+                            <a14:foregroundMark x1="19531" y1="86328" x2="391" y2="86328"/>
+                            <a14:foregroundMark x1="19531" y1="84375" x2="19531" y2="92188"/>
+                            <a14:foregroundMark x1="24219" y1="89453" x2="23047" y2="94531"/>
+                            <a14:foregroundMark x1="25781" y1="92969" x2="29297" y2="99609"/>
+                            <a14:backgroundMark x1="96875" y1="16406" x2="98438" y2="31641"/>
+                          </a14:backgroundRemoval>
+                        </a14:imgEffect>
+                      </a14:imgLayer>
+                    </a14:imgProps>
+                  </a:ext>
+                  <a:ext uri="{28A0092B-C50C-407E-A947-70E740481C1C}">
+                    <a14:useLocalDpi xmlns:a14="http://schemas.microsoft.com/office/drawing/2010/main" val="0"/>
+                  </a:ext>
+                </a:extLst>
+              </a:blip>
+              <a:srcRect/>
+              <a:stretch>
+                <a:fillRect/>
+              </a:stretch>
+            </p:blipFill>
+            <p:spPr bwMode="auto">
+              <a:xfrm flipH="1">
+                <a:off x="10269539" y="2507990"/>
+                <a:ext cx="720795" cy="765312"/>
+              </a:xfrm>
+              <a:prstGeom prst="rect">
+                <a:avLst/>
+              </a:prstGeom>
+              <a:noFill/>
+              <a:extLst>
+                <a:ext uri="{909E8E84-426E-40DD-AFC4-6F175D3DCCD1}">
+                  <a14:hiddenFill xmlns:a14="http://schemas.microsoft.com/office/drawing/2010/main">
+                    <a:solidFill>
+                      <a:srgbClr val="FFFFFF"/>
+                    </a:solidFill>
+                  </a14:hiddenFill>
+                </a:ext>
+              </a:extLst>
+            </p:spPr>
+          </p:pic>
+          <p:cxnSp>
+            <p:nvCxnSpPr>
+              <p:cNvPr id="19" name="Gerade Verbindung mit Pfeil 18">
+                <a:extLst>
+                  <a:ext uri="{FF2B5EF4-FFF2-40B4-BE49-F238E27FC236}">
+                    <a16:creationId xmlns:a16="http://schemas.microsoft.com/office/drawing/2014/main" id="{112C7F29-B8F0-4391-AAF7-E5A9328FA5A7}"/>
+                  </a:ext>
+                </a:extLst>
+              </p:cNvPr>
+              <p:cNvCxnSpPr>
+                <a:cxnSpLocks/>
+              </p:cNvCxnSpPr>
+              <p:nvPr/>
+            </p:nvCxnSpPr>
+            <p:spPr>
+              <a:xfrm flipV="1">
+                <a:off x="7474857" y="2863218"/>
+                <a:ext cx="2191657" cy="8237"/>
+              </a:xfrm>
+              <a:prstGeom prst="straightConnector1">
+                <a:avLst/>
+              </a:prstGeom>
+              <a:ln w="101600">
+                <a:solidFill>
+                  <a:srgbClr val="2B7299"/>
+                </a:solidFill>
+                <a:headEnd type="triangle"/>
+                <a:tailEnd type="triangle"/>
+              </a:ln>
+            </p:spPr>
+            <p:style>
+              <a:lnRef idx="1">
+                <a:schemeClr val="accent1"/>
+              </a:lnRef>
+              <a:fillRef idx="0">
+                <a:schemeClr val="accent1"/>
+              </a:fillRef>
+              <a:effectRef idx="0">
+                <a:schemeClr val="accent1"/>
+              </a:effectRef>
+              <a:fontRef idx="minor">
+                <a:schemeClr val="tx1"/>
+              </a:fontRef>
+            </p:style>
+          </p:cxnSp>
+          <p:grpSp>
+            <p:nvGrpSpPr>
+              <p:cNvPr id="20" name="Gruppieren 19">
+                <a:extLst>
+                  <a:ext uri="{FF2B5EF4-FFF2-40B4-BE49-F238E27FC236}">
+                    <a16:creationId xmlns:a16="http://schemas.microsoft.com/office/drawing/2014/main" id="{76CADE1A-AF54-46A1-8199-3BA995323330}"/>
+                  </a:ext>
+                </a:extLst>
+              </p:cNvPr>
+              <p:cNvGrpSpPr/>
+              <p:nvPr/>
+            </p:nvGrpSpPr>
+            <p:grpSpPr>
+              <a:xfrm>
+                <a:off x="8716437" y="1872504"/>
+                <a:ext cx="441051" cy="449956"/>
+                <a:chOff x="2975429" y="2177144"/>
+                <a:chExt cx="420914" cy="411446"/>
+              </a:xfrm>
+            </p:grpSpPr>
+            <p:sp>
+              <p:nvSpPr>
+                <p:cNvPr id="21" name="Ellipse 20">
+                  <a:extLst>
+                    <a:ext uri="{FF2B5EF4-FFF2-40B4-BE49-F238E27FC236}">
+                      <a16:creationId xmlns:a16="http://schemas.microsoft.com/office/drawing/2014/main" id="{5121FD0F-2E74-4F15-BB4E-9E0BD2241AE4}"/>
+                    </a:ext>
+                  </a:extLst>
+                </p:cNvPr>
+                <p:cNvSpPr/>
+                <p:nvPr/>
+              </p:nvSpPr>
+              <p:spPr>
+                <a:xfrm>
+                  <a:off x="2975429" y="2177144"/>
+                  <a:ext cx="420914" cy="411446"/>
+                </a:xfrm>
+                <a:prstGeom prst="ellipse">
+                  <a:avLst/>
+                </a:prstGeom>
+                <a:solidFill>
+                  <a:srgbClr val="6AC018"/>
+                </a:solidFill>
+                <a:ln>
+                  <a:solidFill>
+                    <a:srgbClr val="6AC018"/>
+                  </a:solidFill>
+                </a:ln>
+              </p:spPr>
+              <p:style>
+                <a:lnRef idx="2">
+                  <a:schemeClr val="accent1">
+                    <a:shade val="50000"/>
+                  </a:schemeClr>
+                </a:lnRef>
+                <a:fillRef idx="1">
+                  <a:schemeClr val="accent1"/>
+                </a:fillRef>
+                <a:effectRef idx="0">
+                  <a:schemeClr val="accent1"/>
+                </a:effectRef>
+                <a:fontRef idx="minor">
+                  <a:schemeClr val="lt1"/>
+                </a:fontRef>
+              </p:style>
+              <p:txBody>
+                <a:bodyPr rtlCol="0" anchor="ctr"/>
+                <a:lstStyle/>
+                <a:p>
+                  <a:pPr algn="ctr"/>
+                  <a:endParaRPr lang="de-DE" baseline="-25000" dirty="0"/>
+                </a:p>
+              </p:txBody>
+            </p:sp>
+            <p:grpSp>
+              <p:nvGrpSpPr>
+                <p:cNvPr id="22" name="Gruppieren 21">
+                  <a:extLst>
+                    <a:ext uri="{FF2B5EF4-FFF2-40B4-BE49-F238E27FC236}">
+                      <a16:creationId xmlns:a16="http://schemas.microsoft.com/office/drawing/2014/main" id="{57FA8F31-1285-4346-A9F4-BAC24EF7F1A3}"/>
+                    </a:ext>
+                  </a:extLst>
+                </p:cNvPr>
+                <p:cNvGrpSpPr/>
+                <p:nvPr/>
+              </p:nvGrpSpPr>
+              <p:grpSpPr>
+                <a:xfrm rot="12970512" flipH="1">
+                  <a:off x="3125567" y="2263555"/>
+                  <a:ext cx="120638" cy="214811"/>
+                  <a:chOff x="3663321" y="2076290"/>
+                  <a:chExt cx="375279" cy="357349"/>
+                </a:xfrm>
+              </p:grpSpPr>
+              <p:sp>
+                <p:nvSpPr>
+                  <p:cNvPr id="23" name="Rechteck 22">
+                    <a:extLst>
+                      <a:ext uri="{FF2B5EF4-FFF2-40B4-BE49-F238E27FC236}">
+                        <a16:creationId xmlns:a16="http://schemas.microsoft.com/office/drawing/2014/main" id="{A93FBFDE-E98E-4A95-A65A-E47FD7287756}"/>
+                      </a:ext>
+                    </a:extLst>
+                  </p:cNvPr>
+                  <p:cNvSpPr/>
+                  <p:nvPr/>
+                </p:nvSpPr>
+                <p:spPr>
+                  <a:xfrm rot="10800000">
+                    <a:off x="3663321" y="2076290"/>
+                    <a:ext cx="373671" cy="76056"/>
+                  </a:xfrm>
+                  <a:prstGeom prst="rect">
+                    <a:avLst/>
+                  </a:prstGeom>
+                  <a:solidFill>
+                    <a:schemeClr val="bg1"/>
+                  </a:solidFill>
+                  <a:ln>
+                    <a:solidFill>
+                      <a:schemeClr val="bg1"/>
+                    </a:solidFill>
+                  </a:ln>
+                </p:spPr>
+                <p:style>
+                  <a:lnRef idx="2">
+                    <a:schemeClr val="accent1">
+                      <a:shade val="50000"/>
+                    </a:schemeClr>
+                  </a:lnRef>
+                  <a:fillRef idx="1">
+                    <a:schemeClr val="accent1"/>
+                  </a:fillRef>
+                  <a:effectRef idx="0">
+                    <a:schemeClr val="accent1"/>
+                  </a:effectRef>
+                  <a:fontRef idx="minor">
+                    <a:schemeClr val="lt1"/>
+                  </a:fontRef>
+                </p:style>
+                <p:txBody>
+                  <a:bodyPr rtlCol="0" anchor="ctr"/>
+                  <a:lstStyle/>
+                  <a:p>
+                    <a:pPr algn="ctr"/>
+                    <a:endParaRPr lang="de-DE"/>
+                  </a:p>
+                </p:txBody>
+              </p:sp>
+              <p:sp>
+                <p:nvSpPr>
+                  <p:cNvPr id="24" name="Rechteck 23">
+                    <a:extLst>
+                      <a:ext uri="{FF2B5EF4-FFF2-40B4-BE49-F238E27FC236}">
+                        <a16:creationId xmlns:a16="http://schemas.microsoft.com/office/drawing/2014/main" id="{B3C4BD27-7A60-4794-9619-743DA4B5DE82}"/>
+                      </a:ext>
+                    </a:extLst>
+                  </p:cNvPr>
+                  <p:cNvSpPr/>
+                  <p:nvPr/>
+                </p:nvSpPr>
+                <p:spPr>
+                  <a:xfrm rot="10800000">
+                    <a:off x="3896378" y="2076451"/>
+                    <a:ext cx="142222" cy="357188"/>
+                  </a:xfrm>
+                  <a:prstGeom prst="rect">
+                    <a:avLst/>
+                  </a:prstGeom>
+                  <a:solidFill>
+                    <a:schemeClr val="bg1"/>
+                  </a:solidFill>
+                  <a:ln>
+                    <a:solidFill>
+                      <a:schemeClr val="bg1"/>
+                    </a:solidFill>
+                  </a:ln>
+                </p:spPr>
+                <p:style>
+                  <a:lnRef idx="2">
+                    <a:schemeClr val="accent1">
+                      <a:shade val="50000"/>
+                    </a:schemeClr>
+                  </a:lnRef>
+                  <a:fillRef idx="1">
+                    <a:schemeClr val="accent1"/>
+                  </a:fillRef>
+                  <a:effectRef idx="0">
+                    <a:schemeClr val="accent1"/>
+                  </a:effectRef>
+                  <a:fontRef idx="minor">
+                    <a:schemeClr val="lt1"/>
+                  </a:fontRef>
+                </p:style>
+                <p:txBody>
+                  <a:bodyPr rtlCol="0" anchor="ctr"/>
+                  <a:lstStyle/>
+                  <a:p>
+                    <a:pPr algn="ctr"/>
+                    <a:endParaRPr lang="de-DE"/>
+                  </a:p>
+                </p:txBody>
+              </p:sp>
+            </p:grpSp>
+          </p:grpSp>
+        </p:grpSp>
+        <p:pic>
+          <p:nvPicPr>
+            <p:cNvPr id="9" name="Picture 8" descr="https://lh3.googleusercontent.com/UrY7BAZ-XfXGpfkeWg0zCCeo-7ras4DCoRalC_WXXWTK9q5b0Iw7B0YQMsVxZaNB7DM=w300">
+              <a:extLst>
+                <a:ext uri="{FF2B5EF4-FFF2-40B4-BE49-F238E27FC236}">
+                  <a16:creationId xmlns:a16="http://schemas.microsoft.com/office/drawing/2014/main" id="{B29D4930-EC16-4498-B12F-ACE4DB4A88B8}"/>
+                </a:ext>
+              </a:extLst>
+            </p:cNvPr>
+            <p:cNvPicPr>
+              <a:picLocks noChangeAspect="1" noChangeArrowheads="1"/>
+            </p:cNvPicPr>
+            <p:nvPr/>
+          </p:nvPicPr>
+          <p:blipFill>
+            <a:blip r:embed="rId9">
+              <a:extLst>
+                <a:ext uri="{28A0092B-C50C-407E-A947-70E740481C1C}">
+                  <a14:useLocalDpi xmlns:a14="http://schemas.microsoft.com/office/drawing/2010/main" val="0"/>
+                </a:ext>
+              </a:extLst>
+            </a:blip>
+            <a:srcRect/>
+            <a:stretch>
+              <a:fillRect/>
+            </a:stretch>
+          </p:blipFill>
+          <p:spPr bwMode="auto">
+            <a:xfrm>
+              <a:off x="6851515" y="3589896"/>
+              <a:ext cx="1200919" cy="1200919"/>
+            </a:xfrm>
+            <a:prstGeom prst="rect">
+              <a:avLst/>
+            </a:prstGeom>
+            <a:noFill/>
+            <a:extLst>
+              <a:ext uri="{909E8E84-426E-40DD-AFC4-6F175D3DCCD1}">
+                <a14:hiddenFill xmlns:a14="http://schemas.microsoft.com/office/drawing/2010/main">
+                  <a:solidFill>
+                    <a:srgbClr val="FFFFFF"/>
+                  </a:solidFill>
+                </a14:hiddenFill>
+              </a:ext>
+            </a:extLst>
+          </p:spPr>
+        </p:pic>
+        <p:pic>
+          <p:nvPicPr>
+            <p:cNvPr id="10" name="Picture 12" descr="https://upload.wikimedia.org/wikipedia/commons/thumb/1/18/GitLab_Logo.svg/1200px-GitLab_Logo.svg.png">
+              <a:extLst>
+                <a:ext uri="{FF2B5EF4-FFF2-40B4-BE49-F238E27FC236}">
+                  <a16:creationId xmlns:a16="http://schemas.microsoft.com/office/drawing/2014/main" id="{31B30BF9-1FD7-41D2-8D01-6CB2ED505067}"/>
+                </a:ext>
+              </a:extLst>
+            </p:cNvPr>
+            <p:cNvPicPr>
+              <a:picLocks noChangeAspect="1" noChangeArrowheads="1"/>
+            </p:cNvPicPr>
+            <p:nvPr/>
+          </p:nvPicPr>
+          <p:blipFill>
+            <a:blip r:embed="rId10">
+              <a:extLst>
+                <a:ext uri="{28A0092B-C50C-407E-A947-70E740481C1C}">
+                  <a14:useLocalDpi xmlns:a14="http://schemas.microsoft.com/office/drawing/2010/main" val="0"/>
+                </a:ext>
+              </a:extLst>
+            </a:blip>
+            <a:srcRect/>
+            <a:stretch>
+              <a:fillRect/>
+            </a:stretch>
+          </p:blipFill>
+          <p:spPr bwMode="auto">
+            <a:xfrm>
+              <a:off x="7779368" y="3357607"/>
+              <a:ext cx="1020153" cy="942889"/>
+            </a:xfrm>
+            <a:prstGeom prst="rect">
+              <a:avLst/>
+            </a:prstGeom>
+            <a:noFill/>
+            <a:extLst>
+              <a:ext uri="{909E8E84-426E-40DD-AFC4-6F175D3DCCD1}">
+                <a14:hiddenFill xmlns:a14="http://schemas.microsoft.com/office/drawing/2010/main">
+                  <a:solidFill>
+                    <a:srgbClr val="FFFFFF"/>
+                  </a:solidFill>
+                </a14:hiddenFill>
+              </a:ext>
+            </a:extLst>
+          </p:spPr>
+        </p:pic>
+        <p:pic>
+          <p:nvPicPr>
+            <p:cNvPr id="11" name="Picture 4" descr="https://www.iconexperience.com/_img/g_collection_png/standard/512x512/criminal.png">
+              <a:extLst>
+                <a:ext uri="{FF2B5EF4-FFF2-40B4-BE49-F238E27FC236}">
+                  <a16:creationId xmlns:a16="http://schemas.microsoft.com/office/drawing/2014/main" id="{9572555E-0252-4B80-8B3E-F3AB3BE2EA47}"/>
+                </a:ext>
+              </a:extLst>
+            </p:cNvPr>
+            <p:cNvPicPr>
+              <a:picLocks noChangeAspect="1" noChangeArrowheads="1"/>
+            </p:cNvPicPr>
+            <p:nvPr/>
+          </p:nvPicPr>
+          <p:blipFill>
+            <a:blip r:embed="rId11">
+              <a:extLst>
+                <a:ext uri="{BEBA8EAE-BF5A-486C-A8C5-ECC9F3942E4B}">
+                  <a14:imgProps xmlns:a14="http://schemas.microsoft.com/office/drawing/2010/main">
+                    <a14:imgLayer r:embed="rId12">
+                      <a14:imgEffect>
+                        <a14:backgroundRemoval t="2734" b="96875" l="9961" r="89844">
+                          <a14:foregroundMark x1="41406" y1="59961" x2="27930" y2="96875"/>
+                          <a14:foregroundMark x1="27930" y1="96875" x2="53125" y2="66406"/>
+                          <a14:foregroundMark x1="53125" y1="66406" x2="53125" y2="65820"/>
+                          <a14:foregroundMark x1="37500" y1="12891" x2="65820" y2="14844"/>
+                          <a14:foregroundMark x1="65820" y1="10938" x2="74805" y2="11914"/>
+                          <a14:foregroundMark x1="69922" y1="12891" x2="66797" y2="10938"/>
+                          <a14:foregroundMark x1="40625" y1="4297" x2="67188" y2="9375"/>
+                          <a14:foregroundMark x1="55273" y1="2734" x2="54883" y2="5469"/>
+                        </a14:backgroundRemoval>
+                      </a14:imgEffect>
+                    </a14:imgLayer>
+                  </a14:imgProps>
+                </a:ext>
+                <a:ext uri="{28A0092B-C50C-407E-A947-70E740481C1C}">
+                  <a14:useLocalDpi xmlns:a14="http://schemas.microsoft.com/office/drawing/2010/main" val="0"/>
+                </a:ext>
+              </a:extLst>
+            </a:blip>
+            <a:srcRect/>
+            <a:stretch>
+              <a:fillRect/>
+            </a:stretch>
+          </p:blipFill>
+          <p:spPr bwMode="auto">
+            <a:xfrm>
+              <a:off x="8692339" y="3972580"/>
+              <a:ext cx="1276651" cy="1276651"/>
+            </a:xfrm>
+            <a:prstGeom prst="rect">
+              <a:avLst/>
+            </a:prstGeom>
+            <a:noFill/>
+            <a:extLst>
+              <a:ext uri="{909E8E84-426E-40DD-AFC4-6F175D3DCCD1}">
+                <a14:hiddenFill xmlns:a14="http://schemas.microsoft.com/office/drawing/2010/main">
+                  <a:solidFill>
+                    <a:srgbClr val="FFFFFF"/>
+                  </a:solidFill>
+                </a14:hiddenFill>
+              </a:ext>
+            </a:extLst>
+          </p:spPr>
+        </p:pic>
+        <p:sp>
+          <p:nvSpPr>
+            <p:cNvPr id="12" name="Verbotsymbol 11">
+              <a:extLst>
+                <a:ext uri="{FF2B5EF4-FFF2-40B4-BE49-F238E27FC236}">
+                  <a16:creationId xmlns:a16="http://schemas.microsoft.com/office/drawing/2014/main" id="{019F61D4-FEB5-47CD-A2BD-D90A36773819}"/>
+                </a:ext>
+              </a:extLst>
+            </p:cNvPr>
+            <p:cNvSpPr/>
+            <p:nvPr/>
+          </p:nvSpPr>
+          <p:spPr>
+            <a:xfrm>
+              <a:off x="8623464" y="3937044"/>
+              <a:ext cx="1383229" cy="1361476"/>
+            </a:xfrm>
+            <a:prstGeom prst="noSmoking">
+              <a:avLst>
+                <a:gd name="adj" fmla="val 11866"/>
+              </a:avLst>
+            </a:prstGeom>
+            <a:solidFill>
+              <a:srgbClr val="C00000"/>
+            </a:solidFill>
+            <a:ln>
+              <a:solidFill>
+                <a:srgbClr val="C00000"/>
+              </a:solidFill>
+            </a:ln>
+          </p:spPr>
+          <p:style>
+            <a:lnRef idx="2">
+              <a:schemeClr val="accent1">
+                <a:shade val="50000"/>
+              </a:schemeClr>
+            </a:lnRef>
+            <a:fillRef idx="1">
+              <a:schemeClr val="accent1"/>
+            </a:fillRef>
+            <a:effectRef idx="0">
+              <a:schemeClr val="accent1"/>
+            </a:effectRef>
+            <a:fontRef idx="minor">
+              <a:schemeClr val="lt1"/>
+            </a:fontRef>
+          </p:style>
+          <p:txBody>
+            <a:bodyPr rtlCol="0" anchor="ctr"/>
+            <a:lstStyle/>
+            <a:p>
+              <a:pPr algn="ctr"/>
+              <a:endParaRPr lang="de-DE">
+                <a:solidFill>
+                  <a:schemeClr val="tx1"/>
+                </a:solidFill>
+              </a:endParaRPr>
+            </a:p>
+          </p:txBody>
+        </p:sp>
+        <p:pic>
+          <p:nvPicPr>
+            <p:cNvPr id="13" name="Picture 22" descr="https://upload.wikimedia.org/wikipedia/de/thumb/9/9f/Twitter_bird_logo_2012.svg/1200px-Twitter_bird_logo_2012.svg.png">
+              <a:extLst>
+                <a:ext uri="{FF2B5EF4-FFF2-40B4-BE49-F238E27FC236}">
+                  <a16:creationId xmlns:a16="http://schemas.microsoft.com/office/drawing/2014/main" id="{5909B053-A650-467A-BE78-56A46672E462}"/>
+                </a:ext>
+              </a:extLst>
+            </p:cNvPr>
+            <p:cNvPicPr>
+              <a:picLocks noChangeAspect="1" noChangeArrowheads="1"/>
+            </p:cNvPicPr>
+            <p:nvPr/>
+          </p:nvPicPr>
+          <p:blipFill>
+            <a:blip r:embed="rId13">
+              <a:extLst>
+                <a:ext uri="{28A0092B-C50C-407E-A947-70E740481C1C}">
+                  <a14:useLocalDpi xmlns:a14="http://schemas.microsoft.com/office/drawing/2010/main" val="0"/>
+                </a:ext>
+              </a:extLst>
+            </a:blip>
+            <a:srcRect/>
+            <a:stretch>
+              <a:fillRect/>
+            </a:stretch>
+          </p:blipFill>
+          <p:spPr bwMode="auto">
+            <a:xfrm>
+              <a:off x="7684426" y="4276256"/>
+              <a:ext cx="1145724" cy="931939"/>
+            </a:xfrm>
+            <a:prstGeom prst="rect">
+              <a:avLst/>
+            </a:prstGeom>
+            <a:noFill/>
+            <a:extLst>
+              <a:ext uri="{909E8E84-426E-40DD-AFC4-6F175D3DCCD1}">
+                <a14:hiddenFill xmlns:a14="http://schemas.microsoft.com/office/drawing/2010/main">
+                  <a:solidFill>
+                    <a:srgbClr val="FFFFFF"/>
+                  </a:solidFill>
+                </a14:hiddenFill>
+              </a:ext>
+            </a:extLst>
+          </p:spPr>
+        </p:pic>
+      </p:grpSp>
     </p:spTree>
     <p:extLst>
       <p:ext uri="{BB962C8B-B14F-4D97-AF65-F5344CB8AC3E}">
-        <p14:creationId xmlns:p14="http://schemas.microsoft.com/office/powerpoint/2010/main" val="286736332"/>
+        <p14:creationId xmlns:p14="http://schemas.microsoft.com/office/powerpoint/2010/main" val="1734263722"/>
       </p:ext>
     </p:extLst>
   </p:cSld>
@@ -36607,7 +37773,7 @@
           <p:cNvPr id="2" name="Inhaltsplatzhalter 1">
             <a:extLst>
               <a:ext uri="{FF2B5EF4-FFF2-40B4-BE49-F238E27FC236}">
-                <a16:creationId xmlns:a16="http://schemas.microsoft.com/office/drawing/2014/main" id="{F85863A3-386F-41D1-A3A1-7E6FE5080CE6}"/>
+                <a16:creationId xmlns:a16="http://schemas.microsoft.com/office/drawing/2014/main" id="{4C5BD81A-70D2-47B1-8E57-6E5FD1EAD521}"/>
               </a:ext>
             </a:extLst>
           </p:cNvPr>
@@ -36618,150 +37784,14 @@
             <p:ph idx="1"/>
           </p:nvPr>
         </p:nvSpPr>
-        <p:spPr>
-          <a:xfrm>
-            <a:off x="1097280" y="1678317"/>
-            <a:ext cx="10515600" cy="4351338"/>
-          </a:xfrm>
-        </p:spPr>
+        <p:spPr/>
         <p:txBody>
-          <a:bodyPr>
-            <a:normAutofit/>
-          </a:bodyPr>
+          <a:bodyPr/>
           <a:lstStyle/>
           <a:p>
             <a:r>
-              <a:rPr lang="de-DE" sz="1200" dirty="0"/>
-              <a:t>[1] 	</a:t>
-            </a:r>
-            <a:r>
-              <a:rPr lang="de-DE" sz="1200" dirty="0">
-                <a:hlinkClick r:id="rId2"/>
-              </a:rPr>
-              <a:t>http://www.itwissen.info/Mehrbenutzersystem-multi-user-system.html</a:t>
-            </a:r>
-            <a:r>
-              <a:rPr lang="de-DE" sz="1200" dirty="0"/>
-              <a:t>			23.12.2017 15:07</a:t>
-            </a:r>
-          </a:p>
-          <a:p>
-            <a:r>
-              <a:rPr lang="de-DE" sz="1200" dirty="0"/>
-              <a:t>[2]	</a:t>
-            </a:r>
-            <a:r>
-              <a:rPr lang="de-DE" sz="1200" dirty="0">
-                <a:hlinkClick r:id="rId3"/>
-              </a:rPr>
-              <a:t>https://arstechnica.com/information-technology/2013/11/</a:t>
-            </a:r>
-            <a:r>
-              <a:rPr lang="de-DE" sz="1200" dirty="0"/>
-              <a:t>				24.11.2017 09:38</a:t>
-            </a:r>
-          </a:p>
-          <a:p>
-            <a:r>
-              <a:rPr lang="de-DE" sz="1200" dirty="0"/>
-              <a:t>[3]	</a:t>
-            </a:r>
-            <a:r>
-              <a:rPr lang="de-DE" sz="1200" dirty="0">
-                <a:hlinkClick r:id="rId4"/>
-              </a:rPr>
-              <a:t>https://techcrunch.com/2009/12/14/rockyou-hack</a:t>
-            </a:r>
-            <a:r>
-              <a:rPr lang="de-DE" sz="1200" dirty="0"/>
-              <a:t>				24.11.2017 09:44</a:t>
-            </a:r>
-          </a:p>
-          <a:p>
-            <a:r>
-              <a:rPr lang="de-DE" sz="1200" dirty="0"/>
-              <a:t>[4] 	</a:t>
-            </a:r>
-            <a:r>
-              <a:rPr lang="de-DE" sz="1200" dirty="0">
-                <a:hlinkClick r:id="rId5"/>
-              </a:rPr>
-              <a:t>https://www.reuters.com/article/us-adobe-cyberattack/</a:t>
-            </a:r>
-            <a:r>
-              <a:rPr lang="de-DE" sz="1200" dirty="0"/>
-              <a:t>				24.11.2017 09:50</a:t>
-            </a:r>
-            <a:endParaRPr lang="de-DE" sz="1200" dirty="0">
-              <a:hlinkClick r:id="rId6"/>
-            </a:endParaRPr>
-          </a:p>
-          <a:p>
-            <a:r>
-              <a:rPr lang="de-DE" sz="1200" dirty="0"/>
-              <a:t>[5] 	</a:t>
-            </a:r>
-            <a:r>
-              <a:rPr lang="de-DE" sz="1200" dirty="0">
-                <a:hlinkClick r:id="rId6"/>
-              </a:rPr>
-              <a:t>https://crackstation.net/hashing-security.htm</a:t>
-            </a:r>
-            <a:r>
-              <a:rPr lang="de-DE" sz="1200" dirty="0"/>
-              <a:t>				24.11.2017 08:17</a:t>
-            </a:r>
-          </a:p>
-          <a:p>
-            <a:r>
-              <a:rPr lang="de-DE" sz="1200" dirty="0"/>
-              <a:t>[6]	</a:t>
-            </a:r>
-            <a:r>
-              <a:rPr lang="de-DE" sz="1200" dirty="0">
-                <a:hlinkClick r:id="rId7"/>
-              </a:rPr>
-              <a:t>https://de.wikipedia.org/wiki/Zero-Knowledge-Beweis</a:t>
-            </a:r>
-            <a:r>
-              <a:rPr lang="de-DE" sz="1200" dirty="0"/>
-              <a:t> 				30.12.2017 19:41</a:t>
-            </a:r>
-          </a:p>
-          <a:p>
-            <a:r>
-              <a:rPr lang="de-DE" sz="1200" dirty="0">
-                <a:hlinkClick r:id="rId8"/>
-              </a:rPr>
-              <a:t>https://en.wikipedia.org/wiki/Password-authenticated_key_agreement</a:t>
-            </a:r>
-            <a:r>
-              <a:rPr lang="de-DE" sz="1200" dirty="0"/>
-              <a:t>			24.11.2017 10:12</a:t>
-            </a:r>
-          </a:p>
-          <a:p>
-            <a:r>
-              <a:rPr lang="de-DE" sz="1200" dirty="0">
-                <a:hlinkClick r:id="rId9"/>
-              </a:rPr>
-              <a:t>http://ieeexplore.ieee.org/document/7450662/</a:t>
-            </a:r>
-            <a:r>
-              <a:rPr lang="de-DE" sz="1200" dirty="0"/>
-              <a:t>					24.11.2017 10:23</a:t>
-            </a:r>
-          </a:p>
-          <a:p>
-            <a:r>
-              <a:rPr lang="de-DE" sz="1200" dirty="0">
-                <a:hlinkClick r:id="rId10"/>
-              </a:rPr>
-              <a:t>https://budickda.gitbooks.io/commitment-schemes/content/chapter3.html</a:t>
-            </a:r>
-            <a:r>
-              <a:rPr lang="de-DE" sz="1200" dirty="0"/>
-              <a:t>			26.12.2017 16:15</a:t>
+              <a:rPr lang="de-DE" dirty="0"/>
+              <a:t>Spielebasierte Sicherheitsanalyse aus dem Paper</a:t>
             </a:r>
           </a:p>
         </p:txBody>
@@ -36771,7 +37801,7 @@
           <p:cNvPr id="3" name="Datumsplatzhalter 2">
             <a:extLst>
               <a:ext uri="{FF2B5EF4-FFF2-40B4-BE49-F238E27FC236}">
-                <a16:creationId xmlns:a16="http://schemas.microsoft.com/office/drawing/2014/main" id="{80D9F075-C67A-4602-9697-3DD57B63591D}"/>
+                <a16:creationId xmlns:a16="http://schemas.microsoft.com/office/drawing/2014/main" id="{2E05FDC1-3650-424E-A86B-02A30568DDBF}"/>
               </a:ext>
             </a:extLst>
           </p:cNvPr>
@@ -36789,7 +37819,7 @@
           <a:p>
             <a:fld id="{28D50BB7-E2B5-4873-9F23-4433FF9FF057}" type="datetime1">
               <a:rPr lang="de-DE" smtClean="0"/>
-              <a:t>01.01.2018</a:t>
+              <a:t>03.01.2018</a:t>
             </a:fld>
             <a:endParaRPr lang="en-US" dirty="0"/>
           </a:p>
@@ -36800,7 +37830,7 @@
           <p:cNvPr id="4" name="Fußzeilenplatzhalter 3">
             <a:extLst>
               <a:ext uri="{FF2B5EF4-FFF2-40B4-BE49-F238E27FC236}">
-                <a16:creationId xmlns:a16="http://schemas.microsoft.com/office/drawing/2014/main" id="{D032F3D5-21D0-41AF-B33E-212E62986300}"/>
+                <a16:creationId xmlns:a16="http://schemas.microsoft.com/office/drawing/2014/main" id="{32FF1FFD-8E09-4A57-A8D5-AA56169C945F}"/>
               </a:ext>
             </a:extLst>
           </p:cNvPr>
@@ -36829,7 +37859,7 @@
           <p:cNvPr id="5" name="Foliennummernplatzhalter 4">
             <a:extLst>
               <a:ext uri="{FF2B5EF4-FFF2-40B4-BE49-F238E27FC236}">
-                <a16:creationId xmlns:a16="http://schemas.microsoft.com/office/drawing/2014/main" id="{911EDE83-2BFA-4202-9FB2-42DC32D74B74}"/>
+                <a16:creationId xmlns:a16="http://schemas.microsoft.com/office/drawing/2014/main" id="{E99CBA35-8A8F-4ADF-AFFA-D588403BEAB9}"/>
               </a:ext>
             </a:extLst>
           </p:cNvPr>
@@ -36859,7 +37889,7 @@
           <p:cNvPr id="6" name="Titel 5">
             <a:extLst>
               <a:ext uri="{FF2B5EF4-FFF2-40B4-BE49-F238E27FC236}">
-                <a16:creationId xmlns:a16="http://schemas.microsoft.com/office/drawing/2014/main" id="{CA425E41-36EE-4A8A-AD7C-42DD754CE030}"/>
+                <a16:creationId xmlns:a16="http://schemas.microsoft.com/office/drawing/2014/main" id="{C686D6BF-0E12-47E3-8D5F-86541B068770}"/>
               </a:ext>
             </a:extLst>
           </p:cNvPr>
@@ -36877,7 +37907,7 @@
           <a:p>
             <a:r>
               <a:rPr lang="de-DE" dirty="0"/>
-              <a:t>Internetquellen</a:t>
+              <a:t>Sicherheitsanalyse</a:t>
             </a:r>
           </a:p>
         </p:txBody>
@@ -36885,7 +37915,1497 @@
     </p:spTree>
     <p:extLst>
       <p:ext uri="{BB962C8B-B14F-4D97-AF65-F5344CB8AC3E}">
-        <p14:creationId xmlns:p14="http://schemas.microsoft.com/office/powerpoint/2010/main" val="2787133905"/>
+        <p14:creationId xmlns:p14="http://schemas.microsoft.com/office/powerpoint/2010/main" val="391235948"/>
+      </p:ext>
+    </p:extLst>
+  </p:cSld>
+  <p:clrMapOvr>
+    <a:masterClrMapping/>
+  </p:clrMapOvr>
+</p:sld>
+</file>
+
+<file path=ppt/slides/slide37.xml><?xml version="1.0" encoding="utf-8"?>
+<p:sld xmlns:a="http://schemas.openxmlformats.org/drawingml/2006/main" xmlns:r="http://schemas.openxmlformats.org/officeDocument/2006/relationships" xmlns:p="http://schemas.openxmlformats.org/presentationml/2006/main">
+  <p:cSld>
+    <p:spTree>
+      <p:nvGrpSpPr>
+        <p:cNvPr id="1" name=""/>
+        <p:cNvGrpSpPr/>
+        <p:nvPr/>
+      </p:nvGrpSpPr>
+      <p:grpSpPr>
+        <a:xfrm>
+          <a:off x="0" y="0"/>
+          <a:ext cx="0" cy="0"/>
+          <a:chOff x="0" y="0"/>
+          <a:chExt cx="0" cy="0"/>
+        </a:xfrm>
+      </p:grpSpPr>
+      <p:sp>
+        <p:nvSpPr>
+          <p:cNvPr id="2" name="Inhaltsplatzhalter 1">
+            <a:extLst>
+              <a:ext uri="{FF2B5EF4-FFF2-40B4-BE49-F238E27FC236}">
+                <a16:creationId xmlns:a16="http://schemas.microsoft.com/office/drawing/2014/main" id="{4DF0330C-7CC3-487E-BD09-DF7EEE1C53D6}"/>
+              </a:ext>
+            </a:extLst>
+          </p:cNvPr>
+          <p:cNvSpPr>
+            <a:spLocks noGrp="1"/>
+          </p:cNvSpPr>
+          <p:nvPr>
+            <p:ph idx="1"/>
+          </p:nvPr>
+        </p:nvSpPr>
+        <p:spPr>
+          <a:xfrm>
+            <a:off x="1160122" y="1678317"/>
+            <a:ext cx="10515600" cy="4351338"/>
+          </a:xfrm>
+        </p:spPr>
+        <p:txBody>
+          <a:bodyPr>
+            <a:normAutofit lnSpcReduction="10000"/>
+          </a:bodyPr>
+          <a:lstStyle/>
+          <a:p>
+            <a:pPr>
+              <a:lnSpc>
+                <a:spcPct val="150000"/>
+              </a:lnSpc>
+            </a:pPr>
+            <a:r>
+              <a:rPr lang="de-DE" dirty="0">
+                <a:solidFill>
+                  <a:schemeClr val="bg1">
+                    <a:lumMod val="75000"/>
+                  </a:schemeClr>
+                </a:solidFill>
+              </a:rPr>
+              <a:t>Hintergrund</a:t>
+            </a:r>
+          </a:p>
+          <a:p>
+            <a:pPr>
+              <a:lnSpc>
+                <a:spcPct val="150000"/>
+              </a:lnSpc>
+            </a:pPr>
+            <a:r>
+              <a:rPr lang="de-DE" dirty="0">
+                <a:solidFill>
+                  <a:schemeClr val="bg1">
+                    <a:lumMod val="75000"/>
+                  </a:schemeClr>
+                </a:solidFill>
+              </a:rPr>
+              <a:t>Motivation</a:t>
+            </a:r>
+          </a:p>
+          <a:p>
+            <a:pPr>
+              <a:lnSpc>
+                <a:spcPct val="150000"/>
+              </a:lnSpc>
+            </a:pPr>
+            <a:r>
+              <a:rPr lang="de-DE" dirty="0">
+                <a:solidFill>
+                  <a:schemeClr val="bg1">
+                    <a:lumMod val="75000"/>
+                  </a:schemeClr>
+                </a:solidFill>
+              </a:rPr>
+              <a:t>Begriffe</a:t>
+            </a:r>
+          </a:p>
+          <a:p>
+            <a:pPr>
+              <a:lnSpc>
+                <a:spcPct val="150000"/>
+              </a:lnSpc>
+            </a:pPr>
+            <a:r>
+              <a:rPr lang="de-DE" dirty="0">
+                <a:solidFill>
+                  <a:schemeClr val="bg1">
+                    <a:lumMod val="75000"/>
+                  </a:schemeClr>
+                </a:solidFill>
+              </a:rPr>
+              <a:t>Protokoll</a:t>
+            </a:r>
+          </a:p>
+          <a:p>
+            <a:pPr>
+              <a:lnSpc>
+                <a:spcPct val="150000"/>
+              </a:lnSpc>
+            </a:pPr>
+            <a:r>
+              <a:rPr lang="de-DE" dirty="0">
+                <a:solidFill>
+                  <a:schemeClr val="bg1">
+                    <a:lumMod val="75000"/>
+                  </a:schemeClr>
+                </a:solidFill>
+              </a:rPr>
+              <a:t>Sicherheitsanalyse</a:t>
+            </a:r>
+          </a:p>
+          <a:p>
+            <a:pPr>
+              <a:lnSpc>
+                <a:spcPct val="150000"/>
+              </a:lnSpc>
+            </a:pPr>
+            <a:r>
+              <a:rPr lang="de-DE" dirty="0"/>
+              <a:t>Fazit</a:t>
+            </a:r>
+          </a:p>
+          <a:p>
+            <a:pPr>
+              <a:lnSpc>
+                <a:spcPct val="150000"/>
+              </a:lnSpc>
+            </a:pPr>
+            <a:endParaRPr lang="de-DE" dirty="0"/>
+          </a:p>
+          <a:p>
+            <a:pPr>
+              <a:lnSpc>
+                <a:spcPct val="150000"/>
+              </a:lnSpc>
+            </a:pPr>
+            <a:endParaRPr lang="de-DE" dirty="0">
+              <a:solidFill>
+                <a:schemeClr val="bg1">
+                  <a:lumMod val="75000"/>
+                </a:schemeClr>
+              </a:solidFill>
+            </a:endParaRPr>
+          </a:p>
+        </p:txBody>
+      </p:sp>
+      <p:sp>
+        <p:nvSpPr>
+          <p:cNvPr id="3" name="Datumsplatzhalter 2">
+            <a:extLst>
+              <a:ext uri="{FF2B5EF4-FFF2-40B4-BE49-F238E27FC236}">
+                <a16:creationId xmlns:a16="http://schemas.microsoft.com/office/drawing/2014/main" id="{6BB56B34-12ED-4356-B12E-F9C0BA426CC7}"/>
+              </a:ext>
+            </a:extLst>
+          </p:cNvPr>
+          <p:cNvSpPr>
+            <a:spLocks noGrp="1"/>
+          </p:cNvSpPr>
+          <p:nvPr>
+            <p:ph type="dt" sz="half" idx="10"/>
+          </p:nvPr>
+        </p:nvSpPr>
+        <p:spPr/>
+        <p:txBody>
+          <a:bodyPr/>
+          <a:lstStyle/>
+          <a:p>
+            <a:fld id="{28D50BB7-E2B5-4873-9F23-4433FF9FF057}" type="datetime1">
+              <a:rPr lang="de-DE" smtClean="0"/>
+              <a:t>03.01.2018</a:t>
+            </a:fld>
+            <a:endParaRPr lang="en-US" dirty="0"/>
+          </a:p>
+        </p:txBody>
+      </p:sp>
+      <p:sp>
+        <p:nvSpPr>
+          <p:cNvPr id="4" name="Fußzeilenplatzhalter 3">
+            <a:extLst>
+              <a:ext uri="{FF2B5EF4-FFF2-40B4-BE49-F238E27FC236}">
+                <a16:creationId xmlns:a16="http://schemas.microsoft.com/office/drawing/2014/main" id="{C26891DF-BC6B-4255-B042-C2EEE5CDEB40}"/>
+              </a:ext>
+            </a:extLst>
+          </p:cNvPr>
+          <p:cNvSpPr>
+            <a:spLocks noGrp="1"/>
+          </p:cNvSpPr>
+          <p:nvPr>
+            <p:ph type="ftr" sz="quarter" idx="11"/>
+          </p:nvPr>
+        </p:nvSpPr>
+        <p:spPr/>
+        <p:txBody>
+          <a:bodyPr/>
+          <a:lstStyle/>
+          <a:p>
+            <a:r>
+              <a:rPr lang="en-US"/>
+              <a:t>Johannes Strauß &amp; Lukas Justen</a:t>
+            </a:r>
+            <a:endParaRPr lang="en-US" dirty="0"/>
+          </a:p>
+        </p:txBody>
+      </p:sp>
+      <p:sp>
+        <p:nvSpPr>
+          <p:cNvPr id="5" name="Foliennummernplatzhalter 4">
+            <a:extLst>
+              <a:ext uri="{FF2B5EF4-FFF2-40B4-BE49-F238E27FC236}">
+                <a16:creationId xmlns:a16="http://schemas.microsoft.com/office/drawing/2014/main" id="{32C0C543-AAB2-4DB7-95C6-5C7895B821B2}"/>
+              </a:ext>
+            </a:extLst>
+          </p:cNvPr>
+          <p:cNvSpPr>
+            <a:spLocks noGrp="1"/>
+          </p:cNvSpPr>
+          <p:nvPr>
+            <p:ph type="sldNum" sz="quarter" idx="4"/>
+          </p:nvPr>
+        </p:nvSpPr>
+        <p:spPr/>
+        <p:txBody>
+          <a:bodyPr/>
+          <a:lstStyle/>
+          <a:p>
+            <a:fld id="{95B0EFA8-D4E6-438F-A5A4-BE862A6AB6EC}" type="slidenum">
+              <a:rPr lang="en-US" smtClean="0"/>
+              <a:pPr/>
+              <a:t>37</a:t>
+            </a:fld>
+            <a:endParaRPr lang="en-US" dirty="0"/>
+          </a:p>
+        </p:txBody>
+      </p:sp>
+      <p:sp>
+        <p:nvSpPr>
+          <p:cNvPr id="6" name="Titel 5">
+            <a:extLst>
+              <a:ext uri="{FF2B5EF4-FFF2-40B4-BE49-F238E27FC236}">
+                <a16:creationId xmlns:a16="http://schemas.microsoft.com/office/drawing/2014/main" id="{81BC0A14-67FD-48B9-8C0D-170778BDE3A6}"/>
+              </a:ext>
+            </a:extLst>
+          </p:cNvPr>
+          <p:cNvSpPr>
+            <a:spLocks noGrp="1"/>
+          </p:cNvSpPr>
+          <p:nvPr>
+            <p:ph type="title"/>
+          </p:nvPr>
+        </p:nvSpPr>
+        <p:spPr/>
+        <p:txBody>
+          <a:bodyPr/>
+          <a:lstStyle/>
+          <a:p>
+            <a:r>
+              <a:rPr lang="de-DE" dirty="0"/>
+              <a:t>Gliederung</a:t>
+            </a:r>
+          </a:p>
+        </p:txBody>
+      </p:sp>
+      <p:grpSp>
+        <p:nvGrpSpPr>
+          <p:cNvPr id="7" name="Gruppieren 6">
+            <a:extLst>
+              <a:ext uri="{FF2B5EF4-FFF2-40B4-BE49-F238E27FC236}">
+                <a16:creationId xmlns:a16="http://schemas.microsoft.com/office/drawing/2014/main" id="{E18AE7A5-62DB-4EDC-B4F2-95A2E57755C3}"/>
+              </a:ext>
+            </a:extLst>
+          </p:cNvPr>
+          <p:cNvGrpSpPr/>
+          <p:nvPr/>
+        </p:nvGrpSpPr>
+        <p:grpSpPr>
+          <a:xfrm>
+            <a:off x="5577840" y="2606672"/>
+            <a:ext cx="5058031" cy="2882348"/>
+            <a:chOff x="6151025" y="2416172"/>
+            <a:chExt cx="5058031" cy="2882348"/>
+          </a:xfrm>
+        </p:grpSpPr>
+        <p:grpSp>
+          <p:nvGrpSpPr>
+            <p:cNvPr id="8" name="Gruppieren 7">
+              <a:extLst>
+                <a:ext uri="{FF2B5EF4-FFF2-40B4-BE49-F238E27FC236}">
+                  <a16:creationId xmlns:a16="http://schemas.microsoft.com/office/drawing/2014/main" id="{B1D29B83-717E-4C8C-B96C-690A9EBA5AD2}"/>
+                </a:ext>
+              </a:extLst>
+            </p:cNvPr>
+            <p:cNvGrpSpPr/>
+            <p:nvPr/>
+          </p:nvGrpSpPr>
+          <p:grpSpPr>
+            <a:xfrm rot="1338305">
+              <a:off x="6151025" y="2416172"/>
+              <a:ext cx="5058031" cy="2062034"/>
+              <a:chOff x="5958071" y="1872504"/>
+              <a:chExt cx="5058031" cy="2062034"/>
+            </a:xfrm>
+          </p:grpSpPr>
+          <p:pic>
+            <p:nvPicPr>
+              <p:cNvPr id="14" name="Picture 26" descr="https://www.iconexperience.com/_img/g_collection_png/standard/256x256/passport.png">
+                <a:extLst>
+                  <a:ext uri="{FF2B5EF4-FFF2-40B4-BE49-F238E27FC236}">
+                    <a16:creationId xmlns:a16="http://schemas.microsoft.com/office/drawing/2014/main" id="{DC39462B-3F69-4151-A937-FB7ACAD5DC26}"/>
+                  </a:ext>
+                </a:extLst>
+              </p:cNvPr>
+              <p:cNvPicPr>
+                <a:picLocks noChangeAspect="1" noChangeArrowheads="1"/>
+              </p:cNvPicPr>
+              <p:nvPr/>
+            </p:nvPicPr>
+            <p:blipFill>
+              <a:blip r:embed="rId3">
+                <a:extLst>
+                  <a:ext uri="{28A0092B-C50C-407E-A947-70E740481C1C}">
+                    <a14:useLocalDpi xmlns:a14="http://schemas.microsoft.com/office/drawing/2010/main" val="0"/>
+                  </a:ext>
+                </a:extLst>
+              </a:blip>
+              <a:srcRect/>
+              <a:stretch>
+                <a:fillRect/>
+              </a:stretch>
+            </p:blipFill>
+            <p:spPr bwMode="auto">
+              <a:xfrm rot="860784">
+                <a:off x="8160736" y="1949230"/>
+                <a:ext cx="797744" cy="914040"/>
+              </a:xfrm>
+              <a:prstGeom prst="rect">
+                <a:avLst/>
+              </a:prstGeom>
+              <a:noFill/>
+              <a:extLst>
+                <a:ext uri="{909E8E84-426E-40DD-AFC4-6F175D3DCCD1}">
+                  <a14:hiddenFill xmlns:a14="http://schemas.microsoft.com/office/drawing/2010/main">
+                    <a:solidFill>
+                      <a:srgbClr val="FFFFFF"/>
+                    </a:solidFill>
+                  </a14:hiddenFill>
+                </a:ext>
+              </a:extLst>
+            </p:spPr>
+          </p:pic>
+          <p:pic>
+            <p:nvPicPr>
+              <p:cNvPr id="15" name="Picture 18" descr="https://www.iconexperience.com/_img/g_collection_png/standard/512x512/server_network.png">
+                <a:extLst>
+                  <a:ext uri="{FF2B5EF4-FFF2-40B4-BE49-F238E27FC236}">
+                    <a16:creationId xmlns:a16="http://schemas.microsoft.com/office/drawing/2014/main" id="{742C1D66-CC09-4C34-9AE9-F0B9DEDF3B56}"/>
+                  </a:ext>
+                </a:extLst>
+              </p:cNvPr>
+              <p:cNvPicPr>
+                <a:picLocks noChangeAspect="1" noChangeArrowheads="1"/>
+              </p:cNvPicPr>
+              <p:nvPr/>
+            </p:nvPicPr>
+            <p:blipFill>
+              <a:blip r:embed="rId4">
+                <a:extLst>
+                  <a:ext uri="{28A0092B-C50C-407E-A947-70E740481C1C}">
+                    <a14:useLocalDpi xmlns:a14="http://schemas.microsoft.com/office/drawing/2010/main" val="0"/>
+                  </a:ext>
+                </a:extLst>
+              </a:blip>
+              <a:srcRect/>
+              <a:stretch>
+                <a:fillRect/>
+              </a:stretch>
+            </p:blipFill>
+            <p:spPr bwMode="auto">
+              <a:xfrm>
+                <a:off x="6131735" y="2052964"/>
+                <a:ext cx="1642175" cy="1881574"/>
+              </a:xfrm>
+              <a:prstGeom prst="rect">
+                <a:avLst/>
+              </a:prstGeom>
+              <a:noFill/>
+              <a:extLst>
+                <a:ext uri="{909E8E84-426E-40DD-AFC4-6F175D3DCCD1}">
+                  <a14:hiddenFill xmlns:a14="http://schemas.microsoft.com/office/drawing/2010/main">
+                    <a:solidFill>
+                      <a:srgbClr val="FFFFFF"/>
+                    </a:solidFill>
+                  </a14:hiddenFill>
+                </a:ext>
+              </a:extLst>
+            </p:spPr>
+          </p:pic>
+          <p:pic>
+            <p:nvPicPr>
+              <p:cNvPr id="16" name="Picture 22" descr="https://www.iconexperience.com/_img/g_collection_png/standard/256x256/key2.png">
+                <a:extLst>
+                  <a:ext uri="{FF2B5EF4-FFF2-40B4-BE49-F238E27FC236}">
+                    <a16:creationId xmlns:a16="http://schemas.microsoft.com/office/drawing/2014/main" id="{CC2ECFCE-D773-4A7C-B41F-CE6A560486F7}"/>
+                  </a:ext>
+                </a:extLst>
+              </p:cNvPr>
+              <p:cNvPicPr>
+                <a:picLocks noChangeAspect="1" noChangeArrowheads="1"/>
+              </p:cNvPicPr>
+              <p:nvPr/>
+            </p:nvPicPr>
+            <p:blipFill>
+              <a:blip r:embed="rId5">
+                <a:extLst>
+                  <a:ext uri="{BEBA8EAE-BF5A-486C-A8C5-ECC9F3942E4B}">
+                    <a14:imgProps xmlns:a14="http://schemas.microsoft.com/office/drawing/2010/main">
+                      <a14:imgLayer r:embed="rId6">
+                        <a14:imgEffect>
+                          <a14:backgroundRemoval t="2734" b="89844" l="9766" r="97266">
+                            <a14:foregroundMark x1="90234" y1="25781" x2="91016" y2="34766"/>
+                            <a14:foregroundMark x1="92578" y1="27734" x2="96484" y2="37109"/>
+                            <a14:foregroundMark x1="97266" y1="32031" x2="89453" y2="39844"/>
+                            <a14:foregroundMark x1="79297" y1="12500" x2="55078" y2="16797"/>
+                            <a14:foregroundMark x1="58594" y1="14453" x2="71875" y2="10938"/>
+                            <a14:foregroundMark x1="56250" y1="12891" x2="73438" y2="2734"/>
+                          </a14:backgroundRemoval>
+                        </a14:imgEffect>
+                      </a14:imgLayer>
+                    </a14:imgProps>
+                  </a:ext>
+                  <a:ext uri="{28A0092B-C50C-407E-A947-70E740481C1C}">
+                    <a14:useLocalDpi xmlns:a14="http://schemas.microsoft.com/office/drawing/2010/main" val="0"/>
+                  </a:ext>
+                </a:extLst>
+              </a:blip>
+              <a:srcRect/>
+              <a:stretch>
+                <a:fillRect/>
+              </a:stretch>
+            </p:blipFill>
+            <p:spPr bwMode="auto">
+              <a:xfrm flipH="1">
+                <a:off x="5958071" y="2400330"/>
+                <a:ext cx="786626" cy="980632"/>
+              </a:xfrm>
+              <a:prstGeom prst="rect">
+                <a:avLst/>
+              </a:prstGeom>
+              <a:noFill/>
+              <a:extLst>
+                <a:ext uri="{909E8E84-426E-40DD-AFC4-6F175D3DCCD1}">
+                  <a14:hiddenFill xmlns:a14="http://schemas.microsoft.com/office/drawing/2010/main">
+                    <a:solidFill>
+                      <a:srgbClr val="FFFFFF"/>
+                    </a:solidFill>
+                  </a14:hiddenFill>
+                </a:ext>
+              </a:extLst>
+            </p:spPr>
+          </p:pic>
+          <p:pic>
+            <p:nvPicPr>
+              <p:cNvPr id="17" name="Picture 18" descr="https://www.iconexperience.com/_img/g_collection_png/standard/512x512/server_network.png">
+                <a:extLst>
+                  <a:ext uri="{FF2B5EF4-FFF2-40B4-BE49-F238E27FC236}">
+                    <a16:creationId xmlns:a16="http://schemas.microsoft.com/office/drawing/2014/main" id="{43709152-1EF8-432B-8EFC-B5EC48DD6FBB}"/>
+                  </a:ext>
+                </a:extLst>
+              </p:cNvPr>
+              <p:cNvPicPr>
+                <a:picLocks noChangeAspect="1" noChangeArrowheads="1"/>
+              </p:cNvPicPr>
+              <p:nvPr/>
+            </p:nvPicPr>
+            <p:blipFill>
+              <a:blip r:embed="rId4">
+                <a:extLst>
+                  <a:ext uri="{28A0092B-C50C-407E-A947-70E740481C1C}">
+                    <a14:useLocalDpi xmlns:a14="http://schemas.microsoft.com/office/drawing/2010/main" val="0"/>
+                  </a:ext>
+                </a:extLst>
+              </a:blip>
+              <a:srcRect/>
+              <a:stretch>
+                <a:fillRect/>
+              </a:stretch>
+            </p:blipFill>
+            <p:spPr bwMode="auto">
+              <a:xfrm>
+                <a:off x="9373927" y="2035965"/>
+                <a:ext cx="1642175" cy="1881575"/>
+              </a:xfrm>
+              <a:prstGeom prst="rect">
+                <a:avLst/>
+              </a:prstGeom>
+              <a:noFill/>
+              <a:extLst>
+                <a:ext uri="{909E8E84-426E-40DD-AFC4-6F175D3DCCD1}">
+                  <a14:hiddenFill xmlns:a14="http://schemas.microsoft.com/office/drawing/2010/main">
+                    <a:solidFill>
+                      <a:srgbClr val="FFFFFF"/>
+                    </a:solidFill>
+                  </a14:hiddenFill>
+                </a:ext>
+              </a:extLst>
+            </p:spPr>
+          </p:pic>
+          <p:pic>
+            <p:nvPicPr>
+              <p:cNvPr id="18" name="Picture 24" descr="https://www.iconexperience.com/_img/g_collection_png/standard/256x256/key.png">
+                <a:extLst>
+                  <a:ext uri="{FF2B5EF4-FFF2-40B4-BE49-F238E27FC236}">
+                    <a16:creationId xmlns:a16="http://schemas.microsoft.com/office/drawing/2014/main" id="{3362C256-9F8D-41F5-B21B-1ED4702FF446}"/>
+                  </a:ext>
+                </a:extLst>
+              </p:cNvPr>
+              <p:cNvPicPr>
+                <a:picLocks noChangeAspect="1" noChangeArrowheads="1"/>
+              </p:cNvPicPr>
+              <p:nvPr/>
+            </p:nvPicPr>
+            <p:blipFill>
+              <a:blip r:embed="rId7">
+                <a:extLst>
+                  <a:ext uri="{BEBA8EAE-BF5A-486C-A8C5-ECC9F3942E4B}">
+                    <a14:imgProps xmlns:a14="http://schemas.microsoft.com/office/drawing/2010/main">
+                      <a14:imgLayer r:embed="rId8">
+                        <a14:imgEffect>
+                          <a14:backgroundRemoval t="2344" b="99609" l="391" r="98438">
+                            <a14:foregroundMark x1="59375" y1="9766" x2="84766" y2="5859"/>
+                            <a14:foregroundMark x1="87500" y1="8984" x2="87500" y2="14063"/>
+                            <a14:foregroundMark x1="86719" y1="33203" x2="88281" y2="33984"/>
+                            <a14:foregroundMark x1="89453" y1="14844" x2="92050" y2="16900"/>
+                            <a14:foregroundMark x1="81250" y1="8203" x2="60938" y2="2344"/>
+                            <a14:foregroundMark x1="10938" y1="76953" x2="17969" y2="87891"/>
+                            <a14:foregroundMark x1="19531" y1="86328" x2="391" y2="86328"/>
+                            <a14:foregroundMark x1="19531" y1="84375" x2="19531" y2="92188"/>
+                            <a14:foregroundMark x1="24219" y1="89453" x2="23047" y2="94531"/>
+                            <a14:foregroundMark x1="25781" y1="92969" x2="29297" y2="99609"/>
+                            <a14:backgroundMark x1="96875" y1="16406" x2="98438" y2="31641"/>
+                          </a14:backgroundRemoval>
+                        </a14:imgEffect>
+                      </a14:imgLayer>
+                    </a14:imgProps>
+                  </a:ext>
+                  <a:ext uri="{28A0092B-C50C-407E-A947-70E740481C1C}">
+                    <a14:useLocalDpi xmlns:a14="http://schemas.microsoft.com/office/drawing/2010/main" val="0"/>
+                  </a:ext>
+                </a:extLst>
+              </a:blip>
+              <a:srcRect/>
+              <a:stretch>
+                <a:fillRect/>
+              </a:stretch>
+            </p:blipFill>
+            <p:spPr bwMode="auto">
+              <a:xfrm flipH="1">
+                <a:off x="10269539" y="2507990"/>
+                <a:ext cx="720795" cy="765312"/>
+              </a:xfrm>
+              <a:prstGeom prst="rect">
+                <a:avLst/>
+              </a:prstGeom>
+              <a:noFill/>
+              <a:extLst>
+                <a:ext uri="{909E8E84-426E-40DD-AFC4-6F175D3DCCD1}">
+                  <a14:hiddenFill xmlns:a14="http://schemas.microsoft.com/office/drawing/2010/main">
+                    <a:solidFill>
+                      <a:srgbClr val="FFFFFF"/>
+                    </a:solidFill>
+                  </a14:hiddenFill>
+                </a:ext>
+              </a:extLst>
+            </p:spPr>
+          </p:pic>
+          <p:cxnSp>
+            <p:nvCxnSpPr>
+              <p:cNvPr id="19" name="Gerade Verbindung mit Pfeil 18">
+                <a:extLst>
+                  <a:ext uri="{FF2B5EF4-FFF2-40B4-BE49-F238E27FC236}">
+                    <a16:creationId xmlns:a16="http://schemas.microsoft.com/office/drawing/2014/main" id="{112C7F29-B8F0-4391-AAF7-E5A9328FA5A7}"/>
+                  </a:ext>
+                </a:extLst>
+              </p:cNvPr>
+              <p:cNvCxnSpPr>
+                <a:cxnSpLocks/>
+              </p:cNvCxnSpPr>
+              <p:nvPr/>
+            </p:nvCxnSpPr>
+            <p:spPr>
+              <a:xfrm flipV="1">
+                <a:off x="7474857" y="2863218"/>
+                <a:ext cx="2191657" cy="8237"/>
+              </a:xfrm>
+              <a:prstGeom prst="straightConnector1">
+                <a:avLst/>
+              </a:prstGeom>
+              <a:ln w="101600">
+                <a:solidFill>
+                  <a:srgbClr val="2B7299"/>
+                </a:solidFill>
+                <a:headEnd type="triangle"/>
+                <a:tailEnd type="triangle"/>
+              </a:ln>
+            </p:spPr>
+            <p:style>
+              <a:lnRef idx="1">
+                <a:schemeClr val="accent1"/>
+              </a:lnRef>
+              <a:fillRef idx="0">
+                <a:schemeClr val="accent1"/>
+              </a:fillRef>
+              <a:effectRef idx="0">
+                <a:schemeClr val="accent1"/>
+              </a:effectRef>
+              <a:fontRef idx="minor">
+                <a:schemeClr val="tx1"/>
+              </a:fontRef>
+            </p:style>
+          </p:cxnSp>
+          <p:grpSp>
+            <p:nvGrpSpPr>
+              <p:cNvPr id="20" name="Gruppieren 19">
+                <a:extLst>
+                  <a:ext uri="{FF2B5EF4-FFF2-40B4-BE49-F238E27FC236}">
+                    <a16:creationId xmlns:a16="http://schemas.microsoft.com/office/drawing/2014/main" id="{76CADE1A-AF54-46A1-8199-3BA995323330}"/>
+                  </a:ext>
+                </a:extLst>
+              </p:cNvPr>
+              <p:cNvGrpSpPr/>
+              <p:nvPr/>
+            </p:nvGrpSpPr>
+            <p:grpSpPr>
+              <a:xfrm>
+                <a:off x="8716437" y="1872504"/>
+                <a:ext cx="441051" cy="449956"/>
+                <a:chOff x="2975429" y="2177144"/>
+                <a:chExt cx="420914" cy="411446"/>
+              </a:xfrm>
+            </p:grpSpPr>
+            <p:sp>
+              <p:nvSpPr>
+                <p:cNvPr id="21" name="Ellipse 20">
+                  <a:extLst>
+                    <a:ext uri="{FF2B5EF4-FFF2-40B4-BE49-F238E27FC236}">
+                      <a16:creationId xmlns:a16="http://schemas.microsoft.com/office/drawing/2014/main" id="{5121FD0F-2E74-4F15-BB4E-9E0BD2241AE4}"/>
+                    </a:ext>
+                  </a:extLst>
+                </p:cNvPr>
+                <p:cNvSpPr/>
+                <p:nvPr/>
+              </p:nvSpPr>
+              <p:spPr>
+                <a:xfrm>
+                  <a:off x="2975429" y="2177144"/>
+                  <a:ext cx="420914" cy="411446"/>
+                </a:xfrm>
+                <a:prstGeom prst="ellipse">
+                  <a:avLst/>
+                </a:prstGeom>
+                <a:solidFill>
+                  <a:srgbClr val="6AC018"/>
+                </a:solidFill>
+                <a:ln>
+                  <a:solidFill>
+                    <a:srgbClr val="6AC018"/>
+                  </a:solidFill>
+                </a:ln>
+              </p:spPr>
+              <p:style>
+                <a:lnRef idx="2">
+                  <a:schemeClr val="accent1">
+                    <a:shade val="50000"/>
+                  </a:schemeClr>
+                </a:lnRef>
+                <a:fillRef idx="1">
+                  <a:schemeClr val="accent1"/>
+                </a:fillRef>
+                <a:effectRef idx="0">
+                  <a:schemeClr val="accent1"/>
+                </a:effectRef>
+                <a:fontRef idx="minor">
+                  <a:schemeClr val="lt1"/>
+                </a:fontRef>
+              </p:style>
+              <p:txBody>
+                <a:bodyPr rtlCol="0" anchor="ctr"/>
+                <a:lstStyle/>
+                <a:p>
+                  <a:pPr algn="ctr"/>
+                  <a:endParaRPr lang="de-DE" baseline="-25000" dirty="0"/>
+                </a:p>
+              </p:txBody>
+            </p:sp>
+            <p:grpSp>
+              <p:nvGrpSpPr>
+                <p:cNvPr id="22" name="Gruppieren 21">
+                  <a:extLst>
+                    <a:ext uri="{FF2B5EF4-FFF2-40B4-BE49-F238E27FC236}">
+                      <a16:creationId xmlns:a16="http://schemas.microsoft.com/office/drawing/2014/main" id="{57FA8F31-1285-4346-A9F4-BAC24EF7F1A3}"/>
+                    </a:ext>
+                  </a:extLst>
+                </p:cNvPr>
+                <p:cNvGrpSpPr/>
+                <p:nvPr/>
+              </p:nvGrpSpPr>
+              <p:grpSpPr>
+                <a:xfrm rot="12970512" flipH="1">
+                  <a:off x="3125567" y="2263555"/>
+                  <a:ext cx="120638" cy="214811"/>
+                  <a:chOff x="3663321" y="2076290"/>
+                  <a:chExt cx="375279" cy="357349"/>
+                </a:xfrm>
+              </p:grpSpPr>
+              <p:sp>
+                <p:nvSpPr>
+                  <p:cNvPr id="23" name="Rechteck 22">
+                    <a:extLst>
+                      <a:ext uri="{FF2B5EF4-FFF2-40B4-BE49-F238E27FC236}">
+                        <a16:creationId xmlns:a16="http://schemas.microsoft.com/office/drawing/2014/main" id="{A93FBFDE-E98E-4A95-A65A-E47FD7287756}"/>
+                      </a:ext>
+                    </a:extLst>
+                  </p:cNvPr>
+                  <p:cNvSpPr/>
+                  <p:nvPr/>
+                </p:nvSpPr>
+                <p:spPr>
+                  <a:xfrm rot="10800000">
+                    <a:off x="3663321" y="2076290"/>
+                    <a:ext cx="373671" cy="76056"/>
+                  </a:xfrm>
+                  <a:prstGeom prst="rect">
+                    <a:avLst/>
+                  </a:prstGeom>
+                  <a:solidFill>
+                    <a:schemeClr val="bg1"/>
+                  </a:solidFill>
+                  <a:ln>
+                    <a:solidFill>
+                      <a:schemeClr val="bg1"/>
+                    </a:solidFill>
+                  </a:ln>
+                </p:spPr>
+                <p:style>
+                  <a:lnRef idx="2">
+                    <a:schemeClr val="accent1">
+                      <a:shade val="50000"/>
+                    </a:schemeClr>
+                  </a:lnRef>
+                  <a:fillRef idx="1">
+                    <a:schemeClr val="accent1"/>
+                  </a:fillRef>
+                  <a:effectRef idx="0">
+                    <a:schemeClr val="accent1"/>
+                  </a:effectRef>
+                  <a:fontRef idx="minor">
+                    <a:schemeClr val="lt1"/>
+                  </a:fontRef>
+                </p:style>
+                <p:txBody>
+                  <a:bodyPr rtlCol="0" anchor="ctr"/>
+                  <a:lstStyle/>
+                  <a:p>
+                    <a:pPr algn="ctr"/>
+                    <a:endParaRPr lang="de-DE"/>
+                  </a:p>
+                </p:txBody>
+              </p:sp>
+              <p:sp>
+                <p:nvSpPr>
+                  <p:cNvPr id="24" name="Rechteck 23">
+                    <a:extLst>
+                      <a:ext uri="{FF2B5EF4-FFF2-40B4-BE49-F238E27FC236}">
+                        <a16:creationId xmlns:a16="http://schemas.microsoft.com/office/drawing/2014/main" id="{B3C4BD27-7A60-4794-9619-743DA4B5DE82}"/>
+                      </a:ext>
+                    </a:extLst>
+                  </p:cNvPr>
+                  <p:cNvSpPr/>
+                  <p:nvPr/>
+                </p:nvSpPr>
+                <p:spPr>
+                  <a:xfrm rot="10800000">
+                    <a:off x="3896378" y="2076451"/>
+                    <a:ext cx="142222" cy="357188"/>
+                  </a:xfrm>
+                  <a:prstGeom prst="rect">
+                    <a:avLst/>
+                  </a:prstGeom>
+                  <a:solidFill>
+                    <a:schemeClr val="bg1"/>
+                  </a:solidFill>
+                  <a:ln>
+                    <a:solidFill>
+                      <a:schemeClr val="bg1"/>
+                    </a:solidFill>
+                  </a:ln>
+                </p:spPr>
+                <p:style>
+                  <a:lnRef idx="2">
+                    <a:schemeClr val="accent1">
+                      <a:shade val="50000"/>
+                    </a:schemeClr>
+                  </a:lnRef>
+                  <a:fillRef idx="1">
+                    <a:schemeClr val="accent1"/>
+                  </a:fillRef>
+                  <a:effectRef idx="0">
+                    <a:schemeClr val="accent1"/>
+                  </a:effectRef>
+                  <a:fontRef idx="minor">
+                    <a:schemeClr val="lt1"/>
+                  </a:fontRef>
+                </p:style>
+                <p:txBody>
+                  <a:bodyPr rtlCol="0" anchor="ctr"/>
+                  <a:lstStyle/>
+                  <a:p>
+                    <a:pPr algn="ctr"/>
+                    <a:endParaRPr lang="de-DE"/>
+                  </a:p>
+                </p:txBody>
+              </p:sp>
+            </p:grpSp>
+          </p:grpSp>
+        </p:grpSp>
+        <p:pic>
+          <p:nvPicPr>
+            <p:cNvPr id="9" name="Picture 8" descr="https://lh3.googleusercontent.com/UrY7BAZ-XfXGpfkeWg0zCCeo-7ras4DCoRalC_WXXWTK9q5b0Iw7B0YQMsVxZaNB7DM=w300">
+              <a:extLst>
+                <a:ext uri="{FF2B5EF4-FFF2-40B4-BE49-F238E27FC236}">
+                  <a16:creationId xmlns:a16="http://schemas.microsoft.com/office/drawing/2014/main" id="{B29D4930-EC16-4498-B12F-ACE4DB4A88B8}"/>
+                </a:ext>
+              </a:extLst>
+            </p:cNvPr>
+            <p:cNvPicPr>
+              <a:picLocks noChangeAspect="1" noChangeArrowheads="1"/>
+            </p:cNvPicPr>
+            <p:nvPr/>
+          </p:nvPicPr>
+          <p:blipFill>
+            <a:blip r:embed="rId9">
+              <a:extLst>
+                <a:ext uri="{28A0092B-C50C-407E-A947-70E740481C1C}">
+                  <a14:useLocalDpi xmlns:a14="http://schemas.microsoft.com/office/drawing/2010/main" val="0"/>
+                </a:ext>
+              </a:extLst>
+            </a:blip>
+            <a:srcRect/>
+            <a:stretch>
+              <a:fillRect/>
+            </a:stretch>
+          </p:blipFill>
+          <p:spPr bwMode="auto">
+            <a:xfrm>
+              <a:off x="6851515" y="3589896"/>
+              <a:ext cx="1200919" cy="1200919"/>
+            </a:xfrm>
+            <a:prstGeom prst="rect">
+              <a:avLst/>
+            </a:prstGeom>
+            <a:noFill/>
+            <a:extLst>
+              <a:ext uri="{909E8E84-426E-40DD-AFC4-6F175D3DCCD1}">
+                <a14:hiddenFill xmlns:a14="http://schemas.microsoft.com/office/drawing/2010/main">
+                  <a:solidFill>
+                    <a:srgbClr val="FFFFFF"/>
+                  </a:solidFill>
+                </a14:hiddenFill>
+              </a:ext>
+            </a:extLst>
+          </p:spPr>
+        </p:pic>
+        <p:pic>
+          <p:nvPicPr>
+            <p:cNvPr id="10" name="Picture 12" descr="https://upload.wikimedia.org/wikipedia/commons/thumb/1/18/GitLab_Logo.svg/1200px-GitLab_Logo.svg.png">
+              <a:extLst>
+                <a:ext uri="{FF2B5EF4-FFF2-40B4-BE49-F238E27FC236}">
+                  <a16:creationId xmlns:a16="http://schemas.microsoft.com/office/drawing/2014/main" id="{31B30BF9-1FD7-41D2-8D01-6CB2ED505067}"/>
+                </a:ext>
+              </a:extLst>
+            </p:cNvPr>
+            <p:cNvPicPr>
+              <a:picLocks noChangeAspect="1" noChangeArrowheads="1"/>
+            </p:cNvPicPr>
+            <p:nvPr/>
+          </p:nvPicPr>
+          <p:blipFill>
+            <a:blip r:embed="rId10">
+              <a:extLst>
+                <a:ext uri="{28A0092B-C50C-407E-A947-70E740481C1C}">
+                  <a14:useLocalDpi xmlns:a14="http://schemas.microsoft.com/office/drawing/2010/main" val="0"/>
+                </a:ext>
+              </a:extLst>
+            </a:blip>
+            <a:srcRect/>
+            <a:stretch>
+              <a:fillRect/>
+            </a:stretch>
+          </p:blipFill>
+          <p:spPr bwMode="auto">
+            <a:xfrm>
+              <a:off x="7779368" y="3357607"/>
+              <a:ext cx="1020153" cy="942889"/>
+            </a:xfrm>
+            <a:prstGeom prst="rect">
+              <a:avLst/>
+            </a:prstGeom>
+            <a:noFill/>
+            <a:extLst>
+              <a:ext uri="{909E8E84-426E-40DD-AFC4-6F175D3DCCD1}">
+                <a14:hiddenFill xmlns:a14="http://schemas.microsoft.com/office/drawing/2010/main">
+                  <a:solidFill>
+                    <a:srgbClr val="FFFFFF"/>
+                  </a:solidFill>
+                </a14:hiddenFill>
+              </a:ext>
+            </a:extLst>
+          </p:spPr>
+        </p:pic>
+        <p:pic>
+          <p:nvPicPr>
+            <p:cNvPr id="11" name="Picture 4" descr="https://www.iconexperience.com/_img/g_collection_png/standard/512x512/criminal.png">
+              <a:extLst>
+                <a:ext uri="{FF2B5EF4-FFF2-40B4-BE49-F238E27FC236}">
+                  <a16:creationId xmlns:a16="http://schemas.microsoft.com/office/drawing/2014/main" id="{9572555E-0252-4B80-8B3E-F3AB3BE2EA47}"/>
+                </a:ext>
+              </a:extLst>
+            </p:cNvPr>
+            <p:cNvPicPr>
+              <a:picLocks noChangeAspect="1" noChangeArrowheads="1"/>
+            </p:cNvPicPr>
+            <p:nvPr/>
+          </p:nvPicPr>
+          <p:blipFill>
+            <a:blip r:embed="rId11">
+              <a:extLst>
+                <a:ext uri="{BEBA8EAE-BF5A-486C-A8C5-ECC9F3942E4B}">
+                  <a14:imgProps xmlns:a14="http://schemas.microsoft.com/office/drawing/2010/main">
+                    <a14:imgLayer r:embed="rId12">
+                      <a14:imgEffect>
+                        <a14:backgroundRemoval t="2734" b="96875" l="9961" r="89844">
+                          <a14:foregroundMark x1="41406" y1="59961" x2="27930" y2="96875"/>
+                          <a14:foregroundMark x1="27930" y1="96875" x2="53125" y2="66406"/>
+                          <a14:foregroundMark x1="53125" y1="66406" x2="53125" y2="65820"/>
+                          <a14:foregroundMark x1="37500" y1="12891" x2="65820" y2="14844"/>
+                          <a14:foregroundMark x1="65820" y1="10938" x2="74805" y2="11914"/>
+                          <a14:foregroundMark x1="69922" y1="12891" x2="66797" y2="10938"/>
+                          <a14:foregroundMark x1="40625" y1="4297" x2="67188" y2="9375"/>
+                          <a14:foregroundMark x1="55273" y1="2734" x2="54883" y2="5469"/>
+                        </a14:backgroundRemoval>
+                      </a14:imgEffect>
+                    </a14:imgLayer>
+                  </a14:imgProps>
+                </a:ext>
+                <a:ext uri="{28A0092B-C50C-407E-A947-70E740481C1C}">
+                  <a14:useLocalDpi xmlns:a14="http://schemas.microsoft.com/office/drawing/2010/main" val="0"/>
+                </a:ext>
+              </a:extLst>
+            </a:blip>
+            <a:srcRect/>
+            <a:stretch>
+              <a:fillRect/>
+            </a:stretch>
+          </p:blipFill>
+          <p:spPr bwMode="auto">
+            <a:xfrm>
+              <a:off x="8692339" y="3972580"/>
+              <a:ext cx="1276651" cy="1276651"/>
+            </a:xfrm>
+            <a:prstGeom prst="rect">
+              <a:avLst/>
+            </a:prstGeom>
+            <a:noFill/>
+            <a:extLst>
+              <a:ext uri="{909E8E84-426E-40DD-AFC4-6F175D3DCCD1}">
+                <a14:hiddenFill xmlns:a14="http://schemas.microsoft.com/office/drawing/2010/main">
+                  <a:solidFill>
+                    <a:srgbClr val="FFFFFF"/>
+                  </a:solidFill>
+                </a14:hiddenFill>
+              </a:ext>
+            </a:extLst>
+          </p:spPr>
+        </p:pic>
+        <p:sp>
+          <p:nvSpPr>
+            <p:cNvPr id="12" name="Verbotsymbol 11">
+              <a:extLst>
+                <a:ext uri="{FF2B5EF4-FFF2-40B4-BE49-F238E27FC236}">
+                  <a16:creationId xmlns:a16="http://schemas.microsoft.com/office/drawing/2014/main" id="{019F61D4-FEB5-47CD-A2BD-D90A36773819}"/>
+                </a:ext>
+              </a:extLst>
+            </p:cNvPr>
+            <p:cNvSpPr/>
+            <p:nvPr/>
+          </p:nvSpPr>
+          <p:spPr>
+            <a:xfrm>
+              <a:off x="8623464" y="3937044"/>
+              <a:ext cx="1383229" cy="1361476"/>
+            </a:xfrm>
+            <a:prstGeom prst="noSmoking">
+              <a:avLst>
+                <a:gd name="adj" fmla="val 11866"/>
+              </a:avLst>
+            </a:prstGeom>
+            <a:solidFill>
+              <a:srgbClr val="C00000"/>
+            </a:solidFill>
+            <a:ln>
+              <a:solidFill>
+                <a:srgbClr val="C00000"/>
+              </a:solidFill>
+            </a:ln>
+          </p:spPr>
+          <p:style>
+            <a:lnRef idx="2">
+              <a:schemeClr val="accent1">
+                <a:shade val="50000"/>
+              </a:schemeClr>
+            </a:lnRef>
+            <a:fillRef idx="1">
+              <a:schemeClr val="accent1"/>
+            </a:fillRef>
+            <a:effectRef idx="0">
+              <a:schemeClr val="accent1"/>
+            </a:effectRef>
+            <a:fontRef idx="minor">
+              <a:schemeClr val="lt1"/>
+            </a:fontRef>
+          </p:style>
+          <p:txBody>
+            <a:bodyPr rtlCol="0" anchor="ctr"/>
+            <a:lstStyle/>
+            <a:p>
+              <a:pPr algn="ctr"/>
+              <a:endParaRPr lang="de-DE">
+                <a:solidFill>
+                  <a:schemeClr val="tx1"/>
+                </a:solidFill>
+              </a:endParaRPr>
+            </a:p>
+          </p:txBody>
+        </p:sp>
+        <p:pic>
+          <p:nvPicPr>
+            <p:cNvPr id="13" name="Picture 22" descr="https://upload.wikimedia.org/wikipedia/de/thumb/9/9f/Twitter_bird_logo_2012.svg/1200px-Twitter_bird_logo_2012.svg.png">
+              <a:extLst>
+                <a:ext uri="{FF2B5EF4-FFF2-40B4-BE49-F238E27FC236}">
+                  <a16:creationId xmlns:a16="http://schemas.microsoft.com/office/drawing/2014/main" id="{5909B053-A650-467A-BE78-56A46672E462}"/>
+                </a:ext>
+              </a:extLst>
+            </p:cNvPr>
+            <p:cNvPicPr>
+              <a:picLocks noChangeAspect="1" noChangeArrowheads="1"/>
+            </p:cNvPicPr>
+            <p:nvPr/>
+          </p:nvPicPr>
+          <p:blipFill>
+            <a:blip r:embed="rId13">
+              <a:extLst>
+                <a:ext uri="{28A0092B-C50C-407E-A947-70E740481C1C}">
+                  <a14:useLocalDpi xmlns:a14="http://schemas.microsoft.com/office/drawing/2010/main" val="0"/>
+                </a:ext>
+              </a:extLst>
+            </a:blip>
+            <a:srcRect/>
+            <a:stretch>
+              <a:fillRect/>
+            </a:stretch>
+          </p:blipFill>
+          <p:spPr bwMode="auto">
+            <a:xfrm>
+              <a:off x="7684426" y="4276256"/>
+              <a:ext cx="1145724" cy="931939"/>
+            </a:xfrm>
+            <a:prstGeom prst="rect">
+              <a:avLst/>
+            </a:prstGeom>
+            <a:noFill/>
+            <a:extLst>
+              <a:ext uri="{909E8E84-426E-40DD-AFC4-6F175D3DCCD1}">
+                <a14:hiddenFill xmlns:a14="http://schemas.microsoft.com/office/drawing/2010/main">
+                  <a:solidFill>
+                    <a:srgbClr val="FFFFFF"/>
+                  </a:solidFill>
+                </a14:hiddenFill>
+              </a:ext>
+            </a:extLst>
+          </p:spPr>
+        </p:pic>
+      </p:grpSp>
+    </p:spTree>
+    <p:extLst>
+      <p:ext uri="{BB962C8B-B14F-4D97-AF65-F5344CB8AC3E}">
+        <p14:creationId xmlns:p14="http://schemas.microsoft.com/office/powerpoint/2010/main" val="3251805589"/>
+      </p:ext>
+    </p:extLst>
+  </p:cSld>
+  <p:clrMapOvr>
+    <a:masterClrMapping/>
+  </p:clrMapOvr>
+</p:sld>
+</file>
+
+<file path=ppt/slides/slide38.xml><?xml version="1.0" encoding="utf-8"?>
+<p:sld xmlns:a="http://schemas.openxmlformats.org/drawingml/2006/main" xmlns:r="http://schemas.openxmlformats.org/officeDocument/2006/relationships" xmlns:p="http://schemas.openxmlformats.org/presentationml/2006/main">
+  <p:cSld>
+    <p:spTree>
+      <p:nvGrpSpPr>
+        <p:cNvPr id="1" name=""/>
+        <p:cNvGrpSpPr/>
+        <p:nvPr/>
+      </p:nvGrpSpPr>
+      <p:grpSpPr>
+        <a:xfrm>
+          <a:off x="0" y="0"/>
+          <a:ext cx="0" cy="0"/>
+          <a:chOff x="0" y="0"/>
+          <a:chExt cx="0" cy="0"/>
+        </a:xfrm>
+      </p:grpSpPr>
+      <p:sp>
+        <p:nvSpPr>
+          <p:cNvPr id="2" name="Inhaltsplatzhalter 1">
+            <a:extLst>
+              <a:ext uri="{FF2B5EF4-FFF2-40B4-BE49-F238E27FC236}">
+                <a16:creationId xmlns:a16="http://schemas.microsoft.com/office/drawing/2014/main" id="{2EEE5539-ACA5-4355-A786-90FABF8A6EB2}"/>
+              </a:ext>
+            </a:extLst>
+          </p:cNvPr>
+          <p:cNvSpPr>
+            <a:spLocks noGrp="1"/>
+          </p:cNvSpPr>
+          <p:nvPr>
+            <p:ph idx="1"/>
+          </p:nvPr>
+        </p:nvSpPr>
+        <p:spPr/>
+        <p:txBody>
+          <a:bodyPr/>
+          <a:lstStyle/>
+          <a:p>
+            <a:r>
+              <a:rPr lang="de-DE" dirty="0"/>
+              <a:t>Performance der </a:t>
+            </a:r>
+            <a:r>
+              <a:rPr lang="de-DE" dirty="0" err="1"/>
+              <a:t>Alogrithmen</a:t>
+            </a:r>
+            <a:endParaRPr lang="de-DE" dirty="0"/>
+          </a:p>
+          <a:p>
+            <a:r>
+              <a:rPr lang="de-DE" dirty="0"/>
+              <a:t>Python Beispiel</a:t>
+            </a:r>
+          </a:p>
+          <a:p>
+            <a:endParaRPr lang="de-DE" dirty="0"/>
+          </a:p>
+        </p:txBody>
+      </p:sp>
+      <p:sp>
+        <p:nvSpPr>
+          <p:cNvPr id="3" name="Datumsplatzhalter 2">
+            <a:extLst>
+              <a:ext uri="{FF2B5EF4-FFF2-40B4-BE49-F238E27FC236}">
+                <a16:creationId xmlns:a16="http://schemas.microsoft.com/office/drawing/2014/main" id="{CADECB70-71CB-4B3E-9585-D5363A2253FF}"/>
+              </a:ext>
+            </a:extLst>
+          </p:cNvPr>
+          <p:cNvSpPr>
+            <a:spLocks noGrp="1"/>
+          </p:cNvSpPr>
+          <p:nvPr>
+            <p:ph type="dt" sz="half" idx="10"/>
+          </p:nvPr>
+        </p:nvSpPr>
+        <p:spPr/>
+        <p:txBody>
+          <a:bodyPr/>
+          <a:lstStyle/>
+          <a:p>
+            <a:fld id="{28D50BB7-E2B5-4873-9F23-4433FF9FF057}" type="datetime1">
+              <a:rPr lang="de-DE" smtClean="0"/>
+              <a:t>03.01.2018</a:t>
+            </a:fld>
+            <a:endParaRPr lang="en-US" dirty="0"/>
+          </a:p>
+        </p:txBody>
+      </p:sp>
+      <p:sp>
+        <p:nvSpPr>
+          <p:cNvPr id="4" name="Fußzeilenplatzhalter 3">
+            <a:extLst>
+              <a:ext uri="{FF2B5EF4-FFF2-40B4-BE49-F238E27FC236}">
+                <a16:creationId xmlns:a16="http://schemas.microsoft.com/office/drawing/2014/main" id="{618C2188-4DB8-4A73-9901-7B0DE9373228}"/>
+              </a:ext>
+            </a:extLst>
+          </p:cNvPr>
+          <p:cNvSpPr>
+            <a:spLocks noGrp="1"/>
+          </p:cNvSpPr>
+          <p:nvPr>
+            <p:ph type="ftr" sz="quarter" idx="11"/>
+          </p:nvPr>
+        </p:nvSpPr>
+        <p:spPr/>
+        <p:txBody>
+          <a:bodyPr/>
+          <a:lstStyle/>
+          <a:p>
+            <a:r>
+              <a:rPr lang="en-US"/>
+              <a:t>Johannes Strauß &amp; Lukas Justen</a:t>
+            </a:r>
+            <a:endParaRPr lang="en-US" dirty="0"/>
+          </a:p>
+        </p:txBody>
+      </p:sp>
+      <p:sp>
+        <p:nvSpPr>
+          <p:cNvPr id="5" name="Foliennummernplatzhalter 4">
+            <a:extLst>
+              <a:ext uri="{FF2B5EF4-FFF2-40B4-BE49-F238E27FC236}">
+                <a16:creationId xmlns:a16="http://schemas.microsoft.com/office/drawing/2014/main" id="{F417EFE0-F3DA-4124-9385-34A324D05038}"/>
+              </a:ext>
+            </a:extLst>
+          </p:cNvPr>
+          <p:cNvSpPr>
+            <a:spLocks noGrp="1"/>
+          </p:cNvSpPr>
+          <p:nvPr>
+            <p:ph type="sldNum" sz="quarter" idx="4"/>
+          </p:nvPr>
+        </p:nvSpPr>
+        <p:spPr/>
+        <p:txBody>
+          <a:bodyPr/>
+          <a:lstStyle/>
+          <a:p>
+            <a:fld id="{95B0EFA8-D4E6-438F-A5A4-BE862A6AB6EC}" type="slidenum">
+              <a:rPr lang="en-US" smtClean="0"/>
+              <a:pPr/>
+              <a:t>38</a:t>
+            </a:fld>
+            <a:endParaRPr lang="en-US" dirty="0"/>
+          </a:p>
+        </p:txBody>
+      </p:sp>
+      <p:sp>
+        <p:nvSpPr>
+          <p:cNvPr id="6" name="Titel 5">
+            <a:extLst>
+              <a:ext uri="{FF2B5EF4-FFF2-40B4-BE49-F238E27FC236}">
+                <a16:creationId xmlns:a16="http://schemas.microsoft.com/office/drawing/2014/main" id="{8B7DA413-9C73-44D2-9E92-17144CF30D98}"/>
+              </a:ext>
+            </a:extLst>
+          </p:cNvPr>
+          <p:cNvSpPr>
+            <a:spLocks noGrp="1"/>
+          </p:cNvSpPr>
+          <p:nvPr>
+            <p:ph type="title"/>
+          </p:nvPr>
+        </p:nvSpPr>
+        <p:spPr/>
+        <p:txBody>
+          <a:bodyPr/>
+          <a:lstStyle/>
+          <a:p>
+            <a:r>
+              <a:rPr lang="de-DE" dirty="0"/>
+              <a:t>Fazit – Performance</a:t>
+            </a:r>
+          </a:p>
+        </p:txBody>
+      </p:sp>
+    </p:spTree>
+    <p:extLst>
+      <p:ext uri="{BB962C8B-B14F-4D97-AF65-F5344CB8AC3E}">
+        <p14:creationId xmlns:p14="http://schemas.microsoft.com/office/powerpoint/2010/main" val="3555127844"/>
+      </p:ext>
+    </p:extLst>
+  </p:cSld>
+  <p:clrMapOvr>
+    <a:masterClrMapping/>
+  </p:clrMapOvr>
+</p:sld>
+</file>
+
+<file path=ppt/slides/slide39.xml><?xml version="1.0" encoding="utf-8"?>
+<p:sld xmlns:a="http://schemas.openxmlformats.org/drawingml/2006/main" xmlns:r="http://schemas.openxmlformats.org/officeDocument/2006/relationships" xmlns:p="http://schemas.openxmlformats.org/presentationml/2006/main">
+  <p:cSld>
+    <p:spTree>
+      <p:nvGrpSpPr>
+        <p:cNvPr id="1" name=""/>
+        <p:cNvGrpSpPr/>
+        <p:nvPr/>
+      </p:nvGrpSpPr>
+      <p:grpSpPr>
+        <a:xfrm>
+          <a:off x="0" y="0"/>
+          <a:ext cx="0" cy="0"/>
+          <a:chOff x="0" y="0"/>
+          <a:chExt cx="0" cy="0"/>
+        </a:xfrm>
+      </p:grpSpPr>
+      <p:sp>
+        <p:nvSpPr>
+          <p:cNvPr id="2" name="Inhaltsplatzhalter 1">
+            <a:extLst>
+              <a:ext uri="{FF2B5EF4-FFF2-40B4-BE49-F238E27FC236}">
+                <a16:creationId xmlns:a16="http://schemas.microsoft.com/office/drawing/2014/main" id="{D54632C5-0CD3-4536-AF70-15099E0C9D1D}"/>
+              </a:ext>
+            </a:extLst>
+          </p:cNvPr>
+          <p:cNvSpPr>
+            <a:spLocks noGrp="1"/>
+          </p:cNvSpPr>
+          <p:nvPr>
+            <p:ph idx="1"/>
+          </p:nvPr>
+        </p:nvSpPr>
+        <p:spPr/>
+        <p:txBody>
+          <a:bodyPr/>
+          <a:lstStyle/>
+          <a:p>
+            <a:r>
+              <a:rPr lang="de-DE" dirty="0"/>
+              <a:t>Probleme bei der Anwendung bei 2PAKE/2PASS</a:t>
+            </a:r>
+          </a:p>
+          <a:p>
+            <a:r>
+              <a:rPr lang="de-DE" dirty="0"/>
+              <a:t>Auf was muss man achten?</a:t>
+            </a:r>
+          </a:p>
+        </p:txBody>
+      </p:sp>
+      <p:sp>
+        <p:nvSpPr>
+          <p:cNvPr id="3" name="Datumsplatzhalter 2">
+            <a:extLst>
+              <a:ext uri="{FF2B5EF4-FFF2-40B4-BE49-F238E27FC236}">
+                <a16:creationId xmlns:a16="http://schemas.microsoft.com/office/drawing/2014/main" id="{512ABFDF-E140-4D65-9A78-6A7C948B0F24}"/>
+              </a:ext>
+            </a:extLst>
+          </p:cNvPr>
+          <p:cNvSpPr>
+            <a:spLocks noGrp="1"/>
+          </p:cNvSpPr>
+          <p:nvPr>
+            <p:ph type="dt" sz="half" idx="10"/>
+          </p:nvPr>
+        </p:nvSpPr>
+        <p:spPr/>
+        <p:txBody>
+          <a:bodyPr/>
+          <a:lstStyle/>
+          <a:p>
+            <a:fld id="{28D50BB7-E2B5-4873-9F23-4433FF9FF057}" type="datetime1">
+              <a:rPr lang="de-DE" smtClean="0"/>
+              <a:t>03.01.2018</a:t>
+            </a:fld>
+            <a:endParaRPr lang="en-US" dirty="0"/>
+          </a:p>
+        </p:txBody>
+      </p:sp>
+      <p:sp>
+        <p:nvSpPr>
+          <p:cNvPr id="4" name="Fußzeilenplatzhalter 3">
+            <a:extLst>
+              <a:ext uri="{FF2B5EF4-FFF2-40B4-BE49-F238E27FC236}">
+                <a16:creationId xmlns:a16="http://schemas.microsoft.com/office/drawing/2014/main" id="{5E7FD283-BDFC-48AB-B753-70E0A9F5B09D}"/>
+              </a:ext>
+            </a:extLst>
+          </p:cNvPr>
+          <p:cNvSpPr>
+            <a:spLocks noGrp="1"/>
+          </p:cNvSpPr>
+          <p:nvPr>
+            <p:ph type="ftr" sz="quarter" idx="11"/>
+          </p:nvPr>
+        </p:nvSpPr>
+        <p:spPr/>
+        <p:txBody>
+          <a:bodyPr/>
+          <a:lstStyle/>
+          <a:p>
+            <a:r>
+              <a:rPr lang="en-US"/>
+              <a:t>Johannes Strauß &amp; Lukas Justen</a:t>
+            </a:r>
+            <a:endParaRPr lang="en-US" dirty="0"/>
+          </a:p>
+        </p:txBody>
+      </p:sp>
+      <p:sp>
+        <p:nvSpPr>
+          <p:cNvPr id="5" name="Foliennummernplatzhalter 4">
+            <a:extLst>
+              <a:ext uri="{FF2B5EF4-FFF2-40B4-BE49-F238E27FC236}">
+                <a16:creationId xmlns:a16="http://schemas.microsoft.com/office/drawing/2014/main" id="{42D14604-14C7-47B9-B412-6DB9628A8DE9}"/>
+              </a:ext>
+            </a:extLst>
+          </p:cNvPr>
+          <p:cNvSpPr>
+            <a:spLocks noGrp="1"/>
+          </p:cNvSpPr>
+          <p:nvPr>
+            <p:ph type="sldNum" sz="quarter" idx="4"/>
+          </p:nvPr>
+        </p:nvSpPr>
+        <p:spPr/>
+        <p:txBody>
+          <a:bodyPr/>
+          <a:lstStyle/>
+          <a:p>
+            <a:fld id="{95B0EFA8-D4E6-438F-A5A4-BE862A6AB6EC}" type="slidenum">
+              <a:rPr lang="en-US" smtClean="0"/>
+              <a:pPr/>
+              <a:t>39</a:t>
+            </a:fld>
+            <a:endParaRPr lang="en-US" dirty="0"/>
+          </a:p>
+        </p:txBody>
+      </p:sp>
+      <p:sp>
+        <p:nvSpPr>
+          <p:cNvPr id="6" name="Titel 5">
+            <a:extLst>
+              <a:ext uri="{FF2B5EF4-FFF2-40B4-BE49-F238E27FC236}">
+                <a16:creationId xmlns:a16="http://schemas.microsoft.com/office/drawing/2014/main" id="{F330BCF8-183A-44CF-8816-7249A43E841F}"/>
+              </a:ext>
+            </a:extLst>
+          </p:cNvPr>
+          <p:cNvSpPr>
+            <a:spLocks noGrp="1"/>
+          </p:cNvSpPr>
+          <p:nvPr>
+            <p:ph type="title"/>
+          </p:nvPr>
+        </p:nvSpPr>
+        <p:spPr/>
+        <p:txBody>
+          <a:bodyPr/>
+          <a:lstStyle/>
+          <a:p>
+            <a:r>
+              <a:rPr lang="de-DE" dirty="0"/>
+              <a:t>Fazit – Anwendung 2PAKE/2PASS</a:t>
+            </a:r>
+          </a:p>
+        </p:txBody>
+      </p:sp>
+    </p:spTree>
+    <p:extLst>
+      <p:ext uri="{BB962C8B-B14F-4D97-AF65-F5344CB8AC3E}">
+        <p14:creationId xmlns:p14="http://schemas.microsoft.com/office/powerpoint/2010/main" val="990528611"/>
       </p:ext>
     </p:extLst>
   </p:cSld>
@@ -36976,7 +39496,7 @@
           <a:p>
             <a:fld id="{28D50BB7-E2B5-4873-9F23-4433FF9FF057}" type="datetime1">
               <a:rPr lang="de-DE" smtClean="0"/>
-              <a:t>01.01.2018</a:t>
+              <a:t>03.01.2018</a:t>
             </a:fld>
             <a:endParaRPr lang="en-US" dirty="0"/>
           </a:p>
@@ -37667,6 +40187,1249 @@
 </p:sld>
 </file>
 
+<file path=ppt/slides/slide40.xml><?xml version="1.0" encoding="utf-8"?>
+<p:sld xmlns:a="http://schemas.openxmlformats.org/drawingml/2006/main" xmlns:r="http://schemas.openxmlformats.org/officeDocument/2006/relationships" xmlns:p="http://schemas.openxmlformats.org/presentationml/2006/main">
+  <p:cSld>
+    <p:spTree>
+      <p:nvGrpSpPr>
+        <p:cNvPr id="1" name=""/>
+        <p:cNvGrpSpPr/>
+        <p:nvPr/>
+      </p:nvGrpSpPr>
+      <p:grpSpPr>
+        <a:xfrm>
+          <a:off x="0" y="0"/>
+          <a:ext cx="0" cy="0"/>
+          <a:chOff x="0" y="0"/>
+          <a:chExt cx="0" cy="0"/>
+        </a:xfrm>
+      </p:grpSpPr>
+      <p:sp>
+        <p:nvSpPr>
+          <p:cNvPr id="2" name="Inhaltsplatzhalter 1">
+            <a:extLst>
+              <a:ext uri="{FF2B5EF4-FFF2-40B4-BE49-F238E27FC236}">
+                <a16:creationId xmlns:a16="http://schemas.microsoft.com/office/drawing/2014/main" id="{44CE0FAA-2E79-451B-9318-7335A65F9E17}"/>
+              </a:ext>
+            </a:extLst>
+          </p:cNvPr>
+          <p:cNvSpPr>
+            <a:spLocks noGrp="1"/>
+          </p:cNvSpPr>
+          <p:nvPr>
+            <p:ph idx="1"/>
+          </p:nvPr>
+        </p:nvSpPr>
+        <p:spPr/>
+        <p:txBody>
+          <a:bodyPr/>
+          <a:lstStyle/>
+          <a:p>
+            <a:r>
+              <a:rPr lang="de-DE" dirty="0"/>
+              <a:t>Eigenes Fazit zu Paper</a:t>
+            </a:r>
+          </a:p>
+          <a:p>
+            <a:r>
+              <a:rPr lang="de-DE" dirty="0"/>
+              <a:t>Eigenes Fazit zu 2BPR / 2PAKE / 2PASS</a:t>
+            </a:r>
+          </a:p>
+          <a:p>
+            <a:r>
+              <a:rPr lang="de-DE" dirty="0"/>
+              <a:t>Fazit zu </a:t>
+            </a:r>
+            <a:r>
+              <a:rPr lang="de-DE" dirty="0" err="1"/>
+              <a:t>Commitments</a:t>
+            </a:r>
+            <a:r>
+              <a:rPr lang="de-DE" dirty="0"/>
+              <a:t> und Zero Knowledge Proofs</a:t>
+            </a:r>
+          </a:p>
+        </p:txBody>
+      </p:sp>
+      <p:sp>
+        <p:nvSpPr>
+          <p:cNvPr id="3" name="Datumsplatzhalter 2">
+            <a:extLst>
+              <a:ext uri="{FF2B5EF4-FFF2-40B4-BE49-F238E27FC236}">
+                <a16:creationId xmlns:a16="http://schemas.microsoft.com/office/drawing/2014/main" id="{0A45CCCF-DB5C-426C-AC8A-566D43C5051E}"/>
+              </a:ext>
+            </a:extLst>
+          </p:cNvPr>
+          <p:cNvSpPr>
+            <a:spLocks noGrp="1"/>
+          </p:cNvSpPr>
+          <p:nvPr>
+            <p:ph type="dt" sz="half" idx="10"/>
+          </p:nvPr>
+        </p:nvSpPr>
+        <p:spPr/>
+        <p:txBody>
+          <a:bodyPr/>
+          <a:lstStyle/>
+          <a:p>
+            <a:fld id="{28D50BB7-E2B5-4873-9F23-4433FF9FF057}" type="datetime1">
+              <a:rPr lang="de-DE" smtClean="0"/>
+              <a:t>03.01.2018</a:t>
+            </a:fld>
+            <a:endParaRPr lang="en-US" dirty="0"/>
+          </a:p>
+        </p:txBody>
+      </p:sp>
+      <p:sp>
+        <p:nvSpPr>
+          <p:cNvPr id="4" name="Fußzeilenplatzhalter 3">
+            <a:extLst>
+              <a:ext uri="{FF2B5EF4-FFF2-40B4-BE49-F238E27FC236}">
+                <a16:creationId xmlns:a16="http://schemas.microsoft.com/office/drawing/2014/main" id="{F44CC9A6-5B5A-42C1-9A40-DCE5BAD20312}"/>
+              </a:ext>
+            </a:extLst>
+          </p:cNvPr>
+          <p:cNvSpPr>
+            <a:spLocks noGrp="1"/>
+          </p:cNvSpPr>
+          <p:nvPr>
+            <p:ph type="ftr" sz="quarter" idx="11"/>
+          </p:nvPr>
+        </p:nvSpPr>
+        <p:spPr/>
+        <p:txBody>
+          <a:bodyPr/>
+          <a:lstStyle/>
+          <a:p>
+            <a:r>
+              <a:rPr lang="en-US"/>
+              <a:t>Johannes Strauß &amp; Lukas Justen</a:t>
+            </a:r>
+            <a:endParaRPr lang="en-US" dirty="0"/>
+          </a:p>
+        </p:txBody>
+      </p:sp>
+      <p:sp>
+        <p:nvSpPr>
+          <p:cNvPr id="5" name="Foliennummernplatzhalter 4">
+            <a:extLst>
+              <a:ext uri="{FF2B5EF4-FFF2-40B4-BE49-F238E27FC236}">
+                <a16:creationId xmlns:a16="http://schemas.microsoft.com/office/drawing/2014/main" id="{5454F74E-3352-4230-9E5A-92226E69B132}"/>
+              </a:ext>
+            </a:extLst>
+          </p:cNvPr>
+          <p:cNvSpPr>
+            <a:spLocks noGrp="1"/>
+          </p:cNvSpPr>
+          <p:nvPr>
+            <p:ph type="sldNum" sz="quarter" idx="4"/>
+          </p:nvPr>
+        </p:nvSpPr>
+        <p:spPr/>
+        <p:txBody>
+          <a:bodyPr/>
+          <a:lstStyle/>
+          <a:p>
+            <a:fld id="{95B0EFA8-D4E6-438F-A5A4-BE862A6AB6EC}" type="slidenum">
+              <a:rPr lang="en-US" smtClean="0"/>
+              <a:pPr/>
+              <a:t>40</a:t>
+            </a:fld>
+            <a:endParaRPr lang="en-US" dirty="0"/>
+          </a:p>
+        </p:txBody>
+      </p:sp>
+      <p:sp>
+        <p:nvSpPr>
+          <p:cNvPr id="6" name="Titel 5">
+            <a:extLst>
+              <a:ext uri="{FF2B5EF4-FFF2-40B4-BE49-F238E27FC236}">
+                <a16:creationId xmlns:a16="http://schemas.microsoft.com/office/drawing/2014/main" id="{9822305A-319A-4700-83D2-740596F26BE4}"/>
+              </a:ext>
+            </a:extLst>
+          </p:cNvPr>
+          <p:cNvSpPr>
+            <a:spLocks noGrp="1"/>
+          </p:cNvSpPr>
+          <p:nvPr>
+            <p:ph type="title"/>
+          </p:nvPr>
+        </p:nvSpPr>
+        <p:spPr/>
+        <p:txBody>
+          <a:bodyPr/>
+          <a:lstStyle/>
+          <a:p>
+            <a:r>
+              <a:rPr lang="de-DE" dirty="0"/>
+              <a:t>Fazit</a:t>
+            </a:r>
+          </a:p>
+        </p:txBody>
+      </p:sp>
+    </p:spTree>
+    <p:extLst>
+      <p:ext uri="{BB962C8B-B14F-4D97-AF65-F5344CB8AC3E}">
+        <p14:creationId xmlns:p14="http://schemas.microsoft.com/office/powerpoint/2010/main" val="714526421"/>
+      </p:ext>
+    </p:extLst>
+  </p:cSld>
+  <p:clrMapOvr>
+    <a:masterClrMapping/>
+  </p:clrMapOvr>
+</p:sld>
+</file>
+
+<file path=ppt/slides/slide41.xml><?xml version="1.0" encoding="utf-8"?>
+<p:sld xmlns:a="http://schemas.openxmlformats.org/drawingml/2006/main" xmlns:r="http://schemas.openxmlformats.org/officeDocument/2006/relationships" xmlns:p="http://schemas.openxmlformats.org/presentationml/2006/main">
+  <p:cSld>
+    <p:spTree>
+      <p:nvGrpSpPr>
+        <p:cNvPr id="1" name=""/>
+        <p:cNvGrpSpPr/>
+        <p:nvPr/>
+      </p:nvGrpSpPr>
+      <p:grpSpPr>
+        <a:xfrm>
+          <a:off x="0" y="0"/>
+          <a:ext cx="0" cy="0"/>
+          <a:chOff x="0" y="0"/>
+          <a:chExt cx="0" cy="0"/>
+        </a:xfrm>
+      </p:grpSpPr>
+      <p:sp>
+        <p:nvSpPr>
+          <p:cNvPr id="2" name="Inhaltsplatzhalter 1">
+            <a:extLst>
+              <a:ext uri="{FF2B5EF4-FFF2-40B4-BE49-F238E27FC236}">
+                <a16:creationId xmlns:a16="http://schemas.microsoft.com/office/drawing/2014/main" id="{B28132D3-63DF-44BA-8996-8B8DD443B206}"/>
+              </a:ext>
+            </a:extLst>
+          </p:cNvPr>
+          <p:cNvSpPr>
+            <a:spLocks noGrp="1"/>
+          </p:cNvSpPr>
+          <p:nvPr>
+            <p:ph idx="1"/>
+          </p:nvPr>
+        </p:nvSpPr>
+        <p:spPr>
+          <a:xfrm>
+            <a:off x="1097280" y="1678317"/>
+            <a:ext cx="10515600" cy="4351338"/>
+          </a:xfrm>
+        </p:spPr>
+        <p:txBody>
+          <a:bodyPr>
+            <a:normAutofit/>
+          </a:bodyPr>
+          <a:lstStyle/>
+          <a:p>
+            <a:pPr>
+              <a:lnSpc>
+                <a:spcPct val="150000"/>
+              </a:lnSpc>
+            </a:pPr>
+            <a:r>
+              <a:rPr lang="de-DE" sz="1200" dirty="0">
+                <a:hlinkClick r:id="rId2"/>
+              </a:rPr>
+              <a:t>http://wfarm2.dataknet.com/static/resources/icons/set112/8cbf6bf1.png</a:t>
+            </a:r>
+            <a:r>
+              <a:rPr lang="de-DE" sz="1200" dirty="0"/>
+              <a:t>					23.11.2017 14:38</a:t>
+            </a:r>
+          </a:p>
+          <a:p>
+            <a:pPr>
+              <a:lnSpc>
+                <a:spcPct val="150000"/>
+              </a:lnSpc>
+            </a:pPr>
+            <a:r>
+              <a:rPr lang="de-DE" sz="1200" dirty="0">
+                <a:hlinkClick r:id="rId3"/>
+              </a:rPr>
+              <a:t>https://www.iconexperience.com</a:t>
+            </a:r>
+            <a:r>
+              <a:rPr lang="de-DE" sz="1200" dirty="0"/>
+              <a:t>								24.11.2017 11:01</a:t>
+            </a:r>
+          </a:p>
+          <a:p>
+            <a:pPr>
+              <a:lnSpc>
+                <a:spcPct val="150000"/>
+              </a:lnSpc>
+            </a:pPr>
+            <a:r>
+              <a:rPr lang="de-DE" sz="1200" dirty="0">
+                <a:hlinkClick r:id="rId4"/>
+              </a:rPr>
+              <a:t>https://upload.wikimedia.org/wikipedia/commons/thumb/4/45/New_Logo_Gmail.svg/1200px-New_Logo_Gmail.svg.png</a:t>
+            </a:r>
+            <a:r>
+              <a:rPr lang="de-DE" sz="1200" dirty="0"/>
+              <a:t>		23.12.2017 13:57</a:t>
+            </a:r>
+          </a:p>
+          <a:p>
+            <a:pPr>
+              <a:lnSpc>
+                <a:spcPct val="150000"/>
+              </a:lnSpc>
+            </a:pPr>
+            <a:r>
+              <a:rPr lang="de-DE" sz="1200" dirty="0">
+                <a:hlinkClick r:id="rId5"/>
+              </a:rPr>
+              <a:t>https://fthmb.tqn.com/jRaoLvoOhFQWEWmMmyiZRcL_NHg=/768x0/filters:no_upscale()/Outlook-icon-57f005363df78c690f62c7af.png</a:t>
+            </a:r>
+            <a:r>
+              <a:rPr lang="de-DE" sz="1200" dirty="0"/>
+              <a:t>	 23.12.2017 13:57</a:t>
+            </a:r>
+          </a:p>
+          <a:p>
+            <a:pPr>
+              <a:lnSpc>
+                <a:spcPct val="150000"/>
+              </a:lnSpc>
+            </a:pPr>
+            <a:r>
+              <a:rPr lang="de-DE" sz="1200" dirty="0">
+                <a:hlinkClick r:id="rId6"/>
+              </a:rPr>
+              <a:t>https://lh3.googleusercontent.com/UrY7BAZ-XfXGpfkeWg0zCCeo-7ras4DCoRalC_WXXWTK9q5b0Iw7B0YQMsVxZaNB7DM=w300</a:t>
+            </a:r>
+            <a:r>
+              <a:rPr lang="de-DE" sz="1200" dirty="0"/>
+              <a:t>		 23.12.2017 13:57</a:t>
+            </a:r>
+          </a:p>
+          <a:p>
+            <a:pPr>
+              <a:lnSpc>
+                <a:spcPct val="150000"/>
+              </a:lnSpc>
+            </a:pPr>
+            <a:r>
+              <a:rPr lang="de-DE" sz="1200" dirty="0">
+                <a:hlinkClick r:id="rId7"/>
+              </a:rPr>
+              <a:t>https://lh3.googleusercontent.com/dSDutSmwU9LMJDCs9PaJI1JjXQthi8IDNRHPviI1NzocGTwuWC-PTAF6QiagTcGF0A=w300</a:t>
+            </a:r>
+            <a:r>
+              <a:rPr lang="de-DE" sz="1200" dirty="0"/>
+              <a:t>		23.12.2017 13:57</a:t>
+            </a:r>
+          </a:p>
+          <a:p>
+            <a:pPr>
+              <a:lnSpc>
+                <a:spcPct val="150000"/>
+              </a:lnSpc>
+            </a:pPr>
+            <a:r>
+              <a:rPr lang="de-DE" sz="1200" dirty="0">
+                <a:hlinkClick r:id="rId8"/>
+              </a:rPr>
+              <a:t>https://upload.wikimedia.org/wikipedia/commons/thumb/1/18/GitLab_Logo.svg/1200px-GitLab_Logo.svg.png</a:t>
+            </a:r>
+            <a:r>
+              <a:rPr lang="de-DE" sz="1200" dirty="0"/>
+              <a:t>			 23.12.2017 13:57</a:t>
+            </a:r>
+          </a:p>
+          <a:p>
+            <a:pPr>
+              <a:lnSpc>
+                <a:spcPct val="150000"/>
+              </a:lnSpc>
+            </a:pPr>
+            <a:r>
+              <a:rPr lang="de-DE" sz="1200" dirty="0">
+                <a:hlinkClick r:id="rId9"/>
+              </a:rPr>
+              <a:t>https://assets-cdn.github.com/images/modules/open_graph/github-mark.png</a:t>
+            </a:r>
+            <a:r>
+              <a:rPr lang="de-DE" sz="1200" dirty="0"/>
+              <a:t>					 23.12.2017 13:57</a:t>
+            </a:r>
+          </a:p>
+          <a:p>
+            <a:pPr>
+              <a:lnSpc>
+                <a:spcPct val="150000"/>
+              </a:lnSpc>
+            </a:pPr>
+            <a:r>
+              <a:rPr lang="de-DE" sz="1200" dirty="0">
+                <a:hlinkClick r:id="rId10"/>
+              </a:rPr>
+              <a:t>https://lh3.googleusercontent.com/z7oKSvTI-2ynS5bHggIctR9GVkS8sGKqpDlfCvgxLo0du7Az00u6XpJ0LLyvzBusW-Jd=w300</a:t>
+            </a:r>
+            <a:r>
+              <a:rPr lang="de-DE" sz="1200" dirty="0"/>
+              <a:t>		23.12.2017 13:57</a:t>
+            </a:r>
+          </a:p>
+          <a:p>
+            <a:pPr>
+              <a:lnSpc>
+                <a:spcPct val="150000"/>
+              </a:lnSpc>
+            </a:pPr>
+            <a:r>
+              <a:rPr lang="de-DE" sz="1200" dirty="0">
+                <a:hlinkClick r:id="rId11"/>
+              </a:rPr>
+              <a:t>https://lh3.googleusercontent.com/Dq-mZ5mmdE6aFPeD61DNlVTwYSI75UwHBYDq_BxBZOMSzCBnQ5OCC4-LjfP42tDlyw=w300</a:t>
+            </a:r>
+            <a:r>
+              <a:rPr lang="de-DE" sz="1200" dirty="0"/>
+              <a:t>		23.12.2017 13:57	</a:t>
+            </a:r>
+          </a:p>
+          <a:p>
+            <a:pPr>
+              <a:lnSpc>
+                <a:spcPct val="150000"/>
+              </a:lnSpc>
+            </a:pPr>
+            <a:endParaRPr lang="de-DE" sz="1200" dirty="0"/>
+          </a:p>
+          <a:p>
+            <a:pPr>
+              <a:lnSpc>
+                <a:spcPct val="150000"/>
+              </a:lnSpc>
+            </a:pPr>
+            <a:endParaRPr lang="de-DE" sz="1100" dirty="0"/>
+          </a:p>
+        </p:txBody>
+      </p:sp>
+      <p:sp>
+        <p:nvSpPr>
+          <p:cNvPr id="3" name="Datumsplatzhalter 2">
+            <a:extLst>
+              <a:ext uri="{FF2B5EF4-FFF2-40B4-BE49-F238E27FC236}">
+                <a16:creationId xmlns:a16="http://schemas.microsoft.com/office/drawing/2014/main" id="{E00271D8-1087-4412-95F9-CCE985E1507C}"/>
+              </a:ext>
+            </a:extLst>
+          </p:cNvPr>
+          <p:cNvSpPr>
+            <a:spLocks noGrp="1"/>
+          </p:cNvSpPr>
+          <p:nvPr>
+            <p:ph type="dt" sz="half" idx="10"/>
+          </p:nvPr>
+        </p:nvSpPr>
+        <p:spPr/>
+        <p:txBody>
+          <a:bodyPr/>
+          <a:lstStyle/>
+          <a:p>
+            <a:fld id="{28D50BB7-E2B5-4873-9F23-4433FF9FF057}" type="datetime1">
+              <a:rPr lang="de-DE" smtClean="0"/>
+              <a:t>03.01.2018</a:t>
+            </a:fld>
+            <a:endParaRPr lang="en-US" dirty="0"/>
+          </a:p>
+        </p:txBody>
+      </p:sp>
+      <p:sp>
+        <p:nvSpPr>
+          <p:cNvPr id="4" name="Fußzeilenplatzhalter 3">
+            <a:extLst>
+              <a:ext uri="{FF2B5EF4-FFF2-40B4-BE49-F238E27FC236}">
+                <a16:creationId xmlns:a16="http://schemas.microsoft.com/office/drawing/2014/main" id="{394F4119-43D1-4069-8695-025E4948FE2F}"/>
+              </a:ext>
+            </a:extLst>
+          </p:cNvPr>
+          <p:cNvSpPr>
+            <a:spLocks noGrp="1"/>
+          </p:cNvSpPr>
+          <p:nvPr>
+            <p:ph type="ftr" sz="quarter" idx="11"/>
+          </p:nvPr>
+        </p:nvSpPr>
+        <p:spPr/>
+        <p:txBody>
+          <a:bodyPr/>
+          <a:lstStyle/>
+          <a:p>
+            <a:r>
+              <a:rPr lang="en-US"/>
+              <a:t>Johannes Strauß &amp; Lukas Justen</a:t>
+            </a:r>
+            <a:endParaRPr lang="en-US" dirty="0"/>
+          </a:p>
+        </p:txBody>
+      </p:sp>
+      <p:sp>
+        <p:nvSpPr>
+          <p:cNvPr id="5" name="Foliennummernplatzhalter 4">
+            <a:extLst>
+              <a:ext uri="{FF2B5EF4-FFF2-40B4-BE49-F238E27FC236}">
+                <a16:creationId xmlns:a16="http://schemas.microsoft.com/office/drawing/2014/main" id="{602974BD-1262-4F31-9724-122AE7CEB5D6}"/>
+              </a:ext>
+            </a:extLst>
+          </p:cNvPr>
+          <p:cNvSpPr>
+            <a:spLocks noGrp="1"/>
+          </p:cNvSpPr>
+          <p:nvPr>
+            <p:ph type="sldNum" sz="quarter" idx="4"/>
+          </p:nvPr>
+        </p:nvSpPr>
+        <p:spPr/>
+        <p:txBody>
+          <a:bodyPr/>
+          <a:lstStyle/>
+          <a:p>
+            <a:fld id="{95B0EFA8-D4E6-438F-A5A4-BE862A6AB6EC}" type="slidenum">
+              <a:rPr lang="en-US" smtClean="0"/>
+              <a:pPr/>
+              <a:t>41</a:t>
+            </a:fld>
+            <a:endParaRPr lang="en-US" dirty="0"/>
+          </a:p>
+        </p:txBody>
+      </p:sp>
+      <p:sp>
+        <p:nvSpPr>
+          <p:cNvPr id="6" name="Titel 5">
+            <a:extLst>
+              <a:ext uri="{FF2B5EF4-FFF2-40B4-BE49-F238E27FC236}">
+                <a16:creationId xmlns:a16="http://schemas.microsoft.com/office/drawing/2014/main" id="{2FFDF973-2E30-48D5-8311-D5D66A8F8808}"/>
+              </a:ext>
+            </a:extLst>
+          </p:cNvPr>
+          <p:cNvSpPr>
+            <a:spLocks noGrp="1"/>
+          </p:cNvSpPr>
+          <p:nvPr>
+            <p:ph type="title"/>
+          </p:nvPr>
+        </p:nvSpPr>
+        <p:spPr>
+          <a:xfrm>
+            <a:off x="1097280" y="-160595"/>
+            <a:ext cx="8961120" cy="1450757"/>
+          </a:xfrm>
+        </p:spPr>
+        <p:txBody>
+          <a:bodyPr/>
+          <a:lstStyle/>
+          <a:p>
+            <a:r>
+              <a:rPr lang="de-DE" dirty="0"/>
+              <a:t>Bildquellen</a:t>
+            </a:r>
+          </a:p>
+        </p:txBody>
+      </p:sp>
+    </p:spTree>
+    <p:extLst>
+      <p:ext uri="{BB962C8B-B14F-4D97-AF65-F5344CB8AC3E}">
+        <p14:creationId xmlns:p14="http://schemas.microsoft.com/office/powerpoint/2010/main" val="4151368094"/>
+      </p:ext>
+    </p:extLst>
+  </p:cSld>
+  <p:clrMapOvr>
+    <a:masterClrMapping/>
+  </p:clrMapOvr>
+</p:sld>
+</file>
+
+<file path=ppt/slides/slide42.xml><?xml version="1.0" encoding="utf-8"?>
+<p:sld xmlns:a="http://schemas.openxmlformats.org/drawingml/2006/main" xmlns:r="http://schemas.openxmlformats.org/officeDocument/2006/relationships" xmlns:p="http://schemas.openxmlformats.org/presentationml/2006/main">
+  <p:cSld>
+    <p:spTree>
+      <p:nvGrpSpPr>
+        <p:cNvPr id="1" name=""/>
+        <p:cNvGrpSpPr/>
+        <p:nvPr/>
+      </p:nvGrpSpPr>
+      <p:grpSpPr>
+        <a:xfrm>
+          <a:off x="0" y="0"/>
+          <a:ext cx="0" cy="0"/>
+          <a:chOff x="0" y="0"/>
+          <a:chExt cx="0" cy="0"/>
+        </a:xfrm>
+      </p:grpSpPr>
+      <p:sp>
+        <p:nvSpPr>
+          <p:cNvPr id="2" name="Inhaltsplatzhalter 1">
+            <a:extLst>
+              <a:ext uri="{FF2B5EF4-FFF2-40B4-BE49-F238E27FC236}">
+                <a16:creationId xmlns:a16="http://schemas.microsoft.com/office/drawing/2014/main" id="{B28132D3-63DF-44BA-8996-8B8DD443B206}"/>
+              </a:ext>
+            </a:extLst>
+          </p:cNvPr>
+          <p:cNvSpPr>
+            <a:spLocks noGrp="1"/>
+          </p:cNvSpPr>
+          <p:nvPr>
+            <p:ph idx="1"/>
+          </p:nvPr>
+        </p:nvSpPr>
+        <p:spPr>
+          <a:xfrm>
+            <a:off x="1097280" y="1678317"/>
+            <a:ext cx="10515600" cy="4742100"/>
+          </a:xfrm>
+        </p:spPr>
+        <p:txBody>
+          <a:bodyPr>
+            <a:normAutofit/>
+          </a:bodyPr>
+          <a:lstStyle/>
+          <a:p>
+            <a:pPr>
+              <a:lnSpc>
+                <a:spcPct val="150000"/>
+              </a:lnSpc>
+            </a:pPr>
+            <a:r>
+              <a:rPr lang="de-DE" sz="1200" dirty="0">
+                <a:hlinkClick r:id="rId2"/>
+              </a:rPr>
+              <a:t>http://www.horizont.net/news/media/2/Web-hat-es-nic-gescha-Unddu-zu-ein-erfolgreic-Por--16438.jpeg</a:t>
+            </a:r>
+            <a:r>
+              <a:rPr lang="de-DE" sz="1200" dirty="0"/>
+              <a:t>  			23.12.2017 14:15</a:t>
+            </a:r>
+          </a:p>
+          <a:p>
+            <a:pPr>
+              <a:lnSpc>
+                <a:spcPct val="150000"/>
+              </a:lnSpc>
+            </a:pPr>
+            <a:r>
+              <a:rPr lang="de-DE" sz="1200" dirty="0">
+                <a:hlinkClick r:id="rId3"/>
+              </a:rPr>
+              <a:t>https://logos-download.com/wp-content/uploads/2016/10/GMX_logo_blue.png</a:t>
+            </a:r>
+            <a:r>
+              <a:rPr lang="de-DE" sz="1200" dirty="0"/>
+              <a:t>  					23.12.2017 14:16</a:t>
+            </a:r>
+          </a:p>
+          <a:p>
+            <a:pPr>
+              <a:lnSpc>
+                <a:spcPct val="150000"/>
+              </a:lnSpc>
+            </a:pPr>
+            <a:r>
+              <a:rPr lang="de-DE" sz="1200" dirty="0">
+                <a:hlinkClick r:id="rId4"/>
+              </a:rPr>
+              <a:t>https://tradingeducationblogs.com/wp-content/uploads/2017/03/snapchat-logo.png</a:t>
+            </a:r>
+            <a:r>
+              <a:rPr lang="de-DE" sz="1200" dirty="0"/>
+              <a:t> 				23.12.2017 16:15</a:t>
+            </a:r>
+          </a:p>
+          <a:p>
+            <a:pPr>
+              <a:lnSpc>
+                <a:spcPct val="150000"/>
+              </a:lnSpc>
+            </a:pPr>
+            <a:r>
+              <a:rPr lang="de-DE" sz="1200" dirty="0">
+                <a:hlinkClick r:id="rId5"/>
+              </a:rPr>
+              <a:t>https://d1x0mwiac2rqwt.cloudfront.net/bab0a0c4b1c3135a24bd0518417b66e3/as/logo_todoist_schema.png</a:t>
+            </a:r>
+            <a:r>
+              <a:rPr lang="de-DE" sz="1200" dirty="0"/>
+              <a:t>			23.12.2017 13:57</a:t>
+            </a:r>
+          </a:p>
+          <a:p>
+            <a:pPr>
+              <a:lnSpc>
+                <a:spcPct val="150000"/>
+              </a:lnSpc>
+            </a:pPr>
+            <a:r>
+              <a:rPr lang="de-DE" sz="1200" dirty="0">
+                <a:hlinkClick r:id="rId6"/>
+              </a:rPr>
+              <a:t>https://upload.wikimedia.org/wikipedia/de/thumb/9/9f/Twitter_bird_logo_2012.svg/1200px-Twitter_bird_logo_2012.svg.png</a:t>
+            </a:r>
+            <a:r>
+              <a:rPr lang="de-DE" sz="1200" dirty="0"/>
+              <a:t>		23.12.2017 13:57</a:t>
+            </a:r>
+          </a:p>
+          <a:p>
+            <a:pPr>
+              <a:lnSpc>
+                <a:spcPct val="150000"/>
+              </a:lnSpc>
+            </a:pPr>
+            <a:r>
+              <a:rPr lang="de-DE" sz="1200" dirty="0">
+                <a:hlinkClick r:id="rId7"/>
+              </a:rPr>
+              <a:t>https://www.facebook.com/images/fb_icon_325x325.png</a:t>
+            </a:r>
+            <a:r>
+              <a:rPr lang="de-DE" sz="1200" dirty="0"/>
+              <a:t> 						23.12.2017 13:57</a:t>
+            </a:r>
+          </a:p>
+          <a:p>
+            <a:pPr>
+              <a:lnSpc>
+                <a:spcPct val="150000"/>
+              </a:lnSpc>
+            </a:pPr>
+            <a:r>
+              <a:rPr lang="de-DE" sz="1200" dirty="0">
+                <a:hlinkClick r:id="rId8"/>
+              </a:rPr>
+              <a:t>https://pixabay.com/p-1581266/?no_redirect</a:t>
+            </a:r>
+            <a:r>
+              <a:rPr lang="de-DE" sz="1200" dirty="0"/>
+              <a:t>							23.12.2017 14:08</a:t>
+            </a:r>
+          </a:p>
+          <a:p>
+            <a:pPr>
+              <a:lnSpc>
+                <a:spcPct val="150000"/>
+              </a:lnSpc>
+            </a:pPr>
+            <a:r>
+              <a:rPr lang="de-DE" sz="1200" dirty="0">
+                <a:hlinkClick r:id="rId9"/>
+              </a:rPr>
+              <a:t>https://upload.wikimedia.org/wikipedia/commons/thumb/8/83/Sparkasse.svg/2000px-Sparkasse.svg.png</a:t>
+            </a:r>
+            <a:r>
+              <a:rPr lang="de-DE" sz="1200" dirty="0"/>
+              <a:t>  			23.12.2017 14:08</a:t>
+            </a:r>
+          </a:p>
+          <a:p>
+            <a:pPr>
+              <a:lnSpc>
+                <a:spcPct val="150000"/>
+              </a:lnSpc>
+            </a:pPr>
+            <a:r>
+              <a:rPr lang="de-DE" sz="1200" dirty="0">
+                <a:hlinkClick r:id="rId10"/>
+              </a:rPr>
+              <a:t>https://upload.wikimedia.org/wikipedia/commons/thumb/a/ab/Volksbank_Logo.svg/1000px-Volksbank_Logo.svg.png</a:t>
+            </a:r>
+            <a:r>
+              <a:rPr lang="de-DE" sz="1200" dirty="0"/>
+              <a:t> 		23.12.2017 14:08 </a:t>
+            </a:r>
+          </a:p>
+          <a:p>
+            <a:pPr>
+              <a:lnSpc>
+                <a:spcPct val="150000"/>
+              </a:lnSpc>
+            </a:pPr>
+            <a:r>
+              <a:rPr lang="de-DE" sz="1200" dirty="0">
+                <a:hlinkClick r:id="rId11"/>
+              </a:rPr>
+              <a:t>http://millionmedia.com/wp-content/uploads/2014/11/deezer-logo-circle.png</a:t>
+            </a:r>
+            <a:r>
+              <a:rPr lang="de-DE" sz="1200" dirty="0"/>
+              <a:t> 					23.12.2017 14:11</a:t>
+            </a:r>
+          </a:p>
+          <a:p>
+            <a:pPr>
+              <a:lnSpc>
+                <a:spcPct val="150000"/>
+              </a:lnSpc>
+            </a:pPr>
+            <a:r>
+              <a:rPr lang="de-DE" sz="1200" dirty="0">
+                <a:hlinkClick r:id="rId12"/>
+              </a:rPr>
+              <a:t>http://logodatabases.com/wp-content/uploads/2012/03/deutsche-bank.jpg</a:t>
+            </a:r>
+            <a:r>
+              <a:rPr lang="de-DE" sz="1200" dirty="0"/>
+              <a:t> 					23.12.2017 14:11</a:t>
+            </a:r>
+          </a:p>
+          <a:p>
+            <a:endParaRPr lang="de-DE" sz="1100" dirty="0"/>
+          </a:p>
+          <a:p>
+            <a:endParaRPr lang="de-DE" sz="1100" dirty="0"/>
+          </a:p>
+        </p:txBody>
+      </p:sp>
+      <p:sp>
+        <p:nvSpPr>
+          <p:cNvPr id="3" name="Datumsplatzhalter 2">
+            <a:extLst>
+              <a:ext uri="{FF2B5EF4-FFF2-40B4-BE49-F238E27FC236}">
+                <a16:creationId xmlns:a16="http://schemas.microsoft.com/office/drawing/2014/main" id="{E00271D8-1087-4412-95F9-CCE985E1507C}"/>
+              </a:ext>
+            </a:extLst>
+          </p:cNvPr>
+          <p:cNvSpPr>
+            <a:spLocks noGrp="1"/>
+          </p:cNvSpPr>
+          <p:nvPr>
+            <p:ph type="dt" sz="half" idx="10"/>
+          </p:nvPr>
+        </p:nvSpPr>
+        <p:spPr/>
+        <p:txBody>
+          <a:bodyPr/>
+          <a:lstStyle/>
+          <a:p>
+            <a:fld id="{28D50BB7-E2B5-4873-9F23-4433FF9FF057}" type="datetime1">
+              <a:rPr lang="de-DE" smtClean="0"/>
+              <a:t>03.01.2018</a:t>
+            </a:fld>
+            <a:endParaRPr lang="en-US" dirty="0"/>
+          </a:p>
+        </p:txBody>
+      </p:sp>
+      <p:sp>
+        <p:nvSpPr>
+          <p:cNvPr id="4" name="Fußzeilenplatzhalter 3">
+            <a:extLst>
+              <a:ext uri="{FF2B5EF4-FFF2-40B4-BE49-F238E27FC236}">
+                <a16:creationId xmlns:a16="http://schemas.microsoft.com/office/drawing/2014/main" id="{394F4119-43D1-4069-8695-025E4948FE2F}"/>
+              </a:ext>
+            </a:extLst>
+          </p:cNvPr>
+          <p:cNvSpPr>
+            <a:spLocks noGrp="1"/>
+          </p:cNvSpPr>
+          <p:nvPr>
+            <p:ph type="ftr" sz="quarter" idx="11"/>
+          </p:nvPr>
+        </p:nvSpPr>
+        <p:spPr/>
+        <p:txBody>
+          <a:bodyPr/>
+          <a:lstStyle/>
+          <a:p>
+            <a:r>
+              <a:rPr lang="en-US"/>
+              <a:t>Johannes Strauß &amp; Lukas Justen</a:t>
+            </a:r>
+            <a:endParaRPr lang="en-US" dirty="0"/>
+          </a:p>
+        </p:txBody>
+      </p:sp>
+      <p:sp>
+        <p:nvSpPr>
+          <p:cNvPr id="5" name="Foliennummernplatzhalter 4">
+            <a:extLst>
+              <a:ext uri="{FF2B5EF4-FFF2-40B4-BE49-F238E27FC236}">
+                <a16:creationId xmlns:a16="http://schemas.microsoft.com/office/drawing/2014/main" id="{602974BD-1262-4F31-9724-122AE7CEB5D6}"/>
+              </a:ext>
+            </a:extLst>
+          </p:cNvPr>
+          <p:cNvSpPr>
+            <a:spLocks noGrp="1"/>
+          </p:cNvSpPr>
+          <p:nvPr>
+            <p:ph type="sldNum" sz="quarter" idx="4"/>
+          </p:nvPr>
+        </p:nvSpPr>
+        <p:spPr/>
+        <p:txBody>
+          <a:bodyPr/>
+          <a:lstStyle/>
+          <a:p>
+            <a:fld id="{95B0EFA8-D4E6-438F-A5A4-BE862A6AB6EC}" type="slidenum">
+              <a:rPr lang="en-US" smtClean="0"/>
+              <a:pPr/>
+              <a:t>42</a:t>
+            </a:fld>
+            <a:endParaRPr lang="en-US" dirty="0"/>
+          </a:p>
+        </p:txBody>
+      </p:sp>
+      <p:sp>
+        <p:nvSpPr>
+          <p:cNvPr id="6" name="Titel 5">
+            <a:extLst>
+              <a:ext uri="{FF2B5EF4-FFF2-40B4-BE49-F238E27FC236}">
+                <a16:creationId xmlns:a16="http://schemas.microsoft.com/office/drawing/2014/main" id="{2FFDF973-2E30-48D5-8311-D5D66A8F8808}"/>
+              </a:ext>
+            </a:extLst>
+          </p:cNvPr>
+          <p:cNvSpPr>
+            <a:spLocks noGrp="1"/>
+          </p:cNvSpPr>
+          <p:nvPr>
+            <p:ph type="title"/>
+          </p:nvPr>
+        </p:nvSpPr>
+        <p:spPr>
+          <a:xfrm>
+            <a:off x="1097280" y="-160595"/>
+            <a:ext cx="8961120" cy="1450757"/>
+          </a:xfrm>
+        </p:spPr>
+        <p:txBody>
+          <a:bodyPr/>
+          <a:lstStyle/>
+          <a:p>
+            <a:r>
+              <a:rPr lang="de-DE" dirty="0"/>
+              <a:t>Bildquellen</a:t>
+            </a:r>
+          </a:p>
+        </p:txBody>
+      </p:sp>
+    </p:spTree>
+    <p:extLst>
+      <p:ext uri="{BB962C8B-B14F-4D97-AF65-F5344CB8AC3E}">
+        <p14:creationId xmlns:p14="http://schemas.microsoft.com/office/powerpoint/2010/main" val="286736332"/>
+      </p:ext>
+    </p:extLst>
+  </p:cSld>
+  <p:clrMapOvr>
+    <a:masterClrMapping/>
+  </p:clrMapOvr>
+</p:sld>
+</file>
+
+<file path=ppt/slides/slide43.xml><?xml version="1.0" encoding="utf-8"?>
+<p:sld xmlns:a="http://schemas.openxmlformats.org/drawingml/2006/main" xmlns:r="http://schemas.openxmlformats.org/officeDocument/2006/relationships" xmlns:p="http://schemas.openxmlformats.org/presentationml/2006/main">
+  <p:cSld>
+    <p:spTree>
+      <p:nvGrpSpPr>
+        <p:cNvPr id="1" name=""/>
+        <p:cNvGrpSpPr/>
+        <p:nvPr/>
+      </p:nvGrpSpPr>
+      <p:grpSpPr>
+        <a:xfrm>
+          <a:off x="0" y="0"/>
+          <a:ext cx="0" cy="0"/>
+          <a:chOff x="0" y="0"/>
+          <a:chExt cx="0" cy="0"/>
+        </a:xfrm>
+      </p:grpSpPr>
+      <p:sp>
+        <p:nvSpPr>
+          <p:cNvPr id="2" name="Inhaltsplatzhalter 1">
+            <a:extLst>
+              <a:ext uri="{FF2B5EF4-FFF2-40B4-BE49-F238E27FC236}">
+                <a16:creationId xmlns:a16="http://schemas.microsoft.com/office/drawing/2014/main" id="{F85863A3-386F-41D1-A3A1-7E6FE5080CE6}"/>
+              </a:ext>
+            </a:extLst>
+          </p:cNvPr>
+          <p:cNvSpPr>
+            <a:spLocks noGrp="1"/>
+          </p:cNvSpPr>
+          <p:nvPr>
+            <p:ph idx="1"/>
+          </p:nvPr>
+        </p:nvSpPr>
+        <p:spPr>
+          <a:xfrm>
+            <a:off x="1097280" y="1678317"/>
+            <a:ext cx="10515600" cy="4351338"/>
+          </a:xfrm>
+        </p:spPr>
+        <p:txBody>
+          <a:bodyPr>
+            <a:normAutofit/>
+          </a:bodyPr>
+          <a:lstStyle/>
+          <a:p>
+            <a:r>
+              <a:rPr lang="de-DE" sz="1200" dirty="0"/>
+              <a:t>[1] 	</a:t>
+            </a:r>
+            <a:r>
+              <a:rPr lang="de-DE" sz="1200" dirty="0">
+                <a:hlinkClick r:id="rId2"/>
+              </a:rPr>
+              <a:t>http://www.itwissen.info/Mehrbenutzersystem-multi-user-system.html</a:t>
+            </a:r>
+            <a:r>
+              <a:rPr lang="de-DE" sz="1200" dirty="0"/>
+              <a:t>			23.12.2017 15:07</a:t>
+            </a:r>
+          </a:p>
+          <a:p>
+            <a:r>
+              <a:rPr lang="de-DE" sz="1200" dirty="0"/>
+              <a:t>[2]	</a:t>
+            </a:r>
+            <a:r>
+              <a:rPr lang="de-DE" sz="1200" dirty="0">
+                <a:hlinkClick r:id="rId3"/>
+              </a:rPr>
+              <a:t>https://arstechnica.com/information-technology/2013/11/</a:t>
+            </a:r>
+            <a:r>
+              <a:rPr lang="de-DE" sz="1200" dirty="0"/>
+              <a:t>				24.11.2017 09:38</a:t>
+            </a:r>
+          </a:p>
+          <a:p>
+            <a:r>
+              <a:rPr lang="de-DE" sz="1200" dirty="0"/>
+              <a:t>[3]	</a:t>
+            </a:r>
+            <a:r>
+              <a:rPr lang="de-DE" sz="1200" dirty="0">
+                <a:hlinkClick r:id="rId4"/>
+              </a:rPr>
+              <a:t>https://techcrunch.com/2009/12/14/rockyou-hack</a:t>
+            </a:r>
+            <a:r>
+              <a:rPr lang="de-DE" sz="1200" dirty="0"/>
+              <a:t>				24.11.2017 09:44</a:t>
+            </a:r>
+          </a:p>
+          <a:p>
+            <a:r>
+              <a:rPr lang="de-DE" sz="1200" dirty="0"/>
+              <a:t>[4] 	</a:t>
+            </a:r>
+            <a:r>
+              <a:rPr lang="de-DE" sz="1200" dirty="0">
+                <a:hlinkClick r:id="rId5"/>
+              </a:rPr>
+              <a:t>https://www.reuters.com/article/us-adobe-cyberattack/</a:t>
+            </a:r>
+            <a:r>
+              <a:rPr lang="de-DE" sz="1200" dirty="0"/>
+              <a:t>				24.11.2017 09:50</a:t>
+            </a:r>
+            <a:endParaRPr lang="de-DE" sz="1200" dirty="0">
+              <a:hlinkClick r:id="rId6"/>
+            </a:endParaRPr>
+          </a:p>
+          <a:p>
+            <a:r>
+              <a:rPr lang="de-DE" sz="1200" dirty="0"/>
+              <a:t>[5] 	</a:t>
+            </a:r>
+            <a:r>
+              <a:rPr lang="de-DE" sz="1200" dirty="0">
+                <a:hlinkClick r:id="rId6"/>
+              </a:rPr>
+              <a:t>https://crackstation.net/hashing-security.htm</a:t>
+            </a:r>
+            <a:r>
+              <a:rPr lang="de-DE" sz="1200" dirty="0"/>
+              <a:t>				24.11.2017 08:17</a:t>
+            </a:r>
+          </a:p>
+          <a:p>
+            <a:r>
+              <a:rPr lang="de-DE" sz="1200" dirty="0"/>
+              <a:t>[6]	</a:t>
+            </a:r>
+            <a:r>
+              <a:rPr lang="de-DE" sz="1200" dirty="0">
+                <a:hlinkClick r:id="rId7"/>
+              </a:rPr>
+              <a:t>https://de.wikipedia.org/wiki/Zero-Knowledge-Beweis</a:t>
+            </a:r>
+            <a:r>
+              <a:rPr lang="de-DE" sz="1200" dirty="0"/>
+              <a:t> 				30.12.2017 19:41</a:t>
+            </a:r>
+          </a:p>
+          <a:p>
+            <a:r>
+              <a:rPr lang="de-DE" sz="1200" dirty="0">
+                <a:hlinkClick r:id="rId8"/>
+              </a:rPr>
+              <a:t>https://en.wikipedia.org/wiki/Password-authenticated_key_agreement</a:t>
+            </a:r>
+            <a:r>
+              <a:rPr lang="de-DE" sz="1200" dirty="0"/>
+              <a:t>			24.11.2017 10:12</a:t>
+            </a:r>
+          </a:p>
+          <a:p>
+            <a:r>
+              <a:rPr lang="de-DE" sz="1200" dirty="0">
+                <a:hlinkClick r:id="rId9"/>
+              </a:rPr>
+              <a:t>http://ieeexplore.ieee.org/document/7450662/</a:t>
+            </a:r>
+            <a:r>
+              <a:rPr lang="de-DE" sz="1200" dirty="0"/>
+              <a:t>					24.11.2017 10:23</a:t>
+            </a:r>
+          </a:p>
+          <a:p>
+            <a:r>
+              <a:rPr lang="de-DE" sz="1200" dirty="0">
+                <a:hlinkClick r:id="rId10"/>
+              </a:rPr>
+              <a:t>https://budickda.gitbooks.io/commitment-schemes/content/chapter3.html</a:t>
+            </a:r>
+            <a:r>
+              <a:rPr lang="de-DE" sz="1200" dirty="0"/>
+              <a:t>			26.12.2017 16:15</a:t>
+            </a:r>
+          </a:p>
+        </p:txBody>
+      </p:sp>
+      <p:sp>
+        <p:nvSpPr>
+          <p:cNvPr id="3" name="Datumsplatzhalter 2">
+            <a:extLst>
+              <a:ext uri="{FF2B5EF4-FFF2-40B4-BE49-F238E27FC236}">
+                <a16:creationId xmlns:a16="http://schemas.microsoft.com/office/drawing/2014/main" id="{80D9F075-C67A-4602-9697-3DD57B63591D}"/>
+              </a:ext>
+            </a:extLst>
+          </p:cNvPr>
+          <p:cNvSpPr>
+            <a:spLocks noGrp="1"/>
+          </p:cNvSpPr>
+          <p:nvPr>
+            <p:ph type="dt" sz="half" idx="10"/>
+          </p:nvPr>
+        </p:nvSpPr>
+        <p:spPr/>
+        <p:txBody>
+          <a:bodyPr/>
+          <a:lstStyle/>
+          <a:p>
+            <a:fld id="{28D50BB7-E2B5-4873-9F23-4433FF9FF057}" type="datetime1">
+              <a:rPr lang="de-DE" smtClean="0"/>
+              <a:t>03.01.2018</a:t>
+            </a:fld>
+            <a:endParaRPr lang="en-US" dirty="0"/>
+          </a:p>
+        </p:txBody>
+      </p:sp>
+      <p:sp>
+        <p:nvSpPr>
+          <p:cNvPr id="4" name="Fußzeilenplatzhalter 3">
+            <a:extLst>
+              <a:ext uri="{FF2B5EF4-FFF2-40B4-BE49-F238E27FC236}">
+                <a16:creationId xmlns:a16="http://schemas.microsoft.com/office/drawing/2014/main" id="{D032F3D5-21D0-41AF-B33E-212E62986300}"/>
+              </a:ext>
+            </a:extLst>
+          </p:cNvPr>
+          <p:cNvSpPr>
+            <a:spLocks noGrp="1"/>
+          </p:cNvSpPr>
+          <p:nvPr>
+            <p:ph type="ftr" sz="quarter" idx="11"/>
+          </p:nvPr>
+        </p:nvSpPr>
+        <p:spPr/>
+        <p:txBody>
+          <a:bodyPr/>
+          <a:lstStyle/>
+          <a:p>
+            <a:r>
+              <a:rPr lang="en-US"/>
+              <a:t>Johannes Strauß &amp; Lukas Justen</a:t>
+            </a:r>
+            <a:endParaRPr lang="en-US" dirty="0"/>
+          </a:p>
+        </p:txBody>
+      </p:sp>
+      <p:sp>
+        <p:nvSpPr>
+          <p:cNvPr id="5" name="Foliennummernplatzhalter 4">
+            <a:extLst>
+              <a:ext uri="{FF2B5EF4-FFF2-40B4-BE49-F238E27FC236}">
+                <a16:creationId xmlns:a16="http://schemas.microsoft.com/office/drawing/2014/main" id="{911EDE83-2BFA-4202-9FB2-42DC32D74B74}"/>
+              </a:ext>
+            </a:extLst>
+          </p:cNvPr>
+          <p:cNvSpPr>
+            <a:spLocks noGrp="1"/>
+          </p:cNvSpPr>
+          <p:nvPr>
+            <p:ph type="sldNum" sz="quarter" idx="4"/>
+          </p:nvPr>
+        </p:nvSpPr>
+        <p:spPr/>
+        <p:txBody>
+          <a:bodyPr/>
+          <a:lstStyle/>
+          <a:p>
+            <a:fld id="{95B0EFA8-D4E6-438F-A5A4-BE862A6AB6EC}" type="slidenum">
+              <a:rPr lang="en-US" smtClean="0"/>
+              <a:pPr/>
+              <a:t>43</a:t>
+            </a:fld>
+            <a:endParaRPr lang="en-US" dirty="0"/>
+          </a:p>
+        </p:txBody>
+      </p:sp>
+      <p:sp>
+        <p:nvSpPr>
+          <p:cNvPr id="6" name="Titel 5">
+            <a:extLst>
+              <a:ext uri="{FF2B5EF4-FFF2-40B4-BE49-F238E27FC236}">
+                <a16:creationId xmlns:a16="http://schemas.microsoft.com/office/drawing/2014/main" id="{CA425E41-36EE-4A8A-AD7C-42DD754CE030}"/>
+              </a:ext>
+            </a:extLst>
+          </p:cNvPr>
+          <p:cNvSpPr>
+            <a:spLocks noGrp="1"/>
+          </p:cNvSpPr>
+          <p:nvPr>
+            <p:ph type="title"/>
+          </p:nvPr>
+        </p:nvSpPr>
+        <p:spPr/>
+        <p:txBody>
+          <a:bodyPr/>
+          <a:lstStyle/>
+          <a:p>
+            <a:r>
+              <a:rPr lang="de-DE" dirty="0"/>
+              <a:t>Internetquellen</a:t>
+            </a:r>
+          </a:p>
+        </p:txBody>
+      </p:sp>
+    </p:spTree>
+    <p:extLst>
+      <p:ext uri="{BB962C8B-B14F-4D97-AF65-F5344CB8AC3E}">
+        <p14:creationId xmlns:p14="http://schemas.microsoft.com/office/powerpoint/2010/main" val="2787133905"/>
+      </p:ext>
+    </p:extLst>
+  </p:cSld>
+  <p:clrMapOvr>
+    <a:masterClrMapping/>
+  </p:clrMapOvr>
+</p:sld>
+</file>
+
 <file path=ppt/slides/slide5.xml><?xml version="1.0" encoding="utf-8"?>
 <p:sld xmlns:a="http://schemas.openxmlformats.org/drawingml/2006/main" xmlns:r="http://schemas.openxmlformats.org/officeDocument/2006/relationships" xmlns:p="http://schemas.openxmlformats.org/presentationml/2006/main">
   <p:cSld>
@@ -37748,7 +41511,7 @@
           <a:p>
             <a:fld id="{28D50BB7-E2B5-4873-9F23-4433FF9FF057}" type="datetime1">
               <a:rPr lang="de-DE" smtClean="0"/>
-              <a:t>01.01.2018</a:t>
+              <a:t>03.01.2018</a:t>
             </a:fld>
             <a:endParaRPr lang="en-US" dirty="0"/>
           </a:p>
@@ -38411,7 +42174,7 @@
           <a:p>
             <a:fld id="{28D50BB7-E2B5-4873-9F23-4433FF9FF057}" type="datetime1">
               <a:rPr lang="de-DE" smtClean="0"/>
-              <a:t>01.01.2018</a:t>
+              <a:t>03.01.2018</a:t>
             </a:fld>
             <a:endParaRPr lang="en-US" dirty="0"/>
           </a:p>
@@ -39411,7 +43174,7 @@
           <a:p>
             <a:fld id="{5538D691-F215-41DA-944D-CC2EEF668359}" type="datetime1">
               <a:rPr lang="de-DE" smtClean="0"/>
-              <a:t>01.01.2018</a:t>
+              <a:t>03.01.2018</a:t>
             </a:fld>
             <a:endParaRPr lang="en-US"/>
           </a:p>
@@ -39657,7 +43420,7 @@
           <a:p>
             <a:fld id="{28D50BB7-E2B5-4873-9F23-4433FF9FF057}" type="datetime1">
               <a:rPr lang="de-DE" smtClean="0"/>
-              <a:t>01.01.2018</a:t>
+              <a:t>03.01.2018</a:t>
             </a:fld>
             <a:endParaRPr lang="en-US" dirty="0"/>
           </a:p>
@@ -40831,7 +44594,7 @@
           <a:p>
             <a:fld id="{28D50BB7-E2B5-4873-9F23-4433FF9FF057}" type="datetime1">
               <a:rPr lang="de-DE" smtClean="0"/>
-              <a:t>01.01.2018</a:t>
+              <a:t>03.01.2018</a:t>
             </a:fld>
             <a:endParaRPr lang="en-US" dirty="0"/>
           </a:p>

--- a/2BPR.pptx
+++ b/2BPR.pptx
@@ -605,7 +605,7 @@
           <a:p>
             <a:fld id="{552EA148-05D6-4D6A-B92E-EDBC39E41ABD}" type="datetimeFigureOut">
               <a:rPr lang="en-US" smtClean="0"/>
-              <a:t>1/3/2018</a:t>
+              <a:t>1/5/2018</a:t>
             </a:fld>
             <a:endParaRPr lang="en-US"/>
           </a:p>
@@ -1068,7 +1068,29 @@
                 <a:ea typeface="+mn-ea"/>
                 <a:cs typeface="+mn-cs"/>
               </a:rPr>
-              <a:t>    - Grob: Paper gibt Lösung für den Registrierungsprozess in Multiusersystemen über 2 Server absichern</a:t>
+              <a:t>    - Grob: Paper gibt Lösung für das Sicherstellen von Password </a:t>
+            </a:r>
+            <a:r>
+              <a:rPr lang="de-DE" sz="1200" b="0" i="0" u="none" strike="noStrike" kern="1200" baseline="0" dirty="0" err="1">
+                <a:solidFill>
+                  <a:schemeClr val="tx1"/>
+                </a:solidFill>
+                <a:latin typeface="+mn-lt"/>
+                <a:ea typeface="+mn-ea"/>
+                <a:cs typeface="+mn-cs"/>
+              </a:rPr>
+              <a:t>Policies</a:t>
+            </a:r>
+            <a:r>
+              <a:rPr lang="de-DE" sz="1200" b="0" i="0" u="none" strike="noStrike" kern="1200" baseline="0" dirty="0">
+                <a:solidFill>
+                  <a:schemeClr val="tx1"/>
+                </a:solidFill>
+                <a:latin typeface="+mn-lt"/>
+                <a:ea typeface="+mn-ea"/>
+                <a:cs typeface="+mn-cs"/>
+              </a:rPr>
+              <a:t> beim Registrierungsprozess in Multiusersystemen mit 2 Server Authentisieren absichern</a:t>
             </a:r>
           </a:p>
           <a:p>
@@ -1096,7 +1118,7 @@
           <a:p>
             <a:r>
               <a:rPr lang="de-DE" dirty="0"/>
-              <a:t>    - Fragen aufschreiben + Folie</a:t>
+              <a:t>    - Fragen aufschreiben + Folie, Frage ans Publikum (zum Wachrütteln) Unterschied zwischen Authentication und Autorisation</a:t>
             </a:r>
           </a:p>
         </p:txBody>
@@ -1312,15 +1334,7 @@
             </a:pPr>
             <a:r>
               <a:rPr lang="de-DE" b="0" u="none" dirty="0"/>
-              <a:t>Es muss scheinbar eine </a:t>
-            </a:r>
-            <a:r>
-              <a:rPr lang="de-DE" b="0" u="none" dirty="0" err="1"/>
-              <a:t>schwachstelle</a:t>
-            </a:r>
-            <a:r>
-              <a:rPr lang="de-DE" b="0" u="none" dirty="0"/>
-              <a:t> geben?!</a:t>
+              <a:t>Es muss scheinbar eine Schwachstelle geben?!</a:t>
             </a:r>
           </a:p>
           <a:p>
@@ -2228,15 +2242,7 @@
           <a:p>
             <a:r>
               <a:rPr lang="de-DE" dirty="0"/>
-              <a:t>    2. Zero Knowledge </a:t>
-            </a:r>
-            <a:r>
-              <a:rPr lang="de-DE" dirty="0" err="1"/>
-              <a:t>Prood</a:t>
-            </a:r>
-            <a:r>
-              <a:rPr lang="de-DE" dirty="0"/>
-              <a:t>? Wofür wird er benötigt?</a:t>
+              <a:t>    2. Zero Knowledge Proof? Wofür wird er benötigt?</a:t>
             </a:r>
           </a:p>
           <a:p>
@@ -3514,66 +3520,6 @@
           <a:bodyPr/>
           <a:lstStyle/>
           <a:p>
-            <a:r>
-              <a:rPr lang="de-DE" b="1" u="sng" dirty="0"/>
-              <a:t>Motivation:</a:t>
-            </a:r>
-          </a:p>
-          <a:p>
-            <a:r>
-              <a:rPr lang="de-DE" dirty="0"/>
-              <a:t>    Was will uns das Paper im Rahmen von 2PAKE und 2PASS sagen?</a:t>
-            </a:r>
-          </a:p>
-          <a:p>
-            <a:r>
-              <a:rPr lang="de-DE" dirty="0"/>
-              <a:t>    Was ist das Ziel des Papers?</a:t>
-            </a:r>
-          </a:p>
-          <a:p>
-            <a:r>
-              <a:rPr lang="de-DE" dirty="0"/>
-              <a:t>    Welche Rahmenbedingungen gibt es?</a:t>
-            </a:r>
-          </a:p>
-          <a:p>
-            <a:r>
-              <a:rPr lang="de-DE" b="1" u="sng" dirty="0" err="1"/>
-              <a:t>Begiffe</a:t>
-            </a:r>
-            <a:r>
-              <a:rPr lang="de-DE" b="1" u="sng" dirty="0"/>
-              <a:t>:</a:t>
-            </a:r>
-          </a:p>
-          <a:p>
-            <a:r>
-              <a:rPr lang="de-DE" dirty="0"/>
-              <a:t>    Grundlagen für 2BPR</a:t>
-            </a:r>
-          </a:p>
-          <a:p>
-            <a:r>
-              <a:rPr lang="de-DE" dirty="0"/>
-              <a:t>    Was sind </a:t>
-            </a:r>
-            <a:r>
-              <a:rPr lang="de-DE" dirty="0" err="1"/>
-              <a:t>Commitments</a:t>
-            </a:r>
-            <a:r>
-              <a:rPr lang="de-DE" dirty="0"/>
-              <a:t>?</a:t>
-            </a:r>
-          </a:p>
-          <a:p>
-            <a:r>
-              <a:rPr lang="de-DE" dirty="0"/>
-              <a:t>    Was ist ein Beispiel für deren Gebrauch?</a:t>
-            </a:r>
-          </a:p>
-          <a:p>
             <a:endParaRPr lang="de-DE" dirty="0"/>
           </a:p>
         </p:txBody>
@@ -3595,7 +3541,7 @@
           <a:p>
             <a:fld id="{19F2E689-7ADB-4F62-9F21-572B82886E3D}" type="slidenum">
               <a:rPr lang="en-US" smtClean="0"/>
-              <a:t>22</a:t>
+              <a:t>21</a:t>
             </a:fld>
             <a:endParaRPr lang="en-US"/>
           </a:p>
@@ -3604,7 +3550,7 @@
     </p:spTree>
     <p:extLst>
       <p:ext uri="{BB962C8B-B14F-4D97-AF65-F5344CB8AC3E}">
-        <p14:creationId xmlns:p14="http://schemas.microsoft.com/office/powerpoint/2010/main" val="3885640348"/>
+        <p14:creationId xmlns:p14="http://schemas.microsoft.com/office/powerpoint/2010/main" val="901750705"/>
       </p:ext>
     </p:extLst>
   </p:cSld>
@@ -3827,152 +3773,65 @@
           <a:p>
             <a:r>
               <a:rPr lang="de-DE" b="1" u="sng" dirty="0"/>
-              <a:t>Policy Compliance:</a:t>
-            </a:r>
-          </a:p>
-          <a:p>
-            <a:r>
-              <a:rPr lang="de-DE" dirty="0">
-                <a:solidFill>
-                  <a:srgbClr val="FFC000"/>
-                </a:solidFill>
-              </a:rPr>
-              <a:t>    </a:t>
-            </a:r>
-            <a:r>
-              <a:rPr lang="en-US" dirty="0" err="1">
-                <a:solidFill>
-                  <a:srgbClr val="FFC000"/>
-                </a:solidFill>
-              </a:rPr>
-              <a:t>Angreifer</a:t>
-            </a:r>
-            <a:r>
-              <a:rPr lang="en-US" dirty="0">
-                <a:solidFill>
-                  <a:srgbClr val="FFC000"/>
-                </a:solidFill>
-              </a:rPr>
-              <a:t> </a:t>
-            </a:r>
-            <a:r>
-              <a:rPr lang="en-US" dirty="0" err="1">
-                <a:solidFill>
-                  <a:srgbClr val="FFC000"/>
-                </a:solidFill>
-              </a:rPr>
-              <a:t>versucht</a:t>
-            </a:r>
-            <a:r>
-              <a:rPr lang="en-US" dirty="0">
-                <a:solidFill>
-                  <a:srgbClr val="FFC000"/>
-                </a:solidFill>
-              </a:rPr>
-              <a:t> </a:t>
-            </a:r>
-            <a:r>
-              <a:rPr lang="en-US" dirty="0" err="1">
-                <a:solidFill>
-                  <a:srgbClr val="FFC000"/>
-                </a:solidFill>
-              </a:rPr>
-              <a:t>Passwort</a:t>
-            </a:r>
-            <a:r>
-              <a:rPr lang="en-US" dirty="0">
-                <a:solidFill>
-                  <a:srgbClr val="FFC000"/>
-                </a:solidFill>
-              </a:rPr>
-              <a:t> das </a:t>
-            </a:r>
-            <a:r>
-              <a:rPr lang="en-US" dirty="0" err="1">
-                <a:solidFill>
-                  <a:srgbClr val="FFC000"/>
-                </a:solidFill>
-              </a:rPr>
-              <a:t>nicht</a:t>
-            </a:r>
-            <a:r>
-              <a:rPr lang="en-US" dirty="0">
-                <a:solidFill>
-                  <a:srgbClr val="FFC000"/>
-                </a:solidFill>
-              </a:rPr>
-              <a:t> Policy </a:t>
-            </a:r>
-            <a:r>
-              <a:rPr lang="en-US" dirty="0" err="1">
-                <a:solidFill>
-                  <a:srgbClr val="FFC000"/>
-                </a:solidFill>
-              </a:rPr>
-              <a:t>konform</a:t>
-            </a:r>
-            <a:r>
-              <a:rPr lang="en-US" dirty="0">
-                <a:solidFill>
-                  <a:srgbClr val="FFC000"/>
-                </a:solidFill>
-              </a:rPr>
-              <a:t> </a:t>
-            </a:r>
-            <a:r>
-              <a:rPr lang="en-US" dirty="0" err="1">
-                <a:solidFill>
-                  <a:srgbClr val="FFC000"/>
-                </a:solidFill>
-              </a:rPr>
-              <a:t>ist</a:t>
-            </a:r>
-            <a:r>
-              <a:rPr lang="en-US" dirty="0">
-                <a:solidFill>
-                  <a:srgbClr val="FFC000"/>
-                </a:solidFill>
-              </a:rPr>
-              <a:t> </a:t>
-            </a:r>
-            <a:r>
-              <a:rPr lang="en-US" dirty="0" err="1">
-                <a:solidFill>
-                  <a:srgbClr val="FFC000"/>
-                </a:solidFill>
-              </a:rPr>
-              <a:t>zu</a:t>
-            </a:r>
-            <a:r>
-              <a:rPr lang="en-US" dirty="0">
-                <a:solidFill>
-                  <a:srgbClr val="FFC000"/>
-                </a:solidFill>
-              </a:rPr>
-              <a:t> </a:t>
-            </a:r>
-            <a:r>
-              <a:rPr lang="en-US" dirty="0" err="1">
-                <a:solidFill>
-                  <a:srgbClr val="FFC000"/>
-                </a:solidFill>
-              </a:rPr>
-              <a:t>registrieren</a:t>
-            </a:r>
-            <a:endParaRPr lang="en-US" dirty="0">
-              <a:solidFill>
-                <a:srgbClr val="FFC000"/>
-              </a:solidFill>
-            </a:endParaRPr>
+              <a:t>Motivation:</a:t>
+            </a:r>
+          </a:p>
+          <a:p>
+            <a:r>
+              <a:rPr lang="de-DE" dirty="0"/>
+              <a:t>    Was will uns das Paper im Rahmen von 2PAKE und 2PASS sagen?</a:t>
+            </a:r>
+          </a:p>
+          <a:p>
+            <a:r>
+              <a:rPr lang="de-DE" dirty="0"/>
+              <a:t>    Was ist das Ziel des Papers?</a:t>
+            </a:r>
+          </a:p>
+          <a:p>
+            <a:r>
+              <a:rPr lang="de-DE" dirty="0"/>
+              <a:t>    Welche Rahmenbedingungen gibt es?</a:t>
+            </a:r>
+          </a:p>
+          <a:p>
+            <a:r>
+              <a:rPr lang="de-DE" b="1" u="sng" dirty="0" err="1"/>
+              <a:t>Begiffe</a:t>
+            </a:r>
+            <a:r>
+              <a:rPr lang="de-DE" b="1" u="sng" dirty="0"/>
+              <a:t>:</a:t>
+            </a:r>
+          </a:p>
+          <a:p>
+            <a:r>
+              <a:rPr lang="de-DE" dirty="0"/>
+              <a:t>    Grundlagen für 2BPR</a:t>
+            </a:r>
+          </a:p>
+          <a:p>
+            <a:r>
+              <a:rPr lang="de-DE" dirty="0"/>
+              <a:t>    Was sind </a:t>
+            </a:r>
+            <a:r>
+              <a:rPr lang="de-DE" dirty="0" err="1"/>
+              <a:t>Commitments</a:t>
+            </a:r>
+            <a:r>
+              <a:rPr lang="de-DE" dirty="0"/>
+              <a:t>?</a:t>
+            </a:r>
+          </a:p>
+          <a:p>
+            <a:r>
+              <a:rPr lang="de-DE" dirty="0"/>
+              <a:t>    Was ist ein Beispiel für deren Gebrauch?</a:t>
+            </a:r>
           </a:p>
           <a:p>
             <a:endParaRPr lang="de-DE" dirty="0"/>
-          </a:p>
-          <a:p>
-            <a:r>
-              <a:rPr lang="de-DE" dirty="0"/>
-              <a:t>Man kann das ganze auch formal notieren, steht aber auch im Paper</a:t>
-            </a:r>
           </a:p>
         </p:txBody>
       </p:sp>
@@ -3993,6 +3852,237 @@
           <a:p>
             <a:fld id="{19F2E689-7ADB-4F62-9F21-572B82886E3D}" type="slidenum">
               <a:rPr lang="en-US" smtClean="0"/>
+              <a:t>22</a:t>
+            </a:fld>
+            <a:endParaRPr lang="en-US"/>
+          </a:p>
+        </p:txBody>
+      </p:sp>
+    </p:spTree>
+    <p:extLst>
+      <p:ext uri="{BB962C8B-B14F-4D97-AF65-F5344CB8AC3E}">
+        <p14:creationId xmlns:p14="http://schemas.microsoft.com/office/powerpoint/2010/main" val="3885640348"/>
+      </p:ext>
+    </p:extLst>
+  </p:cSld>
+  <p:clrMapOvr>
+    <a:masterClrMapping/>
+  </p:clrMapOvr>
+</p:notes>
+</file>
+
+<file path=ppt/notesSlides/notesSlide21.xml><?xml version="1.0" encoding="utf-8"?>
+<p:notes xmlns:a="http://schemas.openxmlformats.org/drawingml/2006/main" xmlns:r="http://schemas.openxmlformats.org/officeDocument/2006/relationships" xmlns:p="http://schemas.openxmlformats.org/presentationml/2006/main">
+  <p:cSld>
+    <p:spTree>
+      <p:nvGrpSpPr>
+        <p:cNvPr id="1" name=""/>
+        <p:cNvGrpSpPr/>
+        <p:nvPr/>
+      </p:nvGrpSpPr>
+      <p:grpSpPr>
+        <a:xfrm>
+          <a:off x="0" y="0"/>
+          <a:ext cx="0" cy="0"/>
+          <a:chOff x="0" y="0"/>
+          <a:chExt cx="0" cy="0"/>
+        </a:xfrm>
+      </p:grpSpPr>
+      <p:sp>
+        <p:nvSpPr>
+          <p:cNvPr id="2" name="Folienbildplatzhalter 1"/>
+          <p:cNvSpPr>
+            <a:spLocks noGrp="1" noRot="1" noChangeAspect="1"/>
+          </p:cNvSpPr>
+          <p:nvPr>
+            <p:ph type="sldImg"/>
+          </p:nvPr>
+        </p:nvSpPr>
+        <p:spPr/>
+      </p:sp>
+      <p:sp>
+        <p:nvSpPr>
+          <p:cNvPr id="3" name="Notizenplatzhalter 2"/>
+          <p:cNvSpPr>
+            <a:spLocks noGrp="1"/>
+          </p:cNvSpPr>
+          <p:nvPr>
+            <p:ph type="body" idx="1"/>
+          </p:nvPr>
+        </p:nvSpPr>
+        <p:spPr/>
+        <p:txBody>
+          <a:bodyPr/>
+          <a:lstStyle/>
+          <a:p>
+            <a:r>
+              <a:rPr lang="de-DE" b="1" u="sng" dirty="0"/>
+              <a:t>Policy Compliance:</a:t>
+            </a:r>
+          </a:p>
+          <a:p>
+            <a:r>
+              <a:rPr lang="de-DE" dirty="0">
+                <a:solidFill>
+                  <a:srgbClr val="FFC000"/>
+                </a:solidFill>
+              </a:rPr>
+              <a:t>    </a:t>
+            </a:r>
+            <a:r>
+              <a:rPr lang="en-US" dirty="0" err="1">
+                <a:solidFill>
+                  <a:srgbClr val="FFC000"/>
+                </a:solidFill>
+              </a:rPr>
+              <a:t>Angreifer</a:t>
+            </a:r>
+            <a:r>
+              <a:rPr lang="en-US" dirty="0">
+                <a:solidFill>
+                  <a:srgbClr val="FFC000"/>
+                </a:solidFill>
+              </a:rPr>
+              <a:t> </a:t>
+            </a:r>
+            <a:r>
+              <a:rPr lang="en-US" dirty="0" err="1">
+                <a:solidFill>
+                  <a:srgbClr val="FFC000"/>
+                </a:solidFill>
+              </a:rPr>
+              <a:t>versucht</a:t>
+            </a:r>
+            <a:r>
+              <a:rPr lang="en-US" dirty="0">
+                <a:solidFill>
+                  <a:srgbClr val="FFC000"/>
+                </a:solidFill>
+              </a:rPr>
+              <a:t> </a:t>
+            </a:r>
+            <a:r>
+              <a:rPr lang="en-US" dirty="0" err="1">
+                <a:solidFill>
+                  <a:srgbClr val="FFC000"/>
+                </a:solidFill>
+              </a:rPr>
+              <a:t>Passwort</a:t>
+            </a:r>
+            <a:r>
+              <a:rPr lang="en-US" dirty="0">
+                <a:solidFill>
+                  <a:srgbClr val="FFC000"/>
+                </a:solidFill>
+              </a:rPr>
+              <a:t> das </a:t>
+            </a:r>
+            <a:r>
+              <a:rPr lang="en-US" dirty="0" err="1">
+                <a:solidFill>
+                  <a:srgbClr val="FFC000"/>
+                </a:solidFill>
+              </a:rPr>
+              <a:t>nicht</a:t>
+            </a:r>
+            <a:r>
+              <a:rPr lang="en-US" dirty="0">
+                <a:solidFill>
+                  <a:srgbClr val="FFC000"/>
+                </a:solidFill>
+              </a:rPr>
+              <a:t> Policy </a:t>
+            </a:r>
+            <a:r>
+              <a:rPr lang="en-US" dirty="0" err="1">
+                <a:solidFill>
+                  <a:srgbClr val="FFC000"/>
+                </a:solidFill>
+              </a:rPr>
+              <a:t>konform</a:t>
+            </a:r>
+            <a:r>
+              <a:rPr lang="en-US" dirty="0">
+                <a:solidFill>
+                  <a:srgbClr val="FFC000"/>
+                </a:solidFill>
+              </a:rPr>
+              <a:t> </a:t>
+            </a:r>
+            <a:r>
+              <a:rPr lang="en-US" dirty="0" err="1">
+                <a:solidFill>
+                  <a:srgbClr val="FFC000"/>
+                </a:solidFill>
+              </a:rPr>
+              <a:t>ist</a:t>
+            </a:r>
+            <a:r>
+              <a:rPr lang="en-US" dirty="0">
+                <a:solidFill>
+                  <a:srgbClr val="FFC000"/>
+                </a:solidFill>
+              </a:rPr>
+              <a:t> </a:t>
+            </a:r>
+            <a:r>
+              <a:rPr lang="en-US" dirty="0" err="1">
+                <a:solidFill>
+                  <a:srgbClr val="FFC000"/>
+                </a:solidFill>
+              </a:rPr>
+              <a:t>zu</a:t>
+            </a:r>
+            <a:r>
+              <a:rPr lang="en-US" dirty="0">
+                <a:solidFill>
+                  <a:srgbClr val="FFC000"/>
+                </a:solidFill>
+              </a:rPr>
+              <a:t> </a:t>
+            </a:r>
+            <a:r>
+              <a:rPr lang="en-US" dirty="0" err="1">
+                <a:solidFill>
+                  <a:srgbClr val="FFC000"/>
+                </a:solidFill>
+              </a:rPr>
+              <a:t>registrieren</a:t>
+            </a:r>
+            <a:endParaRPr lang="en-US" dirty="0">
+              <a:solidFill>
+                <a:srgbClr val="FFC000"/>
+              </a:solidFill>
+            </a:endParaRPr>
+          </a:p>
+          <a:p>
+            <a:endParaRPr lang="de-DE" dirty="0"/>
+          </a:p>
+          <a:p>
+            <a:r>
+              <a:rPr lang="de-DE" dirty="0"/>
+              <a:t>Man kann das ganze auch formal notieren, steht aber auch im Paper</a:t>
+            </a:r>
+          </a:p>
+        </p:txBody>
+      </p:sp>
+      <p:sp>
+        <p:nvSpPr>
+          <p:cNvPr id="4" name="Foliennummernplatzhalter 3"/>
+          <p:cNvSpPr>
+            <a:spLocks noGrp="1"/>
+          </p:cNvSpPr>
+          <p:nvPr>
+            <p:ph type="sldNum" sz="quarter" idx="10"/>
+          </p:nvPr>
+        </p:nvSpPr>
+        <p:spPr/>
+        <p:txBody>
+          <a:bodyPr/>
+          <a:lstStyle/>
+          <a:p>
+            <a:fld id="{19F2E689-7ADB-4F62-9F21-572B82886E3D}" type="slidenum">
+              <a:rPr lang="en-US" smtClean="0"/>
               <a:t>23</a:t>
             </a:fld>
             <a:endParaRPr lang="en-US"/>
@@ -4012,7 +4102,7 @@
 </p:notes>
 </file>
 
-<file path=ppt/notesSlides/notesSlide21.xml><?xml version="1.0" encoding="utf-8"?>
+<file path=ppt/notesSlides/notesSlide22.xml><?xml version="1.0" encoding="utf-8"?>
 <p:notes xmlns:a="http://schemas.openxmlformats.org/drawingml/2006/main" xmlns:r="http://schemas.openxmlformats.org/officeDocument/2006/relationships" xmlns:p="http://schemas.openxmlformats.org/presentationml/2006/main">
   <p:cSld>
     <p:spTree>
@@ -4168,189 +4258,6 @@
 </p:notes>
 </file>
 
-<file path=ppt/notesSlides/notesSlide22.xml><?xml version="1.0" encoding="utf-8"?>
-<p:notes xmlns:a="http://schemas.openxmlformats.org/drawingml/2006/main" xmlns:r="http://schemas.openxmlformats.org/officeDocument/2006/relationships" xmlns:p="http://schemas.openxmlformats.org/presentationml/2006/main">
-  <p:cSld>
-    <p:spTree>
-      <p:nvGrpSpPr>
-        <p:cNvPr id="1" name=""/>
-        <p:cNvGrpSpPr/>
-        <p:nvPr/>
-      </p:nvGrpSpPr>
-      <p:grpSpPr>
-        <a:xfrm>
-          <a:off x="0" y="0"/>
-          <a:ext cx="0" cy="0"/>
-          <a:chOff x="0" y="0"/>
-          <a:chExt cx="0" cy="0"/>
-        </a:xfrm>
-      </p:grpSpPr>
-      <p:sp>
-        <p:nvSpPr>
-          <p:cNvPr id="2" name="Folienbildplatzhalter 1"/>
-          <p:cNvSpPr>
-            <a:spLocks noGrp="1" noRot="1" noChangeAspect="1"/>
-          </p:cNvSpPr>
-          <p:nvPr>
-            <p:ph type="sldImg"/>
-          </p:nvPr>
-        </p:nvSpPr>
-        <p:spPr/>
-      </p:sp>
-      <p:sp>
-        <p:nvSpPr>
-          <p:cNvPr id="3" name="Notizenplatzhalter 2"/>
-          <p:cNvSpPr>
-            <a:spLocks noGrp="1"/>
-          </p:cNvSpPr>
-          <p:nvPr>
-            <p:ph type="body" idx="1"/>
-          </p:nvPr>
-        </p:nvSpPr>
-        <p:spPr/>
-        <p:txBody>
-          <a:bodyPr/>
-          <a:lstStyle/>
-          <a:p>
-            <a:r>
-              <a:rPr lang="de-DE" b="1" u="sng" dirty="0"/>
-              <a:t>Password Blindness:</a:t>
-            </a:r>
-          </a:p>
-          <a:p>
-            <a:r>
-              <a:rPr lang="en-US" dirty="0"/>
-              <a:t>    Gilt </a:t>
-            </a:r>
-            <a:r>
-              <a:rPr lang="en-US" dirty="0" err="1"/>
-              <a:t>für</a:t>
-            </a:r>
-            <a:r>
-              <a:rPr lang="en-US" dirty="0"/>
-              <a:t> </a:t>
-            </a:r>
-            <a:r>
-              <a:rPr lang="en-US" dirty="0" err="1"/>
-              <a:t>alle</a:t>
-            </a:r>
-            <a:r>
-              <a:rPr lang="en-US" dirty="0"/>
-              <a:t> Policies und </a:t>
-            </a:r>
-            <a:r>
-              <a:rPr lang="en-US" dirty="0" err="1"/>
-              <a:t>alle</a:t>
-            </a:r>
-            <a:r>
-              <a:rPr lang="en-US" dirty="0"/>
-              <a:t> </a:t>
-            </a:r>
-            <a:r>
-              <a:rPr lang="en-US" dirty="0" err="1"/>
-              <a:t>Passwörter</a:t>
-            </a:r>
-            <a:endParaRPr lang="en-US" dirty="0"/>
-          </a:p>
-          <a:p>
-            <a:endParaRPr lang="de-DE" dirty="0"/>
-          </a:p>
-          <a:p>
-            <a:r>
-              <a:rPr lang="de-DE" b="1" u="sng" dirty="0" err="1"/>
-              <a:t>Two</a:t>
-            </a:r>
-            <a:r>
-              <a:rPr lang="de-DE" b="1" u="sng" dirty="0"/>
-              <a:t> Server Blind Password Registration</a:t>
-            </a:r>
-          </a:p>
-          <a:p>
-            <a:r>
-              <a:rPr lang="de-DE" dirty="0"/>
-              <a:t>Die Server akzeptieren das Passwort zur Mutual Password Policy eventuell, wenn …</a:t>
-            </a:r>
-          </a:p>
-          <a:p>
-            <a:r>
-              <a:rPr lang="de-DE" dirty="0"/>
-              <a:t>    1. das Passwort Policy konform ist</a:t>
-            </a:r>
-          </a:p>
-          <a:p>
-            <a:r>
-              <a:rPr lang="de-DE" dirty="0"/>
-              <a:t>    2. s</a:t>
-            </a:r>
-            <a:r>
-              <a:rPr lang="de-DE" baseline="-25000" dirty="0"/>
-              <a:t>1</a:t>
-            </a:r>
-            <a:r>
-              <a:rPr lang="de-DE" baseline="0" dirty="0"/>
-              <a:t> + s</a:t>
-            </a:r>
-            <a:r>
-              <a:rPr lang="de-DE" baseline="-25000" dirty="0"/>
-              <a:t>2</a:t>
-            </a:r>
-            <a:r>
-              <a:rPr lang="de-DE" baseline="0" dirty="0"/>
-              <a:t> = </a:t>
-            </a:r>
-            <a:r>
-              <a:rPr lang="el-GR" baseline="0" dirty="0">
-                <a:latin typeface="Calibri" panose="020F0502020204030204" pitchFamily="34" charset="0"/>
-                <a:cs typeface="Calibri" panose="020F0502020204030204" pitchFamily="34" charset="0"/>
-              </a:rPr>
-              <a:t>π</a:t>
-            </a:r>
-            <a:endParaRPr lang="en-US" i="1" dirty="0">
-              <a:latin typeface="Cambria Math" panose="02040503050406030204" pitchFamily="18" charset="0"/>
-              <a:ea typeface="Cambria Math" panose="02040503050406030204" pitchFamily="18" charset="0"/>
-            </a:endParaRPr>
-          </a:p>
-          <a:p>
-            <a:endParaRPr lang="de-DE" dirty="0"/>
-          </a:p>
-        </p:txBody>
-      </p:sp>
-      <p:sp>
-        <p:nvSpPr>
-          <p:cNvPr id="4" name="Foliennummernplatzhalter 3"/>
-          <p:cNvSpPr>
-            <a:spLocks noGrp="1"/>
-          </p:cNvSpPr>
-          <p:nvPr>
-            <p:ph type="sldNum" sz="quarter" idx="10"/>
-          </p:nvPr>
-        </p:nvSpPr>
-        <p:spPr/>
-        <p:txBody>
-          <a:bodyPr/>
-          <a:lstStyle/>
-          <a:p>
-            <a:fld id="{19F2E689-7ADB-4F62-9F21-572B82886E3D}" type="slidenum">
-              <a:rPr lang="en-US" smtClean="0"/>
-              <a:t>25</a:t>
-            </a:fld>
-            <a:endParaRPr lang="en-US"/>
-          </a:p>
-        </p:txBody>
-      </p:sp>
-    </p:spTree>
-    <p:extLst>
-      <p:ext uri="{BB962C8B-B14F-4D97-AF65-F5344CB8AC3E}">
-        <p14:creationId xmlns:p14="http://schemas.microsoft.com/office/powerpoint/2010/main" val="4077686030"/>
-      </p:ext>
-    </p:extLst>
-  </p:cSld>
-  <p:clrMapOvr>
-    <a:masterClrMapping/>
-  </p:clrMapOvr>
-</p:notes>
-</file>
-
 <file path=ppt/notesSlides/notesSlide23.xml><?xml version="1.0" encoding="utf-8"?>
 <p:notes xmlns:a="http://schemas.openxmlformats.org/drawingml/2006/main" xmlns:r="http://schemas.openxmlformats.org/officeDocument/2006/relationships" xmlns:p="http://schemas.openxmlformats.org/presentationml/2006/main">
   <p:cSld>
@@ -4396,17 +4303,197 @@
           <a:lstStyle/>
           <a:p>
             <a:r>
+              <a:rPr lang="de-DE" b="1" u="sng" dirty="0"/>
+              <a:t>Password Blindness:</a:t>
+            </a:r>
+          </a:p>
+          <a:p>
+            <a:r>
+              <a:rPr lang="en-US" dirty="0"/>
+              <a:t>    Gilt </a:t>
+            </a:r>
+            <a:r>
+              <a:rPr lang="en-US" dirty="0" err="1"/>
+              <a:t>für</a:t>
+            </a:r>
+            <a:r>
+              <a:rPr lang="en-US" dirty="0"/>
+              <a:t> </a:t>
+            </a:r>
+            <a:r>
+              <a:rPr lang="en-US" dirty="0" err="1"/>
+              <a:t>alle</a:t>
+            </a:r>
+            <a:r>
+              <a:rPr lang="en-US" dirty="0"/>
+              <a:t> Policies und </a:t>
+            </a:r>
+            <a:r>
+              <a:rPr lang="en-US" dirty="0" err="1"/>
+              <a:t>alle</a:t>
+            </a:r>
+            <a:r>
+              <a:rPr lang="en-US" dirty="0"/>
+              <a:t> </a:t>
+            </a:r>
+            <a:r>
+              <a:rPr lang="en-US" dirty="0" err="1"/>
+              <a:t>Passwörter</a:t>
+            </a:r>
+            <a:endParaRPr lang="en-US" dirty="0"/>
+          </a:p>
+          <a:p>
+            <a:endParaRPr lang="de-DE" dirty="0"/>
+          </a:p>
+          <a:p>
+            <a:r>
+              <a:rPr lang="de-DE" b="1" u="sng" dirty="0" err="1"/>
+              <a:t>Two</a:t>
+            </a:r>
+            <a:r>
+              <a:rPr lang="de-DE" b="1" u="sng" dirty="0"/>
+              <a:t> Server Blind Password Registration</a:t>
+            </a:r>
+          </a:p>
+          <a:p>
+            <a:r>
               <a:rPr lang="de-DE" dirty="0"/>
-              <a:t>Kommunikation zwischen Servern kann auch über Client laufen</a:t>
-            </a:r>
+              <a:t>Die Server akzeptieren das Passwort zur Mutual Password Policy eventuell, wenn …</a:t>
+            </a:r>
+          </a:p>
+          <a:p>
+            <a:r>
+              <a:rPr lang="de-DE" dirty="0"/>
+              <a:t>    1. das Passwort Policy konform ist</a:t>
+            </a:r>
+          </a:p>
+          <a:p>
+            <a:r>
+              <a:rPr lang="de-DE" dirty="0"/>
+              <a:t>    2. s</a:t>
+            </a:r>
+            <a:r>
+              <a:rPr lang="de-DE" baseline="-25000" dirty="0"/>
+              <a:t>1</a:t>
+            </a:r>
+            <a:r>
+              <a:rPr lang="de-DE" baseline="0" dirty="0"/>
+              <a:t> + s</a:t>
+            </a:r>
+            <a:r>
+              <a:rPr lang="de-DE" baseline="-25000" dirty="0"/>
+              <a:t>2</a:t>
+            </a:r>
+            <a:r>
+              <a:rPr lang="de-DE" baseline="0" dirty="0"/>
+              <a:t> = </a:t>
+            </a:r>
+            <a:r>
+              <a:rPr lang="el-GR" baseline="0" dirty="0">
+                <a:latin typeface="Calibri" panose="020F0502020204030204" pitchFamily="34" charset="0"/>
+                <a:cs typeface="Calibri" panose="020F0502020204030204" pitchFamily="34" charset="0"/>
+              </a:rPr>
+              <a:t>π</a:t>
+            </a:r>
+            <a:endParaRPr lang="en-US" i="1" dirty="0">
+              <a:latin typeface="Cambria Math" panose="02040503050406030204" pitchFamily="18" charset="0"/>
+              <a:ea typeface="Cambria Math" panose="02040503050406030204" pitchFamily="18" charset="0"/>
+            </a:endParaRPr>
           </a:p>
           <a:p>
             <a:endParaRPr lang="de-DE" dirty="0"/>
           </a:p>
+        </p:txBody>
+      </p:sp>
+      <p:sp>
+        <p:nvSpPr>
+          <p:cNvPr id="4" name="Foliennummernplatzhalter 3"/>
+          <p:cNvSpPr>
+            <a:spLocks noGrp="1"/>
+          </p:cNvSpPr>
+          <p:nvPr>
+            <p:ph type="sldNum" sz="quarter" idx="10"/>
+          </p:nvPr>
+        </p:nvSpPr>
+        <p:spPr/>
+        <p:txBody>
+          <a:bodyPr/>
+          <a:lstStyle/>
+          <a:p>
+            <a:fld id="{19F2E689-7ADB-4F62-9F21-572B82886E3D}" type="slidenum">
+              <a:rPr lang="en-US" smtClean="0"/>
+              <a:t>25</a:t>
+            </a:fld>
+            <a:endParaRPr lang="en-US"/>
+          </a:p>
+        </p:txBody>
+      </p:sp>
+    </p:spTree>
+    <p:extLst>
+      <p:ext uri="{BB962C8B-B14F-4D97-AF65-F5344CB8AC3E}">
+        <p14:creationId xmlns:p14="http://schemas.microsoft.com/office/powerpoint/2010/main" val="4077686030"/>
+      </p:ext>
+    </p:extLst>
+  </p:cSld>
+  <p:clrMapOvr>
+    <a:masterClrMapping/>
+  </p:clrMapOvr>
+</p:notes>
+</file>
+
+<file path=ppt/notesSlides/notesSlide24.xml><?xml version="1.0" encoding="utf-8"?>
+<p:notes xmlns:a="http://schemas.openxmlformats.org/drawingml/2006/main" xmlns:r="http://schemas.openxmlformats.org/officeDocument/2006/relationships" xmlns:p="http://schemas.openxmlformats.org/presentationml/2006/main">
+  <p:cSld>
+    <p:spTree>
+      <p:nvGrpSpPr>
+        <p:cNvPr id="1" name=""/>
+        <p:cNvGrpSpPr/>
+        <p:nvPr/>
+      </p:nvGrpSpPr>
+      <p:grpSpPr>
+        <a:xfrm>
+          <a:off x="0" y="0"/>
+          <a:ext cx="0" cy="0"/>
+          <a:chOff x="0" y="0"/>
+          <a:chExt cx="0" cy="0"/>
+        </a:xfrm>
+      </p:grpSpPr>
+      <p:sp>
+        <p:nvSpPr>
+          <p:cNvPr id="2" name="Folienbildplatzhalter 1"/>
+          <p:cNvSpPr>
+            <a:spLocks noGrp="1" noRot="1" noChangeAspect="1"/>
+          </p:cNvSpPr>
+          <p:nvPr>
+            <p:ph type="sldImg"/>
+          </p:nvPr>
+        </p:nvSpPr>
+        <p:spPr/>
+      </p:sp>
+      <p:sp>
+        <p:nvSpPr>
+          <p:cNvPr id="3" name="Notizenplatzhalter 2"/>
+          <p:cNvSpPr>
+            <a:spLocks noGrp="1"/>
+          </p:cNvSpPr>
+          <p:nvPr>
+            <p:ph type="body" idx="1"/>
+          </p:nvPr>
+        </p:nvSpPr>
+        <p:spPr/>
+        <p:txBody>
+          <a:bodyPr/>
+          <a:lstStyle/>
           <a:p>
             <a:r>
               <a:rPr lang="de-DE" dirty="0"/>
-              <a:t>Alle Kanäle sind verschlüsselt und gesichert</a:t>
+              <a:t>Password Blindness: Die Server kennen das Passwort nicht.</a:t>
+            </a:r>
+          </a:p>
+          <a:p>
+            <a:r>
+              <a:rPr lang="de-DE" dirty="0"/>
+              <a:t>Selbst wenn ein Hacker einen Server vollständig kontrolliert, soll er nicht in der Lage sein ein vollständiges Passwort irgendeines Users ermitteln zu können.</a:t>
             </a:r>
           </a:p>
         </p:txBody>
@@ -4507,7 +4594,94 @@
 </p:notes>
 </file>
 
-<file path=ppt/notesSlides/notesSlide24.xml><?xml version="1.0" encoding="utf-8"?>
+<file path=ppt/notesSlides/notesSlide25.xml><?xml version="1.0" encoding="utf-8"?>
+<p:notes xmlns:a="http://schemas.openxmlformats.org/drawingml/2006/main" xmlns:r="http://schemas.openxmlformats.org/officeDocument/2006/relationships" xmlns:p="http://schemas.openxmlformats.org/presentationml/2006/main">
+  <p:cSld>
+    <p:spTree>
+      <p:nvGrpSpPr>
+        <p:cNvPr id="1" name=""/>
+        <p:cNvGrpSpPr/>
+        <p:nvPr/>
+      </p:nvGrpSpPr>
+      <p:grpSpPr>
+        <a:xfrm>
+          <a:off x="0" y="0"/>
+          <a:ext cx="0" cy="0"/>
+          <a:chOff x="0" y="0"/>
+          <a:chExt cx="0" cy="0"/>
+        </a:xfrm>
+      </p:grpSpPr>
+      <p:sp>
+        <p:nvSpPr>
+          <p:cNvPr id="2" name="Folienbildplatzhalter 1"/>
+          <p:cNvSpPr>
+            <a:spLocks noGrp="1" noRot="1" noChangeAspect="1"/>
+          </p:cNvSpPr>
+          <p:nvPr>
+            <p:ph type="sldImg"/>
+          </p:nvPr>
+        </p:nvSpPr>
+        <p:spPr/>
+      </p:sp>
+      <p:sp>
+        <p:nvSpPr>
+          <p:cNvPr id="3" name="Notizenplatzhalter 2"/>
+          <p:cNvSpPr>
+            <a:spLocks noGrp="1"/>
+          </p:cNvSpPr>
+          <p:nvPr>
+            <p:ph type="body" idx="1"/>
+          </p:nvPr>
+        </p:nvSpPr>
+        <p:spPr/>
+        <p:txBody>
+          <a:bodyPr/>
+          <a:lstStyle/>
+          <a:p>
+            <a:r>
+              <a:rPr lang="de-DE" dirty="0"/>
+              <a:t> Davon ausgegangen das der Client die PW Regeln kennt. Share Größen sind zufällig</a:t>
+            </a:r>
+          </a:p>
+        </p:txBody>
+      </p:sp>
+      <p:sp>
+        <p:nvSpPr>
+          <p:cNvPr id="4" name="Foliennummernplatzhalter 3"/>
+          <p:cNvSpPr>
+            <a:spLocks noGrp="1"/>
+          </p:cNvSpPr>
+          <p:nvPr>
+            <p:ph type="sldNum" sz="quarter" idx="10"/>
+          </p:nvPr>
+        </p:nvSpPr>
+        <p:spPr/>
+        <p:txBody>
+          <a:bodyPr/>
+          <a:lstStyle/>
+          <a:p>
+            <a:fld id="{19F2E689-7ADB-4F62-9F21-572B82886E3D}" type="slidenum">
+              <a:rPr lang="en-US" smtClean="0"/>
+              <a:t>28</a:t>
+            </a:fld>
+            <a:endParaRPr lang="en-US"/>
+          </a:p>
+        </p:txBody>
+      </p:sp>
+    </p:spTree>
+    <p:extLst>
+      <p:ext uri="{BB962C8B-B14F-4D97-AF65-F5344CB8AC3E}">
+        <p14:creationId xmlns:p14="http://schemas.microsoft.com/office/powerpoint/2010/main" val="1654509356"/>
+      </p:ext>
+    </p:extLst>
+  </p:cSld>
+  <p:clrMapOvr>
+    <a:masterClrMapping/>
+  </p:clrMapOvr>
+</p:notes>
+</file>
+
+<file path=ppt/notesSlides/notesSlide26.xml><?xml version="1.0" encoding="utf-8"?>
 <p:notes xmlns:a="http://schemas.openxmlformats.org/drawingml/2006/main" xmlns:r="http://schemas.openxmlformats.org/officeDocument/2006/relationships" xmlns:p="http://schemas.openxmlformats.org/presentationml/2006/main">
   <p:cSld>
     <p:spTree>
@@ -4663,7 +4837,7 @@
 </p:notes>
 </file>
 
-<file path=ppt/notesSlides/notesSlide25.xml><?xml version="1.0" encoding="utf-8"?>
+<file path=ppt/notesSlides/notesSlide27.xml><?xml version="1.0" encoding="utf-8"?>
 <p:notes xmlns:a="http://schemas.openxmlformats.org/drawingml/2006/main" xmlns:r="http://schemas.openxmlformats.org/officeDocument/2006/relationships" xmlns:p="http://schemas.openxmlformats.org/presentationml/2006/main">
   <p:cSld>
     <p:spTree>
@@ -4819,7 +4993,7 @@
 </p:notes>
 </file>
 
-<file path=ppt/notesSlides/notesSlide26.xml><?xml version="1.0" encoding="utf-8"?>
+<file path=ppt/notesSlides/notesSlide28.xml><?xml version="1.0" encoding="utf-8"?>
 <p:notes xmlns:a="http://schemas.openxmlformats.org/drawingml/2006/main" xmlns:r="http://schemas.openxmlformats.org/officeDocument/2006/relationships" xmlns:p="http://schemas.openxmlformats.org/presentationml/2006/main">
   <p:cSld>
     <p:spTree>
@@ -4975,7 +5149,7 @@
 </p:notes>
 </file>
 
-<file path=ppt/notesSlides/notesSlide27.xml><?xml version="1.0" encoding="utf-8"?>
+<file path=ppt/notesSlides/notesSlide29.xml><?xml version="1.0" encoding="utf-8"?>
 <p:notes xmlns:a="http://schemas.openxmlformats.org/drawingml/2006/main" xmlns:r="http://schemas.openxmlformats.org/officeDocument/2006/relationships" xmlns:p="http://schemas.openxmlformats.org/presentationml/2006/main">
   <p:cSld>
     <p:spTree>
@@ -5110,150 +5284,6 @@
     <p:extLst>
       <p:ext uri="{BB962C8B-B14F-4D97-AF65-F5344CB8AC3E}">
         <p14:creationId xmlns:p14="http://schemas.microsoft.com/office/powerpoint/2010/main" val="1522528875"/>
-      </p:ext>
-    </p:extLst>
-  </p:cSld>
-  <p:clrMapOvr>
-    <a:masterClrMapping/>
-  </p:clrMapOvr>
-</p:notes>
-</file>
-
-<file path=ppt/notesSlides/notesSlide28.xml><?xml version="1.0" encoding="utf-8"?>
-<p:notes xmlns:a="http://schemas.openxmlformats.org/drawingml/2006/main" xmlns:r="http://schemas.openxmlformats.org/officeDocument/2006/relationships" xmlns:p="http://schemas.openxmlformats.org/presentationml/2006/main">
-  <p:cSld>
-    <p:spTree>
-      <p:nvGrpSpPr>
-        <p:cNvPr id="1" name=""/>
-        <p:cNvGrpSpPr/>
-        <p:nvPr/>
-      </p:nvGrpSpPr>
-      <p:grpSpPr>
-        <a:xfrm>
-          <a:off x="0" y="0"/>
-          <a:ext cx="0" cy="0"/>
-          <a:chOff x="0" y="0"/>
-          <a:chExt cx="0" cy="0"/>
-        </a:xfrm>
-      </p:grpSpPr>
-      <p:sp>
-        <p:nvSpPr>
-          <p:cNvPr id="2" name="Folienbildplatzhalter 1"/>
-          <p:cNvSpPr>
-            <a:spLocks noGrp="1" noRot="1" noChangeAspect="1"/>
-          </p:cNvSpPr>
-          <p:nvPr>
-            <p:ph type="sldImg"/>
-          </p:nvPr>
-        </p:nvSpPr>
-        <p:spPr/>
-      </p:sp>
-      <p:sp>
-        <p:nvSpPr>
-          <p:cNvPr id="3" name="Notizenplatzhalter 2"/>
-          <p:cNvSpPr>
-            <a:spLocks noGrp="1"/>
-          </p:cNvSpPr>
-          <p:nvPr>
-            <p:ph type="body" idx="1"/>
-          </p:nvPr>
-        </p:nvSpPr>
-        <p:spPr/>
-        <p:txBody>
-          <a:bodyPr/>
-          <a:lstStyle/>
-          <a:p>
-            <a:r>
-              <a:rPr lang="de-DE" b="1" u="sng" dirty="0"/>
-              <a:t>Motivation:</a:t>
-            </a:r>
-          </a:p>
-          <a:p>
-            <a:r>
-              <a:rPr lang="de-DE" dirty="0"/>
-              <a:t>    Was will uns das Paper im Rahmen von 2PAKE und 2PASS sagen?</a:t>
-            </a:r>
-          </a:p>
-          <a:p>
-            <a:r>
-              <a:rPr lang="de-DE" dirty="0"/>
-              <a:t>    Was ist das Ziel des Papers?</a:t>
-            </a:r>
-          </a:p>
-          <a:p>
-            <a:r>
-              <a:rPr lang="de-DE" dirty="0"/>
-              <a:t>    Welche Rahmenbedingungen gibt es?</a:t>
-            </a:r>
-          </a:p>
-          <a:p>
-            <a:r>
-              <a:rPr lang="de-DE" b="1" u="sng" dirty="0" err="1"/>
-              <a:t>Begiffe</a:t>
-            </a:r>
-            <a:r>
-              <a:rPr lang="de-DE" b="1" u="sng" dirty="0"/>
-              <a:t>:</a:t>
-            </a:r>
-          </a:p>
-          <a:p>
-            <a:r>
-              <a:rPr lang="de-DE" dirty="0"/>
-              <a:t>    Grundlagen für 2BPR</a:t>
-            </a:r>
-          </a:p>
-          <a:p>
-            <a:r>
-              <a:rPr lang="de-DE" dirty="0"/>
-              <a:t>    Was sind </a:t>
-            </a:r>
-            <a:r>
-              <a:rPr lang="de-DE" dirty="0" err="1"/>
-              <a:t>Commitments</a:t>
-            </a:r>
-            <a:r>
-              <a:rPr lang="de-DE" dirty="0"/>
-              <a:t>?</a:t>
-            </a:r>
-          </a:p>
-          <a:p>
-            <a:r>
-              <a:rPr lang="de-DE" dirty="0"/>
-              <a:t>    Was ist ein Beispiel für deren Gebrauch?</a:t>
-            </a:r>
-          </a:p>
-          <a:p>
-            <a:endParaRPr lang="de-DE" dirty="0"/>
-          </a:p>
-        </p:txBody>
-      </p:sp>
-      <p:sp>
-        <p:nvSpPr>
-          <p:cNvPr id="4" name="Foliennummernplatzhalter 3"/>
-          <p:cNvSpPr>
-            <a:spLocks noGrp="1"/>
-          </p:cNvSpPr>
-          <p:nvPr>
-            <p:ph type="sldNum" sz="quarter" idx="10"/>
-          </p:nvPr>
-        </p:nvSpPr>
-        <p:spPr/>
-        <p:txBody>
-          <a:bodyPr/>
-          <a:lstStyle/>
-          <a:p>
-            <a:fld id="{19F2E689-7ADB-4F62-9F21-572B82886E3D}" type="slidenum">
-              <a:rPr lang="en-US" smtClean="0"/>
-              <a:t>37</a:t>
-            </a:fld>
-            <a:endParaRPr lang="en-US"/>
-          </a:p>
-        </p:txBody>
-      </p:sp>
-    </p:spTree>
-    <p:extLst>
-      <p:ext uri="{BB962C8B-B14F-4D97-AF65-F5344CB8AC3E}">
-        <p14:creationId xmlns:p14="http://schemas.microsoft.com/office/powerpoint/2010/main" val="1154590251"/>
       </p:ext>
     </p:extLst>
   </p:cSld>
@@ -5394,6 +5424,150 @@
     <p:extLst>
       <p:ext uri="{BB962C8B-B14F-4D97-AF65-F5344CB8AC3E}">
         <p14:creationId xmlns:p14="http://schemas.microsoft.com/office/powerpoint/2010/main" val="2008884592"/>
+      </p:ext>
+    </p:extLst>
+  </p:cSld>
+  <p:clrMapOvr>
+    <a:masterClrMapping/>
+  </p:clrMapOvr>
+</p:notes>
+</file>
+
+<file path=ppt/notesSlides/notesSlide30.xml><?xml version="1.0" encoding="utf-8"?>
+<p:notes xmlns:a="http://schemas.openxmlformats.org/drawingml/2006/main" xmlns:r="http://schemas.openxmlformats.org/officeDocument/2006/relationships" xmlns:p="http://schemas.openxmlformats.org/presentationml/2006/main">
+  <p:cSld>
+    <p:spTree>
+      <p:nvGrpSpPr>
+        <p:cNvPr id="1" name=""/>
+        <p:cNvGrpSpPr/>
+        <p:nvPr/>
+      </p:nvGrpSpPr>
+      <p:grpSpPr>
+        <a:xfrm>
+          <a:off x="0" y="0"/>
+          <a:ext cx="0" cy="0"/>
+          <a:chOff x="0" y="0"/>
+          <a:chExt cx="0" cy="0"/>
+        </a:xfrm>
+      </p:grpSpPr>
+      <p:sp>
+        <p:nvSpPr>
+          <p:cNvPr id="2" name="Folienbildplatzhalter 1"/>
+          <p:cNvSpPr>
+            <a:spLocks noGrp="1" noRot="1" noChangeAspect="1"/>
+          </p:cNvSpPr>
+          <p:nvPr>
+            <p:ph type="sldImg"/>
+          </p:nvPr>
+        </p:nvSpPr>
+        <p:spPr/>
+      </p:sp>
+      <p:sp>
+        <p:nvSpPr>
+          <p:cNvPr id="3" name="Notizenplatzhalter 2"/>
+          <p:cNvSpPr>
+            <a:spLocks noGrp="1"/>
+          </p:cNvSpPr>
+          <p:nvPr>
+            <p:ph type="body" idx="1"/>
+          </p:nvPr>
+        </p:nvSpPr>
+        <p:spPr/>
+        <p:txBody>
+          <a:bodyPr/>
+          <a:lstStyle/>
+          <a:p>
+            <a:r>
+              <a:rPr lang="de-DE" b="1" u="sng" dirty="0"/>
+              <a:t>Motivation:</a:t>
+            </a:r>
+          </a:p>
+          <a:p>
+            <a:r>
+              <a:rPr lang="de-DE" dirty="0"/>
+              <a:t>    Was will uns das Paper im Rahmen von 2PAKE und 2PASS sagen?</a:t>
+            </a:r>
+          </a:p>
+          <a:p>
+            <a:r>
+              <a:rPr lang="de-DE" dirty="0"/>
+              <a:t>    Was ist das Ziel des Papers?</a:t>
+            </a:r>
+          </a:p>
+          <a:p>
+            <a:r>
+              <a:rPr lang="de-DE" dirty="0"/>
+              <a:t>    Welche Rahmenbedingungen gibt es?</a:t>
+            </a:r>
+          </a:p>
+          <a:p>
+            <a:r>
+              <a:rPr lang="de-DE" b="1" u="sng" dirty="0" err="1"/>
+              <a:t>Begiffe</a:t>
+            </a:r>
+            <a:r>
+              <a:rPr lang="de-DE" b="1" u="sng" dirty="0"/>
+              <a:t>:</a:t>
+            </a:r>
+          </a:p>
+          <a:p>
+            <a:r>
+              <a:rPr lang="de-DE" dirty="0"/>
+              <a:t>    Grundlagen für 2BPR</a:t>
+            </a:r>
+          </a:p>
+          <a:p>
+            <a:r>
+              <a:rPr lang="de-DE" dirty="0"/>
+              <a:t>    Was sind </a:t>
+            </a:r>
+            <a:r>
+              <a:rPr lang="de-DE" dirty="0" err="1"/>
+              <a:t>Commitments</a:t>
+            </a:r>
+            <a:r>
+              <a:rPr lang="de-DE" dirty="0"/>
+              <a:t>?</a:t>
+            </a:r>
+          </a:p>
+          <a:p>
+            <a:r>
+              <a:rPr lang="de-DE" dirty="0"/>
+              <a:t>    Was ist ein Beispiel für deren Gebrauch?</a:t>
+            </a:r>
+          </a:p>
+          <a:p>
+            <a:endParaRPr lang="de-DE" dirty="0"/>
+          </a:p>
+        </p:txBody>
+      </p:sp>
+      <p:sp>
+        <p:nvSpPr>
+          <p:cNvPr id="4" name="Foliennummernplatzhalter 3"/>
+          <p:cNvSpPr>
+            <a:spLocks noGrp="1"/>
+          </p:cNvSpPr>
+          <p:nvPr>
+            <p:ph type="sldNum" sz="quarter" idx="10"/>
+          </p:nvPr>
+        </p:nvSpPr>
+        <p:spPr/>
+        <p:txBody>
+          <a:bodyPr/>
+          <a:lstStyle/>
+          <a:p>
+            <a:fld id="{19F2E689-7ADB-4F62-9F21-572B82886E3D}" type="slidenum">
+              <a:rPr lang="en-US" smtClean="0"/>
+              <a:t>37</a:t>
+            </a:fld>
+            <a:endParaRPr lang="en-US"/>
+          </a:p>
+        </p:txBody>
+      </p:sp>
+    </p:spTree>
+    <p:extLst>
+      <p:ext uri="{BB962C8B-B14F-4D97-AF65-F5344CB8AC3E}">
+        <p14:creationId xmlns:p14="http://schemas.microsoft.com/office/powerpoint/2010/main" val="1154590251"/>
       </p:ext>
     </p:extLst>
   </p:cSld>
@@ -7745,7 +7919,7 @@
           <a:p>
             <a:fld id="{040B55A3-D050-4512-A2B7-3FAE9AAB8B27}" type="datetime1">
               <a:rPr lang="de-DE" smtClean="0"/>
-              <a:t>03.01.2018</a:t>
+              <a:t>05.01.2018</a:t>
             </a:fld>
             <a:endParaRPr lang="en-US" dirty="0"/>
           </a:p>
@@ -8216,7 +8390,7 @@
           <a:p>
             <a:fld id="{28D50BB7-E2B5-4873-9F23-4433FF9FF057}" type="datetime1">
               <a:rPr lang="de-DE" smtClean="0"/>
-              <a:t>03.01.2018</a:t>
+              <a:t>05.01.2018</a:t>
             </a:fld>
             <a:endParaRPr lang="en-US" dirty="0"/>
           </a:p>
@@ -8541,7 +8715,7 @@
           <a:p>
             <a:fld id="{BDAEB85F-B10B-445E-B56D-626F3D600529}" type="datetime1">
               <a:rPr lang="de-DE" smtClean="0"/>
-              <a:t>03.01.2018</a:t>
+              <a:t>05.01.2018</a:t>
             </a:fld>
             <a:endParaRPr lang="en-US"/>
           </a:p>
@@ -8991,7 +9165,7 @@
           <a:p>
             <a:fld id="{5538D691-F215-41DA-944D-CC2EEF668359}" type="datetime1">
               <a:rPr lang="de-DE" smtClean="0"/>
-              <a:t>03.01.2018</a:t>
+              <a:t>05.01.2018</a:t>
             </a:fld>
             <a:endParaRPr lang="en-US"/>
           </a:p>
@@ -9173,7 +9347,7 @@
           <a:p>
             <a:fld id="{D3387745-CC3C-41E7-B983-4C6D7C62A2B9}" type="datetime1">
               <a:rPr lang="de-DE" smtClean="0"/>
-              <a:t>03.01.2018</a:t>
+              <a:t>05.01.2018</a:t>
             </a:fld>
             <a:endParaRPr lang="en-US"/>
           </a:p>
@@ -9342,7 +9516,7 @@
           <a:p>
             <a:fld id="{2E51F313-B50C-4CC5-AB69-010D209F5784}" type="datetime1">
               <a:rPr lang="de-DE" smtClean="0"/>
-              <a:t>03.01.2018</a:t>
+              <a:t>05.01.2018</a:t>
             </a:fld>
             <a:endParaRPr lang="en-US"/>
           </a:p>
@@ -9824,7 +9998,7 @@
             <a:fld id="{014A7E50-CDC5-4B03-A3F1-913F3732ECE4}" type="datetime1">
               <a:rPr lang="de-DE" smtClean="0"/>
               <a:pPr/>
-              <a:t>03.01.2018</a:t>
+              <a:t>05.01.2018</a:t>
             </a:fld>
             <a:endParaRPr lang="en-US" dirty="0"/>
           </a:p>
@@ -10743,7 +10917,7 @@
           <a:p>
             <a:fld id="{040B55A3-D050-4512-A2B7-3FAE9AAB8B27}" type="datetime1">
               <a:rPr lang="de-DE" smtClean="0"/>
-              <a:t>03.01.2018</a:t>
+              <a:t>05.01.2018</a:t>
             </a:fld>
             <a:endParaRPr lang="en-US" dirty="0"/>
           </a:p>
@@ -11678,7 +11852,7 @@
           <a:p>
             <a:fld id="{28D50BB7-E2B5-4873-9F23-4433FF9FF057}" type="datetime1">
               <a:rPr lang="de-DE" smtClean="0"/>
-              <a:t>03.01.2018</a:t>
+              <a:t>05.01.2018</a:t>
             </a:fld>
             <a:endParaRPr lang="en-US" dirty="0"/>
           </a:p>
@@ -12653,7 +12827,7 @@
           <a:p>
             <a:fld id="{28D50BB7-E2B5-4873-9F23-4433FF9FF057}" type="datetime1">
               <a:rPr lang="de-DE" smtClean="0"/>
-              <a:t>03.01.2018</a:t>
+              <a:t>05.01.2018</a:t>
             </a:fld>
             <a:endParaRPr lang="en-US" dirty="0"/>
           </a:p>
@@ -13969,7 +14143,7 @@
           <a:p>
             <a:fld id="{28D50BB7-E2B5-4873-9F23-4433FF9FF057}" type="datetime1">
               <a:rPr lang="de-DE" smtClean="0"/>
-              <a:t>03.01.2018</a:t>
+              <a:t>05.01.2018</a:t>
             </a:fld>
             <a:endParaRPr lang="en-US" dirty="0"/>
           </a:p>
@@ -14624,7 +14798,7 @@
           <a:p>
             <a:fld id="{28D50BB7-E2B5-4873-9F23-4433FF9FF057}" type="datetime1">
               <a:rPr lang="de-DE" smtClean="0"/>
-              <a:t>03.01.2018</a:t>
+              <a:t>05.01.2018</a:t>
             </a:fld>
             <a:endParaRPr lang="en-US" dirty="0"/>
           </a:p>
@@ -15705,7 +15879,7 @@
           <a:p>
             <a:fld id="{28D50BB7-E2B5-4873-9F23-4433FF9FF057}" type="datetime1">
               <a:rPr lang="de-DE" smtClean="0"/>
-              <a:t>03.01.2018</a:t>
+              <a:t>05.01.2018</a:t>
             </a:fld>
             <a:endParaRPr lang="en-US" dirty="0"/>
           </a:p>
@@ -16220,7 +16394,7 @@
           <a:p>
             <a:fld id="{28D50BB7-E2B5-4873-9F23-4433FF9FF057}" type="datetime1">
               <a:rPr lang="de-DE" smtClean="0"/>
-              <a:t>03.01.2018</a:t>
+              <a:t>05.01.2018</a:t>
             </a:fld>
             <a:endParaRPr lang="en-US" dirty="0"/>
           </a:p>
@@ -16950,7 +17124,7 @@
           <a:p>
             <a:fld id="{28D50BB7-E2B5-4873-9F23-4433FF9FF057}" type="datetime1">
               <a:rPr lang="de-DE" smtClean="0"/>
-              <a:t>03.01.2018</a:t>
+              <a:t>05.01.2018</a:t>
             </a:fld>
             <a:endParaRPr lang="en-US" dirty="0"/>
           </a:p>
@@ -17403,7 +17577,7 @@
           <a:p>
             <a:fld id="{28D50BB7-E2B5-4873-9F23-4433FF9FF057}" type="datetime1">
               <a:rPr lang="de-DE" smtClean="0"/>
-              <a:t>03.01.2018</a:t>
+              <a:t>05.01.2018</a:t>
             </a:fld>
             <a:endParaRPr lang="en-US" dirty="0"/>
           </a:p>
@@ -20148,7 +20322,7 @@
           <a:p>
             <a:fld id="{28D50BB7-E2B5-4873-9F23-4433FF9FF057}" type="datetime1">
               <a:rPr lang="de-DE" smtClean="0"/>
-              <a:t>03.01.2018</a:t>
+              <a:t>05.01.2018</a:t>
             </a:fld>
             <a:endParaRPr lang="en-US" dirty="0"/>
           </a:p>
@@ -20371,7 +20545,7 @@
           <a:p>
             <a:fld id="{28D50BB7-E2B5-4873-9F23-4433FF9FF057}" type="datetime1">
               <a:rPr lang="de-DE" smtClean="0"/>
-              <a:t>03.01.2018</a:t>
+              <a:t>05.01.2018</a:t>
             </a:fld>
             <a:endParaRPr lang="en-US" dirty="0"/>
           </a:p>
@@ -21956,7 +22130,7 @@
           <a:p>
             <a:fld id="{28D50BB7-E2B5-4873-9F23-4433FF9FF057}" type="datetime1">
               <a:rPr lang="de-DE" smtClean="0"/>
-              <a:t>03.01.2018</a:t>
+              <a:t>05.01.2018</a:t>
             </a:fld>
             <a:endParaRPr lang="en-US" dirty="0"/>
           </a:p>
@@ -23528,7 +23702,7 @@
           <a:p>
             <a:fld id="{28D50BB7-E2B5-4873-9F23-4433FF9FF057}" type="datetime1">
               <a:rPr lang="de-DE" smtClean="0"/>
-              <a:t>03.01.2018</a:t>
+              <a:t>05.01.2018</a:t>
             </a:fld>
             <a:endParaRPr lang="en-US" dirty="0"/>
           </a:p>
@@ -24003,7 +24177,7 @@
           <a:p>
             <a:fld id="{28D50BB7-E2B5-4873-9F23-4433FF9FF057}" type="datetime1">
               <a:rPr lang="de-DE" smtClean="0"/>
-              <a:t>03.01.2018</a:t>
+              <a:t>05.01.2018</a:t>
             </a:fld>
             <a:endParaRPr lang="en-US" dirty="0"/>
           </a:p>
@@ -24838,7 +25012,7 @@
           <a:p>
             <a:fld id="{28D50BB7-E2B5-4873-9F23-4433FF9FF057}" type="datetime1">
               <a:rPr lang="de-DE" smtClean="0"/>
-              <a:t>03.01.2018</a:t>
+              <a:t>05.01.2018</a:t>
             </a:fld>
             <a:endParaRPr lang="en-US" dirty="0"/>
           </a:p>
@@ -25914,7 +26088,7 @@
           <a:p>
             <a:fld id="{5538D691-F215-41DA-944D-CC2EEF668359}" type="datetime1">
               <a:rPr lang="de-DE" smtClean="0"/>
-              <a:t>03.01.2018</a:t>
+              <a:t>05.01.2018</a:t>
             </a:fld>
             <a:endParaRPr lang="en-US"/>
           </a:p>
@@ -26110,7 +26284,7 @@
                 <a:tabLst/>
                 <a:defRPr/>
               </a:pPr>
-              <a:t>03.01.2018</a:t>
+              <a:t>05.01.2018</a:t>
             </a:fld>
             <a:endParaRPr kumimoji="0" lang="en-US" sz="1600" b="0" i="0" u="none" strike="noStrike" kern="1200" cap="none" spc="0" normalizeH="0" baseline="0" noProof="0" dirty="0">
               <a:ln>
@@ -27753,7 +27927,7 @@
             </a:pPr>
             <a:r>
               <a:rPr lang="de-DE" dirty="0"/>
-              <a:t>Ein korrumpierter Server soll nur erfahren, ob das Passwort Policy konform ist. Weitere Infos über das Passwort bleiben geheim.</a:t>
+              <a:t>Ein (potentiell) korrumpierter Server soll nur erfahren, ob das Passwort Policy konform ist. Weitere Infos über das Passwort bleiben geheim.</a:t>
             </a:r>
           </a:p>
           <a:p>
@@ -27812,7 +27986,7 @@
           <a:p>
             <a:fld id="{5538D691-F215-41DA-944D-CC2EEF668359}" type="datetime1">
               <a:rPr lang="de-DE" smtClean="0"/>
-              <a:t>03.01.2018</a:t>
+              <a:t>05.01.2018</a:t>
             </a:fld>
             <a:endParaRPr lang="en-US"/>
           </a:p>
@@ -28008,7 +28182,7 @@
                 <a:tabLst/>
                 <a:defRPr/>
               </a:pPr>
-              <a:t>03.01.2018</a:t>
+              <a:t>05.01.2018</a:t>
             </a:fld>
             <a:endParaRPr kumimoji="0" lang="en-US" sz="1600" b="0" i="0" u="none" strike="noStrike" kern="1200" cap="none" spc="0" normalizeH="0" baseline="0" noProof="0" dirty="0">
               <a:ln>
@@ -29709,7 +29883,7 @@
           <a:p>
             <a:fld id="{28D50BB7-E2B5-4873-9F23-4433FF9FF057}" type="datetime1">
               <a:rPr lang="de-DE" smtClean="0"/>
-              <a:t>03.01.2018</a:t>
+              <a:t>05.01.2018</a:t>
             </a:fld>
             <a:endParaRPr lang="en-US" dirty="0"/>
           </a:p>
@@ -29855,7 +30029,29 @@
           <a:p>
             <a:r>
               <a:rPr lang="de-DE" dirty="0"/>
-              <a:t>Erklärung zur Vorbereitung</a:t>
+              <a:t>Der User wähl ein Passwort</a:t>
+            </a:r>
+          </a:p>
+          <a:p>
+            <a:r>
+              <a:rPr lang="de-DE" dirty="0"/>
+              <a:t>Das Passwort(P) wird verschlüsselt</a:t>
+            </a:r>
+          </a:p>
+          <a:p>
+            <a:r>
+              <a:rPr lang="de-DE" dirty="0"/>
+              <a:t>Password Shares(S) werden ausgerechnet</a:t>
+            </a:r>
+          </a:p>
+          <a:p>
+            <a:r>
+              <a:rPr lang="de-DE" dirty="0" err="1"/>
+              <a:t>Commitments</a:t>
+            </a:r>
+            <a:r>
+              <a:rPr lang="de-DE" dirty="0"/>
+              <a:t> für das P und die S werden ausgerechnet</a:t>
             </a:r>
           </a:p>
           <a:p>
@@ -29889,7 +30085,7 @@
           <a:p>
             <a:fld id="{28D50BB7-E2B5-4873-9F23-4433FF9FF057}" type="datetime1">
               <a:rPr lang="de-DE" smtClean="0"/>
-              <a:t>03.01.2018</a:t>
+              <a:t>05.01.2018</a:t>
             </a:fld>
             <a:endParaRPr lang="en-US" dirty="0"/>
           </a:p>
@@ -30085,7 +30281,7 @@
                 <a:tabLst/>
                 <a:defRPr/>
               </a:pPr>
-              <a:t>03.01.2018</a:t>
+              <a:t>05.01.2018</a:t>
             </a:fld>
             <a:endParaRPr kumimoji="0" lang="en-US" sz="1600" b="0" i="0" u="none" strike="noStrike" kern="1200" cap="none" spc="0" normalizeH="0" baseline="0" noProof="0" dirty="0">
               <a:ln>
@@ -31589,7 +31785,7 @@
           <a:p>
             <a:fld id="{28D50BB7-E2B5-4873-9F23-4433FF9FF057}" type="datetime1">
               <a:rPr lang="de-DE" smtClean="0"/>
-              <a:t>03.01.2018</a:t>
+              <a:t>05.01.2018</a:t>
             </a:fld>
             <a:endParaRPr lang="en-US" dirty="0"/>
           </a:p>
@@ -33008,7 +33204,7 @@
           <a:p>
             <a:fld id="{28D50BB7-E2B5-4873-9F23-4433FF9FF057}" type="datetime1">
               <a:rPr lang="de-DE" smtClean="0"/>
-              <a:t>03.01.2018</a:t>
+              <a:t>05.01.2018</a:t>
             </a:fld>
             <a:endParaRPr lang="en-US" dirty="0"/>
           </a:p>
@@ -33227,7 +33423,7 @@
           <a:p>
             <a:fld id="{28D50BB7-E2B5-4873-9F23-4433FF9FF057}" type="datetime1">
               <a:rPr lang="de-DE" smtClean="0"/>
-              <a:t>03.01.2018</a:t>
+              <a:t>05.01.2018</a:t>
             </a:fld>
             <a:endParaRPr lang="en-US" dirty="0"/>
           </a:p>
@@ -33423,7 +33619,7 @@
                 <a:tabLst/>
                 <a:defRPr/>
               </a:pPr>
-              <a:t>03.01.2018</a:t>
+              <a:t>05.01.2018</a:t>
             </a:fld>
             <a:endParaRPr kumimoji="0" lang="en-US" sz="1600" b="0" i="0" u="none" strike="noStrike" kern="1200" cap="none" spc="0" normalizeH="0" baseline="0" noProof="0" dirty="0">
               <a:ln>
@@ -34969,7 +35165,7 @@
           <a:p>
             <a:fld id="{28D50BB7-E2B5-4873-9F23-4433FF9FF057}" type="datetime1">
               <a:rPr lang="de-DE" smtClean="0"/>
-              <a:t>03.01.2018</a:t>
+              <a:t>05.01.2018</a:t>
             </a:fld>
             <a:endParaRPr lang="en-US" dirty="0"/>
           </a:p>
@@ -35165,7 +35361,7 @@
                 <a:tabLst/>
                 <a:defRPr/>
               </a:pPr>
-              <a:t>03.01.2018</a:t>
+              <a:t>05.01.2018</a:t>
             </a:fld>
             <a:endParaRPr kumimoji="0" lang="en-US" sz="1600" b="0" i="0" u="none" strike="noStrike" kern="1200" cap="none" spc="0" normalizeH="0" baseline="0" noProof="0" dirty="0">
               <a:ln>
@@ -36816,7 +37012,7 @@
           <a:p>
             <a:fld id="{28D50BB7-E2B5-4873-9F23-4433FF9FF057}" type="datetime1">
               <a:rPr lang="de-DE" smtClean="0"/>
-              <a:t>03.01.2018</a:t>
+              <a:t>05.01.2018</a:t>
             </a:fld>
             <a:endParaRPr lang="en-US" dirty="0"/>
           </a:p>
@@ -37819,7 +38015,7 @@
           <a:p>
             <a:fld id="{28D50BB7-E2B5-4873-9F23-4433FF9FF057}" type="datetime1">
               <a:rPr lang="de-DE" smtClean="0"/>
-              <a:t>03.01.2018</a:t>
+              <a:t>05.01.2018</a:t>
             </a:fld>
             <a:endParaRPr lang="en-US" dirty="0"/>
           </a:p>
@@ -38112,7 +38308,7 @@
           <a:p>
             <a:fld id="{28D50BB7-E2B5-4873-9F23-4433FF9FF057}" type="datetime1">
               <a:rPr lang="de-DE" smtClean="0"/>
-              <a:t>03.01.2018</a:t>
+              <a:t>05.01.2018</a:t>
             </a:fld>
             <a:endParaRPr lang="en-US" dirty="0"/>
           </a:p>
@@ -39129,7 +39325,7 @@
           <a:p>
             <a:fld id="{28D50BB7-E2B5-4873-9F23-4433FF9FF057}" type="datetime1">
               <a:rPr lang="de-DE" smtClean="0"/>
-              <a:t>03.01.2018</a:t>
+              <a:t>05.01.2018</a:t>
             </a:fld>
             <a:endParaRPr lang="en-US" dirty="0"/>
           </a:p>
@@ -39309,7 +39505,7 @@
           <a:p>
             <a:fld id="{28D50BB7-E2B5-4873-9F23-4433FF9FF057}" type="datetime1">
               <a:rPr lang="de-DE" smtClean="0"/>
-              <a:t>03.01.2018</a:t>
+              <a:t>05.01.2018</a:t>
             </a:fld>
             <a:endParaRPr lang="en-US" dirty="0"/>
           </a:p>
@@ -39496,7 +39692,7 @@
           <a:p>
             <a:fld id="{28D50BB7-E2B5-4873-9F23-4433FF9FF057}" type="datetime1">
               <a:rPr lang="de-DE" smtClean="0"/>
-              <a:t>03.01.2018</a:t>
+              <a:t>05.01.2018</a:t>
             </a:fld>
             <a:endParaRPr lang="en-US" dirty="0"/>
           </a:p>
@@ -40275,7 +40471,7 @@
           <a:p>
             <a:fld id="{28D50BB7-E2B5-4873-9F23-4433FF9FF057}" type="datetime1">
               <a:rPr lang="de-DE" smtClean="0"/>
-              <a:t>03.01.2018</a:t>
+              <a:t>05.01.2018</a:t>
             </a:fld>
             <a:endParaRPr lang="en-US" dirty="0"/>
           </a:p>
@@ -40636,7 +40832,7 @@
           <a:p>
             <a:fld id="{28D50BB7-E2B5-4873-9F23-4433FF9FF057}" type="datetime1">
               <a:rPr lang="de-DE" smtClean="0"/>
-              <a:t>03.01.2018</a:t>
+              <a:t>05.01.2018</a:t>
             </a:fld>
             <a:endParaRPr lang="en-US" dirty="0"/>
           </a:p>
@@ -41009,7 +41205,7 @@
           <a:p>
             <a:fld id="{28D50BB7-E2B5-4873-9F23-4433FF9FF057}" type="datetime1">
               <a:rPr lang="de-DE" smtClean="0"/>
-              <a:t>03.01.2018</a:t>
+              <a:t>05.01.2018</a:t>
             </a:fld>
             <a:endParaRPr lang="en-US" dirty="0"/>
           </a:p>
@@ -41324,7 +41520,7 @@
           <a:p>
             <a:fld id="{28D50BB7-E2B5-4873-9F23-4433FF9FF057}" type="datetime1">
               <a:rPr lang="de-DE" smtClean="0"/>
-              <a:t>03.01.2018</a:t>
+              <a:t>05.01.2018</a:t>
             </a:fld>
             <a:endParaRPr lang="en-US" dirty="0"/>
           </a:p>
@@ -41511,7 +41707,7 @@
           <a:p>
             <a:fld id="{28D50BB7-E2B5-4873-9F23-4433FF9FF057}" type="datetime1">
               <a:rPr lang="de-DE" smtClean="0"/>
-              <a:t>03.01.2018</a:t>
+              <a:t>05.01.2018</a:t>
             </a:fld>
             <a:endParaRPr lang="en-US" dirty="0"/>
           </a:p>
@@ -42174,7 +42370,7 @@
           <a:p>
             <a:fld id="{28D50BB7-E2B5-4873-9F23-4433FF9FF057}" type="datetime1">
               <a:rPr lang="de-DE" smtClean="0"/>
-              <a:t>03.01.2018</a:t>
+              <a:t>05.01.2018</a:t>
             </a:fld>
             <a:endParaRPr lang="en-US" dirty="0"/>
           </a:p>
@@ -43174,7 +43370,7 @@
           <a:p>
             <a:fld id="{5538D691-F215-41DA-944D-CC2EEF668359}" type="datetime1">
               <a:rPr lang="de-DE" smtClean="0"/>
-              <a:t>03.01.2018</a:t>
+              <a:t>05.01.2018</a:t>
             </a:fld>
             <a:endParaRPr lang="en-US"/>
           </a:p>
@@ -43420,7 +43616,7 @@
           <a:p>
             <a:fld id="{28D50BB7-E2B5-4873-9F23-4433FF9FF057}" type="datetime1">
               <a:rPr lang="de-DE" smtClean="0"/>
-              <a:t>03.01.2018</a:t>
+              <a:t>05.01.2018</a:t>
             </a:fld>
             <a:endParaRPr lang="en-US" dirty="0"/>
           </a:p>
@@ -44594,7 +44790,7 @@
           <a:p>
             <a:fld id="{28D50BB7-E2B5-4873-9F23-4433FF9FF057}" type="datetime1">
               <a:rPr lang="de-DE" smtClean="0"/>
-              <a:t>03.01.2018</a:t>
+              <a:t>05.01.2018</a:t>
             </a:fld>
             <a:endParaRPr lang="en-US" dirty="0"/>
           </a:p>

--- a/2BPR.pptx
+++ b/2BPR.pptx
@@ -605,7 +605,7 @@
           <a:p>
             <a:fld id="{552EA148-05D6-4D6A-B92E-EDBC39E41ABD}" type="datetimeFigureOut">
               <a:rPr lang="en-US" smtClean="0"/>
-              <a:t>1/5/2018</a:t>
+              <a:t>1/6/2018</a:t>
             </a:fld>
             <a:endParaRPr lang="en-US"/>
           </a:p>
@@ -4883,6 +4883,93 @@
           <a:p>
             <a:r>
               <a:rPr lang="de-DE" dirty="0"/>
+              <a:t>                 </a:t>
+            </a:r>
+          </a:p>
+        </p:txBody>
+      </p:sp>
+      <p:sp>
+        <p:nvSpPr>
+          <p:cNvPr id="4" name="Foliennummernplatzhalter 3"/>
+          <p:cNvSpPr>
+            <a:spLocks noGrp="1"/>
+          </p:cNvSpPr>
+          <p:nvPr>
+            <p:ph type="sldNum" sz="quarter" idx="10"/>
+          </p:nvPr>
+        </p:nvSpPr>
+        <p:spPr/>
+        <p:txBody>
+          <a:bodyPr/>
+          <a:lstStyle/>
+          <a:p>
+            <a:fld id="{19F2E689-7ADB-4F62-9F21-572B82886E3D}" type="slidenum">
+              <a:rPr lang="en-US" smtClean="0"/>
+              <a:t>30</a:t>
+            </a:fld>
+            <a:endParaRPr lang="en-US"/>
+          </a:p>
+        </p:txBody>
+      </p:sp>
+    </p:spTree>
+    <p:extLst>
+      <p:ext uri="{BB962C8B-B14F-4D97-AF65-F5344CB8AC3E}">
+        <p14:creationId xmlns:p14="http://schemas.microsoft.com/office/powerpoint/2010/main" val="2168517225"/>
+      </p:ext>
+    </p:extLst>
+  </p:cSld>
+  <p:clrMapOvr>
+    <a:masterClrMapping/>
+  </p:clrMapOvr>
+</p:notes>
+</file>
+
+<file path=ppt/notesSlides/notesSlide28.xml><?xml version="1.0" encoding="utf-8"?>
+<p:notes xmlns:a="http://schemas.openxmlformats.org/drawingml/2006/main" xmlns:r="http://schemas.openxmlformats.org/officeDocument/2006/relationships" xmlns:p="http://schemas.openxmlformats.org/presentationml/2006/main">
+  <p:cSld>
+    <p:spTree>
+      <p:nvGrpSpPr>
+        <p:cNvPr id="1" name=""/>
+        <p:cNvGrpSpPr/>
+        <p:nvPr/>
+      </p:nvGrpSpPr>
+      <p:grpSpPr>
+        <a:xfrm>
+          <a:off x="0" y="0"/>
+          <a:ext cx="0" cy="0"/>
+          <a:chOff x="0" y="0"/>
+          <a:chExt cx="0" cy="0"/>
+        </a:xfrm>
+      </p:grpSpPr>
+      <p:sp>
+        <p:nvSpPr>
+          <p:cNvPr id="2" name="Folienbildplatzhalter 1"/>
+          <p:cNvSpPr>
+            <a:spLocks noGrp="1" noRot="1" noChangeAspect="1"/>
+          </p:cNvSpPr>
+          <p:nvPr>
+            <p:ph type="sldImg"/>
+          </p:nvPr>
+        </p:nvSpPr>
+        <p:spPr/>
+      </p:sp>
+      <p:sp>
+        <p:nvSpPr>
+          <p:cNvPr id="3" name="Notizenplatzhalter 2"/>
+          <p:cNvSpPr>
+            <a:spLocks noGrp="1"/>
+          </p:cNvSpPr>
+          <p:nvPr>
+            <p:ph type="body" idx="1"/>
+          </p:nvPr>
+        </p:nvSpPr>
+        <p:spPr/>
+        <p:txBody>
+          <a:bodyPr/>
+          <a:lstStyle/>
+          <a:p>
+            <a:r>
+              <a:rPr lang="de-DE" dirty="0"/>
               <a:t>Kommunikation zwischen Servern kann auch über Client laufen</a:t>
             </a:r>
           </a:p>
@@ -4993,7 +5080,231 @@
 </p:notes>
 </file>
 
-<file path=ppt/notesSlides/notesSlide28.xml><?xml version="1.0" encoding="utf-8"?>
+<file path=ppt/notesSlides/notesSlide29.xml><?xml version="1.0" encoding="utf-8"?>
+<p:notes xmlns:a="http://schemas.openxmlformats.org/drawingml/2006/main" xmlns:r="http://schemas.openxmlformats.org/officeDocument/2006/relationships" xmlns:p="http://schemas.openxmlformats.org/presentationml/2006/main">
+  <p:cSld>
+    <p:spTree>
+      <p:nvGrpSpPr>
+        <p:cNvPr id="1" name=""/>
+        <p:cNvGrpSpPr/>
+        <p:nvPr/>
+      </p:nvGrpSpPr>
+      <p:grpSpPr>
+        <a:xfrm>
+          <a:off x="0" y="0"/>
+          <a:ext cx="0" cy="0"/>
+          <a:chOff x="0" y="0"/>
+          <a:chExt cx="0" cy="0"/>
+        </a:xfrm>
+      </p:grpSpPr>
+      <p:sp>
+        <p:nvSpPr>
+          <p:cNvPr id="2" name="Folienbildplatzhalter 1"/>
+          <p:cNvSpPr>
+            <a:spLocks noGrp="1" noRot="1" noChangeAspect="1"/>
+          </p:cNvSpPr>
+          <p:nvPr>
+            <p:ph type="sldImg"/>
+          </p:nvPr>
+        </p:nvSpPr>
+        <p:spPr/>
+      </p:sp>
+      <p:sp>
+        <p:nvSpPr>
+          <p:cNvPr id="3" name="Notizenplatzhalter 2"/>
+          <p:cNvSpPr>
+            <a:spLocks noGrp="1"/>
+          </p:cNvSpPr>
+          <p:nvPr>
+            <p:ph type="body" idx="1"/>
+          </p:nvPr>
+        </p:nvSpPr>
+        <p:spPr/>
+        <p:txBody>
+          <a:bodyPr/>
+          <a:lstStyle/>
+          <a:p>
+            <a:endParaRPr lang="de-DE" dirty="0"/>
+          </a:p>
+        </p:txBody>
+      </p:sp>
+      <p:sp>
+        <p:nvSpPr>
+          <p:cNvPr id="4" name="Foliennummernplatzhalter 3"/>
+          <p:cNvSpPr>
+            <a:spLocks noGrp="1"/>
+          </p:cNvSpPr>
+          <p:nvPr>
+            <p:ph type="sldNum" sz="quarter" idx="10"/>
+          </p:nvPr>
+        </p:nvSpPr>
+        <p:spPr/>
+        <p:txBody>
+          <a:bodyPr/>
+          <a:lstStyle/>
+          <a:p>
+            <a:fld id="{19F2E689-7ADB-4F62-9F21-572B82886E3D}" type="slidenum">
+              <a:rPr lang="en-US" smtClean="0"/>
+              <a:t>33</a:t>
+            </a:fld>
+            <a:endParaRPr lang="en-US"/>
+          </a:p>
+        </p:txBody>
+      </p:sp>
+    </p:spTree>
+    <p:extLst>
+      <p:ext uri="{BB962C8B-B14F-4D97-AF65-F5344CB8AC3E}">
+        <p14:creationId xmlns:p14="http://schemas.microsoft.com/office/powerpoint/2010/main" val="2131604993"/>
+      </p:ext>
+    </p:extLst>
+  </p:cSld>
+  <p:clrMapOvr>
+    <a:masterClrMapping/>
+  </p:clrMapOvr>
+</p:notes>
+</file>
+
+<file path=ppt/notesSlides/notesSlide3.xml><?xml version="1.0" encoding="utf-8"?>
+<p:notes xmlns:a="http://schemas.openxmlformats.org/drawingml/2006/main" xmlns:r="http://schemas.openxmlformats.org/officeDocument/2006/relationships" xmlns:p="http://schemas.openxmlformats.org/presentationml/2006/main">
+  <p:cSld>
+    <p:spTree>
+      <p:nvGrpSpPr>
+        <p:cNvPr id="1" name=""/>
+        <p:cNvGrpSpPr/>
+        <p:nvPr/>
+      </p:nvGrpSpPr>
+      <p:grpSpPr>
+        <a:xfrm>
+          <a:off x="0" y="0"/>
+          <a:ext cx="0" cy="0"/>
+          <a:chOff x="0" y="0"/>
+          <a:chExt cx="0" cy="0"/>
+        </a:xfrm>
+      </p:grpSpPr>
+      <p:sp>
+        <p:nvSpPr>
+          <p:cNvPr id="2" name="Folienbildplatzhalter 1"/>
+          <p:cNvSpPr>
+            <a:spLocks noGrp="1" noRot="1" noChangeAspect="1"/>
+          </p:cNvSpPr>
+          <p:nvPr>
+            <p:ph type="sldImg"/>
+          </p:nvPr>
+        </p:nvSpPr>
+        <p:spPr/>
+      </p:sp>
+      <p:sp>
+        <p:nvSpPr>
+          <p:cNvPr id="3" name="Notizenplatzhalter 2"/>
+          <p:cNvSpPr>
+            <a:spLocks noGrp="1"/>
+          </p:cNvSpPr>
+          <p:nvPr>
+            <p:ph type="body" idx="1"/>
+          </p:nvPr>
+        </p:nvSpPr>
+        <p:spPr/>
+        <p:txBody>
+          <a:bodyPr/>
+          <a:lstStyle/>
+          <a:p>
+            <a:r>
+              <a:rPr lang="de-DE" b="1" u="sng" dirty="0"/>
+              <a:t>1. Multiusersystem:</a:t>
+            </a:r>
+          </a:p>
+          <a:p>
+            <a:r>
+              <a:rPr lang="de-DE" dirty="0"/>
+              <a:t> - Apps verbinden Leute</a:t>
+            </a:r>
+          </a:p>
+          <a:p>
+            <a:r>
+              <a:rPr lang="de-DE" dirty="0"/>
+              <a:t> - Informationen teilen</a:t>
+            </a:r>
+          </a:p>
+          <a:p>
+            <a:r>
+              <a:rPr lang="de-DE" dirty="0"/>
+              <a:t> - Zusätzliche Desktopapplikation</a:t>
+            </a:r>
+          </a:p>
+          <a:p>
+            <a:r>
+              <a:rPr lang="de-DE" dirty="0"/>
+              <a:t> </a:t>
+            </a:r>
+            <a:r>
+              <a:rPr lang="de-DE" dirty="0">
+                <a:sym typeface="Wingdings" panose="05000000000000000000" pitchFamily="2" charset="2"/>
+              </a:rPr>
+              <a:t> Viele Vorteile daher so beliebt</a:t>
+            </a:r>
+            <a:endParaRPr lang="de-DE" dirty="0"/>
+          </a:p>
+          <a:p>
+            <a:endParaRPr lang="de-DE" dirty="0"/>
+          </a:p>
+          <a:p>
+            <a:r>
+              <a:rPr lang="de-DE" sz="1200" b="1" u="sng" kern="1200" dirty="0">
+                <a:solidFill>
+                  <a:schemeClr val="tx1"/>
+                </a:solidFill>
+                <a:latin typeface="+mn-lt"/>
+                <a:ea typeface="+mn-ea"/>
+                <a:cs typeface="+mn-cs"/>
+              </a:rPr>
+              <a:t>2. Einzel- oder Einplatzsystem:</a:t>
+            </a:r>
+          </a:p>
+          <a:p>
+            <a:r>
+              <a:rPr lang="de-DE" dirty="0"/>
+              <a:t> - Word, PowerPoint nur bedingt</a:t>
+            </a:r>
+          </a:p>
+        </p:txBody>
+      </p:sp>
+      <p:sp>
+        <p:nvSpPr>
+          <p:cNvPr id="4" name="Foliennummernplatzhalter 3"/>
+          <p:cNvSpPr>
+            <a:spLocks noGrp="1"/>
+          </p:cNvSpPr>
+          <p:nvPr>
+            <p:ph type="sldNum" sz="quarter" idx="10"/>
+          </p:nvPr>
+        </p:nvSpPr>
+        <p:spPr/>
+        <p:txBody>
+          <a:bodyPr/>
+          <a:lstStyle/>
+          <a:p>
+            <a:fld id="{19F2E689-7ADB-4F62-9F21-572B82886E3D}" type="slidenum">
+              <a:rPr lang="en-US" smtClean="0"/>
+              <a:t>3</a:t>
+            </a:fld>
+            <a:endParaRPr lang="en-US"/>
+          </a:p>
+        </p:txBody>
+      </p:sp>
+    </p:spTree>
+    <p:extLst>
+      <p:ext uri="{BB962C8B-B14F-4D97-AF65-F5344CB8AC3E}">
+        <p14:creationId xmlns:p14="http://schemas.microsoft.com/office/powerpoint/2010/main" val="2008884592"/>
+      </p:ext>
+    </p:extLst>
+  </p:cSld>
+  <p:clrMapOvr>
+    <a:masterClrMapping/>
+  </p:clrMapOvr>
+</p:notes>
+</file>
+
+<file path=ppt/notesSlides/notesSlide30.xml><?xml version="1.0" encoding="utf-8"?>
 <p:notes xmlns:a="http://schemas.openxmlformats.org/drawingml/2006/main" xmlns:r="http://schemas.openxmlformats.org/officeDocument/2006/relationships" xmlns:p="http://schemas.openxmlformats.org/presentationml/2006/main">
   <p:cSld>
     <p:spTree>
@@ -5149,7 +5460,7 @@
 </p:notes>
 </file>
 
-<file path=ppt/notesSlides/notesSlide29.xml><?xml version="1.0" encoding="utf-8"?>
+<file path=ppt/notesSlides/notesSlide31.xml><?xml version="1.0" encoding="utf-8"?>
 <p:notes xmlns:a="http://schemas.openxmlformats.org/drawingml/2006/main" xmlns:r="http://schemas.openxmlformats.org/officeDocument/2006/relationships" xmlns:p="http://schemas.openxmlformats.org/presentationml/2006/main">
   <p:cSld>
     <p:spTree>
@@ -5293,147 +5604,7 @@
 </p:notes>
 </file>
 
-<file path=ppt/notesSlides/notesSlide3.xml><?xml version="1.0" encoding="utf-8"?>
-<p:notes xmlns:a="http://schemas.openxmlformats.org/drawingml/2006/main" xmlns:r="http://schemas.openxmlformats.org/officeDocument/2006/relationships" xmlns:p="http://schemas.openxmlformats.org/presentationml/2006/main">
-  <p:cSld>
-    <p:spTree>
-      <p:nvGrpSpPr>
-        <p:cNvPr id="1" name=""/>
-        <p:cNvGrpSpPr/>
-        <p:nvPr/>
-      </p:nvGrpSpPr>
-      <p:grpSpPr>
-        <a:xfrm>
-          <a:off x="0" y="0"/>
-          <a:ext cx="0" cy="0"/>
-          <a:chOff x="0" y="0"/>
-          <a:chExt cx="0" cy="0"/>
-        </a:xfrm>
-      </p:grpSpPr>
-      <p:sp>
-        <p:nvSpPr>
-          <p:cNvPr id="2" name="Folienbildplatzhalter 1"/>
-          <p:cNvSpPr>
-            <a:spLocks noGrp="1" noRot="1" noChangeAspect="1"/>
-          </p:cNvSpPr>
-          <p:nvPr>
-            <p:ph type="sldImg"/>
-          </p:nvPr>
-        </p:nvSpPr>
-        <p:spPr/>
-      </p:sp>
-      <p:sp>
-        <p:nvSpPr>
-          <p:cNvPr id="3" name="Notizenplatzhalter 2"/>
-          <p:cNvSpPr>
-            <a:spLocks noGrp="1"/>
-          </p:cNvSpPr>
-          <p:nvPr>
-            <p:ph type="body" idx="1"/>
-          </p:nvPr>
-        </p:nvSpPr>
-        <p:spPr/>
-        <p:txBody>
-          <a:bodyPr/>
-          <a:lstStyle/>
-          <a:p>
-            <a:r>
-              <a:rPr lang="de-DE" b="1" u="sng" dirty="0"/>
-              <a:t>1. Multiusersystem:</a:t>
-            </a:r>
-          </a:p>
-          <a:p>
-            <a:r>
-              <a:rPr lang="de-DE" dirty="0"/>
-              <a:t> - Apps verbinden Leute</a:t>
-            </a:r>
-          </a:p>
-          <a:p>
-            <a:r>
-              <a:rPr lang="de-DE" dirty="0"/>
-              <a:t> - Informationen teilen</a:t>
-            </a:r>
-          </a:p>
-          <a:p>
-            <a:r>
-              <a:rPr lang="de-DE" dirty="0"/>
-              <a:t> - Zusätzliche Desktopapplikation</a:t>
-            </a:r>
-          </a:p>
-          <a:p>
-            <a:r>
-              <a:rPr lang="de-DE" dirty="0"/>
-              <a:t> </a:t>
-            </a:r>
-            <a:r>
-              <a:rPr lang="de-DE" dirty="0">
-                <a:sym typeface="Wingdings" panose="05000000000000000000" pitchFamily="2" charset="2"/>
-              </a:rPr>
-              <a:t> Viele Vorteile daher so beliebt</a:t>
-            </a:r>
-            <a:endParaRPr lang="de-DE" dirty="0"/>
-          </a:p>
-          <a:p>
-            <a:endParaRPr lang="de-DE" dirty="0"/>
-          </a:p>
-          <a:p>
-            <a:r>
-              <a:rPr lang="de-DE" sz="1200" b="1" u="sng" kern="1200" dirty="0">
-                <a:solidFill>
-                  <a:schemeClr val="tx1"/>
-                </a:solidFill>
-                <a:latin typeface="+mn-lt"/>
-                <a:ea typeface="+mn-ea"/>
-                <a:cs typeface="+mn-cs"/>
-              </a:rPr>
-              <a:t>2. Einzel- oder Einplatzsystem:</a:t>
-            </a:r>
-          </a:p>
-          <a:p>
-            <a:r>
-              <a:rPr lang="de-DE" dirty="0"/>
-              <a:t> - Word, PowerPoint nur bedingt</a:t>
-            </a:r>
-          </a:p>
-        </p:txBody>
-      </p:sp>
-      <p:sp>
-        <p:nvSpPr>
-          <p:cNvPr id="4" name="Foliennummernplatzhalter 3"/>
-          <p:cNvSpPr>
-            <a:spLocks noGrp="1"/>
-          </p:cNvSpPr>
-          <p:nvPr>
-            <p:ph type="sldNum" sz="quarter" idx="10"/>
-          </p:nvPr>
-        </p:nvSpPr>
-        <p:spPr/>
-        <p:txBody>
-          <a:bodyPr/>
-          <a:lstStyle/>
-          <a:p>
-            <a:fld id="{19F2E689-7ADB-4F62-9F21-572B82886E3D}" type="slidenum">
-              <a:rPr lang="en-US" smtClean="0"/>
-              <a:t>3</a:t>
-            </a:fld>
-            <a:endParaRPr lang="en-US"/>
-          </a:p>
-        </p:txBody>
-      </p:sp>
-    </p:spTree>
-    <p:extLst>
-      <p:ext uri="{BB962C8B-B14F-4D97-AF65-F5344CB8AC3E}">
-        <p14:creationId xmlns:p14="http://schemas.microsoft.com/office/powerpoint/2010/main" val="2008884592"/>
-      </p:ext>
-    </p:extLst>
-  </p:cSld>
-  <p:clrMapOvr>
-    <a:masterClrMapping/>
-  </p:clrMapOvr>
-</p:notes>
-</file>
-
-<file path=ppt/notesSlides/notesSlide30.xml><?xml version="1.0" encoding="utf-8"?>
+<file path=ppt/notesSlides/notesSlide32.xml><?xml version="1.0" encoding="utf-8"?>
 <p:notes xmlns:a="http://schemas.openxmlformats.org/drawingml/2006/main" xmlns:r="http://schemas.openxmlformats.org/officeDocument/2006/relationships" xmlns:p="http://schemas.openxmlformats.org/presentationml/2006/main">
   <p:cSld>
     <p:spTree>
@@ -7919,7 +8090,7 @@
           <a:p>
             <a:fld id="{040B55A3-D050-4512-A2B7-3FAE9AAB8B27}" type="datetime1">
               <a:rPr lang="de-DE" smtClean="0"/>
-              <a:t>05.01.2018</a:t>
+              <a:t>06.01.2018</a:t>
             </a:fld>
             <a:endParaRPr lang="en-US" dirty="0"/>
           </a:p>
@@ -8390,7 +8561,7 @@
           <a:p>
             <a:fld id="{28D50BB7-E2B5-4873-9F23-4433FF9FF057}" type="datetime1">
               <a:rPr lang="de-DE" smtClean="0"/>
-              <a:t>05.01.2018</a:t>
+              <a:t>06.01.2018</a:t>
             </a:fld>
             <a:endParaRPr lang="en-US" dirty="0"/>
           </a:p>
@@ -8715,7 +8886,7 @@
           <a:p>
             <a:fld id="{BDAEB85F-B10B-445E-B56D-626F3D600529}" type="datetime1">
               <a:rPr lang="de-DE" smtClean="0"/>
-              <a:t>05.01.2018</a:t>
+              <a:t>06.01.2018</a:t>
             </a:fld>
             <a:endParaRPr lang="en-US"/>
           </a:p>
@@ -9165,7 +9336,7 @@
           <a:p>
             <a:fld id="{5538D691-F215-41DA-944D-CC2EEF668359}" type="datetime1">
               <a:rPr lang="de-DE" smtClean="0"/>
-              <a:t>05.01.2018</a:t>
+              <a:t>06.01.2018</a:t>
             </a:fld>
             <a:endParaRPr lang="en-US"/>
           </a:p>
@@ -9347,7 +9518,7 @@
           <a:p>
             <a:fld id="{D3387745-CC3C-41E7-B983-4C6D7C62A2B9}" type="datetime1">
               <a:rPr lang="de-DE" smtClean="0"/>
-              <a:t>05.01.2018</a:t>
+              <a:t>06.01.2018</a:t>
             </a:fld>
             <a:endParaRPr lang="en-US"/>
           </a:p>
@@ -9516,7 +9687,7 @@
           <a:p>
             <a:fld id="{2E51F313-B50C-4CC5-AB69-010D209F5784}" type="datetime1">
               <a:rPr lang="de-DE" smtClean="0"/>
-              <a:t>05.01.2018</a:t>
+              <a:t>06.01.2018</a:t>
             </a:fld>
             <a:endParaRPr lang="en-US"/>
           </a:p>
@@ -9998,7 +10169,7 @@
             <a:fld id="{014A7E50-CDC5-4B03-A3F1-913F3732ECE4}" type="datetime1">
               <a:rPr lang="de-DE" smtClean="0"/>
               <a:pPr/>
-              <a:t>05.01.2018</a:t>
+              <a:t>06.01.2018</a:t>
             </a:fld>
             <a:endParaRPr lang="en-US" dirty="0"/>
           </a:p>
@@ -10917,7 +11088,7 @@
           <a:p>
             <a:fld id="{040B55A3-D050-4512-A2B7-3FAE9AAB8B27}" type="datetime1">
               <a:rPr lang="de-DE" smtClean="0"/>
-              <a:t>05.01.2018</a:t>
+              <a:t>06.01.2018</a:t>
             </a:fld>
             <a:endParaRPr lang="en-US" dirty="0"/>
           </a:p>
@@ -11852,7 +12023,7 @@
           <a:p>
             <a:fld id="{28D50BB7-E2B5-4873-9F23-4433FF9FF057}" type="datetime1">
               <a:rPr lang="de-DE" smtClean="0"/>
-              <a:t>05.01.2018</a:t>
+              <a:t>06.01.2018</a:t>
             </a:fld>
             <a:endParaRPr lang="en-US" dirty="0"/>
           </a:p>
@@ -12827,7 +12998,7 @@
           <a:p>
             <a:fld id="{28D50BB7-E2B5-4873-9F23-4433FF9FF057}" type="datetime1">
               <a:rPr lang="de-DE" smtClean="0"/>
-              <a:t>05.01.2018</a:t>
+              <a:t>06.01.2018</a:t>
             </a:fld>
             <a:endParaRPr lang="en-US" dirty="0"/>
           </a:p>
@@ -14143,7 +14314,7 @@
           <a:p>
             <a:fld id="{28D50BB7-E2B5-4873-9F23-4433FF9FF057}" type="datetime1">
               <a:rPr lang="de-DE" smtClean="0"/>
-              <a:t>05.01.2018</a:t>
+              <a:t>06.01.2018</a:t>
             </a:fld>
             <a:endParaRPr lang="en-US" dirty="0"/>
           </a:p>
@@ -14798,7 +14969,7 @@
           <a:p>
             <a:fld id="{28D50BB7-E2B5-4873-9F23-4433FF9FF057}" type="datetime1">
               <a:rPr lang="de-DE" smtClean="0"/>
-              <a:t>05.01.2018</a:t>
+              <a:t>06.01.2018</a:t>
             </a:fld>
             <a:endParaRPr lang="en-US" dirty="0"/>
           </a:p>
@@ -15879,7 +16050,7 @@
           <a:p>
             <a:fld id="{28D50BB7-E2B5-4873-9F23-4433FF9FF057}" type="datetime1">
               <a:rPr lang="de-DE" smtClean="0"/>
-              <a:t>05.01.2018</a:t>
+              <a:t>06.01.2018</a:t>
             </a:fld>
             <a:endParaRPr lang="en-US" dirty="0"/>
           </a:p>
@@ -16394,7 +16565,7 @@
           <a:p>
             <a:fld id="{28D50BB7-E2B5-4873-9F23-4433FF9FF057}" type="datetime1">
               <a:rPr lang="de-DE" smtClean="0"/>
-              <a:t>05.01.2018</a:t>
+              <a:t>06.01.2018</a:t>
             </a:fld>
             <a:endParaRPr lang="en-US" dirty="0"/>
           </a:p>
@@ -17124,7 +17295,7 @@
           <a:p>
             <a:fld id="{28D50BB7-E2B5-4873-9F23-4433FF9FF057}" type="datetime1">
               <a:rPr lang="de-DE" smtClean="0"/>
-              <a:t>05.01.2018</a:t>
+              <a:t>06.01.2018</a:t>
             </a:fld>
             <a:endParaRPr lang="en-US" dirty="0"/>
           </a:p>
@@ -17577,7 +17748,7 @@
           <a:p>
             <a:fld id="{28D50BB7-E2B5-4873-9F23-4433FF9FF057}" type="datetime1">
               <a:rPr lang="de-DE" smtClean="0"/>
-              <a:t>05.01.2018</a:t>
+              <a:t>06.01.2018</a:t>
             </a:fld>
             <a:endParaRPr lang="en-US" dirty="0"/>
           </a:p>
@@ -20322,7 +20493,7 @@
           <a:p>
             <a:fld id="{28D50BB7-E2B5-4873-9F23-4433FF9FF057}" type="datetime1">
               <a:rPr lang="de-DE" smtClean="0"/>
-              <a:t>05.01.2018</a:t>
+              <a:t>06.01.2018</a:t>
             </a:fld>
             <a:endParaRPr lang="en-US" dirty="0"/>
           </a:p>
@@ -20545,7 +20716,7 @@
           <a:p>
             <a:fld id="{28D50BB7-E2B5-4873-9F23-4433FF9FF057}" type="datetime1">
               <a:rPr lang="de-DE" smtClean="0"/>
-              <a:t>05.01.2018</a:t>
+              <a:t>06.01.2018</a:t>
             </a:fld>
             <a:endParaRPr lang="en-US" dirty="0"/>
           </a:p>
@@ -22130,7 +22301,7 @@
           <a:p>
             <a:fld id="{28D50BB7-E2B5-4873-9F23-4433FF9FF057}" type="datetime1">
               <a:rPr lang="de-DE" smtClean="0"/>
-              <a:t>05.01.2018</a:t>
+              <a:t>06.01.2018</a:t>
             </a:fld>
             <a:endParaRPr lang="en-US" dirty="0"/>
           </a:p>
@@ -23702,7 +23873,7 @@
           <a:p>
             <a:fld id="{28D50BB7-E2B5-4873-9F23-4433FF9FF057}" type="datetime1">
               <a:rPr lang="de-DE" smtClean="0"/>
-              <a:t>05.01.2018</a:t>
+              <a:t>06.01.2018</a:t>
             </a:fld>
             <a:endParaRPr lang="en-US" dirty="0"/>
           </a:p>
@@ -24177,7 +24348,7 @@
           <a:p>
             <a:fld id="{28D50BB7-E2B5-4873-9F23-4433FF9FF057}" type="datetime1">
               <a:rPr lang="de-DE" smtClean="0"/>
-              <a:t>05.01.2018</a:t>
+              <a:t>06.01.2018</a:t>
             </a:fld>
             <a:endParaRPr lang="en-US" dirty="0"/>
           </a:p>
@@ -25012,7 +25183,7 @@
           <a:p>
             <a:fld id="{28D50BB7-E2B5-4873-9F23-4433FF9FF057}" type="datetime1">
               <a:rPr lang="de-DE" smtClean="0"/>
-              <a:t>05.01.2018</a:t>
+              <a:t>06.01.2018</a:t>
             </a:fld>
             <a:endParaRPr lang="en-US" dirty="0"/>
           </a:p>
@@ -26088,7 +26259,7 @@
           <a:p>
             <a:fld id="{5538D691-F215-41DA-944D-CC2EEF668359}" type="datetime1">
               <a:rPr lang="de-DE" smtClean="0"/>
-              <a:t>05.01.2018</a:t>
+              <a:t>06.01.2018</a:t>
             </a:fld>
             <a:endParaRPr lang="en-US"/>
           </a:p>
@@ -26284,7 +26455,7 @@
                 <a:tabLst/>
                 <a:defRPr/>
               </a:pPr>
-              <a:t>05.01.2018</a:t>
+              <a:t>06.01.2018</a:t>
             </a:fld>
             <a:endParaRPr kumimoji="0" lang="en-US" sz="1600" b="0" i="0" u="none" strike="noStrike" kern="1200" cap="none" spc="0" normalizeH="0" baseline="0" noProof="0" dirty="0">
               <a:ln>
@@ -27986,7 +28157,7 @@
           <a:p>
             <a:fld id="{5538D691-F215-41DA-944D-CC2EEF668359}" type="datetime1">
               <a:rPr lang="de-DE" smtClean="0"/>
-              <a:t>05.01.2018</a:t>
+              <a:t>06.01.2018</a:t>
             </a:fld>
             <a:endParaRPr lang="en-US"/>
           </a:p>
@@ -28182,7 +28353,7 @@
                 <a:tabLst/>
                 <a:defRPr/>
               </a:pPr>
-              <a:t>05.01.2018</a:t>
+              <a:t>06.01.2018</a:t>
             </a:fld>
             <a:endParaRPr kumimoji="0" lang="en-US" sz="1600" b="0" i="0" u="none" strike="noStrike" kern="1200" cap="none" spc="0" normalizeH="0" baseline="0" noProof="0" dirty="0">
               <a:ln>
@@ -29883,7 +30054,7 @@
           <a:p>
             <a:fld id="{28D50BB7-E2B5-4873-9F23-4433FF9FF057}" type="datetime1">
               <a:rPr lang="de-DE" smtClean="0"/>
-              <a:t>05.01.2018</a:t>
+              <a:t>06.01.2018</a:t>
             </a:fld>
             <a:endParaRPr lang="en-US" dirty="0"/>
           </a:p>
@@ -30085,7 +30256,7 @@
           <a:p>
             <a:fld id="{28D50BB7-E2B5-4873-9F23-4433FF9FF057}" type="datetime1">
               <a:rPr lang="de-DE" smtClean="0"/>
-              <a:t>05.01.2018</a:t>
+              <a:t>06.01.2018</a:t>
             </a:fld>
             <a:endParaRPr lang="en-US" dirty="0"/>
           </a:p>
@@ -30281,7 +30452,7 @@
                 <a:tabLst/>
                 <a:defRPr/>
               </a:pPr>
-              <a:t>05.01.2018</a:t>
+              <a:t>06.01.2018</a:t>
             </a:fld>
             <a:endParaRPr kumimoji="0" lang="en-US" sz="1600" b="0" i="0" u="none" strike="noStrike" kern="1200" cap="none" spc="0" normalizeH="0" baseline="0" noProof="0" dirty="0">
               <a:ln>
@@ -31785,7 +31956,7 @@
           <a:p>
             <a:fld id="{28D50BB7-E2B5-4873-9F23-4433FF9FF057}" type="datetime1">
               <a:rPr lang="de-DE" smtClean="0"/>
-              <a:t>05.01.2018</a:t>
+              <a:t>06.01.2018</a:t>
             </a:fld>
             <a:endParaRPr lang="en-US" dirty="0"/>
           </a:p>
@@ -33204,7 +33375,7 @@
           <a:p>
             <a:fld id="{28D50BB7-E2B5-4873-9F23-4433FF9FF057}" type="datetime1">
               <a:rPr lang="de-DE" smtClean="0"/>
-              <a:t>05.01.2018</a:t>
+              <a:t>06.01.2018</a:t>
             </a:fld>
             <a:endParaRPr lang="en-US" dirty="0"/>
           </a:p>
@@ -33423,7 +33594,7 @@
           <a:p>
             <a:fld id="{28D50BB7-E2B5-4873-9F23-4433FF9FF057}" type="datetime1">
               <a:rPr lang="de-DE" smtClean="0"/>
-              <a:t>05.01.2018</a:t>
+              <a:t>06.01.2018</a:t>
             </a:fld>
             <a:endParaRPr lang="en-US" dirty="0"/>
           </a:p>
@@ -33619,7 +33790,7 @@
                 <a:tabLst/>
                 <a:defRPr/>
               </a:pPr>
-              <a:t>05.01.2018</a:t>
+              <a:t>06.01.2018</a:t>
             </a:fld>
             <a:endParaRPr kumimoji="0" lang="en-US" sz="1600" b="0" i="0" u="none" strike="noStrike" kern="1200" cap="none" spc="0" normalizeH="0" baseline="0" noProof="0" dirty="0">
               <a:ln>
@@ -35123,21 +35294,43 @@
           <a:p>
             <a:r>
               <a:rPr lang="de-DE" dirty="0"/>
-              <a:t>Erklärung zur Share </a:t>
+              <a:t>Die Server rechnen </a:t>
             </a:r>
             <a:r>
               <a:rPr lang="de-DE" dirty="0" err="1"/>
-              <a:t>Verfikation</a:t>
-            </a:r>
-            <a:endParaRPr lang="de-DE" dirty="0"/>
-          </a:p>
-          <a:p>
+              <a:t>Commitments</a:t>
+            </a:r>
             <a:r>
               <a:rPr lang="de-DE" dirty="0"/>
-              <a:t>Mit Anschließender graphischer Darstellung</a:t>
-            </a:r>
-          </a:p>
-          <a:p>
+              <a:t> </a:t>
+            </a:r>
+            <a:r>
+              <a:rPr lang="de-DE" dirty="0" err="1"/>
+              <a:t>for</a:t>
+            </a:r>
+            <a:r>
+              <a:rPr lang="de-DE" dirty="0"/>
+              <a:t> ihre Shares aus</a:t>
+            </a:r>
+          </a:p>
+          <a:p>
+            <a:r>
+              <a:rPr lang="de-DE" dirty="0"/>
+              <a:t>Diese werden vom Server mit dem Ergebnis der </a:t>
+            </a:r>
+            <a:r>
+              <a:rPr lang="de-DE" dirty="0" err="1"/>
+              <a:t>Commitment</a:t>
+            </a:r>
+            <a:r>
+              <a:rPr lang="de-DE" dirty="0"/>
+              <a:t> des Client auf Gleichheit getestet </a:t>
+            </a:r>
+          </a:p>
+          <a:p>
+            <a:pPr marL="0" indent="0">
+              <a:buNone/>
+            </a:pPr>
             <a:endParaRPr lang="de-DE" dirty="0"/>
           </a:p>
         </p:txBody>
@@ -35165,7 +35358,7 @@
           <a:p>
             <a:fld id="{28D50BB7-E2B5-4873-9F23-4433FF9FF057}" type="datetime1">
               <a:rPr lang="de-DE" smtClean="0"/>
-              <a:t>05.01.2018</a:t>
+              <a:t>06.01.2018</a:t>
             </a:fld>
             <a:endParaRPr lang="en-US" dirty="0"/>
           </a:p>
@@ -35361,7 +35554,7 @@
                 <a:tabLst/>
                 <a:defRPr/>
               </a:pPr>
-              <a:t>05.01.2018</a:t>
+              <a:t>06.01.2018</a:t>
             </a:fld>
             <a:endParaRPr kumimoji="0" lang="en-US" sz="1600" b="0" i="0" u="none" strike="noStrike" kern="1200" cap="none" spc="0" normalizeH="0" baseline="0" noProof="0" dirty="0">
               <a:ln>
@@ -37012,7 +37205,7 @@
           <a:p>
             <a:fld id="{28D50BB7-E2B5-4873-9F23-4433FF9FF057}" type="datetime1">
               <a:rPr lang="de-DE" smtClean="0"/>
-              <a:t>05.01.2018</a:t>
+              <a:t>06.01.2018</a:t>
             </a:fld>
             <a:endParaRPr lang="en-US" dirty="0"/>
           </a:p>
@@ -38015,7 +38208,7 @@
           <a:p>
             <a:fld id="{28D50BB7-E2B5-4873-9F23-4433FF9FF057}" type="datetime1">
               <a:rPr lang="de-DE" smtClean="0"/>
-              <a:t>05.01.2018</a:t>
+              <a:t>06.01.2018</a:t>
             </a:fld>
             <a:endParaRPr lang="en-US" dirty="0"/>
           </a:p>
@@ -38308,7 +38501,7 @@
           <a:p>
             <a:fld id="{28D50BB7-E2B5-4873-9F23-4433FF9FF057}" type="datetime1">
               <a:rPr lang="de-DE" smtClean="0"/>
-              <a:t>05.01.2018</a:t>
+              <a:t>06.01.2018</a:t>
             </a:fld>
             <a:endParaRPr lang="en-US" dirty="0"/>
           </a:p>
@@ -39325,7 +39518,7 @@
           <a:p>
             <a:fld id="{28D50BB7-E2B5-4873-9F23-4433FF9FF057}" type="datetime1">
               <a:rPr lang="de-DE" smtClean="0"/>
-              <a:t>05.01.2018</a:t>
+              <a:t>06.01.2018</a:t>
             </a:fld>
             <a:endParaRPr lang="en-US" dirty="0"/>
           </a:p>
@@ -39505,7 +39698,7 @@
           <a:p>
             <a:fld id="{28D50BB7-E2B5-4873-9F23-4433FF9FF057}" type="datetime1">
               <a:rPr lang="de-DE" smtClean="0"/>
-              <a:t>05.01.2018</a:t>
+              <a:t>06.01.2018</a:t>
             </a:fld>
             <a:endParaRPr lang="en-US" dirty="0"/>
           </a:p>
@@ -39692,7 +39885,7 @@
           <a:p>
             <a:fld id="{28D50BB7-E2B5-4873-9F23-4433FF9FF057}" type="datetime1">
               <a:rPr lang="de-DE" smtClean="0"/>
-              <a:t>05.01.2018</a:t>
+              <a:t>06.01.2018</a:t>
             </a:fld>
             <a:endParaRPr lang="en-US" dirty="0"/>
           </a:p>
@@ -40471,7 +40664,7 @@
           <a:p>
             <a:fld id="{28D50BB7-E2B5-4873-9F23-4433FF9FF057}" type="datetime1">
               <a:rPr lang="de-DE" smtClean="0"/>
-              <a:t>05.01.2018</a:t>
+              <a:t>06.01.2018</a:t>
             </a:fld>
             <a:endParaRPr lang="en-US" dirty="0"/>
           </a:p>
@@ -40832,7 +41025,7 @@
           <a:p>
             <a:fld id="{28D50BB7-E2B5-4873-9F23-4433FF9FF057}" type="datetime1">
               <a:rPr lang="de-DE" smtClean="0"/>
-              <a:t>05.01.2018</a:t>
+              <a:t>06.01.2018</a:t>
             </a:fld>
             <a:endParaRPr lang="en-US" dirty="0"/>
           </a:p>
@@ -41205,7 +41398,7 @@
           <a:p>
             <a:fld id="{28D50BB7-E2B5-4873-9F23-4433FF9FF057}" type="datetime1">
               <a:rPr lang="de-DE" smtClean="0"/>
-              <a:t>05.01.2018</a:t>
+              <a:t>06.01.2018</a:t>
             </a:fld>
             <a:endParaRPr lang="en-US" dirty="0"/>
           </a:p>
@@ -41520,7 +41713,7 @@
           <a:p>
             <a:fld id="{28D50BB7-E2B5-4873-9F23-4433FF9FF057}" type="datetime1">
               <a:rPr lang="de-DE" smtClean="0"/>
-              <a:t>05.01.2018</a:t>
+              <a:t>06.01.2018</a:t>
             </a:fld>
             <a:endParaRPr lang="en-US" dirty="0"/>
           </a:p>
@@ -41707,7 +41900,7 @@
           <a:p>
             <a:fld id="{28D50BB7-E2B5-4873-9F23-4433FF9FF057}" type="datetime1">
               <a:rPr lang="de-DE" smtClean="0"/>
-              <a:t>05.01.2018</a:t>
+              <a:t>06.01.2018</a:t>
             </a:fld>
             <a:endParaRPr lang="en-US" dirty="0"/>
           </a:p>
@@ -42370,7 +42563,7 @@
           <a:p>
             <a:fld id="{28D50BB7-E2B5-4873-9F23-4433FF9FF057}" type="datetime1">
               <a:rPr lang="de-DE" smtClean="0"/>
-              <a:t>05.01.2018</a:t>
+              <a:t>06.01.2018</a:t>
             </a:fld>
             <a:endParaRPr lang="en-US" dirty="0"/>
           </a:p>
@@ -43370,7 +43563,7 @@
           <a:p>
             <a:fld id="{5538D691-F215-41DA-944D-CC2EEF668359}" type="datetime1">
               <a:rPr lang="de-DE" smtClean="0"/>
-              <a:t>05.01.2018</a:t>
+              <a:t>06.01.2018</a:t>
             </a:fld>
             <a:endParaRPr lang="en-US"/>
           </a:p>
@@ -43616,7 +43809,7 @@
           <a:p>
             <a:fld id="{28D50BB7-E2B5-4873-9F23-4433FF9FF057}" type="datetime1">
               <a:rPr lang="de-DE" smtClean="0"/>
-              <a:t>05.01.2018</a:t>
+              <a:t>06.01.2018</a:t>
             </a:fld>
             <a:endParaRPr lang="en-US" dirty="0"/>
           </a:p>
@@ -44790,7 +44983,7 @@
           <a:p>
             <a:fld id="{28D50BB7-E2B5-4873-9F23-4433FF9FF057}" type="datetime1">
               <a:rPr lang="de-DE" smtClean="0"/>
-              <a:t>05.01.2018</a:t>
+              <a:t>06.01.2018</a:t>
             </a:fld>
             <a:endParaRPr lang="en-US" dirty="0"/>
           </a:p>

--- a/2BPR.pptx
+++ b/2BPR.pptx
@@ -605,7 +605,7 @@
           <a:p>
             <a:fld id="{552EA148-05D6-4D6A-B92E-EDBC39E41ABD}" type="datetimeFigureOut">
               <a:rPr lang="en-US" smtClean="0"/>
-              <a:t>1/6/2018</a:t>
+              <a:t>1/7/2018</a:t>
             </a:fld>
             <a:endParaRPr lang="en-US"/>
           </a:p>
@@ -5124,230 +5124,6 @@
           <a:bodyPr/>
           <a:lstStyle/>
           <a:p>
-            <a:endParaRPr lang="de-DE" dirty="0"/>
-          </a:p>
-        </p:txBody>
-      </p:sp>
-      <p:sp>
-        <p:nvSpPr>
-          <p:cNvPr id="4" name="Foliennummernplatzhalter 3"/>
-          <p:cNvSpPr>
-            <a:spLocks noGrp="1"/>
-          </p:cNvSpPr>
-          <p:nvPr>
-            <p:ph type="sldNum" sz="quarter" idx="10"/>
-          </p:nvPr>
-        </p:nvSpPr>
-        <p:spPr/>
-        <p:txBody>
-          <a:bodyPr/>
-          <a:lstStyle/>
-          <a:p>
-            <a:fld id="{19F2E689-7ADB-4F62-9F21-572B82886E3D}" type="slidenum">
-              <a:rPr lang="en-US" smtClean="0"/>
-              <a:t>33</a:t>
-            </a:fld>
-            <a:endParaRPr lang="en-US"/>
-          </a:p>
-        </p:txBody>
-      </p:sp>
-    </p:spTree>
-    <p:extLst>
-      <p:ext uri="{BB962C8B-B14F-4D97-AF65-F5344CB8AC3E}">
-        <p14:creationId xmlns:p14="http://schemas.microsoft.com/office/powerpoint/2010/main" val="2131604993"/>
-      </p:ext>
-    </p:extLst>
-  </p:cSld>
-  <p:clrMapOvr>
-    <a:masterClrMapping/>
-  </p:clrMapOvr>
-</p:notes>
-</file>
-
-<file path=ppt/notesSlides/notesSlide3.xml><?xml version="1.0" encoding="utf-8"?>
-<p:notes xmlns:a="http://schemas.openxmlformats.org/drawingml/2006/main" xmlns:r="http://schemas.openxmlformats.org/officeDocument/2006/relationships" xmlns:p="http://schemas.openxmlformats.org/presentationml/2006/main">
-  <p:cSld>
-    <p:spTree>
-      <p:nvGrpSpPr>
-        <p:cNvPr id="1" name=""/>
-        <p:cNvGrpSpPr/>
-        <p:nvPr/>
-      </p:nvGrpSpPr>
-      <p:grpSpPr>
-        <a:xfrm>
-          <a:off x="0" y="0"/>
-          <a:ext cx="0" cy="0"/>
-          <a:chOff x="0" y="0"/>
-          <a:chExt cx="0" cy="0"/>
-        </a:xfrm>
-      </p:grpSpPr>
-      <p:sp>
-        <p:nvSpPr>
-          <p:cNvPr id="2" name="Folienbildplatzhalter 1"/>
-          <p:cNvSpPr>
-            <a:spLocks noGrp="1" noRot="1" noChangeAspect="1"/>
-          </p:cNvSpPr>
-          <p:nvPr>
-            <p:ph type="sldImg"/>
-          </p:nvPr>
-        </p:nvSpPr>
-        <p:spPr/>
-      </p:sp>
-      <p:sp>
-        <p:nvSpPr>
-          <p:cNvPr id="3" name="Notizenplatzhalter 2"/>
-          <p:cNvSpPr>
-            <a:spLocks noGrp="1"/>
-          </p:cNvSpPr>
-          <p:nvPr>
-            <p:ph type="body" idx="1"/>
-          </p:nvPr>
-        </p:nvSpPr>
-        <p:spPr/>
-        <p:txBody>
-          <a:bodyPr/>
-          <a:lstStyle/>
-          <a:p>
-            <a:r>
-              <a:rPr lang="de-DE" b="1" u="sng" dirty="0"/>
-              <a:t>1. Multiusersystem:</a:t>
-            </a:r>
-          </a:p>
-          <a:p>
-            <a:r>
-              <a:rPr lang="de-DE" dirty="0"/>
-              <a:t> - Apps verbinden Leute</a:t>
-            </a:r>
-          </a:p>
-          <a:p>
-            <a:r>
-              <a:rPr lang="de-DE" dirty="0"/>
-              <a:t> - Informationen teilen</a:t>
-            </a:r>
-          </a:p>
-          <a:p>
-            <a:r>
-              <a:rPr lang="de-DE" dirty="0"/>
-              <a:t> - Zusätzliche Desktopapplikation</a:t>
-            </a:r>
-          </a:p>
-          <a:p>
-            <a:r>
-              <a:rPr lang="de-DE" dirty="0"/>
-              <a:t> </a:t>
-            </a:r>
-            <a:r>
-              <a:rPr lang="de-DE" dirty="0">
-                <a:sym typeface="Wingdings" panose="05000000000000000000" pitchFamily="2" charset="2"/>
-              </a:rPr>
-              <a:t> Viele Vorteile daher so beliebt</a:t>
-            </a:r>
-            <a:endParaRPr lang="de-DE" dirty="0"/>
-          </a:p>
-          <a:p>
-            <a:endParaRPr lang="de-DE" dirty="0"/>
-          </a:p>
-          <a:p>
-            <a:r>
-              <a:rPr lang="de-DE" sz="1200" b="1" u="sng" kern="1200" dirty="0">
-                <a:solidFill>
-                  <a:schemeClr val="tx1"/>
-                </a:solidFill>
-                <a:latin typeface="+mn-lt"/>
-                <a:ea typeface="+mn-ea"/>
-                <a:cs typeface="+mn-cs"/>
-              </a:rPr>
-              <a:t>2. Einzel- oder Einplatzsystem:</a:t>
-            </a:r>
-          </a:p>
-          <a:p>
-            <a:r>
-              <a:rPr lang="de-DE" dirty="0"/>
-              <a:t> - Word, PowerPoint nur bedingt</a:t>
-            </a:r>
-          </a:p>
-        </p:txBody>
-      </p:sp>
-      <p:sp>
-        <p:nvSpPr>
-          <p:cNvPr id="4" name="Foliennummernplatzhalter 3"/>
-          <p:cNvSpPr>
-            <a:spLocks noGrp="1"/>
-          </p:cNvSpPr>
-          <p:nvPr>
-            <p:ph type="sldNum" sz="quarter" idx="10"/>
-          </p:nvPr>
-        </p:nvSpPr>
-        <p:spPr/>
-        <p:txBody>
-          <a:bodyPr/>
-          <a:lstStyle/>
-          <a:p>
-            <a:fld id="{19F2E689-7ADB-4F62-9F21-572B82886E3D}" type="slidenum">
-              <a:rPr lang="en-US" smtClean="0"/>
-              <a:t>3</a:t>
-            </a:fld>
-            <a:endParaRPr lang="en-US"/>
-          </a:p>
-        </p:txBody>
-      </p:sp>
-    </p:spTree>
-    <p:extLst>
-      <p:ext uri="{BB962C8B-B14F-4D97-AF65-F5344CB8AC3E}">
-        <p14:creationId xmlns:p14="http://schemas.microsoft.com/office/powerpoint/2010/main" val="2008884592"/>
-      </p:ext>
-    </p:extLst>
-  </p:cSld>
-  <p:clrMapOvr>
-    <a:masterClrMapping/>
-  </p:clrMapOvr>
-</p:notes>
-</file>
-
-<file path=ppt/notesSlides/notesSlide30.xml><?xml version="1.0" encoding="utf-8"?>
-<p:notes xmlns:a="http://schemas.openxmlformats.org/drawingml/2006/main" xmlns:r="http://schemas.openxmlformats.org/officeDocument/2006/relationships" xmlns:p="http://schemas.openxmlformats.org/presentationml/2006/main">
-  <p:cSld>
-    <p:spTree>
-      <p:nvGrpSpPr>
-        <p:cNvPr id="1" name=""/>
-        <p:cNvGrpSpPr/>
-        <p:nvPr/>
-      </p:nvGrpSpPr>
-      <p:grpSpPr>
-        <a:xfrm>
-          <a:off x="0" y="0"/>
-          <a:ext cx="0" cy="0"/>
-          <a:chOff x="0" y="0"/>
-          <a:chExt cx="0" cy="0"/>
-        </a:xfrm>
-      </p:grpSpPr>
-      <p:sp>
-        <p:nvSpPr>
-          <p:cNvPr id="2" name="Folienbildplatzhalter 1"/>
-          <p:cNvSpPr>
-            <a:spLocks noGrp="1" noRot="1" noChangeAspect="1"/>
-          </p:cNvSpPr>
-          <p:nvPr>
-            <p:ph type="sldImg"/>
-          </p:nvPr>
-        </p:nvSpPr>
-        <p:spPr/>
-      </p:sp>
-      <p:sp>
-        <p:nvSpPr>
-          <p:cNvPr id="3" name="Notizenplatzhalter 2"/>
-          <p:cNvSpPr>
-            <a:spLocks noGrp="1"/>
-          </p:cNvSpPr>
-          <p:nvPr>
-            <p:ph type="body" idx="1"/>
-          </p:nvPr>
-        </p:nvSpPr>
-        <p:spPr/>
-        <p:txBody>
-          <a:bodyPr/>
-          <a:lstStyle/>
-          <a:p>
             <a:r>
               <a:rPr lang="de-DE" dirty="0"/>
               <a:t>Kommunikation zwischen Servern kann auch über Client laufen</a:t>
@@ -5460,7 +5236,7 @@
 </p:notes>
 </file>
 
-<file path=ppt/notesSlides/notesSlide31.xml><?xml version="1.0" encoding="utf-8"?>
+<file path=ppt/notesSlides/notesSlide3.xml><?xml version="1.0" encoding="utf-8"?>
 <p:notes xmlns:a="http://schemas.openxmlformats.org/drawingml/2006/main" xmlns:r="http://schemas.openxmlformats.org/officeDocument/2006/relationships" xmlns:p="http://schemas.openxmlformats.org/presentationml/2006/main">
   <p:cSld>
     <p:spTree>
@@ -5506,65 +5282,61 @@
           <a:p>
             <a:r>
               <a:rPr lang="de-DE" b="1" u="sng" dirty="0"/>
-              <a:t>Motivation:</a:t>
+              <a:t>1. Multiusersystem:</a:t>
             </a:r>
           </a:p>
           <a:p>
             <a:r>
               <a:rPr lang="de-DE" dirty="0"/>
-              <a:t>    Was will uns das Paper im Rahmen von 2PAKE und 2PASS sagen?</a:t>
+              <a:t> - Apps verbinden Leute</a:t>
             </a:r>
           </a:p>
           <a:p>
             <a:r>
               <a:rPr lang="de-DE" dirty="0"/>
-              <a:t>    Was ist das Ziel des Papers?</a:t>
+              <a:t> - Informationen teilen</a:t>
             </a:r>
           </a:p>
           <a:p>
             <a:r>
               <a:rPr lang="de-DE" dirty="0"/>
-              <a:t>    Welche Rahmenbedingungen gibt es?</a:t>
-            </a:r>
-          </a:p>
-          <a:p>
-            <a:r>
-              <a:rPr lang="de-DE" b="1" u="sng" dirty="0" err="1"/>
-              <a:t>Begiffe</a:t>
-            </a:r>
-            <a:r>
-              <a:rPr lang="de-DE" b="1" u="sng" dirty="0"/>
-              <a:t>:</a:t>
+              <a:t> - Zusätzliche Desktopapplikation</a:t>
             </a:r>
           </a:p>
           <a:p>
             <a:r>
               <a:rPr lang="de-DE" dirty="0"/>
-              <a:t>    Grundlagen für 2BPR</a:t>
+              <a:t> </a:t>
+            </a:r>
+            <a:r>
+              <a:rPr lang="de-DE" dirty="0">
+                <a:sym typeface="Wingdings" panose="05000000000000000000" pitchFamily="2" charset="2"/>
+              </a:rPr>
+              <a:t> Viele Vorteile daher so beliebt</a:t>
+            </a:r>
+            <a:endParaRPr lang="de-DE" dirty="0"/>
+          </a:p>
+          <a:p>
+            <a:endParaRPr lang="de-DE" dirty="0"/>
+          </a:p>
+          <a:p>
+            <a:r>
+              <a:rPr lang="de-DE" sz="1200" b="1" u="sng" kern="1200" dirty="0">
+                <a:solidFill>
+                  <a:schemeClr val="tx1"/>
+                </a:solidFill>
+                <a:latin typeface="+mn-lt"/>
+                <a:ea typeface="+mn-ea"/>
+                <a:cs typeface="+mn-cs"/>
+              </a:rPr>
+              <a:t>2. Einzel- oder Einplatzsystem:</a:t>
             </a:r>
           </a:p>
           <a:p>
             <a:r>
               <a:rPr lang="de-DE" dirty="0"/>
-              <a:t>    Was sind </a:t>
-            </a:r>
-            <a:r>
-              <a:rPr lang="de-DE" dirty="0" err="1"/>
-              <a:t>Commitments</a:t>
-            </a:r>
-            <a:r>
-              <a:rPr lang="de-DE" dirty="0"/>
-              <a:t>?</a:t>
-            </a:r>
-          </a:p>
-          <a:p>
-            <a:r>
-              <a:rPr lang="de-DE" dirty="0"/>
-              <a:t>    Was ist ein Beispiel für deren Gebrauch?</a:t>
-            </a:r>
-          </a:p>
-          <a:p>
-            <a:endParaRPr lang="de-DE" dirty="0"/>
+              <a:t> - Word, PowerPoint nur bedingt</a:t>
+            </a:r>
           </a:p>
         </p:txBody>
       </p:sp>
@@ -5585,6 +5357,150 @@
           <a:p>
             <a:fld id="{19F2E689-7ADB-4F62-9F21-572B82886E3D}" type="slidenum">
               <a:rPr lang="en-US" smtClean="0"/>
+              <a:t>3</a:t>
+            </a:fld>
+            <a:endParaRPr lang="en-US"/>
+          </a:p>
+        </p:txBody>
+      </p:sp>
+    </p:spTree>
+    <p:extLst>
+      <p:ext uri="{BB962C8B-B14F-4D97-AF65-F5344CB8AC3E}">
+        <p14:creationId xmlns:p14="http://schemas.microsoft.com/office/powerpoint/2010/main" val="2008884592"/>
+      </p:ext>
+    </p:extLst>
+  </p:cSld>
+  <p:clrMapOvr>
+    <a:masterClrMapping/>
+  </p:clrMapOvr>
+</p:notes>
+</file>
+
+<file path=ppt/notesSlides/notesSlide30.xml><?xml version="1.0" encoding="utf-8"?>
+<p:notes xmlns:a="http://schemas.openxmlformats.org/drawingml/2006/main" xmlns:r="http://schemas.openxmlformats.org/officeDocument/2006/relationships" xmlns:p="http://schemas.openxmlformats.org/presentationml/2006/main">
+  <p:cSld>
+    <p:spTree>
+      <p:nvGrpSpPr>
+        <p:cNvPr id="1" name=""/>
+        <p:cNvGrpSpPr/>
+        <p:nvPr/>
+      </p:nvGrpSpPr>
+      <p:grpSpPr>
+        <a:xfrm>
+          <a:off x="0" y="0"/>
+          <a:ext cx="0" cy="0"/>
+          <a:chOff x="0" y="0"/>
+          <a:chExt cx="0" cy="0"/>
+        </a:xfrm>
+      </p:grpSpPr>
+      <p:sp>
+        <p:nvSpPr>
+          <p:cNvPr id="2" name="Folienbildplatzhalter 1"/>
+          <p:cNvSpPr>
+            <a:spLocks noGrp="1" noRot="1" noChangeAspect="1"/>
+          </p:cNvSpPr>
+          <p:nvPr>
+            <p:ph type="sldImg"/>
+          </p:nvPr>
+        </p:nvSpPr>
+        <p:spPr/>
+      </p:sp>
+      <p:sp>
+        <p:nvSpPr>
+          <p:cNvPr id="3" name="Notizenplatzhalter 2"/>
+          <p:cNvSpPr>
+            <a:spLocks noGrp="1"/>
+          </p:cNvSpPr>
+          <p:nvPr>
+            <p:ph type="body" idx="1"/>
+          </p:nvPr>
+        </p:nvSpPr>
+        <p:spPr/>
+        <p:txBody>
+          <a:bodyPr/>
+          <a:lstStyle/>
+          <a:p>
+            <a:r>
+              <a:rPr lang="de-DE" b="1" u="sng" dirty="0"/>
+              <a:t>Motivation:</a:t>
+            </a:r>
+          </a:p>
+          <a:p>
+            <a:r>
+              <a:rPr lang="de-DE" dirty="0"/>
+              <a:t>    Was will uns das Paper im Rahmen von 2PAKE und 2PASS sagen?</a:t>
+            </a:r>
+          </a:p>
+          <a:p>
+            <a:r>
+              <a:rPr lang="de-DE" dirty="0"/>
+              <a:t>    Was ist das Ziel des Papers?</a:t>
+            </a:r>
+          </a:p>
+          <a:p>
+            <a:r>
+              <a:rPr lang="de-DE" dirty="0"/>
+              <a:t>    Welche Rahmenbedingungen gibt es?</a:t>
+            </a:r>
+          </a:p>
+          <a:p>
+            <a:r>
+              <a:rPr lang="de-DE" b="1" u="sng" dirty="0" err="1"/>
+              <a:t>Begiffe</a:t>
+            </a:r>
+            <a:r>
+              <a:rPr lang="de-DE" b="1" u="sng" dirty="0"/>
+              <a:t>:</a:t>
+            </a:r>
+          </a:p>
+          <a:p>
+            <a:r>
+              <a:rPr lang="de-DE" dirty="0"/>
+              <a:t>    Grundlagen für 2BPR</a:t>
+            </a:r>
+          </a:p>
+          <a:p>
+            <a:r>
+              <a:rPr lang="de-DE" dirty="0"/>
+              <a:t>    Was sind </a:t>
+            </a:r>
+            <a:r>
+              <a:rPr lang="de-DE" dirty="0" err="1"/>
+              <a:t>Commitments</a:t>
+            </a:r>
+            <a:r>
+              <a:rPr lang="de-DE" dirty="0"/>
+              <a:t>?</a:t>
+            </a:r>
+          </a:p>
+          <a:p>
+            <a:r>
+              <a:rPr lang="de-DE" dirty="0"/>
+              <a:t>    Was ist ein Beispiel für deren Gebrauch?</a:t>
+            </a:r>
+          </a:p>
+          <a:p>
+            <a:endParaRPr lang="de-DE" dirty="0"/>
+          </a:p>
+        </p:txBody>
+      </p:sp>
+      <p:sp>
+        <p:nvSpPr>
+          <p:cNvPr id="4" name="Foliennummernplatzhalter 3"/>
+          <p:cNvSpPr>
+            <a:spLocks noGrp="1"/>
+          </p:cNvSpPr>
+          <p:nvPr>
+            <p:ph type="sldNum" sz="quarter" idx="10"/>
+          </p:nvPr>
+        </p:nvSpPr>
+        <p:spPr/>
+        <p:txBody>
+          <a:bodyPr/>
+          <a:lstStyle/>
+          <a:p>
+            <a:fld id="{19F2E689-7ADB-4F62-9F21-572B82886E3D}" type="slidenum">
+              <a:rPr lang="en-US" smtClean="0"/>
               <a:t>35</a:t>
             </a:fld>
             <a:endParaRPr lang="en-US"/>
@@ -5604,7 +5520,7 @@
 </p:notes>
 </file>
 
-<file path=ppt/notesSlides/notesSlide32.xml><?xml version="1.0" encoding="utf-8"?>
+<file path=ppt/notesSlides/notesSlide31.xml><?xml version="1.0" encoding="utf-8"?>
 <p:notes xmlns:a="http://schemas.openxmlformats.org/drawingml/2006/main" xmlns:r="http://schemas.openxmlformats.org/officeDocument/2006/relationships" xmlns:p="http://schemas.openxmlformats.org/presentationml/2006/main">
   <p:cSld>
     <p:spTree>
@@ -8090,7 +8006,7 @@
           <a:p>
             <a:fld id="{040B55A3-D050-4512-A2B7-3FAE9AAB8B27}" type="datetime1">
               <a:rPr lang="de-DE" smtClean="0"/>
-              <a:t>06.01.2018</a:t>
+              <a:t>07.01.2018</a:t>
             </a:fld>
             <a:endParaRPr lang="en-US" dirty="0"/>
           </a:p>
@@ -8561,7 +8477,7 @@
           <a:p>
             <a:fld id="{28D50BB7-E2B5-4873-9F23-4433FF9FF057}" type="datetime1">
               <a:rPr lang="de-DE" smtClean="0"/>
-              <a:t>06.01.2018</a:t>
+              <a:t>07.01.2018</a:t>
             </a:fld>
             <a:endParaRPr lang="en-US" dirty="0"/>
           </a:p>
@@ -8886,7 +8802,7 @@
           <a:p>
             <a:fld id="{BDAEB85F-B10B-445E-B56D-626F3D600529}" type="datetime1">
               <a:rPr lang="de-DE" smtClean="0"/>
-              <a:t>06.01.2018</a:t>
+              <a:t>07.01.2018</a:t>
             </a:fld>
             <a:endParaRPr lang="en-US"/>
           </a:p>
@@ -9336,7 +9252,7 @@
           <a:p>
             <a:fld id="{5538D691-F215-41DA-944D-CC2EEF668359}" type="datetime1">
               <a:rPr lang="de-DE" smtClean="0"/>
-              <a:t>06.01.2018</a:t>
+              <a:t>07.01.2018</a:t>
             </a:fld>
             <a:endParaRPr lang="en-US"/>
           </a:p>
@@ -9518,7 +9434,7 @@
           <a:p>
             <a:fld id="{D3387745-CC3C-41E7-B983-4C6D7C62A2B9}" type="datetime1">
               <a:rPr lang="de-DE" smtClean="0"/>
-              <a:t>06.01.2018</a:t>
+              <a:t>07.01.2018</a:t>
             </a:fld>
             <a:endParaRPr lang="en-US"/>
           </a:p>
@@ -9687,7 +9603,7 @@
           <a:p>
             <a:fld id="{2E51F313-B50C-4CC5-AB69-010D209F5784}" type="datetime1">
               <a:rPr lang="de-DE" smtClean="0"/>
-              <a:t>06.01.2018</a:t>
+              <a:t>07.01.2018</a:t>
             </a:fld>
             <a:endParaRPr lang="en-US"/>
           </a:p>
@@ -10169,7 +10085,7 @@
             <a:fld id="{014A7E50-CDC5-4B03-A3F1-913F3732ECE4}" type="datetime1">
               <a:rPr lang="de-DE" smtClean="0"/>
               <a:pPr/>
-              <a:t>06.01.2018</a:t>
+              <a:t>07.01.2018</a:t>
             </a:fld>
             <a:endParaRPr lang="en-US" dirty="0"/>
           </a:p>
@@ -11088,7 +11004,7 @@
           <a:p>
             <a:fld id="{040B55A3-D050-4512-A2B7-3FAE9AAB8B27}" type="datetime1">
               <a:rPr lang="de-DE" smtClean="0"/>
-              <a:t>06.01.2018</a:t>
+              <a:t>07.01.2018</a:t>
             </a:fld>
             <a:endParaRPr lang="en-US" dirty="0"/>
           </a:p>
@@ -12023,7 +11939,7 @@
           <a:p>
             <a:fld id="{28D50BB7-E2B5-4873-9F23-4433FF9FF057}" type="datetime1">
               <a:rPr lang="de-DE" smtClean="0"/>
-              <a:t>06.01.2018</a:t>
+              <a:t>07.01.2018</a:t>
             </a:fld>
             <a:endParaRPr lang="en-US" dirty="0"/>
           </a:p>
@@ -12998,7 +12914,7 @@
           <a:p>
             <a:fld id="{28D50BB7-E2B5-4873-9F23-4433FF9FF057}" type="datetime1">
               <a:rPr lang="de-DE" smtClean="0"/>
-              <a:t>06.01.2018</a:t>
+              <a:t>07.01.2018</a:t>
             </a:fld>
             <a:endParaRPr lang="en-US" dirty="0"/>
           </a:p>
@@ -14314,7 +14230,7 @@
           <a:p>
             <a:fld id="{28D50BB7-E2B5-4873-9F23-4433FF9FF057}" type="datetime1">
               <a:rPr lang="de-DE" smtClean="0"/>
-              <a:t>06.01.2018</a:t>
+              <a:t>07.01.2018</a:t>
             </a:fld>
             <a:endParaRPr lang="en-US" dirty="0"/>
           </a:p>
@@ -14969,7 +14885,7 @@
           <a:p>
             <a:fld id="{28D50BB7-E2B5-4873-9F23-4433FF9FF057}" type="datetime1">
               <a:rPr lang="de-DE" smtClean="0"/>
-              <a:t>06.01.2018</a:t>
+              <a:t>07.01.2018</a:t>
             </a:fld>
             <a:endParaRPr lang="en-US" dirty="0"/>
           </a:p>
@@ -16050,7 +15966,7 @@
           <a:p>
             <a:fld id="{28D50BB7-E2B5-4873-9F23-4433FF9FF057}" type="datetime1">
               <a:rPr lang="de-DE" smtClean="0"/>
-              <a:t>06.01.2018</a:t>
+              <a:t>07.01.2018</a:t>
             </a:fld>
             <a:endParaRPr lang="en-US" dirty="0"/>
           </a:p>
@@ -16565,7 +16481,7 @@
           <a:p>
             <a:fld id="{28D50BB7-E2B5-4873-9F23-4433FF9FF057}" type="datetime1">
               <a:rPr lang="de-DE" smtClean="0"/>
-              <a:t>06.01.2018</a:t>
+              <a:t>07.01.2018</a:t>
             </a:fld>
             <a:endParaRPr lang="en-US" dirty="0"/>
           </a:p>
@@ -17295,7 +17211,7 @@
           <a:p>
             <a:fld id="{28D50BB7-E2B5-4873-9F23-4433FF9FF057}" type="datetime1">
               <a:rPr lang="de-DE" smtClean="0"/>
-              <a:t>06.01.2018</a:t>
+              <a:t>07.01.2018</a:t>
             </a:fld>
             <a:endParaRPr lang="en-US" dirty="0"/>
           </a:p>
@@ -17748,7 +17664,7 @@
           <a:p>
             <a:fld id="{28D50BB7-E2B5-4873-9F23-4433FF9FF057}" type="datetime1">
               <a:rPr lang="de-DE" smtClean="0"/>
-              <a:t>06.01.2018</a:t>
+              <a:t>07.01.2018</a:t>
             </a:fld>
             <a:endParaRPr lang="en-US" dirty="0"/>
           </a:p>
@@ -20493,7 +20409,7 @@
           <a:p>
             <a:fld id="{28D50BB7-E2B5-4873-9F23-4433FF9FF057}" type="datetime1">
               <a:rPr lang="de-DE" smtClean="0"/>
-              <a:t>06.01.2018</a:t>
+              <a:t>07.01.2018</a:t>
             </a:fld>
             <a:endParaRPr lang="en-US" dirty="0"/>
           </a:p>
@@ -20716,7 +20632,7 @@
           <a:p>
             <a:fld id="{28D50BB7-E2B5-4873-9F23-4433FF9FF057}" type="datetime1">
               <a:rPr lang="de-DE" smtClean="0"/>
-              <a:t>06.01.2018</a:t>
+              <a:t>07.01.2018</a:t>
             </a:fld>
             <a:endParaRPr lang="en-US" dirty="0"/>
           </a:p>
@@ -22301,7 +22217,7 @@
           <a:p>
             <a:fld id="{28D50BB7-E2B5-4873-9F23-4433FF9FF057}" type="datetime1">
               <a:rPr lang="de-DE" smtClean="0"/>
-              <a:t>06.01.2018</a:t>
+              <a:t>07.01.2018</a:t>
             </a:fld>
             <a:endParaRPr lang="en-US" dirty="0"/>
           </a:p>
@@ -23873,7 +23789,7 @@
           <a:p>
             <a:fld id="{28D50BB7-E2B5-4873-9F23-4433FF9FF057}" type="datetime1">
               <a:rPr lang="de-DE" smtClean="0"/>
-              <a:t>06.01.2018</a:t>
+              <a:t>07.01.2018</a:t>
             </a:fld>
             <a:endParaRPr lang="en-US" dirty="0"/>
           </a:p>
@@ -24348,7 +24264,7 @@
           <a:p>
             <a:fld id="{28D50BB7-E2B5-4873-9F23-4433FF9FF057}" type="datetime1">
               <a:rPr lang="de-DE" smtClean="0"/>
-              <a:t>06.01.2018</a:t>
+              <a:t>07.01.2018</a:t>
             </a:fld>
             <a:endParaRPr lang="en-US" dirty="0"/>
           </a:p>
@@ -25183,7 +25099,7 @@
           <a:p>
             <a:fld id="{28D50BB7-E2B5-4873-9F23-4433FF9FF057}" type="datetime1">
               <a:rPr lang="de-DE" smtClean="0"/>
-              <a:t>06.01.2018</a:t>
+              <a:t>07.01.2018</a:t>
             </a:fld>
             <a:endParaRPr lang="en-US" dirty="0"/>
           </a:p>
@@ -26259,7 +26175,7 @@
           <a:p>
             <a:fld id="{5538D691-F215-41DA-944D-CC2EEF668359}" type="datetime1">
               <a:rPr lang="de-DE" smtClean="0"/>
-              <a:t>06.01.2018</a:t>
+              <a:t>07.01.2018</a:t>
             </a:fld>
             <a:endParaRPr lang="en-US"/>
           </a:p>
@@ -26455,7 +26371,7 @@
                 <a:tabLst/>
                 <a:defRPr/>
               </a:pPr>
-              <a:t>06.01.2018</a:t>
+              <a:t>07.01.2018</a:t>
             </a:fld>
             <a:endParaRPr kumimoji="0" lang="en-US" sz="1600" b="0" i="0" u="none" strike="noStrike" kern="1200" cap="none" spc="0" normalizeH="0" baseline="0" noProof="0" dirty="0">
               <a:ln>
@@ -28157,7 +28073,7 @@
           <a:p>
             <a:fld id="{5538D691-F215-41DA-944D-CC2EEF668359}" type="datetime1">
               <a:rPr lang="de-DE" smtClean="0"/>
-              <a:t>06.01.2018</a:t>
+              <a:t>07.01.2018</a:t>
             </a:fld>
             <a:endParaRPr lang="en-US"/>
           </a:p>
@@ -28353,7 +28269,7 @@
                 <a:tabLst/>
                 <a:defRPr/>
               </a:pPr>
-              <a:t>06.01.2018</a:t>
+              <a:t>07.01.2018</a:t>
             </a:fld>
             <a:endParaRPr kumimoji="0" lang="en-US" sz="1600" b="0" i="0" u="none" strike="noStrike" kern="1200" cap="none" spc="0" normalizeH="0" baseline="0" noProof="0" dirty="0">
               <a:ln>
@@ -30054,7 +29970,7 @@
           <a:p>
             <a:fld id="{28D50BB7-E2B5-4873-9F23-4433FF9FF057}" type="datetime1">
               <a:rPr lang="de-DE" smtClean="0"/>
-              <a:t>06.01.2018</a:t>
+              <a:t>07.01.2018</a:t>
             </a:fld>
             <a:endParaRPr lang="en-US" dirty="0"/>
           </a:p>
@@ -30256,7 +30172,7 @@
           <a:p>
             <a:fld id="{28D50BB7-E2B5-4873-9F23-4433FF9FF057}" type="datetime1">
               <a:rPr lang="de-DE" smtClean="0"/>
-              <a:t>06.01.2018</a:t>
+              <a:t>07.01.2018</a:t>
             </a:fld>
             <a:endParaRPr lang="en-US" dirty="0"/>
           </a:p>
@@ -30452,7 +30368,7 @@
                 <a:tabLst/>
                 <a:defRPr/>
               </a:pPr>
-              <a:t>06.01.2018</a:t>
+              <a:t>07.01.2018</a:t>
             </a:fld>
             <a:endParaRPr kumimoji="0" lang="en-US" sz="1600" b="0" i="0" u="none" strike="noStrike" kern="1200" cap="none" spc="0" normalizeH="0" baseline="0" noProof="0" dirty="0">
               <a:ln>
@@ -31956,7 +31872,7 @@
           <a:p>
             <a:fld id="{28D50BB7-E2B5-4873-9F23-4433FF9FF057}" type="datetime1">
               <a:rPr lang="de-DE" smtClean="0"/>
-              <a:t>06.01.2018</a:t>
+              <a:t>07.01.2018</a:t>
             </a:fld>
             <a:endParaRPr lang="en-US" dirty="0"/>
           </a:p>
@@ -33375,7 +33291,7 @@
           <a:p>
             <a:fld id="{28D50BB7-E2B5-4873-9F23-4433FF9FF057}" type="datetime1">
               <a:rPr lang="de-DE" smtClean="0"/>
-              <a:t>06.01.2018</a:t>
+              <a:t>07.01.2018</a:t>
             </a:fld>
             <a:endParaRPr lang="en-US" dirty="0"/>
           </a:p>
@@ -33594,7 +33510,7 @@
           <a:p>
             <a:fld id="{28D50BB7-E2B5-4873-9F23-4433FF9FF057}" type="datetime1">
               <a:rPr lang="de-DE" smtClean="0"/>
-              <a:t>06.01.2018</a:t>
+              <a:t>07.01.2018</a:t>
             </a:fld>
             <a:endParaRPr lang="en-US" dirty="0"/>
           </a:p>
@@ -33790,7 +33706,7 @@
                 <a:tabLst/>
                 <a:defRPr/>
               </a:pPr>
-              <a:t>06.01.2018</a:t>
+              <a:t>07.01.2018</a:t>
             </a:fld>
             <a:endParaRPr kumimoji="0" lang="en-US" sz="1600" b="0" i="0" u="none" strike="noStrike" kern="1200" cap="none" spc="0" normalizeH="0" baseline="0" noProof="0" dirty="0">
               <a:ln>
@@ -35292,45 +35208,6 @@
           <a:bodyPr/>
           <a:lstStyle/>
           <a:p>
-            <a:r>
-              <a:rPr lang="de-DE" dirty="0"/>
-              <a:t>Die Server rechnen </a:t>
-            </a:r>
-            <a:r>
-              <a:rPr lang="de-DE" dirty="0" err="1"/>
-              <a:t>Commitments</a:t>
-            </a:r>
-            <a:r>
-              <a:rPr lang="de-DE" dirty="0"/>
-              <a:t> </a:t>
-            </a:r>
-            <a:r>
-              <a:rPr lang="de-DE" dirty="0" err="1"/>
-              <a:t>for</a:t>
-            </a:r>
-            <a:r>
-              <a:rPr lang="de-DE" dirty="0"/>
-              <a:t> ihre Shares aus</a:t>
-            </a:r>
-          </a:p>
-          <a:p>
-            <a:r>
-              <a:rPr lang="de-DE" dirty="0"/>
-              <a:t>Diese werden vom Server mit dem Ergebnis der </a:t>
-            </a:r>
-            <a:r>
-              <a:rPr lang="de-DE" dirty="0" err="1"/>
-              <a:t>Commitment</a:t>
-            </a:r>
-            <a:r>
-              <a:rPr lang="de-DE" dirty="0"/>
-              <a:t> des Client auf Gleichheit getestet </a:t>
-            </a:r>
-          </a:p>
-          <a:p>
-            <a:pPr marL="0" indent="0">
-              <a:buNone/>
-            </a:pPr>
             <a:endParaRPr lang="de-DE" dirty="0"/>
           </a:p>
         </p:txBody>
@@ -35358,7 +35235,7 @@
           <a:p>
             <a:fld id="{28D50BB7-E2B5-4873-9F23-4433FF9FF057}" type="datetime1">
               <a:rPr lang="de-DE" smtClean="0"/>
-              <a:t>06.01.2018</a:t>
+              <a:t>07.01.2018</a:t>
             </a:fld>
             <a:endParaRPr lang="en-US" dirty="0"/>
           </a:p>
@@ -35554,7 +35431,7 @@
                 <a:tabLst/>
                 <a:defRPr/>
               </a:pPr>
-              <a:t>06.01.2018</a:t>
+              <a:t>07.01.2018</a:t>
             </a:fld>
             <a:endParaRPr kumimoji="0" lang="en-US" sz="1600" b="0" i="0" u="none" strike="noStrike" kern="1200" cap="none" spc="0" normalizeH="0" baseline="0" noProof="0" dirty="0">
               <a:ln>
@@ -37205,7 +37082,7 @@
           <a:p>
             <a:fld id="{28D50BB7-E2B5-4873-9F23-4433FF9FF057}" type="datetime1">
               <a:rPr lang="de-DE" smtClean="0"/>
-              <a:t>06.01.2018</a:t>
+              <a:t>07.01.2018</a:t>
             </a:fld>
             <a:endParaRPr lang="en-US" dirty="0"/>
           </a:p>
@@ -38208,7 +38085,7 @@
           <a:p>
             <a:fld id="{28D50BB7-E2B5-4873-9F23-4433FF9FF057}" type="datetime1">
               <a:rPr lang="de-DE" smtClean="0"/>
-              <a:t>06.01.2018</a:t>
+              <a:t>07.01.2018</a:t>
             </a:fld>
             <a:endParaRPr lang="en-US" dirty="0"/>
           </a:p>
@@ -38501,7 +38378,7 @@
           <a:p>
             <a:fld id="{28D50BB7-E2B5-4873-9F23-4433FF9FF057}" type="datetime1">
               <a:rPr lang="de-DE" smtClean="0"/>
-              <a:t>06.01.2018</a:t>
+              <a:t>07.01.2018</a:t>
             </a:fld>
             <a:endParaRPr lang="en-US" dirty="0"/>
           </a:p>
@@ -39476,13 +39353,8 @@
           <a:p>
             <a:r>
               <a:rPr lang="de-DE" dirty="0"/>
-              <a:t>Performance der </a:t>
-            </a:r>
-            <a:r>
-              <a:rPr lang="de-DE" dirty="0" err="1"/>
-              <a:t>Alogrithmen</a:t>
-            </a:r>
-            <a:endParaRPr lang="de-DE" dirty="0"/>
+              <a:t>Performance der Algorithmen</a:t>
+            </a:r>
           </a:p>
           <a:p>
             <a:r>
@@ -39518,7 +39390,7 @@
           <a:p>
             <a:fld id="{28D50BB7-E2B5-4873-9F23-4433FF9FF057}" type="datetime1">
               <a:rPr lang="de-DE" smtClean="0"/>
-              <a:t>06.01.2018</a:t>
+              <a:t>07.01.2018</a:t>
             </a:fld>
             <a:endParaRPr lang="en-US" dirty="0"/>
           </a:p>
@@ -39698,7 +39570,7 @@
           <a:p>
             <a:fld id="{28D50BB7-E2B5-4873-9F23-4433FF9FF057}" type="datetime1">
               <a:rPr lang="de-DE" smtClean="0"/>
-              <a:t>06.01.2018</a:t>
+              <a:t>07.01.2018</a:t>
             </a:fld>
             <a:endParaRPr lang="en-US" dirty="0"/>
           </a:p>
@@ -39885,7 +39757,7 @@
           <a:p>
             <a:fld id="{28D50BB7-E2B5-4873-9F23-4433FF9FF057}" type="datetime1">
               <a:rPr lang="de-DE" smtClean="0"/>
-              <a:t>06.01.2018</a:t>
+              <a:t>07.01.2018</a:t>
             </a:fld>
             <a:endParaRPr lang="en-US" dirty="0"/>
           </a:p>
@@ -40616,8 +40488,23 @@
           <a:p>
             <a:r>
               <a:rPr lang="de-DE" dirty="0"/>
-              <a:t>Eigenes Fazit zu Paper</a:t>
-            </a:r>
+              <a:t>Erschreckend wie viele Plain Text PW Datenbank es gibt (auch bei großen Apps)</a:t>
+            </a:r>
+          </a:p>
+          <a:p>
+            <a:r>
+              <a:rPr lang="de-DE" dirty="0"/>
+              <a:t>Erschreckend wie viele Menschen unsichere PWs verwenden</a:t>
+            </a:r>
+          </a:p>
+          <a:p>
+            <a:r>
+              <a:rPr lang="de-DE" dirty="0"/>
+              <a:t>Die Signifikanz der Protokolle ergo sehr groß</a:t>
+            </a:r>
+          </a:p>
+          <a:p>
+            <a:endParaRPr lang="de-DE" dirty="0"/>
           </a:p>
           <a:p>
             <a:r>
@@ -40664,7 +40551,7 @@
           <a:p>
             <a:fld id="{28D50BB7-E2B5-4873-9F23-4433FF9FF057}" type="datetime1">
               <a:rPr lang="de-DE" smtClean="0"/>
-              <a:t>06.01.2018</a:t>
+              <a:t>07.01.2018</a:t>
             </a:fld>
             <a:endParaRPr lang="en-US" dirty="0"/>
           </a:p>
@@ -41025,7 +40912,7 @@
           <a:p>
             <a:fld id="{28D50BB7-E2B5-4873-9F23-4433FF9FF057}" type="datetime1">
               <a:rPr lang="de-DE" smtClean="0"/>
-              <a:t>06.01.2018</a:t>
+              <a:t>07.01.2018</a:t>
             </a:fld>
             <a:endParaRPr lang="en-US" dirty="0"/>
           </a:p>
@@ -41398,7 +41285,7 @@
           <a:p>
             <a:fld id="{28D50BB7-E2B5-4873-9F23-4433FF9FF057}" type="datetime1">
               <a:rPr lang="de-DE" smtClean="0"/>
-              <a:t>06.01.2018</a:t>
+              <a:t>07.01.2018</a:t>
             </a:fld>
             <a:endParaRPr lang="en-US" dirty="0"/>
           </a:p>
@@ -41713,7 +41600,7 @@
           <a:p>
             <a:fld id="{28D50BB7-E2B5-4873-9F23-4433FF9FF057}" type="datetime1">
               <a:rPr lang="de-DE" smtClean="0"/>
-              <a:t>06.01.2018</a:t>
+              <a:t>07.01.2018</a:t>
             </a:fld>
             <a:endParaRPr lang="en-US" dirty="0"/>
           </a:p>
@@ -41900,7 +41787,7 @@
           <a:p>
             <a:fld id="{28D50BB7-E2B5-4873-9F23-4433FF9FF057}" type="datetime1">
               <a:rPr lang="de-DE" smtClean="0"/>
-              <a:t>06.01.2018</a:t>
+              <a:t>07.01.2018</a:t>
             </a:fld>
             <a:endParaRPr lang="en-US" dirty="0"/>
           </a:p>
@@ -42563,7 +42450,7 @@
           <a:p>
             <a:fld id="{28D50BB7-E2B5-4873-9F23-4433FF9FF057}" type="datetime1">
               <a:rPr lang="de-DE" smtClean="0"/>
-              <a:t>06.01.2018</a:t>
+              <a:t>07.01.2018</a:t>
             </a:fld>
             <a:endParaRPr lang="en-US" dirty="0"/>
           </a:p>
@@ -43563,7 +43450,7 @@
           <a:p>
             <a:fld id="{5538D691-F215-41DA-944D-CC2EEF668359}" type="datetime1">
               <a:rPr lang="de-DE" smtClean="0"/>
-              <a:t>06.01.2018</a:t>
+              <a:t>07.01.2018</a:t>
             </a:fld>
             <a:endParaRPr lang="en-US"/>
           </a:p>
@@ -43809,7 +43696,7 @@
           <a:p>
             <a:fld id="{28D50BB7-E2B5-4873-9F23-4433FF9FF057}" type="datetime1">
               <a:rPr lang="de-DE" smtClean="0"/>
-              <a:t>06.01.2018</a:t>
+              <a:t>07.01.2018</a:t>
             </a:fld>
             <a:endParaRPr lang="en-US" dirty="0"/>
           </a:p>
@@ -44983,7 +44870,7 @@
           <a:p>
             <a:fld id="{28D50BB7-E2B5-4873-9F23-4433FF9FF057}" type="datetime1">
               <a:rPr lang="de-DE" smtClean="0"/>
-              <a:t>06.01.2018</a:t>
+              <a:t>07.01.2018</a:t>
             </a:fld>
             <a:endParaRPr lang="en-US" dirty="0"/>
           </a:p>
